--- a/Bayesian COVID Hospitalizations.pptx
+++ b/Bayesian COVID Hospitalizations.pptx
@@ -129,10 +129,42 @@
 </p:presentation>
 </file>
 
+<file path=ppt/authors.xml><?xml version="1.0" encoding="utf-8"?>
+<p188:authorLst xmlns:a="http://schemas.openxmlformats.org/drawingml/2006/main" xmlns:r="http://schemas.openxmlformats.org/officeDocument/2006/relationships" xmlns:p188="http://schemas.microsoft.com/office/powerpoint/2018/8/main">
+  <p188:author id="{74906A6B-110F-D067-7BFC-521FF3E147DB}" name="Luke Wilsen" initials="LW" userId="S::lwilsen@umass.edu::bcce7b85-2946-40bd-a49c-4b42c07c9900" providerId="AD"/>
+</p188:authorLst>
+</file>
+
 <file path=ppt/commentAuthors.xml><?xml version="1.0" encoding="utf-8"?>
 <p:cmAuthorLst xmlns:a="http://schemas.openxmlformats.org/drawingml/2006/main" xmlns:r="http://schemas.openxmlformats.org/officeDocument/2006/relationships" xmlns:p="http://schemas.openxmlformats.org/presentationml/2006/main">
   <p:cmAuthor id="0" name="alperc" initials="ca" lastIdx="10" clrIdx="0"/>
 </p:cmAuthorLst>
+</file>
+
+<file path=ppt/comments/modernComment_100_0.xml><?xml version="1.0" encoding="utf-8"?>
+<p188:cmLst xmlns:a="http://schemas.openxmlformats.org/drawingml/2006/main" xmlns:r="http://schemas.openxmlformats.org/officeDocument/2006/relationships" xmlns:p188="http://schemas.microsoft.com/office/powerpoint/2018/8/main">
+  <p188:cm id="{B8722735-AE5B-3D45-A59C-5706E6F970D0}" authorId="{74906A6B-110F-D067-7BFC-521FF3E147DB}" created="2024-12-02T23:48:29.800">
+    <ac:txMkLst xmlns:ac="http://schemas.microsoft.com/office/drawing/2013/main/command">
+      <pc:docMk xmlns:pc="http://schemas.microsoft.com/office/powerpoint/2013/main/command"/>
+      <pc:sldMk xmlns:pc="http://schemas.microsoft.com/office/powerpoint/2013/main/command" cId="0" sldId="256"/>
+      <ac:spMk id="60" creationId="{613C2190-55DE-4ECE-ACBA-8B99338B994D}"/>
+      <ac:txMk cp="60" len="113">
+        <ac:context len="190" hash="3832306614"/>
+      </ac:txMk>
+    </ac:txMkLst>
+    <p188:pos x="6726763" y="1905518"/>
+    <p188:txBody>
+      <a:bodyPr/>
+      <a:lstStyle/>
+      <a:p>
+        <a:r>
+          <a:rPr lang="en-US"/>
+          <a:t>Need a citation/s for this</a:t>
+        </a:r>
+      </a:p>
+    </p188:txBody>
+  </p188:cm>
+</p188:cmLst>
 </file>
 
 <file path=ppt/notesMasters/notesMaster1.xml><?xml version="1.0" encoding="utf-8"?>
@@ -218,7 +250,7 @@
             <a:fld id="{311E81F8-90E2-2945-9ED7-A6A90A37CF21}" type="datetimeFigureOut">
               <a:rPr lang="en-US" smtClean="0"/>
               <a:pPr/>
-              <a:t>12/1/24</a:t>
+              <a:t>12/2/24</a:t>
             </a:fld>
             <a:endParaRPr lang="en-US"/>
           </a:p>
@@ -787,7 +819,7 @@
             <a:fld id="{84FD1F27-616A-3542-91BB-C34E14AE38CD}" type="datetimeFigureOut">
               <a:rPr lang="en-US" smtClean="0"/>
               <a:pPr/>
-              <a:t>12/1/24</a:t>
+              <a:t>12/2/24</a:t>
             </a:fld>
             <a:endParaRPr lang="en-US"/>
           </a:p>
@@ -959,7 +991,7 @@
             <a:fld id="{84FD1F27-616A-3542-91BB-C34E14AE38CD}" type="datetimeFigureOut">
               <a:rPr lang="en-US" smtClean="0"/>
               <a:pPr/>
-              <a:t>12/1/24</a:t>
+              <a:t>12/2/24</a:t>
             </a:fld>
             <a:endParaRPr lang="en-US"/>
           </a:p>
@@ -1825,7 +1857,7 @@
             <a:fld id="{84FD1F27-616A-3542-91BB-C34E14AE38CD}" type="datetimeFigureOut">
               <a:rPr lang="en-US" smtClean="0"/>
               <a:pPr/>
-              <a:t>12/1/24</a:t>
+              <a:t>12/2/24</a:t>
             </a:fld>
             <a:endParaRPr lang="en-US"/>
           </a:p>
@@ -2249,7 +2281,7 @@
             <a:fld id="{84FD1F27-616A-3542-91BB-C34E14AE38CD}" type="datetimeFigureOut">
               <a:rPr lang="en-US" smtClean="0"/>
               <a:pPr/>
-              <a:t>12/1/24</a:t>
+              <a:t>12/2/24</a:t>
             </a:fld>
             <a:endParaRPr lang="en-US"/>
           </a:p>
@@ -2369,7 +2401,7 @@
             <a:fld id="{84FD1F27-616A-3542-91BB-C34E14AE38CD}" type="datetimeFigureOut">
               <a:rPr lang="en-US" smtClean="0"/>
               <a:pPr/>
-              <a:t>12/1/24</a:t>
+              <a:t>12/2/24</a:t>
             </a:fld>
             <a:endParaRPr lang="en-US"/>
           </a:p>
@@ -2466,7 +2498,7 @@
             <a:fld id="{84FD1F27-616A-3542-91BB-C34E14AE38CD}" type="datetimeFigureOut">
               <a:rPr lang="en-US" smtClean="0"/>
               <a:pPr/>
-              <a:t>12/1/24</a:t>
+              <a:t>12/2/24</a:t>
             </a:fld>
             <a:endParaRPr lang="en-US"/>
           </a:p>
@@ -2745,7 +2777,7 @@
             <a:fld id="{84FD1F27-616A-3542-91BB-C34E14AE38CD}" type="datetimeFigureOut">
               <a:rPr lang="en-US" smtClean="0"/>
               <a:pPr/>
-              <a:t>12/1/24</a:t>
+              <a:t>12/2/24</a:t>
             </a:fld>
             <a:endParaRPr lang="en-US"/>
           </a:p>
@@ -3004,7 +3036,7 @@
             <a:fld id="{84FD1F27-616A-3542-91BB-C34E14AE38CD}" type="datetimeFigureOut">
               <a:rPr lang="en-US" smtClean="0"/>
               <a:pPr/>
-              <a:t>12/1/24</a:t>
+              <a:t>12/2/24</a:t>
             </a:fld>
             <a:endParaRPr lang="en-US"/>
           </a:p>
@@ -3215,7 +3247,7 @@
             <a:fld id="{84FD1F27-616A-3542-91BB-C34E14AE38CD}" type="datetimeFigureOut">
               <a:rPr lang="en-US" smtClean="0"/>
               <a:pPr/>
-              <a:t>12/1/24</a:t>
+              <a:t>12/2/24</a:t>
             </a:fld>
             <a:endParaRPr lang="en-US"/>
           </a:p>
@@ -3745,7 +3777,7 @@
             <a:fld id="{84FD1F27-616A-3542-91BB-C34E14AE38CD}" type="datetimeFigureOut">
               <a:rPr lang="en-US" smtClean="0"/>
               <a:pPr/>
-              <a:t>12/1/24</a:t>
+              <a:t>12/2/24</a:t>
             </a:fld>
             <a:endParaRPr lang="en-US"/>
           </a:p>
@@ -4128,11 +4160,11 @@
           <p:nvPr/>
         </p:nvPicPr>
         <p:blipFill>
-          <a:blip r:embed="rId3">
+          <a:blip r:embed="rId4">
             <a:extLst>
               <a:ext uri="{BEBA8EAE-BF5A-486C-A8C5-ECC9F3942E4B}">
                 <a14:imgProps xmlns:a14="http://schemas.microsoft.com/office/drawing/2010/main">
-                  <a14:imgLayer r:embed="rId4">
+                  <a14:imgLayer r:embed="rId5">
                     <a14:imgEffect>
                       <a14:artisticBlur/>
                     </a14:imgEffect>
@@ -4162,6 +4194,86 @@
           </a:ln>
         </p:spPr>
       </p:pic>
+      <p:sp>
+        <p:nvSpPr>
+          <p:cNvPr id="65" name="TextBox 64">
+            <a:extLst>
+              <a:ext uri="{FF2B5EF4-FFF2-40B4-BE49-F238E27FC236}">
+                <a16:creationId xmlns:a16="http://schemas.microsoft.com/office/drawing/2014/main" id="{2D02221F-4DAE-8521-6230-1E0812CC4B5A}"/>
+              </a:ext>
+            </a:extLst>
+          </p:cNvPr>
+          <p:cNvSpPr txBox="1"/>
+          <p:nvPr/>
+        </p:nvSpPr>
+        <p:spPr>
+          <a:xfrm>
+            <a:off x="18325645" y="26934991"/>
+            <a:ext cx="14720346" cy="2439129"/>
+          </a:xfrm>
+          <a:prstGeom prst="rect">
+            <a:avLst/>
+          </a:prstGeom>
+          <a:noFill/>
+        </p:spPr>
+        <p:txBody>
+          <a:bodyPr wrap="square">
+            <a:spAutoFit/>
+          </a:bodyPr>
+          <a:lstStyle/>
+          <a:p>
+            <a:pPr marL="932994" indent="-457200">
+              <a:buFont typeface="Arial" panose="020B0604020202020204" pitchFamily="34" charset="0"/>
+              <a:buChar char="•"/>
+            </a:pPr>
+            <a:r>
+              <a:rPr lang="en-US" sz="3050" b="0" dirty="0">
+                <a:latin typeface="+mn-lt"/>
+              </a:rPr>
+              <a:t>Final predictors: </a:t>
+            </a:r>
+          </a:p>
+          <a:p>
+            <a:pPr marL="932994" indent="-457200">
+              <a:buFont typeface="Arial" panose="020B0604020202020204" pitchFamily="34" charset="0"/>
+              <a:buChar char="•"/>
+            </a:pPr>
+            <a:endParaRPr lang="en-US" sz="3050" b="0" dirty="0">
+              <a:latin typeface="+mn-lt"/>
+            </a:endParaRPr>
+          </a:p>
+          <a:p>
+            <a:pPr marL="932994" indent="-457200">
+              <a:buFont typeface="Arial" panose="020B0604020202020204" pitchFamily="34" charset="0"/>
+              <a:buChar char="•"/>
+            </a:pPr>
+            <a:endParaRPr lang="en-US" sz="3050" b="0" dirty="0">
+              <a:latin typeface="+mn-lt"/>
+            </a:endParaRPr>
+          </a:p>
+          <a:p>
+            <a:pPr marL="932994" indent="-457200">
+              <a:buFont typeface="Arial" panose="020B0604020202020204" pitchFamily="34" charset="0"/>
+              <a:buChar char="•"/>
+            </a:pPr>
+            <a:endParaRPr lang="en-US" sz="3050" b="0" dirty="0">
+              <a:latin typeface="+mn-lt"/>
+            </a:endParaRPr>
+          </a:p>
+          <a:p>
+            <a:pPr marL="932994" indent="-457200">
+              <a:buFont typeface="Arial" panose="020B0604020202020204" pitchFamily="34" charset="0"/>
+              <a:buChar char="•"/>
+            </a:pPr>
+            <a:r>
+              <a:rPr lang="en-US" sz="3050" b="0" dirty="0">
+                <a:latin typeface="+mn-lt"/>
+              </a:rPr>
+              <a:t>Final Model:</a:t>
+            </a:r>
+          </a:p>
+        </p:txBody>
+      </p:sp>
       <p:sp>
         <p:nvSpPr>
           <p:cNvPr id="6" name="Title 5"/>
@@ -4574,95 +4686,6 @@
       </p:grpSp>
       <p:sp>
         <p:nvSpPr>
-          <p:cNvPr id="58" name="Rectangle 57"/>
-          <p:cNvSpPr/>
-          <p:nvPr/>
-        </p:nvSpPr>
-        <p:spPr>
-          <a:xfrm>
-            <a:off x="59707416" y="46771672"/>
-            <a:ext cx="13440890" cy="1392668"/>
-          </a:xfrm>
-          <a:prstGeom prst="rect">
-            <a:avLst/>
-          </a:prstGeom>
-          <a:gradFill flip="none" rotWithShape="1">
-            <a:gsLst>
-              <a:gs pos="0">
-                <a:schemeClr val="accent1">
-                  <a:lumMod val="60000"/>
-                  <a:lumOff val="40000"/>
-                </a:schemeClr>
-              </a:gs>
-              <a:gs pos="50000">
-                <a:schemeClr val="accent1">
-                  <a:tint val="44500"/>
-                  <a:satMod val="160000"/>
-                </a:schemeClr>
-              </a:gs>
-              <a:gs pos="100000">
-                <a:schemeClr val="accent1">
-                  <a:tint val="23500"/>
-                  <a:satMod val="160000"/>
-                </a:schemeClr>
-              </a:gs>
-            </a:gsLst>
-            <a:lin ang="5400000" scaled="1"/>
-            <a:tileRect/>
-          </a:gradFill>
-          <a:ln>
-            <a:gradFill>
-              <a:gsLst>
-                <a:gs pos="0">
-                  <a:schemeClr val="accent1">
-                    <a:tint val="66000"/>
-                    <a:satMod val="160000"/>
-                  </a:schemeClr>
-                </a:gs>
-                <a:gs pos="50000">
-                  <a:schemeClr val="accent1">
-                    <a:tint val="44500"/>
-                    <a:satMod val="160000"/>
-                  </a:schemeClr>
-                </a:gs>
-                <a:gs pos="100000">
-                  <a:schemeClr val="accent1">
-                    <a:tint val="23500"/>
-                    <a:satMod val="160000"/>
-                  </a:schemeClr>
-                </a:gs>
-              </a:gsLst>
-              <a:lin ang="5400000" scaled="0"/>
-            </a:gradFill>
-          </a:ln>
-        </p:spPr>
-        <p:style>
-          <a:lnRef idx="2">
-            <a:schemeClr val="accent1">
-              <a:shade val="50000"/>
-            </a:schemeClr>
-          </a:lnRef>
-          <a:fillRef idx="1">
-            <a:schemeClr val="accent1"/>
-          </a:fillRef>
-          <a:effectRef idx="0">
-            <a:schemeClr val="accent1"/>
-          </a:effectRef>
-          <a:fontRef idx="minor">
-            <a:schemeClr val="lt1"/>
-          </a:fontRef>
-        </p:style>
-        <p:txBody>
-          <a:bodyPr rtlCol="0" anchor="ctr"/>
-          <a:lstStyle/>
-          <a:p>
-            <a:pPr algn="ctr"/>
-            <a:endParaRPr lang="en-US" sz="9068"/>
-          </a:p>
-        </p:txBody>
-      </p:sp>
-      <p:sp>
-        <p:nvSpPr>
           <p:cNvPr id="44" name="TextBox 43"/>
           <p:cNvSpPr txBox="1"/>
           <p:nvPr/>
@@ -4918,32 +4941,6 @@
       </p:sp>
       <p:sp>
         <p:nvSpPr>
-          <p:cNvPr id="17" name="TextBox 16"/>
-          <p:cNvSpPr txBox="1"/>
-          <p:nvPr/>
-        </p:nvSpPr>
-        <p:spPr>
-          <a:xfrm>
-            <a:off x="3319278" y="24683544"/>
-            <a:ext cx="184731" cy="1487780"/>
-          </a:xfrm>
-          <a:prstGeom prst="rect">
-            <a:avLst/>
-          </a:prstGeom>
-          <a:noFill/>
-        </p:spPr>
-        <p:txBody>
-          <a:bodyPr wrap="none" rtlCol="0">
-            <a:spAutoFit/>
-          </a:bodyPr>
-          <a:lstStyle/>
-          <a:p>
-            <a:endParaRPr lang="en-US" sz="9068" dirty="0"/>
-          </a:p>
-        </p:txBody>
-      </p:sp>
-      <p:sp>
-        <p:nvSpPr>
           <p:cNvPr id="50" name="Text Placeholder 6"/>
           <p:cNvSpPr>
             <a:spLocks noGrp="1"/>
@@ -4954,8 +4951,8 @@
         </p:nvSpPr>
         <p:spPr>
           <a:xfrm>
-            <a:off x="2236816" y="25796766"/>
-            <a:ext cx="14838218" cy="5404163"/>
+            <a:off x="2236815" y="23396435"/>
+            <a:ext cx="14838218" cy="6857828"/>
           </a:xfrm>
         </p:spPr>
         <p:txBody>
@@ -4964,12 +4961,105 @@
           </a:bodyPr>
           <a:lstStyle/>
           <a:p>
-            <a:pPr marL="384878"/>
-            <a:r>
-              <a:rPr lang="en-US" sz="3054" b="0" dirty="0">
+            <a:pPr marL="932994" indent="-457200">
+              <a:buFont typeface="Arial" panose="020B0604020202020204" pitchFamily="34" charset="0"/>
+              <a:buChar char="•"/>
+            </a:pPr>
+            <a:r>
+              <a:rPr lang="en-US" sz="3050" b="0" dirty="0">
                 <a:latin typeface="+mn-lt"/>
               </a:rPr>
-              <a:t>			</a:t>
+              <a:t>Outcome variable:</a:t>
+            </a:r>
+          </a:p>
+          <a:p>
+            <a:pPr marL="932994" indent="-457200">
+              <a:buFont typeface="Arial" panose="020B0604020202020204" pitchFamily="34" charset="0"/>
+              <a:buChar char="•"/>
+            </a:pPr>
+            <a:endParaRPr lang="en-US" sz="3050" b="0" dirty="0">
+              <a:latin typeface="+mn-lt"/>
+            </a:endParaRPr>
+          </a:p>
+          <a:p>
+            <a:pPr marL="932994" indent="-457200">
+              <a:buFont typeface="Arial" panose="020B0604020202020204" pitchFamily="34" charset="0"/>
+              <a:buChar char="•"/>
+            </a:pPr>
+            <a:r>
+              <a:rPr lang="en-US" sz="3050" b="0" dirty="0">
+                <a:latin typeface="+mn-lt"/>
+              </a:rPr>
+              <a:t>Initial predictors:</a:t>
+            </a:r>
+          </a:p>
+          <a:p>
+            <a:pPr marL="932994" indent="-457200">
+              <a:buFont typeface="Arial" panose="020B0604020202020204" pitchFamily="34" charset="0"/>
+              <a:buChar char="•"/>
+            </a:pPr>
+            <a:endParaRPr lang="en-US" sz="3050" b="0" dirty="0">
+              <a:latin typeface="+mn-lt"/>
+            </a:endParaRPr>
+          </a:p>
+          <a:p>
+            <a:pPr marL="932994" indent="-457200">
+              <a:buFont typeface="Arial" panose="020B0604020202020204" pitchFamily="34" charset="0"/>
+              <a:buChar char="•"/>
+            </a:pPr>
+            <a:endParaRPr lang="en-US" sz="3050" b="0" dirty="0">
+              <a:latin typeface="+mn-lt"/>
+            </a:endParaRPr>
+          </a:p>
+          <a:p>
+            <a:pPr marL="932994" indent="-457200">
+              <a:buFont typeface="Arial" panose="020B0604020202020204" pitchFamily="34" charset="0"/>
+              <a:buChar char="•"/>
+            </a:pPr>
+            <a:endParaRPr lang="en-US" sz="3050" b="0" dirty="0">
+              <a:latin typeface="+mn-lt"/>
+            </a:endParaRPr>
+          </a:p>
+          <a:p>
+            <a:pPr marL="932994" indent="-457200">
+              <a:buFont typeface="Arial" panose="020B0604020202020204" pitchFamily="34" charset="0"/>
+              <a:buChar char="•"/>
+            </a:pPr>
+            <a:r>
+              <a:rPr lang="en-US" sz="3050" b="0" dirty="0">
+                <a:latin typeface="+mn-lt"/>
+              </a:rPr>
+              <a:t>Initial Model:</a:t>
+            </a:r>
+          </a:p>
+          <a:p>
+            <a:pPr marL="932994" indent="-457200">
+              <a:buFont typeface="Arial" panose="020B0604020202020204" pitchFamily="34" charset="0"/>
+              <a:buChar char="•"/>
+            </a:pPr>
+            <a:endParaRPr lang="en-US" sz="3050" b="0" dirty="0">
+              <a:latin typeface="+mn-lt"/>
+            </a:endParaRPr>
+          </a:p>
+          <a:p>
+            <a:pPr marL="475794"/>
+            <a:r>
+              <a:rPr lang="en-US" sz="3050" b="0" dirty="0">
+                <a:latin typeface="+mn-lt"/>
+              </a:rPr>
+              <a:t>Model Exploration</a:t>
+            </a:r>
+          </a:p>
+          <a:p>
+            <a:pPr marL="932994" indent="-457200">
+              <a:buFont typeface="Arial" panose="020B0604020202020204" pitchFamily="34" charset="0"/>
+              <a:buChar char="•"/>
+            </a:pPr>
+            <a:r>
+              <a:rPr lang="en-US" sz="3050" b="0" dirty="0">
+                <a:latin typeface="+mn-lt"/>
+              </a:rPr>
+              <a:t>We considered recoding the age group variable as the mean of the age group boundaries</a:t>
             </a:r>
           </a:p>
         </p:txBody>
@@ -5709,11 +5799,11 @@
               <a:buChar char="•"/>
             </a:pPr>
             <a:r>
-              <a:rPr lang="en-US" sz="3054" dirty="0">
+              <a:rPr lang="en-US" sz="3054" b="1" dirty="0">
                 <a:latin typeface="+mj-lt"/>
                 <a:cs typeface="Times New Roman" panose="02020603050405020304" pitchFamily="18" charset="0"/>
               </a:rPr>
-              <a:t>Text</a:t>
+              <a:t>Base model vs hierarchical model</a:t>
             </a:r>
           </a:p>
         </p:txBody>
@@ -6000,12 +6090,12 @@
           <a:graphicData uri="http://schemas.openxmlformats.org/presentationml/2006/ole">
             <mc:AlternateContent xmlns:mc="http://schemas.openxmlformats.org/markup-compatibility/2006">
               <mc:Choice xmlns:v="urn:schemas-microsoft-com:vml" Requires="v">
-                <p:oleObj name="Equation" r:id="rId5" imgW="114120" imgH="215640" progId="Equation.3">
+                <p:oleObj name="Equation" r:id="rId6" imgW="114120" imgH="215640" progId="Equation.3">
                   <p:embed/>
                 </p:oleObj>
               </mc:Choice>
               <mc:Fallback>
-                <p:oleObj name="Equation" r:id="rId5" imgW="114120" imgH="215640" progId="Equation.3">
+                <p:oleObj name="Equation" r:id="rId6" imgW="114120" imgH="215640" progId="Equation.3">
                   <p:embed/>
                   <p:pic>
                     <p:nvPicPr>
@@ -6016,7 +6106,7 @@
                       <p:nvPr/>
                     </p:nvPicPr>
                     <p:blipFill>
-                      <a:blip r:embed="rId6">
+                      <a:blip r:embed="rId7">
                         <a:extLst>
                           <a:ext uri="{28A0092B-C50C-407E-A947-70E740481C1C}">
                             <a14:useLocalDpi xmlns:a14="http://schemas.microsoft.com/office/drawing/2010/main" val="0"/>
@@ -7091,7 +7181,7 @@
         <p:spPr>
           <a:xfrm>
             <a:off x="34414477" y="15992466"/>
-            <a:ext cx="14838218" cy="562333"/>
+            <a:ext cx="14838218" cy="1032334"/>
           </a:xfrm>
           <a:prstGeom prst="rect">
             <a:avLst/>
@@ -7108,12 +7198,22 @@
               <a:buChar char="•"/>
             </a:pPr>
             <a:r>
-              <a:rPr lang="en-US" sz="3054" dirty="0">
+              <a:rPr lang="en-US" sz="3054" b="1" dirty="0">
                 <a:latin typeface="+mj-lt"/>
                 <a:cs typeface="Times New Roman" panose="02020603050405020304" pitchFamily="18" charset="0"/>
               </a:rPr>
-              <a:t>Text</a:t>
-            </a:r>
+              <a:t>Map</a:t>
+            </a:r>
+          </a:p>
+          <a:p>
+            <a:pPr marL="933406" indent="-451550">
+              <a:buFont typeface="Arial" pitchFamily="34" charset="0"/>
+              <a:buChar char="•"/>
+            </a:pPr>
+            <a:endParaRPr lang="en-US" sz="3054" b="1" dirty="0">
+              <a:latin typeface="+mj-lt"/>
+              <a:cs typeface="Times New Roman" panose="02020603050405020304" pitchFamily="18" charset="0"/>
+            </a:endParaRPr>
           </a:p>
         </p:txBody>
       </p:sp>
@@ -7132,7 +7232,7 @@
           <p:nvPr/>
         </p:nvPicPr>
         <p:blipFill>
-          <a:blip r:embed="rId7"/>
+          <a:blip r:embed="rId8"/>
           <a:srcRect l="25817" r="26649"/>
           <a:stretch/>
         </p:blipFill>
@@ -7393,7 +7493,7 @@
           <p:nvPr/>
         </p:nvPicPr>
         <p:blipFill>
-          <a:blip r:embed="rId8"/>
+          <a:blip r:embed="rId9"/>
           <a:stretch>
             <a:fillRect/>
           </a:stretch>
@@ -7496,11 +7596,296 @@
           </a:p>
         </p:txBody>
       </p:sp>
+      <p:pic>
+        <p:nvPicPr>
+          <p:cNvPr id="31" name="Picture 30" descr="A black text on a white background&#10;&#10;Description automatically generated">
+            <a:extLst>
+              <a:ext uri="{FF2B5EF4-FFF2-40B4-BE49-F238E27FC236}">
+                <a16:creationId xmlns:a16="http://schemas.microsoft.com/office/drawing/2014/main" id="{A05651BD-D430-C253-6E02-3185AFD8B361}"/>
+              </a:ext>
+            </a:extLst>
+          </p:cNvPr>
+          <p:cNvPicPr>
+            <a:picLocks noChangeAspect="1"/>
+          </p:cNvPicPr>
+          <p:nvPr/>
+        </p:nvPicPr>
+        <p:blipFill>
+          <a:blip r:embed="rId10"/>
+          <a:stretch>
+            <a:fillRect/>
+          </a:stretch>
+        </p:blipFill>
+        <p:spPr>
+          <a:xfrm>
+            <a:off x="6236431" y="22842900"/>
+            <a:ext cx="7307816" cy="1429790"/>
+          </a:xfrm>
+          <a:prstGeom prst="rect">
+            <a:avLst/>
+          </a:prstGeom>
+        </p:spPr>
+      </p:pic>
+      <p:pic>
+        <p:nvPicPr>
+          <p:cNvPr id="36" name="Picture 35" descr="A close-up of black text&#10;&#10;Description automatically generated">
+            <a:extLst>
+              <a:ext uri="{FF2B5EF4-FFF2-40B4-BE49-F238E27FC236}">
+                <a16:creationId xmlns:a16="http://schemas.microsoft.com/office/drawing/2014/main" id="{D730D150-A99F-F319-BB80-0415DA221D03}"/>
+              </a:ext>
+            </a:extLst>
+          </p:cNvPr>
+          <p:cNvPicPr>
+            <a:picLocks noChangeAspect="1"/>
+          </p:cNvPicPr>
+          <p:nvPr/>
+        </p:nvPicPr>
+        <p:blipFill>
+          <a:blip r:embed="rId11"/>
+          <a:stretch>
+            <a:fillRect/>
+          </a:stretch>
+        </p:blipFill>
+        <p:spPr>
+          <a:xfrm>
+            <a:off x="6236431" y="24356931"/>
+            <a:ext cx="4871975" cy="1963897"/>
+          </a:xfrm>
+          <a:prstGeom prst="rect">
+            <a:avLst/>
+          </a:prstGeom>
+        </p:spPr>
+      </p:pic>
+      <p:pic>
+        <p:nvPicPr>
+          <p:cNvPr id="40" name="Picture 39">
+            <a:extLst>
+              <a:ext uri="{FF2B5EF4-FFF2-40B4-BE49-F238E27FC236}">
+                <a16:creationId xmlns:a16="http://schemas.microsoft.com/office/drawing/2014/main" id="{561C5FE4-9249-2A41-BA37-044223A59553}"/>
+              </a:ext>
+            </a:extLst>
+          </p:cNvPr>
+          <p:cNvPicPr>
+            <a:picLocks noChangeAspect="1"/>
+          </p:cNvPicPr>
+          <p:nvPr/>
+        </p:nvPicPr>
+        <p:blipFill>
+          <a:blip r:embed="rId12"/>
+          <a:stretch>
+            <a:fillRect/>
+          </a:stretch>
+        </p:blipFill>
+        <p:spPr>
+          <a:xfrm>
+            <a:off x="5729836" y="26282291"/>
+            <a:ext cx="12240150" cy="1224015"/>
+          </a:xfrm>
+          <a:prstGeom prst="rect">
+            <a:avLst/>
+          </a:prstGeom>
+        </p:spPr>
+      </p:pic>
+      <p:pic>
+        <p:nvPicPr>
+          <p:cNvPr id="46" name="Picture 45" descr="A close-up of a sign&#10;&#10;Description automatically generated">
+            <a:extLst>
+              <a:ext uri="{FF2B5EF4-FFF2-40B4-BE49-F238E27FC236}">
+                <a16:creationId xmlns:a16="http://schemas.microsoft.com/office/drawing/2014/main" id="{347A5C05-6D0D-4C91-4004-8A9B47776A65}"/>
+              </a:ext>
+            </a:extLst>
+          </p:cNvPr>
+          <p:cNvPicPr>
+            <a:picLocks noChangeAspect="1"/>
+          </p:cNvPicPr>
+          <p:nvPr/>
+        </p:nvPicPr>
+        <p:blipFill>
+          <a:blip r:embed="rId13"/>
+          <a:stretch>
+            <a:fillRect/>
+          </a:stretch>
+        </p:blipFill>
+        <p:spPr>
+          <a:xfrm>
+            <a:off x="22088009" y="26779206"/>
+            <a:ext cx="4213855" cy="1546369"/>
+          </a:xfrm>
+          <a:prstGeom prst="rect">
+            <a:avLst/>
+          </a:prstGeom>
+        </p:spPr>
+      </p:pic>
+      <p:pic>
+        <p:nvPicPr>
+          <p:cNvPr id="55" name="Picture 54">
+            <a:extLst>
+              <a:ext uri="{FF2B5EF4-FFF2-40B4-BE49-F238E27FC236}">
+                <a16:creationId xmlns:a16="http://schemas.microsoft.com/office/drawing/2014/main" id="{6B5E7224-EDDA-1134-23DC-69FF0ED4CC0D}"/>
+              </a:ext>
+            </a:extLst>
+          </p:cNvPr>
+          <p:cNvPicPr>
+            <a:picLocks noChangeAspect="1"/>
+          </p:cNvPicPr>
+          <p:nvPr/>
+        </p:nvPicPr>
+        <p:blipFill>
+          <a:blip r:embed="rId14"/>
+          <a:stretch>
+            <a:fillRect/>
+          </a:stretch>
+        </p:blipFill>
+        <p:spPr>
+          <a:xfrm>
+            <a:off x="21311525" y="28280356"/>
+            <a:ext cx="12074928" cy="1454348"/>
+          </a:xfrm>
+          <a:prstGeom prst="rect">
+            <a:avLst/>
+          </a:prstGeom>
+        </p:spPr>
+      </p:pic>
+      <p:sp>
+        <p:nvSpPr>
+          <p:cNvPr id="60" name="TextBox 59">
+            <a:extLst>
+              <a:ext uri="{FF2B5EF4-FFF2-40B4-BE49-F238E27FC236}">
+                <a16:creationId xmlns:a16="http://schemas.microsoft.com/office/drawing/2014/main" id="{613C2190-55DE-4ECE-ACBA-8B99338B994D}"/>
+              </a:ext>
+            </a:extLst>
+          </p:cNvPr>
+          <p:cNvSpPr txBox="1"/>
+          <p:nvPr/>
+        </p:nvSpPr>
+        <p:spPr>
+          <a:xfrm>
+            <a:off x="11482860" y="23802185"/>
+            <a:ext cx="7179122" cy="2908489"/>
+          </a:xfrm>
+          <a:prstGeom prst="rect">
+            <a:avLst/>
+          </a:prstGeom>
+          <a:noFill/>
+        </p:spPr>
+        <p:txBody>
+          <a:bodyPr wrap="square" rtlCol="0">
+            <a:spAutoFit/>
+          </a:bodyPr>
+          <a:lstStyle/>
+          <a:p>
+            <a:pPr marL="457200" indent="-457200">
+              <a:buFont typeface="Arial" panose="020B0604020202020204" pitchFamily="34" charset="0"/>
+              <a:buChar char="•"/>
+            </a:pPr>
+            <a:r>
+              <a:rPr lang="en-US" sz="3050" dirty="0"/>
+              <a:t>Dropped Underlying Conditions (Missing data for 95% of </a:t>
+            </a:r>
+            <a:r>
+              <a:rPr lang="en-US" sz="3050" dirty="0" err="1"/>
+              <a:t>obs</a:t>
+            </a:r>
+            <a:r>
+              <a:rPr lang="en-US" sz="3050" dirty="0"/>
+              <a:t>)</a:t>
+            </a:r>
+          </a:p>
+          <a:p>
+            <a:pPr marL="457200" indent="-457200">
+              <a:buFont typeface="Arial" panose="020B0604020202020204" pitchFamily="34" charset="0"/>
+              <a:buChar char="•"/>
+            </a:pPr>
+            <a:r>
+              <a:rPr lang="en-US" sz="3050" dirty="0"/>
+              <a:t>Dropped Symptoms (95% of </a:t>
+            </a:r>
+            <a:r>
+              <a:rPr lang="en-US" sz="3050" dirty="0" err="1"/>
+              <a:t>obs</a:t>
+            </a:r>
+            <a:r>
+              <a:rPr lang="en-US" sz="3050" dirty="0"/>
+              <a:t> had symptoms, and literature says that symptoms are not a good predictor of severity </a:t>
+            </a:r>
+            <a:r>
+              <a:rPr lang="en-US" sz="3050" b="1" dirty="0"/>
+              <a:t>(need citation)</a:t>
+            </a:r>
+            <a:endParaRPr lang="en-US" sz="3050" dirty="0"/>
+          </a:p>
+        </p:txBody>
+      </p:sp>
+      <p:pic>
+        <p:nvPicPr>
+          <p:cNvPr id="67" name="Picture 66" descr="A graph with black and white lines&#10;&#10;Description automatically generated">
+            <a:extLst>
+              <a:ext uri="{FF2B5EF4-FFF2-40B4-BE49-F238E27FC236}">
+                <a16:creationId xmlns:a16="http://schemas.microsoft.com/office/drawing/2014/main" id="{FC8A4AC8-57DA-3DAF-346F-2B4A874166EB}"/>
+              </a:ext>
+            </a:extLst>
+          </p:cNvPr>
+          <p:cNvPicPr>
+            <a:picLocks noChangeAspect="1"/>
+          </p:cNvPicPr>
+          <p:nvPr/>
+        </p:nvPicPr>
+        <p:blipFill>
+          <a:blip r:embed="rId15"/>
+          <a:stretch>
+            <a:fillRect/>
+          </a:stretch>
+        </p:blipFill>
+        <p:spPr>
+          <a:xfrm>
+            <a:off x="2733106" y="29311986"/>
+            <a:ext cx="6368364" cy="3918993"/>
+          </a:xfrm>
+          <a:prstGeom prst="rect">
+            <a:avLst/>
+          </a:prstGeom>
+        </p:spPr>
+      </p:pic>
+      <p:pic>
+        <p:nvPicPr>
+          <p:cNvPr id="69" name="Picture 68" descr="A graph with a blue line&#10;&#10;Description automatically generated">
+            <a:extLst>
+              <a:ext uri="{FF2B5EF4-FFF2-40B4-BE49-F238E27FC236}">
+                <a16:creationId xmlns:a16="http://schemas.microsoft.com/office/drawing/2014/main" id="{7D5A26DE-45D0-411D-6073-D4C177E42747}"/>
+              </a:ext>
+            </a:extLst>
+          </p:cNvPr>
+          <p:cNvPicPr>
+            <a:picLocks noChangeAspect="1"/>
+          </p:cNvPicPr>
+          <p:nvPr/>
+        </p:nvPicPr>
+        <p:blipFill>
+          <a:blip r:embed="rId16"/>
+          <a:stretch>
+            <a:fillRect/>
+          </a:stretch>
+        </p:blipFill>
+        <p:spPr>
+          <a:xfrm>
+            <a:off x="9504974" y="29417010"/>
+            <a:ext cx="6368365" cy="3908165"/>
+          </a:xfrm>
+          <a:prstGeom prst="rect">
+            <a:avLst/>
+          </a:prstGeom>
+        </p:spPr>
+      </p:pic>
     </p:spTree>
   </p:cSld>
   <p:clrMapOvr>
     <a:masterClrMapping/>
   </p:clrMapOvr>
+  <p:extLst>
+    <p:ext uri="{6950BFC3-D8DA-4A85-94F7-54DA5524770B}">
+      <p188:commentRel xmlns:p188="http://schemas.microsoft.com/office/powerpoint/2018/8/main" r:id="rId3"/>
+    </p:ext>
+  </p:extLst>
 </p:sld>
 </file>
 
@@ -8126,6 +8511,15 @@
 </file>
 
 <file path=customXml/item2.xml><?xml version="1.0" encoding="utf-8"?>
+<?mso-contentType ?>
+<FormTemplates xmlns="http://schemas.microsoft.com/sharepoint/v3/contenttype/forms">
+  <Display>DocumentLibraryForm</Display>
+  <Edit>DocumentLibraryForm</Edit>
+  <New>DocumentLibraryForm</New>
+</FormTemplates>
+</file>
+
+<file path=customXml/item3.xml><?xml version="1.0" encoding="utf-8"?>
 <ct:contentTypeSchema xmlns:ct="http://schemas.microsoft.com/office/2006/metadata/contentType" xmlns:ma="http://schemas.microsoft.com/office/2006/metadata/properties/metaAttributes" ct:_="" ma:_="" ma:contentTypeName="Document" ma:contentTypeID="0x01010068AAF71F4C9F8A469843294D15689A95" ma:contentTypeVersion="16" ma:contentTypeDescription="Create a new document." ma:contentTypeScope="" ma:versionID="61a44de3166297b41cbd6804616a22bb">
   <xsd:schema xmlns:xsd="http://www.w3.org/2001/XMLSchema" xmlns:xs="http://www.w3.org/2001/XMLSchema" xmlns:p="http://schemas.microsoft.com/office/2006/metadata/properties" xmlns:ns2="fc36ba27-577a-4cf7-85a7-ffa139955d90" xmlns:ns3="c3db7926-add9-4beb-a254-75a5b4de93b0" targetNamespace="http://schemas.microsoft.com/office/2006/metadata/properties" ma:root="true" ma:fieldsID="4eb1d2923da68e8db0b98d8ea7c3f3e9" ns2:_="" ns3:_="">
     <xsd:import namespace="fc36ba27-577a-4cf7-85a7-ffa139955d90"/>
@@ -8362,15 +8756,6 @@
 </ct:contentTypeSchema>
 </file>
 
-<file path=customXml/item3.xml><?xml version="1.0" encoding="utf-8"?>
-<?mso-contentType ?>
-<FormTemplates xmlns="http://schemas.microsoft.com/sharepoint/v3/contenttype/forms">
-  <Display>DocumentLibraryForm</Display>
-  <Edit>DocumentLibraryForm</Edit>
-  <New>DocumentLibraryForm</New>
-</FormTemplates>
-</file>
-
 <file path=customXml/itemProps1.xml><?xml version="1.0" encoding="utf-8"?>
 <ds:datastoreItem xmlns:ds="http://schemas.openxmlformats.org/officeDocument/2006/customXml" ds:itemID="{C3D6C4CD-CFA3-41A1-A9D1-BFAF122A51A5}">
   <ds:schemaRefs>
@@ -8389,6 +8774,14 @@
 </file>
 
 <file path=customXml/itemProps2.xml><?xml version="1.0" encoding="utf-8"?>
+<ds:datastoreItem xmlns:ds="http://schemas.openxmlformats.org/officeDocument/2006/customXml" ds:itemID="{6D1ED908-36CA-47DE-9D02-6709ABA06A3B}">
+  <ds:schemaRefs>
+    <ds:schemaRef ds:uri="http://schemas.microsoft.com/sharepoint/v3/contenttype/forms"/>
+  </ds:schemaRefs>
+</ds:datastoreItem>
+</file>
+
+<file path=customXml/itemProps3.xml><?xml version="1.0" encoding="utf-8"?>
 <ds:datastoreItem xmlns:ds="http://schemas.openxmlformats.org/officeDocument/2006/customXml" ds:itemID="{1F6B1DF0-A52A-40B5-B285-0AE80744836E}">
   <ds:schemaRefs>
     <ds:schemaRef ds:uri="http://schemas.microsoft.com/office/2006/metadata/contentType"/>
@@ -8405,12 +8798,4 @@
     <ds:schemaRef ds:uri="http://schemas.microsoft.com/internal/obd"/>
   </ds:schemaRefs>
 </ds:datastoreItem>
-</file>
-
-<file path=customXml/itemProps3.xml><?xml version="1.0" encoding="utf-8"?>
-<ds:datastoreItem xmlns:ds="http://schemas.openxmlformats.org/officeDocument/2006/customXml" ds:itemID="{6D1ED908-36CA-47DE-9D02-6709ABA06A3B}">
-  <ds:schemaRefs>
-    <ds:schemaRef ds:uri="http://schemas.microsoft.com/sharepoint/v3/contenttype/forms"/>
-  </ds:schemaRefs>
-</ds:datastoreItem>
 </file>
--- a/Bayesian COVID Hospitalizations.pptx
+++ b/Bayesian COVID Hospitalizations.pptx
@@ -164,6 +164,280 @@
       </a:p>
     </p188:txBody>
   </p188:cm>
+  <p188:cm id="{A354AF76-F7B7-C142-B799-E53B447CE482}" authorId="{74906A6B-110F-D067-7BFC-521FF3E147DB}" created="2024-12-03T16:51:50.611">
+    <ac:txMkLst xmlns:ac="http://schemas.microsoft.com/office/drawing/2013/main/command">
+      <pc:docMk xmlns:pc="http://schemas.microsoft.com/office/powerpoint/2013/main/command"/>
+      <pc:sldMk xmlns:pc="http://schemas.microsoft.com/office/powerpoint/2013/main/command" cId="0" sldId="256"/>
+      <ac:spMk id="50" creationId="{00000000-0000-0000-0000-000000000000}"/>
+      <ac:txMk cp="58" len="322">
+        <ac:context len="485" hash="4221436145"/>
+      </ac:txMk>
+    </ac:txMkLst>
+    <p188:pos x="15025949" y="5293895"/>
+    <p188:txBody>
+      <a:bodyPr/>
+      <a:lstStyle/>
+      <a:p>
+        <a:r>
+          <a:rPr lang="en-US"/>
+          <a:t>We selected priors to balance interpretability and flexibility in our regression model. 
+, reflecting moderate uncertainty and accommodating small to moderate predictor effects with occasional larger ones.
+representing baseline log-odds of hospitalization,
+0 (baseline odds ~50%) 
+to capture broader variability in baseline probabilities. 
+This heavy-tailed prior accommodates extreme group-level variability while remaining robust to outliers, ensuring model stability and interpretability.</a:t>
+        </a:r>
+      </a:p>
+    </p188:txBody>
+  </p188:cm>
+  <p188:cm id="{4AC287C7-097F-C34A-888F-3FA81F10F5FB}" authorId="{74906A6B-110F-D067-7BFC-521FF3E147DB}" created="2024-12-03T16:52:12.878">
+    <ac:deMkLst xmlns:ac="http://schemas.microsoft.com/office/drawing/2013/main/command">
+      <pc:docMk xmlns:pc="http://schemas.microsoft.com/office/powerpoint/2013/main/command"/>
+      <pc:sldMk xmlns:pc="http://schemas.microsoft.com/office/powerpoint/2013/main/command" cId="0" sldId="256"/>
+      <ac:picMk id="30" creationId="{3968AFF1-F807-B4BD-4D77-E56E190F78D1}"/>
+    </ac:deMkLst>
+    <p188:txBody>
+      <a:bodyPr/>
+      <a:lstStyle/>
+      <a:p>
+        <a:r>
+          <a:rPr lang="en-US"/>
+          <a:t>Need to include last row of symptomatic section (bottom)</a:t>
+        </a:r>
+      </a:p>
+    </p188:txBody>
+  </p188:cm>
+  <p188:cm id="{47DCD415-87D7-8543-8A7E-7D0052F0EBFA}" authorId="{74906A6B-110F-D067-7BFC-521FF3E147DB}" created="2024-12-03T16:59:54.833">
+    <ac:txMkLst xmlns:ac="http://schemas.microsoft.com/office/drawing/2013/main/command">
+      <pc:docMk xmlns:pc="http://schemas.microsoft.com/office/powerpoint/2013/main/command"/>
+      <pc:sldMk xmlns:pc="http://schemas.microsoft.com/office/powerpoint/2013/main/command" cId="0" sldId="256"/>
+      <ac:spMk id="12" creationId="{00000000-0000-0000-0000-000000000000}"/>
+      <ac:txMk cp="0" len="172">
+        <ac:context len="272" hash="949705703"/>
+      </ac:txMk>
+    </ac:txMkLst>
+    <p188:pos x="14887960" y="840586"/>
+    <p188:txBody>
+      <a:bodyPr/>
+      <a:lstStyle/>
+      <a:p>
+        <a:r>
+          <a:rPr lang="en-US"/>
+          <a:t>Base model vs hierarchical model: The hierarchical model is preferred since it captures the non-linear relationship between age and hospitalization more effectively. accounts for state-level variability, improving its ability to generalize. 
+Using LOO, we compared the predictive performance of a baseline model  and a hierarchical model. 
+The hierarchical model's ability to account for state-level variability and non-linear effects, such as age group, explains its superior performance. These results support the use of the hierarchical model for predicting hospitalization risk and capturing complex patterns in the data.
+From the conditional effects, the hierarchical model shows less pronounced differences in hospitalization risk across racial groups, suggesting that incorporating state-level variability decreases the effect of race.
+</a:t>
+        </a:r>
+      </a:p>
+    </p188:txBody>
+  </p188:cm>
+  <p188:cm id="{3374288E-4A2B-6842-BCFF-01516A549761}" authorId="{74906A6B-110F-D067-7BFC-521FF3E147DB}" created="2024-12-03T17:10:29.511">
+    <ac:deMkLst xmlns:ac="http://schemas.microsoft.com/office/drawing/2013/main/command">
+      <pc:docMk xmlns:pc="http://schemas.microsoft.com/office/powerpoint/2013/main/command"/>
+      <pc:sldMk xmlns:pc="http://schemas.microsoft.com/office/powerpoint/2013/main/command" cId="0" sldId="256"/>
+      <ac:picMk id="58" creationId="{5B0F9A5A-602F-0862-F00F-F1E573F0618F}"/>
+    </ac:deMkLst>
+    <p188:txBody>
+      <a:bodyPr/>
+      <a:lstStyle/>
+      <a:p>
+        <a:r>
+          <a:rPr lang="en-US"/>
+          <a:t>Complete model definition</a:t>
+        </a:r>
+      </a:p>
+    </p188:txBody>
+  </p188:cm>
+  <p188:cm id="{D76E18BE-3337-C446-BE97-ED0BBBD484DE}" authorId="{74906A6B-110F-D067-7BFC-521FF3E147DB}" created="2024-12-03T17:10:44.078">
+    <ac:deMkLst xmlns:ac="http://schemas.microsoft.com/office/drawing/2013/main/command">
+      <pc:docMk xmlns:pc="http://schemas.microsoft.com/office/powerpoint/2013/main/command"/>
+      <pc:sldMk xmlns:pc="http://schemas.microsoft.com/office/powerpoint/2013/main/command" cId="0" sldId="256"/>
+      <ac:picMk id="52" creationId="{51963A4C-0FE3-0643-6EEB-95596B889E97}"/>
+    </ac:deMkLst>
+    <p188:txBody>
+      <a:bodyPr/>
+      <a:lstStyle/>
+      <a:p>
+        <a:r>
+          <a:rPr lang="en-US"/>
+          <a:t>Complete model definition</a:t>
+        </a:r>
+      </a:p>
+    </p188:txBody>
+  </p188:cm>
+  <p188:cm id="{BC131E90-891A-7843-A1F5-8D78F40473A0}" authorId="{74906A6B-110F-D067-7BFC-521FF3E147DB}" created="2024-12-03T17:12:07.513">
+    <ac:deMkLst xmlns:ac="http://schemas.microsoft.com/office/drawing/2013/main/command">
+      <pc:docMk xmlns:pc="http://schemas.microsoft.com/office/powerpoint/2013/main/command"/>
+      <pc:sldMk xmlns:pc="http://schemas.microsoft.com/office/powerpoint/2013/main/command" cId="0" sldId="256"/>
+      <ac:picMk id="40" creationId="{561C5FE4-9249-2A41-BA37-044223A59553}"/>
+    </ac:deMkLst>
+    <p188:txBody>
+      <a:bodyPr/>
+      <a:lstStyle/>
+      <a:p>
+        <a:r>
+          <a:rPr lang="en-US"/>
+          <a:t>Use pi not p</a:t>
+        </a:r>
+      </a:p>
+    </p188:txBody>
+  </p188:cm>
+  <p188:cm id="{3B8925F3-09E5-B54D-BDE9-B3E822DF1C91}" authorId="{74906A6B-110F-D067-7BFC-521FF3E147DB}" created="2024-12-03T17:12:58.962">
+    <ac:deMkLst xmlns:ac="http://schemas.microsoft.com/office/drawing/2013/main/command">
+      <pc:docMk xmlns:pc="http://schemas.microsoft.com/office/powerpoint/2013/main/command"/>
+      <pc:sldMk xmlns:pc="http://schemas.microsoft.com/office/powerpoint/2013/main/command" cId="0" sldId="256"/>
+      <ac:picMk id="46" creationId="{347A5C05-6D0D-4C91-4004-8A9B47776A65}"/>
+    </ac:deMkLst>
+    <p188:replyLst>
+      <p188:reply id="{1D96D1B2-6308-4049-89C4-15EF9486E0CF}" authorId="{74906A6B-110F-D067-7BFC-521FF3E147DB}" created="2024-12-03T17:13:22.048">
+        <p188:txBody>
+          <a:bodyPr/>
+          <a:lstStyle/>
+          <a:p>
+            <a:r>
+              <a:rPr lang="en-US"/>
+              <a:t>Don’t have to include definition of logic</a:t>
+            </a:r>
+          </a:p>
+        </p188:txBody>
+      </p188:reply>
+    </p188:replyLst>
+    <p188:txBody>
+      <a:bodyPr/>
+      <a:lstStyle/>
+      <a:p>
+        <a:r>
+          <a:rPr lang="en-US"/>
+          <a:t>Indicate that j[I] refers to the state</a:t>
+        </a:r>
+      </a:p>
+    </p188:txBody>
+  </p188:cm>
+  <p188:cm id="{46F6AFB6-5C0F-CD4A-854B-DB7DB899A10A}" authorId="{74906A6B-110F-D067-7BFC-521FF3E147DB}" created="2024-12-03T17:18:42.135">
+    <ac:txMkLst xmlns:ac="http://schemas.microsoft.com/office/drawing/2013/main/command">
+      <pc:docMk xmlns:pc="http://schemas.microsoft.com/office/powerpoint/2013/main/command"/>
+      <pc:sldMk xmlns:pc="http://schemas.microsoft.com/office/powerpoint/2013/main/command" cId="0" sldId="256"/>
+      <ac:spMk id="38" creationId="{00000000-0000-0000-0000-000000000000}"/>
+      <ac:txMk cp="0" len="11">
+        <ac:context len="28" hash="2967713117"/>
+      </ac:txMk>
+    </ac:txMkLst>
+    <p188:pos x="6275825" y="752881"/>
+    <p188:txBody>
+      <a:bodyPr/>
+      <a:lstStyle/>
+      <a:p>
+        <a:r>
+          <a:rPr lang="en-US"/>
+          <a:t>The fact that the imputed-data based models perform poorly when combined could indicate that our model is very sensitive to the specific dataset.</a:t>
+        </a:r>
+      </a:p>
+    </p188:txBody>
+  </p188:cm>
+  <p188:cm id="{62E208E8-9F33-A448-8C5F-1D3167C7BD04}" authorId="{74906A6B-110F-D067-7BFC-521FF3E147DB}" created="2024-12-03T17:24:00.346">
+    <ac:deMkLst xmlns:ac="http://schemas.microsoft.com/office/drawing/2013/main/command">
+      <pc:docMk xmlns:pc="http://schemas.microsoft.com/office/powerpoint/2013/main/command"/>
+      <pc:sldMk xmlns:pc="http://schemas.microsoft.com/office/powerpoint/2013/main/command" cId="0" sldId="256"/>
+      <ac:picMk id="32" creationId="{C715AAD6-0D02-3C73-A4E1-3480F5915B5D}"/>
+    </ac:deMkLst>
+    <p188:txBody>
+      <a:bodyPr/>
+      <a:lstStyle/>
+      <a:p>
+        <a:r>
+          <a:rPr lang="en-US"/>
+          <a:t>Plot probabilities of hospitalization, instead of (y/n) average predictio, and include credible interval information within the same map (google it)</a:t>
+        </a:r>
+      </a:p>
+    </p188:txBody>
+  </p188:cm>
+  <p188:cm id="{9A6C33BC-DC04-264A-83AE-4BB8FEF879DF}" authorId="{74906A6B-110F-D067-7BFC-521FF3E147DB}" created="2024-12-03T17:26:05.276">
+    <ac:deMkLst xmlns:ac="http://schemas.microsoft.com/office/drawing/2013/main/command">
+      <pc:docMk xmlns:pc="http://schemas.microsoft.com/office/powerpoint/2013/main/command"/>
+      <pc:sldMk xmlns:pc="http://schemas.microsoft.com/office/powerpoint/2013/main/command" cId="0" sldId="256"/>
+      <ac:picMk id="17" creationId="{B26C3502-6580-E651-C75B-1E989EA9C35C}"/>
+    </ac:deMkLst>
+    <p188:txBody>
+      <a:bodyPr/>
+      <a:lstStyle/>
+      <a:p>
+        <a:r>
+          <a:rPr lang="en-US"/>
+          <a:t>Plot of credible intervals instead.</a:t>
+        </a:r>
+      </a:p>
+    </p188:txBody>
+  </p188:cm>
+  <p188:cm id="{1FC455E3-19E6-154B-B4CF-03796D75CFC2}" authorId="{74906A6B-110F-D067-7BFC-521FF3E147DB}" created="2024-12-03T17:27:06.939">
+    <ac:txMkLst xmlns:ac="http://schemas.microsoft.com/office/drawing/2013/main/command">
+      <pc:docMk xmlns:pc="http://schemas.microsoft.com/office/powerpoint/2013/main/command"/>
+      <pc:sldMk xmlns:pc="http://schemas.microsoft.com/office/powerpoint/2013/main/command" cId="0" sldId="256"/>
+      <ac:spMk id="10" creationId="{025B411F-C30D-3458-EC06-AD109C00A7A3}"/>
+      <ac:txMk cp="75" len="39">
+        <ac:context len="1583" hash="3103544310"/>
+      </ac:txMk>
+    </ac:txMkLst>
+    <p188:pos x="6895310" y="896434"/>
+    <p188:replyLst>
+      <p188:reply id="{8031B262-A853-9A40-BE20-B463EE70C197}" authorId="{74906A6B-110F-D067-7BFC-521FF3E147DB}" created="2024-12-03T17:28:36.584">
+        <p188:txBody>
+          <a:bodyPr/>
+          <a:lstStyle/>
+          <a:p>
+            <a:r>
+              <a:rPr lang="en-US"/>
+              <a:t>Summarize variables, summarize missingness</a:t>
+            </a:r>
+          </a:p>
+        </p188:txBody>
+      </p188:reply>
+    </p188:replyLst>
+    <p188:txBody>
+      <a:bodyPr/>
+      <a:lstStyle/>
+      <a:p>
+        <a:r>
+          <a:rPr lang="en-US"/>
+          <a:t>Might be too much text, find a way to display same info in a plot?</a:t>
+        </a:r>
+      </a:p>
+    </p188:txBody>
+  </p188:cm>
+  <p188:cm id="{08536C51-C43D-F544-9EEB-89A4B0C0D11D}" authorId="{74906A6B-110F-D067-7BFC-521FF3E147DB}" created="2024-12-03T17:30:02.171">
+    <ac:deMkLst xmlns:ac="http://schemas.microsoft.com/office/drawing/2013/main/command">
+      <pc:docMk xmlns:pc="http://schemas.microsoft.com/office/powerpoint/2013/main/command"/>
+      <pc:sldMk xmlns:pc="http://schemas.microsoft.com/office/powerpoint/2013/main/command" cId="0" sldId="256"/>
+      <ac:picMk id="32" creationId="{C715AAD6-0D02-3C73-A4E1-3480F5915B5D}"/>
+    </ac:deMkLst>
+    <p188:txBody>
+      <a:bodyPr/>
+      <a:lstStyle/>
+      <a:p>
+        <a:r>
+          <a:rPr lang="en-US"/>
+          <a:t>Take a look into how probs are actually being computed</a:t>
+        </a:r>
+      </a:p>
+    </p188:txBody>
+  </p188:cm>
+  <p188:cm id="{FE90AB4D-2C6A-DE4A-969E-7D2AD980EEA9}" authorId="{74906A6B-110F-D067-7BFC-521FF3E147DB}" created="2024-12-03T17:32:27.055">
+    <ac:deMkLst xmlns:ac="http://schemas.microsoft.com/office/drawing/2013/main/command">
+      <pc:docMk xmlns:pc="http://schemas.microsoft.com/office/powerpoint/2013/main/command"/>
+      <pc:sldMk xmlns:pc="http://schemas.microsoft.com/office/powerpoint/2013/main/command" cId="0" sldId="256"/>
+      <ac:spMk id="27" creationId="{3F276D0A-010E-4E5B-46A1-A4E9C4C43CDC}"/>
+    </ac:deMkLst>
+    <p188:txBody>
+      <a:bodyPr/>
+      <a:lstStyle/>
+      <a:p>
+        <a:r>
+          <a:rPr lang="en-US"/>
+          <a:t>Write out probs in notation form, to specify what is being displayed in the plot</a:t>
+        </a:r>
+      </a:p>
+    </p188:txBody>
+  </p188:cm>
 </p188:cmLst>
 </file>
 
@@ -250,7 +524,7 @@
             <a:fld id="{311E81F8-90E2-2945-9ED7-A6A90A37CF21}" type="datetimeFigureOut">
               <a:rPr lang="en-US" smtClean="0"/>
               <a:pPr/>
-              <a:t>12/2/24</a:t>
+              <a:t>12/3/2024</a:t>
             </a:fld>
             <a:endParaRPr lang="en-US"/>
           </a:p>
@@ -819,7 +1093,7 @@
             <a:fld id="{84FD1F27-616A-3542-91BB-C34E14AE38CD}" type="datetimeFigureOut">
               <a:rPr lang="en-US" smtClean="0"/>
               <a:pPr/>
-              <a:t>12/2/24</a:t>
+              <a:t>12/3/2024</a:t>
             </a:fld>
             <a:endParaRPr lang="en-US"/>
           </a:p>
@@ -991,7 +1265,7 @@
             <a:fld id="{84FD1F27-616A-3542-91BB-C34E14AE38CD}" type="datetimeFigureOut">
               <a:rPr lang="en-US" smtClean="0"/>
               <a:pPr/>
-              <a:t>12/2/24</a:t>
+              <a:t>12/3/2024</a:t>
             </a:fld>
             <a:endParaRPr lang="en-US"/>
           </a:p>
@@ -1857,7 +2131,7 @@
             <a:fld id="{84FD1F27-616A-3542-91BB-C34E14AE38CD}" type="datetimeFigureOut">
               <a:rPr lang="en-US" smtClean="0"/>
               <a:pPr/>
-              <a:t>12/2/24</a:t>
+              <a:t>12/3/2024</a:t>
             </a:fld>
             <a:endParaRPr lang="en-US"/>
           </a:p>
@@ -2281,7 +2555,7 @@
             <a:fld id="{84FD1F27-616A-3542-91BB-C34E14AE38CD}" type="datetimeFigureOut">
               <a:rPr lang="en-US" smtClean="0"/>
               <a:pPr/>
-              <a:t>12/2/24</a:t>
+              <a:t>12/3/2024</a:t>
             </a:fld>
             <a:endParaRPr lang="en-US"/>
           </a:p>
@@ -2401,7 +2675,7 @@
             <a:fld id="{84FD1F27-616A-3542-91BB-C34E14AE38CD}" type="datetimeFigureOut">
               <a:rPr lang="en-US" smtClean="0"/>
               <a:pPr/>
-              <a:t>12/2/24</a:t>
+              <a:t>12/3/2024</a:t>
             </a:fld>
             <a:endParaRPr lang="en-US"/>
           </a:p>
@@ -2498,7 +2772,7 @@
             <a:fld id="{84FD1F27-616A-3542-91BB-C34E14AE38CD}" type="datetimeFigureOut">
               <a:rPr lang="en-US" smtClean="0"/>
               <a:pPr/>
-              <a:t>12/2/24</a:t>
+              <a:t>12/3/2024</a:t>
             </a:fld>
             <a:endParaRPr lang="en-US"/>
           </a:p>
@@ -2777,7 +3051,7 @@
             <a:fld id="{84FD1F27-616A-3542-91BB-C34E14AE38CD}" type="datetimeFigureOut">
               <a:rPr lang="en-US" smtClean="0"/>
               <a:pPr/>
-              <a:t>12/2/24</a:t>
+              <a:t>12/3/2024</a:t>
             </a:fld>
             <a:endParaRPr lang="en-US"/>
           </a:p>
@@ -3036,7 +3310,7 @@
             <a:fld id="{84FD1F27-616A-3542-91BB-C34E14AE38CD}" type="datetimeFigureOut">
               <a:rPr lang="en-US" smtClean="0"/>
               <a:pPr/>
-              <a:t>12/2/24</a:t>
+              <a:t>12/3/2024</a:t>
             </a:fld>
             <a:endParaRPr lang="en-US"/>
           </a:p>
@@ -3247,7 +3521,7 @@
             <a:fld id="{84FD1F27-616A-3542-91BB-C34E14AE38CD}" type="datetimeFigureOut">
               <a:rPr lang="en-US" smtClean="0"/>
               <a:pPr/>
-              <a:t>12/2/24</a:t>
+              <a:t>12/3/2024</a:t>
             </a:fld>
             <a:endParaRPr lang="en-US"/>
           </a:p>
@@ -3777,7 +4051,7 @@
             <a:fld id="{84FD1F27-616A-3542-91BB-C34E14AE38CD}" type="datetimeFigureOut">
               <a:rPr lang="en-US" smtClean="0"/>
               <a:pPr/>
-              <a:t>12/2/24</a:t>
+              <a:t>12/3/2024</a:t>
             </a:fld>
             <a:endParaRPr lang="en-US"/>
           </a:p>
@@ -4951,8 +5225,8 @@
         </p:nvSpPr>
         <p:spPr>
           <a:xfrm>
-            <a:off x="2236815" y="23396435"/>
-            <a:ext cx="14838218" cy="6857828"/>
+            <a:off x="2236815" y="20780360"/>
+            <a:ext cx="14838218" cy="9077565"/>
           </a:xfrm>
         </p:spPr>
         <p:txBody>
@@ -4966,7 +5240,7 @@
               <a:buChar char="•"/>
             </a:pPr>
             <a:r>
-              <a:rPr lang="en-US" sz="3050" b="0" dirty="0">
+              <a:rPr lang="en-US" sz="3000" dirty="0">
                 <a:latin typeface="+mn-lt"/>
               </a:rPr>
               <a:t>Outcome variable:</a:t>
@@ -4977,7 +5251,7 @@
               <a:buFont typeface="Arial" panose="020B0604020202020204" pitchFamily="34" charset="0"/>
               <a:buChar char="•"/>
             </a:pPr>
-            <a:endParaRPr lang="en-US" sz="3050" b="0" dirty="0">
+            <a:endParaRPr lang="en-US" sz="3000" b="0" dirty="0">
               <a:latin typeface="+mn-lt"/>
             </a:endParaRPr>
           </a:p>
@@ -4987,7 +5261,7 @@
               <a:buChar char="•"/>
             </a:pPr>
             <a:r>
-              <a:rPr lang="en-US" sz="3050" b="0" dirty="0">
+              <a:rPr lang="en-US" sz="3000" dirty="0">
                 <a:latin typeface="+mn-lt"/>
               </a:rPr>
               <a:t>Initial predictors:</a:t>
@@ -4998,7 +5272,7 @@
               <a:buFont typeface="Arial" panose="020B0604020202020204" pitchFamily="34" charset="0"/>
               <a:buChar char="•"/>
             </a:pPr>
-            <a:endParaRPr lang="en-US" sz="3050" b="0" dirty="0">
+            <a:endParaRPr lang="en-US" sz="3000" b="0" dirty="0">
               <a:latin typeface="+mn-lt"/>
             </a:endParaRPr>
           </a:p>
@@ -5007,7 +5281,7 @@
               <a:buFont typeface="Arial" panose="020B0604020202020204" pitchFamily="34" charset="0"/>
               <a:buChar char="•"/>
             </a:pPr>
-            <a:endParaRPr lang="en-US" sz="3050" b="0" dirty="0">
+            <a:endParaRPr lang="en-US" sz="3000" b="0" dirty="0">
               <a:latin typeface="+mn-lt"/>
             </a:endParaRPr>
           </a:p>
@@ -5016,7 +5290,7 @@
               <a:buFont typeface="Arial" panose="020B0604020202020204" pitchFamily="34" charset="0"/>
               <a:buChar char="•"/>
             </a:pPr>
-            <a:endParaRPr lang="en-US" sz="3050" b="0" dirty="0">
+            <a:endParaRPr lang="en-US" sz="3000" b="0" dirty="0">
               <a:latin typeface="+mn-lt"/>
             </a:endParaRPr>
           </a:p>
@@ -5026,7 +5300,7 @@
               <a:buChar char="•"/>
             </a:pPr>
             <a:r>
-              <a:rPr lang="en-US" sz="3050" b="0" dirty="0">
+              <a:rPr lang="en-US" sz="3000" dirty="0">
                 <a:latin typeface="+mn-lt"/>
               </a:rPr>
               <a:t>Initial Model:</a:t>
@@ -5037,17 +5311,17 @@
               <a:buFont typeface="Arial" panose="020B0604020202020204" pitchFamily="34" charset="0"/>
               <a:buChar char="•"/>
             </a:pPr>
-            <a:endParaRPr lang="en-US" sz="3050" b="0" dirty="0">
+            <a:endParaRPr lang="en-US" sz="3000" b="0" dirty="0">
               <a:latin typeface="+mn-lt"/>
             </a:endParaRPr>
           </a:p>
           <a:p>
             <a:pPr marL="475794"/>
             <a:r>
-              <a:rPr lang="en-US" sz="3050" b="0" dirty="0">
+              <a:rPr lang="en-US" sz="3000" dirty="0">
                 <a:latin typeface="+mn-lt"/>
               </a:rPr>
-              <a:t>Model Exploration</a:t>
+              <a:t>Priors</a:t>
             </a:r>
           </a:p>
           <a:p>
@@ -5056,7 +5330,46 @@
               <a:buChar char="•"/>
             </a:pPr>
             <a:r>
-              <a:rPr lang="en-US" sz="3050" b="0" dirty="0">
+              <a:rPr lang="en-US" sz="3000" b="0" dirty="0"/>
+              <a:t>For regression coefficients, we used a normal prior with mean 0 (implying no initial change) and standard deviation 2</a:t>
+            </a:r>
+          </a:p>
+          <a:p>
+            <a:pPr marL="932994" indent="-457200">
+              <a:buFont typeface="Arial" panose="020B0604020202020204" pitchFamily="34" charset="0"/>
+              <a:buChar char="•"/>
+            </a:pPr>
+            <a:r>
+              <a:rPr lang="en-US" sz="3000" b="0" dirty="0"/>
+              <a:t>The intercept, also followed a normal prior with mean but a wider standard deviation of 5</a:t>
+            </a:r>
+          </a:p>
+          <a:p>
+            <a:pPr marL="932994" indent="-457200">
+              <a:buFont typeface="Arial" panose="020B0604020202020204" pitchFamily="34" charset="0"/>
+              <a:buChar char="•"/>
+            </a:pPr>
+            <a:r>
+              <a:rPr lang="en-US" sz="3000" b="0" dirty="0"/>
+              <a:t>For random-effect standard deviations, Student’s t prior with 3 degrees of freedom, mean 0, and scale 2.5. </a:t>
+            </a:r>
+          </a:p>
+          <a:p>
+            <a:pPr marL="475794"/>
+            <a:r>
+              <a:rPr lang="en-US" sz="3000" dirty="0">
+                <a:latin typeface="+mn-lt"/>
+              </a:rPr>
+              <a:t>Model Exploration</a:t>
+            </a:r>
+          </a:p>
+          <a:p>
+            <a:pPr marL="932994" indent="-457200">
+              <a:buFont typeface="Arial" panose="020B0604020202020204" pitchFamily="34" charset="0"/>
+              <a:buChar char="•"/>
+            </a:pPr>
+            <a:r>
+              <a:rPr lang="en-US" sz="3000" b="0" dirty="0">
                 <a:latin typeface="+mn-lt"/>
               </a:rPr>
               <a:t>We considered recoding the age group variable as the mean of the age group boundaries</a:t>
@@ -5781,8 +6094,8 @@
         </p:nvSpPr>
         <p:spPr>
           <a:xfrm>
-            <a:off x="34414477" y="8150537"/>
-            <a:ext cx="14838218" cy="562333"/>
+            <a:off x="34333523" y="18183394"/>
+            <a:ext cx="14838218" cy="2442335"/>
           </a:xfrm>
           <a:prstGeom prst="rect">
             <a:avLst/>
@@ -5803,7 +6116,44 @@
                 <a:latin typeface="+mj-lt"/>
                 <a:cs typeface="Times New Roman" panose="02020603050405020304" pitchFamily="18" charset="0"/>
               </a:rPr>
-              <a:t>Base model vs hierarchical model</a:t>
+              <a:t>The hierarchical model outperformed the baseline model with an </a:t>
+            </a:r>
+            <a:r>
+              <a:rPr lang="en-US" sz="3054" b="1" dirty="0" err="1">
+                <a:latin typeface="+mj-lt"/>
+                <a:cs typeface="Times New Roman" panose="02020603050405020304" pitchFamily="18" charset="0"/>
+              </a:rPr>
+              <a:t>elpd</a:t>
+            </a:r>
+            <a:r>
+              <a:rPr lang="en-US" sz="3054" b="1" dirty="0">
+                <a:latin typeface="+mj-lt"/>
+                <a:cs typeface="Times New Roman" panose="02020603050405020304" pitchFamily="18" charset="0"/>
+              </a:rPr>
+              <a:t> difference of -104.9 and a standard error of 15.8, indicating significantly better predictive accuracy. </a:t>
+            </a:r>
+          </a:p>
+          <a:p>
+            <a:pPr marL="933406" indent="-451550">
+              <a:buFont typeface="Arial" pitchFamily="34" charset="0"/>
+              <a:buChar char="•"/>
+            </a:pPr>
+            <a:endParaRPr lang="en-US" sz="3054" b="1" dirty="0">
+              <a:latin typeface="+mj-lt"/>
+              <a:cs typeface="Times New Roman" panose="02020603050405020304" pitchFamily="18" charset="0"/>
+            </a:endParaRPr>
+          </a:p>
+          <a:p>
+            <a:pPr marL="933406" indent="-451550">
+              <a:buFont typeface="Arial" pitchFamily="34" charset="0"/>
+              <a:buChar char="•"/>
+            </a:pPr>
+            <a:r>
+              <a:rPr lang="en-US" sz="3054" b="1" dirty="0">
+                <a:latin typeface="+mj-lt"/>
+                <a:cs typeface="Times New Roman" panose="02020603050405020304" pitchFamily="18" charset="0"/>
+              </a:rPr>
+              <a:t>Conditional effects show decreased influence/effect of race from base model to hierarchical model</a:t>
             </a:r>
           </a:p>
         </p:txBody>
@@ -6190,7 +6540,7 @@
         </p:nvSpPr>
         <p:spPr>
           <a:xfrm>
-            <a:off x="3207327" y="22294148"/>
+            <a:off x="3207327" y="19699762"/>
             <a:ext cx="12928910" cy="528816"/>
           </a:xfrm>
           <a:prstGeom prst="rect">
@@ -6417,15 +6767,6 @@
               <a:buFont typeface="Arial" pitchFamily="34" charset="0"/>
               <a:buChar char="•"/>
             </a:pPr>
-            <a:endParaRPr lang="en-US" sz="3054" b="0" dirty="0">
-              <a:latin typeface="+mn-lt"/>
-            </a:endParaRPr>
-          </a:p>
-          <a:p>
-            <a:pPr marL="932994" indent="-457200">
-              <a:buFont typeface="Arial" pitchFamily="34" charset="0"/>
-              <a:buChar char="•"/>
-            </a:pPr>
             <a:r>
               <a:rPr lang="en-US" sz="3054" b="0" dirty="0">
                 <a:latin typeface="+mn-lt"/>
@@ -6436,21 +6777,21 @@
           <a:p>
             <a:pPr marL="475794"/>
             <a:r>
-              <a:rPr lang="en-US" sz="1800" b="0" dirty="0">
+              <a:rPr lang="en-US" sz="1400" b="0" dirty="0">
                 <a:latin typeface="Courier New" panose="02070309020205020404" pitchFamily="49" charset="0"/>
                 <a:cs typeface="Courier New" panose="02070309020205020404" pitchFamily="49" charset="0"/>
               </a:rPr>
               <a:t>'</a:t>
             </a:r>
             <a:r>
-              <a:rPr lang="en-US" sz="1800" b="0" dirty="0" err="1">
+              <a:rPr lang="en-US" sz="1400" b="0" dirty="0" err="1">
                 <a:latin typeface="Courier New" panose="02070309020205020404" pitchFamily="49" charset="0"/>
                 <a:cs typeface="Courier New" panose="02070309020205020404" pitchFamily="49" charset="0"/>
               </a:rPr>
               <a:t>data.frame</a:t>
             </a:r>
             <a:r>
-              <a:rPr lang="en-US" sz="1800" b="0" dirty="0">
+              <a:rPr lang="en-US" sz="1400" b="0" dirty="0">
                 <a:latin typeface="Courier New" panose="02070309020205020404" pitchFamily="49" charset="0"/>
                 <a:cs typeface="Courier New" panose="02070309020205020404" pitchFamily="49" charset="0"/>
               </a:rPr>
@@ -6460,21 +6801,21 @@
           <a:p>
             <a:pPr marL="475794"/>
             <a:r>
-              <a:rPr lang="en-US" sz="1800" b="0" dirty="0">
+              <a:rPr lang="en-US" sz="1400" b="0" dirty="0">
                 <a:latin typeface="Courier New" panose="02070309020205020404" pitchFamily="49" charset="0"/>
                 <a:cs typeface="Courier New" panose="02070309020205020404" pitchFamily="49" charset="0"/>
               </a:rPr>
               <a:t> $ </a:t>
             </a:r>
             <a:r>
-              <a:rPr lang="en-US" sz="1800" b="0" dirty="0" err="1">
+              <a:rPr lang="en-US" sz="1400" b="0" dirty="0" err="1">
                 <a:latin typeface="Courier New" panose="02070309020205020404" pitchFamily="49" charset="0"/>
                 <a:cs typeface="Courier New" panose="02070309020205020404" pitchFamily="49" charset="0"/>
               </a:rPr>
               <a:t>case_month</a:t>
             </a:r>
             <a:r>
-              <a:rPr lang="en-US" sz="1800" b="0" dirty="0">
+              <a:rPr lang="en-US" sz="1400" b="0" dirty="0">
                 <a:latin typeface="Courier New" panose="02070309020205020404" pitchFamily="49" charset="0"/>
                 <a:cs typeface="Courier New" panose="02070309020205020404" pitchFamily="49" charset="0"/>
               </a:rPr>
@@ -6484,21 +6825,21 @@
           <a:p>
             <a:pPr marL="475794"/>
             <a:r>
-              <a:rPr lang="en-US" sz="1800" b="0" dirty="0">
+              <a:rPr lang="en-US" sz="1400" b="0" dirty="0">
                 <a:latin typeface="Courier New" panose="02070309020205020404" pitchFamily="49" charset="0"/>
                 <a:cs typeface="Courier New" panose="02070309020205020404" pitchFamily="49" charset="0"/>
               </a:rPr>
               <a:t> $ </a:t>
             </a:r>
             <a:r>
-              <a:rPr lang="en-US" sz="1800" b="0" dirty="0" err="1">
+              <a:rPr lang="en-US" sz="1400" b="0" dirty="0" err="1">
                 <a:latin typeface="Courier New" panose="02070309020205020404" pitchFamily="49" charset="0"/>
                 <a:cs typeface="Courier New" panose="02070309020205020404" pitchFamily="49" charset="0"/>
               </a:rPr>
               <a:t>res_state</a:t>
             </a:r>
             <a:r>
-              <a:rPr lang="en-US" sz="1800" b="0" dirty="0">
+              <a:rPr lang="en-US" sz="1400" b="0" dirty="0">
                 <a:latin typeface="Courier New" panose="02070309020205020404" pitchFamily="49" charset="0"/>
                 <a:cs typeface="Courier New" panose="02070309020205020404" pitchFamily="49" charset="0"/>
               </a:rPr>
@@ -6508,21 +6849,21 @@
           <a:p>
             <a:pPr marL="475794"/>
             <a:r>
-              <a:rPr lang="en-US" sz="1800" b="0" dirty="0">
+              <a:rPr lang="en-US" sz="1400" b="0" dirty="0">
                 <a:latin typeface="Courier New" panose="02070309020205020404" pitchFamily="49" charset="0"/>
                 <a:cs typeface="Courier New" panose="02070309020205020404" pitchFamily="49" charset="0"/>
               </a:rPr>
               <a:t> $ </a:t>
             </a:r>
             <a:r>
-              <a:rPr lang="en-US" sz="1800" b="0" dirty="0" err="1">
+              <a:rPr lang="en-US" sz="1400" b="0" dirty="0" err="1">
                 <a:latin typeface="Courier New" panose="02070309020205020404" pitchFamily="49" charset="0"/>
                 <a:cs typeface="Courier New" panose="02070309020205020404" pitchFamily="49" charset="0"/>
               </a:rPr>
               <a:t>state_fips_code</a:t>
             </a:r>
             <a:r>
-              <a:rPr lang="en-US" sz="1800" b="0" dirty="0">
+              <a:rPr lang="en-US" sz="1400" b="0" dirty="0">
                 <a:latin typeface="Courier New" panose="02070309020205020404" pitchFamily="49" charset="0"/>
                 <a:cs typeface="Courier New" panose="02070309020205020404" pitchFamily="49" charset="0"/>
               </a:rPr>
@@ -6532,21 +6873,21 @@
           <a:p>
             <a:pPr marL="475794"/>
             <a:r>
-              <a:rPr lang="en-US" sz="1800" b="0" dirty="0">
+              <a:rPr lang="en-US" sz="1400" b="0" dirty="0">
                 <a:latin typeface="Courier New" panose="02070309020205020404" pitchFamily="49" charset="0"/>
                 <a:cs typeface="Courier New" panose="02070309020205020404" pitchFamily="49" charset="0"/>
               </a:rPr>
               <a:t> $ </a:t>
             </a:r>
             <a:r>
-              <a:rPr lang="en-US" sz="1800" b="0" dirty="0" err="1">
+              <a:rPr lang="en-US" sz="1400" b="0" dirty="0" err="1">
                 <a:latin typeface="Courier New" panose="02070309020205020404" pitchFamily="49" charset="0"/>
                 <a:cs typeface="Courier New" panose="02070309020205020404" pitchFamily="49" charset="0"/>
               </a:rPr>
               <a:t>res_county</a:t>
             </a:r>
             <a:r>
-              <a:rPr lang="en-US" sz="1800" b="0" dirty="0">
+              <a:rPr lang="en-US" sz="1400" b="0" dirty="0">
                 <a:latin typeface="Courier New" panose="02070309020205020404" pitchFamily="49" charset="0"/>
                 <a:cs typeface="Courier New" panose="02070309020205020404" pitchFamily="49" charset="0"/>
               </a:rPr>
@@ -6556,21 +6897,21 @@
           <a:p>
             <a:pPr marL="475794"/>
             <a:r>
-              <a:rPr lang="en-US" sz="1800" b="0" dirty="0">
+              <a:rPr lang="en-US" sz="1400" b="0" dirty="0">
                 <a:latin typeface="Courier New" panose="02070309020205020404" pitchFamily="49" charset="0"/>
                 <a:cs typeface="Courier New" panose="02070309020205020404" pitchFamily="49" charset="0"/>
               </a:rPr>
               <a:t> $ </a:t>
             </a:r>
             <a:r>
-              <a:rPr lang="en-US" sz="1800" b="0" dirty="0" err="1">
+              <a:rPr lang="en-US" sz="1400" b="0" dirty="0" err="1">
                 <a:latin typeface="Courier New" panose="02070309020205020404" pitchFamily="49" charset="0"/>
                 <a:cs typeface="Courier New" panose="02070309020205020404" pitchFamily="49" charset="0"/>
               </a:rPr>
               <a:t>county_fips_code</a:t>
             </a:r>
             <a:r>
-              <a:rPr lang="en-US" sz="1800" b="0" dirty="0">
+              <a:rPr lang="en-US" sz="1400" b="0" dirty="0">
                 <a:latin typeface="Courier New" panose="02070309020205020404" pitchFamily="49" charset="0"/>
                 <a:cs typeface="Courier New" panose="02070309020205020404" pitchFamily="49" charset="0"/>
               </a:rPr>
@@ -6580,21 +6921,21 @@
           <a:p>
             <a:pPr marL="475794"/>
             <a:r>
-              <a:rPr lang="en-US" sz="1800" b="0" dirty="0">
+              <a:rPr lang="en-US" sz="1400" b="0" dirty="0">
                 <a:latin typeface="Courier New" panose="02070309020205020404" pitchFamily="49" charset="0"/>
                 <a:cs typeface="Courier New" panose="02070309020205020404" pitchFamily="49" charset="0"/>
               </a:rPr>
               <a:t> $ </a:t>
             </a:r>
             <a:r>
-              <a:rPr lang="en-US" sz="1800" b="0" dirty="0" err="1">
+              <a:rPr lang="en-US" sz="1400" b="0" dirty="0" err="1">
                 <a:latin typeface="Courier New" panose="02070309020205020404" pitchFamily="49" charset="0"/>
                 <a:cs typeface="Courier New" panose="02070309020205020404" pitchFamily="49" charset="0"/>
               </a:rPr>
               <a:t>age_group</a:t>
             </a:r>
             <a:r>
-              <a:rPr lang="en-US" sz="1800" b="0" dirty="0">
+              <a:rPr lang="en-US" sz="1400" b="0" dirty="0">
                 <a:latin typeface="Courier New" panose="02070309020205020404" pitchFamily="49" charset="0"/>
                 <a:cs typeface="Courier New" panose="02070309020205020404" pitchFamily="49" charset="0"/>
               </a:rPr>
@@ -6604,7 +6945,7 @@
           <a:p>
             <a:pPr marL="475794"/>
             <a:r>
-              <a:rPr lang="en-US" sz="1800" b="0" dirty="0">
+              <a:rPr lang="en-US" sz="1400" b="0" dirty="0">
                 <a:latin typeface="Courier New" panose="02070309020205020404" pitchFamily="49" charset="0"/>
                 <a:cs typeface="Courier New" panose="02070309020205020404" pitchFamily="49" charset="0"/>
               </a:rPr>
@@ -6614,21 +6955,21 @@
           <a:p>
             <a:pPr marL="475794"/>
             <a:r>
-              <a:rPr lang="en-US" sz="1800" b="0" dirty="0">
+              <a:rPr lang="en-US" sz="1400" b="0" dirty="0">
                 <a:latin typeface="Courier New" panose="02070309020205020404" pitchFamily="49" charset="0"/>
                 <a:cs typeface="Courier New" panose="02070309020205020404" pitchFamily="49" charset="0"/>
               </a:rPr>
               <a:t> $ </a:t>
             </a:r>
             <a:r>
-              <a:rPr lang="en-US" sz="1800" b="0" dirty="0" err="1">
+              <a:rPr lang="en-US" sz="1400" b="0" dirty="0" err="1">
                 <a:latin typeface="Courier New" panose="02070309020205020404" pitchFamily="49" charset="0"/>
                 <a:cs typeface="Courier New" panose="02070309020205020404" pitchFamily="49" charset="0"/>
               </a:rPr>
               <a:t>hosp_yn</a:t>
             </a:r>
             <a:r>
-              <a:rPr lang="en-US" sz="1800" b="0" dirty="0">
+              <a:rPr lang="en-US" sz="1400" b="0" dirty="0">
                 <a:latin typeface="Courier New" panose="02070309020205020404" pitchFamily="49" charset="0"/>
                 <a:cs typeface="Courier New" panose="02070309020205020404" pitchFamily="49" charset="0"/>
               </a:rPr>
@@ -6638,7 +6979,7 @@
           <a:p>
             <a:pPr marL="475794"/>
             <a:r>
-              <a:rPr lang="en-US" sz="1800" b="0" dirty="0">
+              <a:rPr lang="en-US" sz="1400" b="0" dirty="0">
                 <a:latin typeface="Courier New" panose="02070309020205020404" pitchFamily="49" charset="0"/>
                 <a:cs typeface="Courier New" panose="02070309020205020404" pitchFamily="49" charset="0"/>
               </a:rPr>
@@ -6648,7 +6989,7 @@
           <a:p>
             <a:pPr marL="475794"/>
             <a:r>
-              <a:rPr lang="en-US" sz="1800" b="0" dirty="0">
+              <a:rPr lang="en-US" sz="1400" b="0" dirty="0">
                 <a:latin typeface="Courier New" panose="02070309020205020404" pitchFamily="49" charset="0"/>
                 <a:cs typeface="Courier New" panose="02070309020205020404" pitchFamily="49" charset="0"/>
               </a:rPr>
@@ -6658,21 +6999,21 @@
           <a:p>
             <a:pPr marL="475794"/>
             <a:r>
-              <a:rPr lang="en-US" sz="1800" b="0" dirty="0">
+              <a:rPr lang="en-US" sz="1400" b="0" dirty="0">
                 <a:latin typeface="Courier New" panose="02070309020205020404" pitchFamily="49" charset="0"/>
                 <a:cs typeface="Courier New" panose="02070309020205020404" pitchFamily="49" charset="0"/>
               </a:rPr>
               <a:t> $ </a:t>
             </a:r>
             <a:r>
-              <a:rPr lang="en-US" sz="1800" b="0" dirty="0" err="1">
+              <a:rPr lang="en-US" sz="1400" b="0" dirty="0" err="1">
                 <a:latin typeface="Courier New" panose="02070309020205020404" pitchFamily="49" charset="0"/>
                 <a:cs typeface="Courier New" panose="02070309020205020404" pitchFamily="49" charset="0"/>
               </a:rPr>
               <a:t>case_positive_specimen</a:t>
             </a:r>
             <a:r>
-              <a:rPr lang="en-US" sz="1800" b="0" dirty="0">
+              <a:rPr lang="en-US" sz="1400" b="0" dirty="0">
                 <a:latin typeface="Courier New" panose="02070309020205020404" pitchFamily="49" charset="0"/>
                 <a:cs typeface="Courier New" panose="02070309020205020404" pitchFamily="49" charset="0"/>
               </a:rPr>
@@ -6682,7 +7023,7 @@
           <a:p>
             <a:pPr marL="475794"/>
             <a:r>
-              <a:rPr lang="en-US" sz="1800" b="0" dirty="0">
+              <a:rPr lang="en-US" sz="1400" b="0" dirty="0">
                 <a:latin typeface="Courier New" panose="02070309020205020404" pitchFamily="49" charset="0"/>
                 <a:cs typeface="Courier New" panose="02070309020205020404" pitchFamily="49" charset="0"/>
               </a:rPr>
@@ -6692,21 +7033,21 @@
           <a:p>
             <a:pPr marL="475794"/>
             <a:r>
-              <a:rPr lang="en-US" sz="1800" b="0" dirty="0">
+              <a:rPr lang="en-US" sz="1400" b="0" dirty="0">
                 <a:latin typeface="Courier New" panose="02070309020205020404" pitchFamily="49" charset="0"/>
                 <a:cs typeface="Courier New" panose="02070309020205020404" pitchFamily="49" charset="0"/>
               </a:rPr>
               <a:t> $ </a:t>
             </a:r>
             <a:r>
-              <a:rPr lang="en-US" sz="1800" b="0" dirty="0" err="1">
+              <a:rPr lang="en-US" sz="1400" b="0" dirty="0" err="1">
                 <a:latin typeface="Courier New" panose="02070309020205020404" pitchFamily="49" charset="0"/>
                 <a:cs typeface="Courier New" panose="02070309020205020404" pitchFamily="49" charset="0"/>
               </a:rPr>
               <a:t>exposure_yn</a:t>
             </a:r>
             <a:r>
-              <a:rPr lang="en-US" sz="1800" b="0" dirty="0">
+              <a:rPr lang="en-US" sz="1400" b="0" dirty="0">
                 <a:latin typeface="Courier New" panose="02070309020205020404" pitchFamily="49" charset="0"/>
                 <a:cs typeface="Courier New" panose="02070309020205020404" pitchFamily="49" charset="0"/>
               </a:rPr>
@@ -6716,21 +7057,21 @@
           <a:p>
             <a:pPr marL="475794"/>
             <a:r>
-              <a:rPr lang="en-US" sz="1800" b="0" dirty="0">
+              <a:rPr lang="en-US" sz="1400" b="0" dirty="0">
                 <a:latin typeface="Courier New" panose="02070309020205020404" pitchFamily="49" charset="0"/>
                 <a:cs typeface="Courier New" panose="02070309020205020404" pitchFamily="49" charset="0"/>
               </a:rPr>
               <a:t> $ </a:t>
             </a:r>
             <a:r>
-              <a:rPr lang="en-US" sz="1800" b="0" dirty="0" err="1">
+              <a:rPr lang="en-US" sz="1400" b="0" dirty="0" err="1">
                 <a:latin typeface="Courier New" panose="02070309020205020404" pitchFamily="49" charset="0"/>
                 <a:cs typeface="Courier New" panose="02070309020205020404" pitchFamily="49" charset="0"/>
               </a:rPr>
               <a:t>current_status</a:t>
             </a:r>
             <a:r>
-              <a:rPr lang="en-US" sz="1800" b="0" dirty="0">
+              <a:rPr lang="en-US" sz="1400" b="0" dirty="0">
                 <a:latin typeface="Courier New" panose="02070309020205020404" pitchFamily="49" charset="0"/>
                 <a:cs typeface="Courier New" panose="02070309020205020404" pitchFamily="49" charset="0"/>
               </a:rPr>
@@ -6740,21 +7081,21 @@
           <a:p>
             <a:pPr marL="475794"/>
             <a:r>
-              <a:rPr lang="en-US" sz="1800" b="0" dirty="0">
+              <a:rPr lang="en-US" sz="1400" b="0" dirty="0">
                 <a:latin typeface="Courier New" panose="02070309020205020404" pitchFamily="49" charset="0"/>
                 <a:cs typeface="Courier New" panose="02070309020205020404" pitchFamily="49" charset="0"/>
               </a:rPr>
               <a:t> $ </a:t>
             </a:r>
             <a:r>
-              <a:rPr lang="en-US" sz="1800" b="0" dirty="0" err="1">
+              <a:rPr lang="en-US" sz="1400" b="0" dirty="0" err="1">
                 <a:latin typeface="Courier New" panose="02070309020205020404" pitchFamily="49" charset="0"/>
                 <a:cs typeface="Courier New" panose="02070309020205020404" pitchFamily="49" charset="0"/>
               </a:rPr>
               <a:t>symptom_status</a:t>
             </a:r>
             <a:r>
-              <a:rPr lang="en-US" sz="1800" b="0" dirty="0">
+              <a:rPr lang="en-US" sz="1400" b="0" dirty="0">
                 <a:latin typeface="Courier New" panose="02070309020205020404" pitchFamily="49" charset="0"/>
                 <a:cs typeface="Courier New" panose="02070309020205020404" pitchFamily="49" charset="0"/>
               </a:rPr>
@@ -6764,21 +7105,21 @@
           <a:p>
             <a:pPr marL="475794"/>
             <a:r>
-              <a:rPr lang="en-US" sz="1800" b="0" dirty="0">
+              <a:rPr lang="en-US" sz="1400" b="0" dirty="0">
                 <a:latin typeface="Courier New" panose="02070309020205020404" pitchFamily="49" charset="0"/>
                 <a:cs typeface="Courier New" panose="02070309020205020404" pitchFamily="49" charset="0"/>
               </a:rPr>
               <a:t> $ </a:t>
             </a:r>
             <a:r>
-              <a:rPr lang="en-US" sz="1800" b="0" dirty="0" err="1">
+              <a:rPr lang="en-US" sz="1400" b="0" dirty="0" err="1">
                 <a:latin typeface="Courier New" panose="02070309020205020404" pitchFamily="49" charset="0"/>
                 <a:cs typeface="Courier New" panose="02070309020205020404" pitchFamily="49" charset="0"/>
               </a:rPr>
               <a:t>icu_yn</a:t>
             </a:r>
             <a:r>
-              <a:rPr lang="en-US" sz="1800" b="0" dirty="0">
+              <a:rPr lang="en-US" sz="1400" b="0" dirty="0">
                 <a:latin typeface="Courier New" panose="02070309020205020404" pitchFamily="49" charset="0"/>
                 <a:cs typeface="Courier New" panose="02070309020205020404" pitchFamily="49" charset="0"/>
               </a:rPr>
@@ -6788,21 +7129,21 @@
           <a:p>
             <a:pPr marL="475794"/>
             <a:r>
-              <a:rPr lang="en-US" sz="1800" b="0" dirty="0">
+              <a:rPr lang="en-US" sz="1400" b="0" dirty="0">
                 <a:latin typeface="Courier New" panose="02070309020205020404" pitchFamily="49" charset="0"/>
                 <a:cs typeface="Courier New" panose="02070309020205020404" pitchFamily="49" charset="0"/>
               </a:rPr>
               <a:t> $ </a:t>
             </a:r>
             <a:r>
-              <a:rPr lang="en-US" sz="1800" b="0" dirty="0" err="1">
+              <a:rPr lang="en-US" sz="1400" b="0" dirty="0" err="1">
                 <a:latin typeface="Courier New" panose="02070309020205020404" pitchFamily="49" charset="0"/>
                 <a:cs typeface="Courier New" panose="02070309020205020404" pitchFamily="49" charset="0"/>
               </a:rPr>
               <a:t>death_yn</a:t>
             </a:r>
             <a:r>
-              <a:rPr lang="en-US" sz="1800" b="0" dirty="0">
+              <a:rPr lang="en-US" sz="1400" b="0" dirty="0">
                 <a:latin typeface="Courier New" panose="02070309020205020404" pitchFamily="49" charset="0"/>
                 <a:cs typeface="Courier New" panose="02070309020205020404" pitchFamily="49" charset="0"/>
               </a:rPr>
@@ -6812,21 +7153,21 @@
           <a:p>
             <a:pPr marL="475794"/>
             <a:r>
-              <a:rPr lang="en-US" sz="1800" b="0" dirty="0">
+              <a:rPr lang="en-US" sz="1400" b="0" dirty="0">
                 <a:latin typeface="Courier New" panose="02070309020205020404" pitchFamily="49" charset="0"/>
                 <a:cs typeface="Courier New" panose="02070309020205020404" pitchFamily="49" charset="0"/>
               </a:rPr>
               <a:t> $ </a:t>
             </a:r>
             <a:r>
-              <a:rPr lang="en-US" sz="1800" b="0" dirty="0" err="1">
+              <a:rPr lang="en-US" sz="1400" b="0" dirty="0" err="1">
                 <a:latin typeface="Courier New" panose="02070309020205020404" pitchFamily="49" charset="0"/>
                 <a:cs typeface="Courier New" panose="02070309020205020404" pitchFamily="49" charset="0"/>
               </a:rPr>
               <a:t>case_onset_interval</a:t>
             </a:r>
             <a:r>
-              <a:rPr lang="en-US" sz="1800" b="0" dirty="0">
+              <a:rPr lang="en-US" sz="1400" b="0" dirty="0">
                 <a:latin typeface="Courier New" panose="02070309020205020404" pitchFamily="49" charset="0"/>
                 <a:cs typeface="Courier New" panose="02070309020205020404" pitchFamily="49" charset="0"/>
               </a:rPr>
@@ -6836,21 +7177,21 @@
           <a:p>
             <a:pPr marL="475794"/>
             <a:r>
-              <a:rPr lang="en-US" sz="1800" b="0" dirty="0">
+              <a:rPr lang="en-US" sz="1400" b="0" dirty="0">
                 <a:latin typeface="Courier New" panose="02070309020205020404" pitchFamily="49" charset="0"/>
                 <a:cs typeface="Courier New" panose="02070309020205020404" pitchFamily="49" charset="0"/>
               </a:rPr>
               <a:t> $ </a:t>
             </a:r>
             <a:r>
-              <a:rPr lang="en-US" sz="1800" b="0" dirty="0" err="1">
+              <a:rPr lang="en-US" sz="1400" b="0" dirty="0" err="1">
                 <a:latin typeface="Courier New" panose="02070309020205020404" pitchFamily="49" charset="0"/>
                 <a:cs typeface="Courier New" panose="02070309020205020404" pitchFamily="49" charset="0"/>
               </a:rPr>
               <a:t>underlying_conditions_yn</a:t>
             </a:r>
             <a:r>
-              <a:rPr lang="en-US" sz="1800" b="0" dirty="0">
+              <a:rPr lang="en-US" sz="1400" b="0" dirty="0">
                 <a:latin typeface="Courier New" panose="02070309020205020404" pitchFamily="49" charset="0"/>
                 <a:cs typeface="Courier New" panose="02070309020205020404" pitchFamily="49" charset="0"/>
               </a:rPr>
@@ -7124,7 +7465,7 @@
         </p:nvSpPr>
         <p:spPr>
           <a:xfrm>
-            <a:off x="35369132" y="14969184"/>
+            <a:off x="35546659" y="25005727"/>
             <a:ext cx="12928911" cy="528816"/>
           </a:xfrm>
           <a:prstGeom prst="rect">
@@ -7180,7 +7521,7 @@
         </p:nvSpPr>
         <p:spPr>
           <a:xfrm>
-            <a:off x="34414477" y="15992466"/>
+            <a:off x="34592004" y="26029009"/>
             <a:ext cx="14838218" cy="1032334"/>
           </a:xfrm>
           <a:prstGeom prst="rect">
@@ -7202,7 +7543,7 @@
                 <a:latin typeface="+mj-lt"/>
                 <a:cs typeface="Times New Roman" panose="02020603050405020304" pitchFamily="18" charset="0"/>
               </a:rPr>
-              <a:t>Map</a:t>
+              <a:t>Map of Predicted hospitalization probabilities</a:t>
             </a:r>
           </a:p>
           <a:p>
@@ -7618,7 +7959,7 @@
         </p:blipFill>
         <p:spPr>
           <a:xfrm>
-            <a:off x="6236431" y="22842900"/>
+            <a:off x="6236431" y="20248514"/>
             <a:ext cx="7307816" cy="1429790"/>
           </a:xfrm>
           <a:prstGeom prst="rect">
@@ -7648,7 +7989,7 @@
         </p:blipFill>
         <p:spPr>
           <a:xfrm>
-            <a:off x="6236431" y="24356931"/>
+            <a:off x="6236431" y="21762545"/>
             <a:ext cx="4871975" cy="1963897"/>
           </a:xfrm>
           <a:prstGeom prst="rect">
@@ -7678,7 +8019,7 @@
         </p:blipFill>
         <p:spPr>
           <a:xfrm>
-            <a:off x="5729836" y="26282291"/>
+            <a:off x="5729836" y="23687905"/>
             <a:ext cx="12240150" cy="1224015"/>
           </a:xfrm>
           <a:prstGeom prst="rect">
@@ -7760,7 +8101,7 @@
         </p:nvSpPr>
         <p:spPr>
           <a:xfrm>
-            <a:off x="11482860" y="23802185"/>
+            <a:off x="11482860" y="21207799"/>
             <a:ext cx="7179122" cy="2908489"/>
           </a:xfrm>
           <a:prstGeom prst="rect">
@@ -7838,7 +8179,7 @@
         </p:blipFill>
         <p:spPr>
           <a:xfrm>
-            <a:off x="2733106" y="29311986"/>
+            <a:off x="2701124" y="29732376"/>
             <a:ext cx="6368364" cy="3918993"/>
           </a:xfrm>
           <a:prstGeom prst="rect">
@@ -7868,8 +8209,394 @@
         </p:blipFill>
         <p:spPr>
           <a:xfrm>
-            <a:off x="9504974" y="29417010"/>
+            <a:off x="9450317" y="29723308"/>
             <a:ext cx="6368365" cy="3908165"/>
+          </a:xfrm>
+          <a:prstGeom prst="rect">
+            <a:avLst/>
+          </a:prstGeom>
+        </p:spPr>
+      </p:pic>
+      <p:pic>
+        <p:nvPicPr>
+          <p:cNvPr id="15" name="Picture 14">
+            <a:extLst>
+              <a:ext uri="{FF2B5EF4-FFF2-40B4-BE49-F238E27FC236}">
+                <a16:creationId xmlns:a16="http://schemas.microsoft.com/office/drawing/2014/main" id="{4E2B81BC-1FD1-F01C-DFE3-F285FB998B06}"/>
+              </a:ext>
+            </a:extLst>
+          </p:cNvPr>
+          <p:cNvPicPr>
+            <a:picLocks noChangeAspect="1"/>
+          </p:cNvPicPr>
+          <p:nvPr/>
+        </p:nvPicPr>
+        <p:blipFill>
+          <a:blip r:embed="rId17"/>
+          <a:stretch>
+            <a:fillRect/>
+          </a:stretch>
+        </p:blipFill>
+        <p:spPr>
+          <a:xfrm>
+            <a:off x="18833569" y="30111669"/>
+            <a:ext cx="12363065" cy="1167486"/>
+          </a:xfrm>
+          <a:prstGeom prst="rect">
+            <a:avLst/>
+          </a:prstGeom>
+        </p:spPr>
+      </p:pic>
+      <p:sp>
+        <p:nvSpPr>
+          <p:cNvPr id="16" name="TextBox 15">
+            <a:extLst>
+              <a:ext uri="{FF2B5EF4-FFF2-40B4-BE49-F238E27FC236}">
+                <a16:creationId xmlns:a16="http://schemas.microsoft.com/office/drawing/2014/main" id="{6B788D3C-F00A-2A76-725C-5775069CD8BE}"/>
+              </a:ext>
+            </a:extLst>
+          </p:cNvPr>
+          <p:cNvSpPr txBox="1"/>
+          <p:nvPr/>
+        </p:nvSpPr>
+        <p:spPr>
+          <a:xfrm>
+            <a:off x="18630613" y="29343153"/>
+            <a:ext cx="3223071" cy="561692"/>
+          </a:xfrm>
+          <a:prstGeom prst="rect">
+            <a:avLst/>
+          </a:prstGeom>
+          <a:noFill/>
+        </p:spPr>
+        <p:txBody>
+          <a:bodyPr wrap="square" rtlCol="0">
+            <a:spAutoFit/>
+          </a:bodyPr>
+          <a:lstStyle/>
+          <a:p>
+            <a:r>
+              <a:rPr lang="en-US" sz="3050" dirty="0"/>
+              <a:t>Model Summary</a:t>
+            </a:r>
+          </a:p>
+        </p:txBody>
+      </p:sp>
+      <p:pic>
+        <p:nvPicPr>
+          <p:cNvPr id="17" name="Picture 16" descr="A screenshot of a data&#10;&#10;Description automatically generated">
+            <a:extLst>
+              <a:ext uri="{FF2B5EF4-FFF2-40B4-BE49-F238E27FC236}">
+                <a16:creationId xmlns:a16="http://schemas.microsoft.com/office/drawing/2014/main" id="{B26C3502-6580-E651-C75B-1E989EA9C35C}"/>
+              </a:ext>
+            </a:extLst>
+          </p:cNvPr>
+          <p:cNvPicPr>
+            <a:picLocks noChangeAspect="1"/>
+          </p:cNvPicPr>
+          <p:nvPr/>
+        </p:nvPicPr>
+        <p:blipFill>
+          <a:blip r:embed="rId18"/>
+          <a:stretch>
+            <a:fillRect/>
+          </a:stretch>
+        </p:blipFill>
+        <p:spPr>
+          <a:xfrm>
+            <a:off x="19723504" y="31372198"/>
+            <a:ext cx="10259739" cy="5036409"/>
+          </a:xfrm>
+          <a:prstGeom prst="rect">
+            <a:avLst/>
+          </a:prstGeom>
+        </p:spPr>
+      </p:pic>
+      <p:sp>
+        <p:nvSpPr>
+          <p:cNvPr id="18" name="Rectangle 17">
+            <a:extLst>
+              <a:ext uri="{FF2B5EF4-FFF2-40B4-BE49-F238E27FC236}">
+                <a16:creationId xmlns:a16="http://schemas.microsoft.com/office/drawing/2014/main" id="{6B3A98B8-DF44-1929-0943-D87234B319A6}"/>
+              </a:ext>
+            </a:extLst>
+          </p:cNvPr>
+          <p:cNvSpPr/>
+          <p:nvPr/>
+        </p:nvSpPr>
+        <p:spPr>
+          <a:xfrm>
+            <a:off x="34414477" y="8150537"/>
+            <a:ext cx="14838218" cy="1032334"/>
+          </a:xfrm>
+          <a:prstGeom prst="rect">
+            <a:avLst/>
+          </a:prstGeom>
+        </p:spPr>
+        <p:txBody>
+          <a:bodyPr wrap="square">
+            <a:spAutoFit/>
+          </a:bodyPr>
+          <a:lstStyle/>
+          <a:p>
+            <a:pPr marL="933406" indent="-451550">
+              <a:buFont typeface="Arial" pitchFamily="34" charset="0"/>
+              <a:buChar char="•"/>
+            </a:pPr>
+            <a:r>
+              <a:rPr lang="en-US" sz="3054" dirty="0">
+                <a:latin typeface="+mj-lt"/>
+                <a:cs typeface="Times New Roman" panose="02020603050405020304" pitchFamily="18" charset="0"/>
+              </a:rPr>
+              <a:t>We used the mean to compare how well each model fit the observed data</a:t>
+            </a:r>
+          </a:p>
+          <a:p>
+            <a:pPr marL="481856"/>
+            <a:r>
+              <a:rPr lang="en-US" sz="3054" b="1" dirty="0">
+                <a:latin typeface="+mj-lt"/>
+                <a:cs typeface="Times New Roman" panose="02020603050405020304" pitchFamily="18" charset="0"/>
+              </a:rPr>
+              <a:t>Base Model (hospitalized(binary) ~ age group + race)</a:t>
+            </a:r>
+          </a:p>
+        </p:txBody>
+      </p:sp>
+      <p:pic>
+        <p:nvPicPr>
+          <p:cNvPr id="22" name="Picture 21" descr="A graph of a graph of a number of numbers&#10;&#10;Description automatically generated with medium confidence">
+            <a:extLst>
+              <a:ext uri="{FF2B5EF4-FFF2-40B4-BE49-F238E27FC236}">
+                <a16:creationId xmlns:a16="http://schemas.microsoft.com/office/drawing/2014/main" id="{90FF268F-1CA9-D059-8F40-74FB65538707}"/>
+              </a:ext>
+            </a:extLst>
+          </p:cNvPr>
+          <p:cNvPicPr>
+            <a:picLocks noChangeAspect="1"/>
+          </p:cNvPicPr>
+          <p:nvPr/>
+        </p:nvPicPr>
+        <p:blipFill>
+          <a:blip r:embed="rId19"/>
+          <a:stretch>
+            <a:fillRect/>
+          </a:stretch>
+        </p:blipFill>
+        <p:spPr>
+          <a:xfrm>
+            <a:off x="34746608" y="9221743"/>
+            <a:ext cx="11717671" cy="4186576"/>
+          </a:xfrm>
+          <a:prstGeom prst="rect">
+            <a:avLst/>
+          </a:prstGeom>
+        </p:spPr>
+      </p:pic>
+      <p:pic>
+        <p:nvPicPr>
+          <p:cNvPr id="24" name="Picture 23" descr="A graph of a number of data&#10;&#10;Description automatically generated with medium confidence">
+            <a:extLst>
+              <a:ext uri="{FF2B5EF4-FFF2-40B4-BE49-F238E27FC236}">
+                <a16:creationId xmlns:a16="http://schemas.microsoft.com/office/drawing/2014/main" id="{E270B8C5-399C-6C66-D0D0-D2E2D733BB2F}"/>
+              </a:ext>
+            </a:extLst>
+          </p:cNvPr>
+          <p:cNvPicPr>
+            <a:picLocks noChangeAspect="1"/>
+          </p:cNvPicPr>
+          <p:nvPr/>
+        </p:nvPicPr>
+        <p:blipFill>
+          <a:blip r:embed="rId20"/>
+          <a:stretch>
+            <a:fillRect/>
+          </a:stretch>
+        </p:blipFill>
+        <p:spPr>
+          <a:xfrm>
+            <a:off x="34746608" y="14167926"/>
+            <a:ext cx="12274923" cy="3973101"/>
+          </a:xfrm>
+          <a:prstGeom prst="rect">
+            <a:avLst/>
+          </a:prstGeom>
+        </p:spPr>
+      </p:pic>
+      <p:pic>
+        <p:nvPicPr>
+          <p:cNvPr id="32" name="Picture 31" descr="A map of the united states&#10;&#10;Description automatically generated">
+            <a:extLst>
+              <a:ext uri="{FF2B5EF4-FFF2-40B4-BE49-F238E27FC236}">
+                <a16:creationId xmlns:a16="http://schemas.microsoft.com/office/drawing/2014/main" id="{C715AAD6-0D02-3C73-A4E1-3480F5915B5D}"/>
+              </a:ext>
+            </a:extLst>
+          </p:cNvPr>
+          <p:cNvPicPr>
+            <a:picLocks noChangeAspect="1"/>
+          </p:cNvPicPr>
+          <p:nvPr/>
+        </p:nvPicPr>
+        <p:blipFill>
+          <a:blip r:embed="rId21"/>
+          <a:stretch>
+            <a:fillRect/>
+          </a:stretch>
+        </p:blipFill>
+        <p:spPr>
+          <a:xfrm>
+            <a:off x="33822475" y="26552800"/>
+            <a:ext cx="10647966" cy="4743888"/>
+          </a:xfrm>
+          <a:prstGeom prst="rect">
+            <a:avLst/>
+          </a:prstGeom>
+        </p:spPr>
+      </p:pic>
+      <p:pic>
+        <p:nvPicPr>
+          <p:cNvPr id="41" name="Picture 40" descr="A screenshot of a computer&#10;&#10;Description automatically generated">
+            <a:extLst>
+              <a:ext uri="{FF2B5EF4-FFF2-40B4-BE49-F238E27FC236}">
+                <a16:creationId xmlns:a16="http://schemas.microsoft.com/office/drawing/2014/main" id="{3D020BE2-4474-80CB-9892-AAD18C3C67C1}"/>
+              </a:ext>
+            </a:extLst>
+          </p:cNvPr>
+          <p:cNvPicPr>
+            <a:picLocks noChangeAspect="1"/>
+          </p:cNvPicPr>
+          <p:nvPr/>
+        </p:nvPicPr>
+        <p:blipFill>
+          <a:blip r:embed="rId22"/>
+          <a:stretch>
+            <a:fillRect/>
+          </a:stretch>
+        </p:blipFill>
+        <p:spPr>
+          <a:xfrm>
+            <a:off x="44470441" y="26212540"/>
+            <a:ext cx="6418800" cy="4084691"/>
+          </a:xfrm>
+          <a:prstGeom prst="rect">
+            <a:avLst/>
+          </a:prstGeom>
+        </p:spPr>
+      </p:pic>
+      <p:pic>
+        <p:nvPicPr>
+          <p:cNvPr id="52" name="Picture 51">
+            <a:extLst>
+              <a:ext uri="{FF2B5EF4-FFF2-40B4-BE49-F238E27FC236}">
+                <a16:creationId xmlns:a16="http://schemas.microsoft.com/office/drawing/2014/main" id="{51963A4C-0FE3-0643-6EEB-95596B889E97}"/>
+              </a:ext>
+            </a:extLst>
+          </p:cNvPr>
+          <p:cNvPicPr>
+            <a:picLocks noChangeAspect="1"/>
+          </p:cNvPicPr>
+          <p:nvPr/>
+        </p:nvPicPr>
+        <p:blipFill>
+          <a:blip r:embed="rId23"/>
+          <a:stretch>
+            <a:fillRect/>
+          </a:stretch>
+        </p:blipFill>
+        <p:spPr>
+          <a:xfrm>
+            <a:off x="13401090" y="20379958"/>
+            <a:ext cx="2765554" cy="853566"/>
+          </a:xfrm>
+          <a:prstGeom prst="rect">
+            <a:avLst/>
+          </a:prstGeom>
+        </p:spPr>
+      </p:pic>
+      <p:pic>
+        <p:nvPicPr>
+          <p:cNvPr id="58" name="Picture 57">
+            <a:extLst>
+              <a:ext uri="{FF2B5EF4-FFF2-40B4-BE49-F238E27FC236}">
+                <a16:creationId xmlns:a16="http://schemas.microsoft.com/office/drawing/2014/main" id="{5B0F9A5A-602F-0862-F00F-F1E573F0618F}"/>
+              </a:ext>
+            </a:extLst>
+          </p:cNvPr>
+          <p:cNvPicPr>
+            <a:picLocks noChangeAspect="1"/>
+          </p:cNvPicPr>
+          <p:nvPr/>
+        </p:nvPicPr>
+        <p:blipFill>
+          <a:blip r:embed="rId23"/>
+          <a:stretch>
+            <a:fillRect/>
+          </a:stretch>
+        </p:blipFill>
+        <p:spPr>
+          <a:xfrm>
+            <a:off x="27500480" y="27125607"/>
+            <a:ext cx="2765554" cy="853566"/>
+          </a:xfrm>
+          <a:prstGeom prst="rect">
+            <a:avLst/>
+          </a:prstGeom>
+        </p:spPr>
+      </p:pic>
+      <p:pic>
+        <p:nvPicPr>
+          <p:cNvPr id="39" name="Picture 38" descr="A graph of different sizes and colors&#10;&#10;Description automatically generated with medium confidence">
+            <a:extLst>
+              <a:ext uri="{FF2B5EF4-FFF2-40B4-BE49-F238E27FC236}">
+                <a16:creationId xmlns:a16="http://schemas.microsoft.com/office/drawing/2014/main" id="{22145AED-3578-B3D7-8DFF-AF327594FCB4}"/>
+              </a:ext>
+            </a:extLst>
+          </p:cNvPr>
+          <p:cNvPicPr>
+            <a:picLocks noChangeAspect="1"/>
+          </p:cNvPicPr>
+          <p:nvPr/>
+        </p:nvPicPr>
+        <p:blipFill>
+          <a:blip r:embed="rId24"/>
+          <a:stretch>
+            <a:fillRect/>
+          </a:stretch>
+        </p:blipFill>
+        <p:spPr>
+          <a:xfrm>
+            <a:off x="35085132" y="20735721"/>
+            <a:ext cx="6667500" cy="4114800"/>
+          </a:xfrm>
+          <a:prstGeom prst="rect">
+            <a:avLst/>
+          </a:prstGeom>
+        </p:spPr>
+      </p:pic>
+      <p:pic>
+        <p:nvPicPr>
+          <p:cNvPr id="61" name="Picture 60" descr="A graph of different sizes of lines&#10;&#10;Description automatically generated with medium confidence">
+            <a:extLst>
+              <a:ext uri="{FF2B5EF4-FFF2-40B4-BE49-F238E27FC236}">
+                <a16:creationId xmlns:a16="http://schemas.microsoft.com/office/drawing/2014/main" id="{2EE4F7C8-0272-9CDB-60D7-5BF9DB31884E}"/>
+              </a:ext>
+            </a:extLst>
+          </p:cNvPr>
+          <p:cNvPicPr>
+            <a:picLocks noChangeAspect="1"/>
+          </p:cNvPicPr>
+          <p:nvPr/>
+        </p:nvPicPr>
+        <p:blipFill>
+          <a:blip r:embed="rId25"/>
+          <a:stretch>
+            <a:fillRect/>
+          </a:stretch>
+        </p:blipFill>
+        <p:spPr>
+          <a:xfrm>
+            <a:off x="42504241" y="20737940"/>
+            <a:ext cx="6667500" cy="4114800"/>
           </a:xfrm>
           <a:prstGeom prst="rect">
             <a:avLst/>
@@ -8501,50 +9228,29 @@
 </file>
 
 <file path=customXml/item1.xml><?xml version="1.0" encoding="utf-8"?>
-<p:properties xmlns:p="http://schemas.microsoft.com/office/2006/metadata/properties" xmlns:xsi="http://www.w3.org/2001/XMLSchema-instance" xmlns:pc="http://schemas.microsoft.com/office/infopath/2007/PartnerControls">
-  <documentManagement>
-    <lcf76f155ced4ddcb4097134ff3c332f xmlns="fc36ba27-577a-4cf7-85a7-ffa139955d90">
-      <Terms xmlns="http://schemas.microsoft.com/office/infopath/2007/PartnerControls"/>
-    </lcf76f155ced4ddcb4097134ff3c332f>
-  </documentManagement>
-</p:properties>
-</file>
-
-<file path=customXml/item2.xml><?xml version="1.0" encoding="utf-8"?>
-<?mso-contentType ?>
-<FormTemplates xmlns="http://schemas.microsoft.com/sharepoint/v3/contenttype/forms">
-  <Display>DocumentLibraryForm</Display>
-  <Edit>DocumentLibraryForm</Edit>
-  <New>DocumentLibraryForm</New>
-</FormTemplates>
-</file>
-
-<file path=customXml/item3.xml><?xml version="1.0" encoding="utf-8"?>
-<ct:contentTypeSchema xmlns:ct="http://schemas.microsoft.com/office/2006/metadata/contentType" xmlns:ma="http://schemas.microsoft.com/office/2006/metadata/properties/metaAttributes" ct:_="" ma:_="" ma:contentTypeName="Document" ma:contentTypeID="0x01010068AAF71F4C9F8A469843294D15689A95" ma:contentTypeVersion="16" ma:contentTypeDescription="Create a new document." ma:contentTypeScope="" ma:versionID="61a44de3166297b41cbd6804616a22bb">
-  <xsd:schema xmlns:xsd="http://www.w3.org/2001/XMLSchema" xmlns:xs="http://www.w3.org/2001/XMLSchema" xmlns:p="http://schemas.microsoft.com/office/2006/metadata/properties" xmlns:ns2="fc36ba27-577a-4cf7-85a7-ffa139955d90" xmlns:ns3="c3db7926-add9-4beb-a254-75a5b4de93b0" targetNamespace="http://schemas.microsoft.com/office/2006/metadata/properties" ma:root="true" ma:fieldsID="4eb1d2923da68e8db0b98d8ea7c3f3e9" ns2:_="" ns3:_="">
-    <xsd:import namespace="fc36ba27-577a-4cf7-85a7-ffa139955d90"/>
-    <xsd:import namespace="c3db7926-add9-4beb-a254-75a5b4de93b0"/>
+<ct:contentTypeSchema xmlns:ct="http://schemas.microsoft.com/office/2006/metadata/contentType" xmlns:ma="http://schemas.microsoft.com/office/2006/metadata/properties/metaAttributes" ct:_="" ma:_="" ma:contentTypeName="Document" ma:contentTypeID="0x0101009751B041C886E142A4CB6BC50AABCCA6" ma:contentTypeVersion="13" ma:contentTypeDescription="Create a new document." ma:contentTypeScope="" ma:versionID="ae8447eb39958e733236cd72149919b1">
+  <xsd:schema xmlns:xsd="http://www.w3.org/2001/XMLSchema" xmlns:xs="http://www.w3.org/2001/XMLSchema" xmlns:p="http://schemas.microsoft.com/office/2006/metadata/properties" xmlns:ns3="4f41ae97-5a6c-4458-bb1f-235b5f3b5d68" xmlns:ns4="8802567b-aa87-48e0-ac05-b6cac22ca2ed" targetNamespace="http://schemas.microsoft.com/office/2006/metadata/properties" ma:root="true" ma:fieldsID="aac98df62b6e875c010c3475f39038b6" ns3:_="" ns4:_="">
+    <xsd:import namespace="4f41ae97-5a6c-4458-bb1f-235b5f3b5d68"/>
+    <xsd:import namespace="8802567b-aa87-48e0-ac05-b6cac22ca2ed"/>
     <xsd:element name="properties">
       <xsd:complexType>
         <xsd:sequence>
           <xsd:element name="documentManagement">
             <xsd:complexType>
               <xsd:all>
-                <xsd:element ref="ns2:MediaServiceMetadata" minOccurs="0"/>
-                <xsd:element ref="ns2:MediaServiceFastMetadata" minOccurs="0"/>
-                <xsd:element ref="ns2:MediaServiceAutoKeyPoints" minOccurs="0"/>
-                <xsd:element ref="ns2:MediaServiceKeyPoints" minOccurs="0"/>
-                <xsd:element ref="ns2:MediaServiceAutoTags" minOccurs="0"/>
-                <xsd:element ref="ns2:MediaServiceGenerationTime" minOccurs="0"/>
-                <xsd:element ref="ns2:MediaServiceEventHashCode" minOccurs="0"/>
-                <xsd:element ref="ns2:MediaServiceOCR" minOccurs="0"/>
-                <xsd:element ref="ns2:MediaServiceDateTaken" minOccurs="0"/>
-                <xsd:element ref="ns2:MediaLengthInSeconds" minOccurs="0"/>
-                <xsd:element ref="ns2:lcf76f155ced4ddcb4097134ff3c332f" minOccurs="0"/>
-                <xsd:element ref="ns2:MediaServiceObjectDetectorVersions" minOccurs="0"/>
-                <xsd:element ref="ns2:MediaServiceSearchProperties" minOccurs="0"/>
-                <xsd:element ref="ns3:SharedWithUsers" minOccurs="0"/>
-                <xsd:element ref="ns3:SharedWithDetails" minOccurs="0"/>
+                <xsd:element ref="ns3:_activity" minOccurs="0"/>
+                <xsd:element ref="ns4:SharedWithUsers" minOccurs="0"/>
+                <xsd:element ref="ns4:SharedWithDetails" minOccurs="0"/>
+                <xsd:element ref="ns4:SharingHintHash" minOccurs="0"/>
+                <xsd:element ref="ns3:MediaServiceMetadata" minOccurs="0"/>
+                <xsd:element ref="ns3:MediaServiceFastMetadata" minOccurs="0"/>
+                <xsd:element ref="ns3:MediaServiceSearchProperties" minOccurs="0"/>
+                <xsd:element ref="ns3:MediaServiceObjectDetectorVersions" minOccurs="0"/>
+                <xsd:element ref="ns3:MediaServiceGenerationTime" minOccurs="0"/>
+                <xsd:element ref="ns3:MediaServiceEventHashCode" minOccurs="0"/>
+                <xsd:element ref="ns3:MediaServiceSystemTags" minOccurs="0"/>
+                <xsd:element ref="ns3:MediaServiceOCR" minOccurs="0"/>
+                <xsd:element ref="ns3:MediaServiceDateTaken" minOccurs="0"/>
               </xsd:all>
             </xsd:complexType>
           </xsd:element>
@@ -8552,85 +9258,66 @@
       </xsd:complexType>
     </xsd:element>
   </xsd:schema>
-  <xsd:schema xmlns:xsd="http://www.w3.org/2001/XMLSchema" xmlns:xs="http://www.w3.org/2001/XMLSchema" xmlns:dms="http://schemas.microsoft.com/office/2006/documentManagement/types" xmlns:pc="http://schemas.microsoft.com/office/infopath/2007/PartnerControls" targetNamespace="fc36ba27-577a-4cf7-85a7-ffa139955d90" elementFormDefault="qualified">
+  <xsd:schema xmlns:xsd="http://www.w3.org/2001/XMLSchema" xmlns:xs="http://www.w3.org/2001/XMLSchema" xmlns:dms="http://schemas.microsoft.com/office/2006/documentManagement/types" xmlns:pc="http://schemas.microsoft.com/office/infopath/2007/PartnerControls" targetNamespace="4f41ae97-5a6c-4458-bb1f-235b5f3b5d68" elementFormDefault="qualified">
     <xsd:import namespace="http://schemas.microsoft.com/office/2006/documentManagement/types"/>
     <xsd:import namespace="http://schemas.microsoft.com/office/infopath/2007/PartnerControls"/>
-    <xsd:element name="MediaServiceMetadata" ma:index="8" nillable="true" ma:displayName="MediaServiceMetadata" ma:hidden="true" ma:internalName="MediaServiceMetadata" ma:readOnly="true">
+    <xsd:element name="_activity" ma:index="8" nillable="true" ma:displayName="_activity" ma:hidden="true" ma:internalName="_activity">
       <xsd:simpleType>
         <xsd:restriction base="dms:Note"/>
       </xsd:simpleType>
     </xsd:element>
-    <xsd:element name="MediaServiceFastMetadata" ma:index="9" nillable="true" ma:displayName="MediaServiceFastMetadata" ma:hidden="true" ma:internalName="MediaServiceFastMetadata" ma:readOnly="true">
+    <xsd:element name="MediaServiceMetadata" ma:index="12" nillable="true" ma:displayName="MediaServiceMetadata" ma:hidden="true" ma:internalName="MediaServiceMetadata" ma:readOnly="true">
       <xsd:simpleType>
         <xsd:restriction base="dms:Note"/>
       </xsd:simpleType>
     </xsd:element>
-    <xsd:element name="MediaServiceAutoKeyPoints" ma:index="10" nillable="true" ma:displayName="MediaServiceAutoKeyPoints" ma:hidden="true" ma:internalName="MediaServiceAutoKeyPoints" ma:readOnly="true">
+    <xsd:element name="MediaServiceFastMetadata" ma:index="13" nillable="true" ma:displayName="MediaServiceFastMetadata" ma:hidden="true" ma:internalName="MediaServiceFastMetadata" ma:readOnly="true">
       <xsd:simpleType>
         <xsd:restriction base="dms:Note"/>
       </xsd:simpleType>
     </xsd:element>
-    <xsd:element name="MediaServiceKeyPoints" ma:index="11" nillable="true" ma:displayName="KeyPoints" ma:internalName="MediaServiceKeyPoints" ma:readOnly="true">
+    <xsd:element name="MediaServiceSearchProperties" ma:index="14" nillable="true" ma:displayName="MediaServiceSearchProperties" ma:hidden="true" ma:internalName="MediaServiceSearchProperties" ma:readOnly="true">
+      <xsd:simpleType>
+        <xsd:restriction base="dms:Note"/>
+      </xsd:simpleType>
+    </xsd:element>
+    <xsd:element name="MediaServiceObjectDetectorVersions" ma:index="15" nillable="true" ma:displayName="MediaServiceObjectDetectorVersions" ma:hidden="true" ma:indexed="true" ma:internalName="MediaServiceObjectDetectorVersions" ma:readOnly="true">
+      <xsd:simpleType>
+        <xsd:restriction base="dms:Text"/>
+      </xsd:simpleType>
+    </xsd:element>
+    <xsd:element name="MediaServiceGenerationTime" ma:index="16" nillable="true" ma:displayName="MediaServiceGenerationTime" ma:hidden="true" ma:internalName="MediaServiceGenerationTime" ma:readOnly="true">
+      <xsd:simpleType>
+        <xsd:restriction base="dms:Text"/>
+      </xsd:simpleType>
+    </xsd:element>
+    <xsd:element name="MediaServiceEventHashCode" ma:index="17" nillable="true" ma:displayName="MediaServiceEventHashCode" ma:hidden="true" ma:internalName="MediaServiceEventHashCode" ma:readOnly="true">
+      <xsd:simpleType>
+        <xsd:restriction base="dms:Text"/>
+      </xsd:simpleType>
+    </xsd:element>
+    <xsd:element name="MediaServiceSystemTags" ma:index="18" nillable="true" ma:displayName="MediaServiceSystemTags" ma:hidden="true" ma:internalName="MediaServiceSystemTags" ma:readOnly="true">
+      <xsd:simpleType>
+        <xsd:restriction base="dms:Note"/>
+      </xsd:simpleType>
+    </xsd:element>
+    <xsd:element name="MediaServiceOCR" ma:index="19" nillable="true" ma:displayName="Extracted Text" ma:internalName="MediaServiceOCR" ma:readOnly="true">
       <xsd:simpleType>
         <xsd:restriction base="dms:Note">
           <xsd:maxLength value="255"/>
         </xsd:restriction>
       </xsd:simpleType>
     </xsd:element>
-    <xsd:element name="MediaServiceAutoTags" ma:index="12" nillable="true" ma:displayName="Tags" ma:internalName="MediaServiceAutoTags" ma:readOnly="true">
+    <xsd:element name="MediaServiceDateTaken" ma:index="20" nillable="true" ma:displayName="MediaServiceDateTaken" ma:hidden="true" ma:indexed="true" ma:internalName="MediaServiceDateTaken" ma:readOnly="true">
       <xsd:simpleType>
         <xsd:restriction base="dms:Text"/>
       </xsd:simpleType>
     </xsd:element>
-    <xsd:element name="MediaServiceGenerationTime" ma:index="13" nillable="true" ma:displayName="MediaServiceGenerationTime" ma:hidden="true" ma:internalName="MediaServiceGenerationTime" ma:readOnly="true">
-      <xsd:simpleType>
-        <xsd:restriction base="dms:Text"/>
-      </xsd:simpleType>
-    </xsd:element>
-    <xsd:element name="MediaServiceEventHashCode" ma:index="14" nillable="true" ma:displayName="MediaServiceEventHashCode" ma:hidden="true" ma:internalName="MediaServiceEventHashCode" ma:readOnly="true">
-      <xsd:simpleType>
-        <xsd:restriction base="dms:Text"/>
-      </xsd:simpleType>
-    </xsd:element>
-    <xsd:element name="MediaServiceOCR" ma:index="15" nillable="true" ma:displayName="Extracted Text" ma:internalName="MediaServiceOCR" ma:readOnly="true">
-      <xsd:simpleType>
-        <xsd:restriction base="dms:Note">
-          <xsd:maxLength value="255"/>
-        </xsd:restriction>
-      </xsd:simpleType>
-    </xsd:element>
-    <xsd:element name="MediaServiceDateTaken" ma:index="16" nillable="true" ma:displayName="MediaServiceDateTaken" ma:hidden="true" ma:internalName="MediaServiceDateTaken" ma:readOnly="true">
-      <xsd:simpleType>
-        <xsd:restriction base="dms:Text"/>
-      </xsd:simpleType>
-    </xsd:element>
-    <xsd:element name="MediaLengthInSeconds" ma:index="17" nillable="true" ma:displayName="MediaLengthInSeconds" ma:hidden="true" ma:internalName="MediaLengthInSeconds" ma:readOnly="true">
-      <xsd:simpleType>
-        <xsd:restriction base="dms:Unknown"/>
-      </xsd:simpleType>
-    </xsd:element>
-    <xsd:element name="lcf76f155ced4ddcb4097134ff3c332f" ma:index="19" nillable="true" ma:taxonomy="true" ma:internalName="lcf76f155ced4ddcb4097134ff3c332f" ma:taxonomyFieldName="MediaServiceImageTags" ma:displayName="Image Tags" ma:readOnly="false" ma:fieldId="{5cf76f15-5ced-4ddc-b409-7134ff3c332f}" ma:taxonomyMulti="true" ma:sspId="9c592f6e-9db9-49f2-9f9e-7d6ee315dce4" ma:termSetId="09814cd3-568e-fe90-9814-8d621ff8fb84" ma:anchorId="fba54fb3-c3e1-fe81-a776-ca4b69148c4d" ma:open="true" ma:isKeyword="false">
-      <xsd:complexType>
-        <xsd:sequence>
-          <xsd:element ref="pc:Terms" minOccurs="0" maxOccurs="1"/>
-        </xsd:sequence>
-      </xsd:complexType>
-    </xsd:element>
-    <xsd:element name="MediaServiceObjectDetectorVersions" ma:index="20" nillable="true" ma:displayName="MediaServiceObjectDetectorVersions" ma:hidden="true" ma:indexed="true" ma:internalName="MediaServiceObjectDetectorVersions" ma:readOnly="true">
-      <xsd:simpleType>
-        <xsd:restriction base="dms:Text"/>
-      </xsd:simpleType>
-    </xsd:element>
-    <xsd:element name="MediaServiceSearchProperties" ma:index="21" nillable="true" ma:displayName="MediaServiceSearchProperties" ma:hidden="true" ma:internalName="MediaServiceSearchProperties" ma:readOnly="true">
-      <xsd:simpleType>
-        <xsd:restriction base="dms:Note"/>
-      </xsd:simpleType>
-    </xsd:element>
   </xsd:schema>
-  <xsd:schema xmlns:xsd="http://www.w3.org/2001/XMLSchema" xmlns:xs="http://www.w3.org/2001/XMLSchema" xmlns:dms="http://schemas.microsoft.com/office/2006/documentManagement/types" xmlns:pc="http://schemas.microsoft.com/office/infopath/2007/PartnerControls" targetNamespace="c3db7926-add9-4beb-a254-75a5b4de93b0" elementFormDefault="qualified">
+  <xsd:schema xmlns:xsd="http://www.w3.org/2001/XMLSchema" xmlns:xs="http://www.w3.org/2001/XMLSchema" xmlns:dms="http://schemas.microsoft.com/office/2006/documentManagement/types" xmlns:pc="http://schemas.microsoft.com/office/infopath/2007/PartnerControls" targetNamespace="8802567b-aa87-48e0-ac05-b6cac22ca2ed" elementFormDefault="qualified">
     <xsd:import namespace="http://schemas.microsoft.com/office/2006/documentManagement/types"/>
     <xsd:import namespace="http://schemas.microsoft.com/office/infopath/2007/PartnerControls"/>
-    <xsd:element name="SharedWithUsers" ma:index="22" nillable="true" ma:displayName="Shared With" ma:internalName="SharedWithUsers" ma:readOnly="true">
+    <xsd:element name="SharedWithUsers" ma:index="9" nillable="true" ma:displayName="Shared With" ma:internalName="SharedWithUsers" ma:readOnly="true">
       <xsd:complexType>
         <xsd:complexContent>
           <xsd:extension base="dms:UserMulti">
@@ -8649,11 +9336,16 @@
         </xsd:complexContent>
       </xsd:complexType>
     </xsd:element>
-    <xsd:element name="SharedWithDetails" ma:index="23" nillable="true" ma:displayName="Shared With Details" ma:internalName="SharedWithDetails" ma:readOnly="true">
+    <xsd:element name="SharedWithDetails" ma:index="10" nillable="true" ma:displayName="Shared With Details" ma:internalName="SharedWithDetails" ma:readOnly="true">
       <xsd:simpleType>
         <xsd:restriction base="dms:Note">
           <xsd:maxLength value="255"/>
         </xsd:restriction>
+      </xsd:simpleType>
+    </xsd:element>
+    <xsd:element name="SharingHintHash" ma:index="11" nillable="true" ma:displayName="Sharing Hint Hash" ma:hidden="true" ma:internalName="SharingHintHash" ma:readOnly="true">
+      <xsd:simpleType>
+        <xsd:restriction base="dms:Text"/>
       </xsd:simpleType>
     </xsd:element>
   </xsd:schema>
@@ -8756,19 +9448,38 @@
 </ct:contentTypeSchema>
 </file>
 
+<file path=customXml/item2.xml><?xml version="1.0" encoding="utf-8"?>
+<?mso-contentType ?>
+<FormTemplates xmlns="http://schemas.microsoft.com/sharepoint/v3/contenttype/forms">
+  <Display>DocumentLibraryForm</Display>
+  <Edit>DocumentLibraryForm</Edit>
+  <New>DocumentLibraryForm</New>
+</FormTemplates>
+</file>
+
+<file path=customXml/item3.xml><?xml version="1.0" encoding="utf-8"?>
+<p:properties xmlns:p="http://schemas.microsoft.com/office/2006/metadata/properties" xmlns:xsi="http://www.w3.org/2001/XMLSchema-instance" xmlns:pc="http://schemas.microsoft.com/office/infopath/2007/PartnerControls">
+  <documentManagement>
+    <_activity xmlns="4f41ae97-5a6c-4458-bb1f-235b5f3b5d68" xsi:nil="true"/>
+  </documentManagement>
+</p:properties>
+</file>
+
 <file path=customXml/itemProps1.xml><?xml version="1.0" encoding="utf-8"?>
-<ds:datastoreItem xmlns:ds="http://schemas.openxmlformats.org/officeDocument/2006/customXml" ds:itemID="{C3D6C4CD-CFA3-41A1-A9D1-BFAF122A51A5}">
+<ds:datastoreItem xmlns:ds="http://schemas.openxmlformats.org/officeDocument/2006/customXml" ds:itemID="{8774136C-BD9E-4C16-A065-F64F959C2ED0}">
   <ds:schemaRefs>
-    <ds:schemaRef ds:uri="http://purl.org/dc/terms/"/>
-    <ds:schemaRef ds:uri="http://purl.org/dc/dcmitype/"/>
-    <ds:schemaRef ds:uri="http://purl.org/dc/elements/1.1/"/>
+    <ds:schemaRef ds:uri="http://schemas.microsoft.com/office/2006/metadata/contentType"/>
+    <ds:schemaRef ds:uri="http://schemas.microsoft.com/office/2006/metadata/properties/metaAttributes"/>
+    <ds:schemaRef ds:uri="http://www.w3.org/2001/XMLSchema"/>
+    <ds:schemaRef ds:uri="http://schemas.microsoft.com/office/2006/metadata/properties"/>
+    <ds:schemaRef ds:uri="4f41ae97-5a6c-4458-bb1f-235b5f3b5d68"/>
+    <ds:schemaRef ds:uri="8802567b-aa87-48e0-ac05-b6cac22ca2ed"/>
+    <ds:schemaRef ds:uri="http://schemas.microsoft.com/office/2006/documentManagement/types"/>
     <ds:schemaRef ds:uri="http://schemas.microsoft.com/office/infopath/2007/PartnerControls"/>
     <ds:schemaRef ds:uri="http://schemas.openxmlformats.org/package/2006/metadata/core-properties"/>
-    <ds:schemaRef ds:uri="http://schemas.microsoft.com/office/2006/documentManagement/types"/>
-    <ds:schemaRef ds:uri="http://schemas.microsoft.com/office/2006/metadata/properties"/>
-    <ds:schemaRef ds:uri="c3db7926-add9-4beb-a254-75a5b4de93b0"/>
-    <ds:schemaRef ds:uri="fc36ba27-577a-4cf7-85a7-ffa139955d90"/>
-    <ds:schemaRef ds:uri="http://www.w3.org/XML/1998/namespace"/>
+    <ds:schemaRef ds:uri="http://purl.org/dc/elements/1.1/"/>
+    <ds:schemaRef ds:uri="http://purl.org/dc/terms/"/>
+    <ds:schemaRef ds:uri="http://schemas.microsoft.com/internal/obd"/>
   </ds:schemaRefs>
 </ds:datastoreItem>
 </file>
@@ -8782,20 +9493,18 @@
 </file>
 
 <file path=customXml/itemProps3.xml><?xml version="1.0" encoding="utf-8"?>
-<ds:datastoreItem xmlns:ds="http://schemas.openxmlformats.org/officeDocument/2006/customXml" ds:itemID="{1F6B1DF0-A52A-40B5-B285-0AE80744836E}">
+<ds:datastoreItem xmlns:ds="http://schemas.openxmlformats.org/officeDocument/2006/customXml" ds:itemID="{C3D6C4CD-CFA3-41A1-A9D1-BFAF122A51A5}">
   <ds:schemaRefs>
-    <ds:schemaRef ds:uri="http://schemas.microsoft.com/office/2006/metadata/contentType"/>
-    <ds:schemaRef ds:uri="http://schemas.microsoft.com/office/2006/metadata/properties/metaAttributes"/>
-    <ds:schemaRef ds:uri="http://www.w3.org/2001/XMLSchema"/>
-    <ds:schemaRef ds:uri="http://schemas.microsoft.com/office/2006/metadata/properties"/>
-    <ds:schemaRef ds:uri="fc36ba27-577a-4cf7-85a7-ffa139955d90"/>
-    <ds:schemaRef ds:uri="c3db7926-add9-4beb-a254-75a5b4de93b0"/>
+    <ds:schemaRef ds:uri="http://purl.org/dc/elements/1.1/"/>
+    <ds:schemaRef ds:uri="http://purl.org/dc/terms/"/>
+    <ds:schemaRef ds:uri="4f41ae97-5a6c-4458-bb1f-235b5f3b5d68"/>
+    <ds:schemaRef ds:uri="http://purl.org/dc/dcmitype/"/>
+    <ds:schemaRef ds:uri="http://schemas.openxmlformats.org/package/2006/metadata/core-properties"/>
+    <ds:schemaRef ds:uri="http://www.w3.org/XML/1998/namespace"/>
     <ds:schemaRef ds:uri="http://schemas.microsoft.com/office/2006/documentManagement/types"/>
     <ds:schemaRef ds:uri="http://schemas.microsoft.com/office/infopath/2007/PartnerControls"/>
-    <ds:schemaRef ds:uri="http://schemas.openxmlformats.org/package/2006/metadata/core-properties"/>
-    <ds:schemaRef ds:uri="http://purl.org/dc/elements/1.1/"/>
-    <ds:schemaRef ds:uri="http://purl.org/dc/terms/"/>
-    <ds:schemaRef ds:uri="http://schemas.microsoft.com/internal/obd"/>
+    <ds:schemaRef ds:uri="8802567b-aa87-48e0-ac05-b6cac22ca2ed"/>
+    <ds:schemaRef ds:uri="http://schemas.microsoft.com/office/2006/metadata/properties"/>
   </ds:schemaRefs>
 </ds:datastoreItem>
 </file>
--- a/Bayesian COVID Hospitalizations.pptx
+++ b/Bayesian COVID Hospitalizations.pptx
@@ -132,6 +132,7 @@
 <file path=ppt/authors.xml><?xml version="1.0" encoding="utf-8"?>
 <p188:authorLst xmlns:a="http://schemas.openxmlformats.org/drawingml/2006/main" xmlns:r="http://schemas.openxmlformats.org/officeDocument/2006/relationships" xmlns:p188="http://schemas.microsoft.com/office/powerpoint/2018/8/main">
   <p188:author id="{74906A6B-110F-D067-7BFC-521FF3E147DB}" name="Luke Wilsen" initials="LW" userId="S::lwilsen@umass.edu::bcce7b85-2946-40bd-a49c-4b42c07c9900" providerId="AD"/>
+  <p188:author id="{DEA54485-948C-FC61-3ADC-E53DD8E0A3FD}" name="Alexander Ruse" initials="AR" userId="4a02e3a85d78645e" providerId="Windows Live"/>
 </p188:authorLst>
 </file>
 
@@ -164,7 +165,7 @@
       </a:p>
     </p188:txBody>
   </p188:cm>
-  <p188:cm id="{A354AF76-F7B7-C142-B799-E53B447CE482}" authorId="{74906A6B-110F-D067-7BFC-521FF3E147DB}" created="2024-12-03T16:51:50.611">
+  <p188:cm id="{A354AF76-F7B7-C142-B799-E53B447CE482}" authorId="{74906A6B-110F-D067-7BFC-521FF3E147DB}" status="resolved" created="2024-12-03T16:51:50.611" complete="100000">
     <ac:txMkLst xmlns:ac="http://schemas.microsoft.com/office/drawing/2013/main/command">
       <pc:docMk xmlns:pc="http://schemas.microsoft.com/office/powerpoint/2013/main/command"/>
       <pc:sldMk xmlns:pc="http://schemas.microsoft.com/office/powerpoint/2013/main/command" cId="0" sldId="256"/>
@@ -207,7 +208,7 @@
       </a:p>
     </p188:txBody>
   </p188:cm>
-  <p188:cm id="{47DCD415-87D7-8543-8A7E-7D0052F0EBFA}" authorId="{74906A6B-110F-D067-7BFC-521FF3E147DB}" created="2024-12-03T16:59:54.833">
+  <p188:cm id="{47DCD415-87D7-8543-8A7E-7D0052F0EBFA}" authorId="{74906A6B-110F-D067-7BFC-521FF3E147DB}" status="resolved" created="2024-12-03T16:59:54.833" complete="100000">
     <ac:txMkLst xmlns:ac="http://schemas.microsoft.com/office/drawing/2013/main/command">
       <pc:docMk xmlns:pc="http://schemas.microsoft.com/office/powerpoint/2013/main/command"/>
       <pc:sldMk xmlns:pc="http://schemas.microsoft.com/office/powerpoint/2013/main/command" cId="0" sldId="256"/>
@@ -8565,8 +8566,8 @@
         </p:blipFill>
         <p:spPr>
           <a:xfrm>
-            <a:off x="35085132" y="20735721"/>
-            <a:ext cx="6667500" cy="4114800"/>
+            <a:off x="42215098" y="21233524"/>
+            <a:ext cx="5879370" cy="3628411"/>
           </a:xfrm>
           <a:prstGeom prst="rect">
             <a:avLst/>
@@ -8595,14 +8596,57 @@
         </p:blipFill>
         <p:spPr>
           <a:xfrm>
-            <a:off x="42504241" y="20737940"/>
-            <a:ext cx="6667500" cy="4114800"/>
+            <a:off x="35343654" y="21152595"/>
+            <a:ext cx="5879370" cy="3628411"/>
           </a:xfrm>
           <a:prstGeom prst="rect">
             <a:avLst/>
           </a:prstGeom>
         </p:spPr>
       </p:pic>
+      <p:sp>
+        <p:nvSpPr>
+          <p:cNvPr id="63" name="TextBox 62">
+            <a:extLst>
+              <a:ext uri="{FF2B5EF4-FFF2-40B4-BE49-F238E27FC236}">
+                <a16:creationId xmlns:a16="http://schemas.microsoft.com/office/drawing/2014/main" id="{F4ECC765-DA64-1FE2-E866-3C76626377F2}"/>
+              </a:ext>
+            </a:extLst>
+          </p:cNvPr>
+          <p:cNvSpPr txBox="1"/>
+          <p:nvPr/>
+        </p:nvSpPr>
+        <p:spPr>
+          <a:xfrm>
+            <a:off x="36149280" y="20625729"/>
+            <a:ext cx="11945188" cy="553998"/>
+          </a:xfrm>
+          <a:prstGeom prst="rect">
+            <a:avLst/>
+          </a:prstGeom>
+          <a:noFill/>
+        </p:spPr>
+        <p:txBody>
+          <a:bodyPr wrap="square" rtlCol="0">
+            <a:spAutoFit/>
+          </a:bodyPr>
+          <a:lstStyle/>
+          <a:p>
+            <a:r>
+              <a:rPr lang="en-US" sz="3000" b="1" dirty="0"/>
+              <a:t>Base Model</a:t>
+            </a:r>
+            <a:r>
+              <a:rPr lang="en-US" sz="3000" dirty="0"/>
+              <a:t>			</a:t>
+            </a:r>
+            <a:r>
+              <a:rPr lang="en-US" sz="3000" b="1" dirty="0"/>
+              <a:t>Hierarchical Model</a:t>
+            </a:r>
+          </a:p>
+        </p:txBody>
+      </p:sp>
     </p:spTree>
   </p:cSld>
   <p:clrMapOvr>

--- a/Bayesian COVID Hospitalizations.pptx
+++ b/Bayesian COVID Hospitalizations.pptx
@@ -376,7 +376,7 @@
       <pc:sldMk xmlns:pc="http://schemas.microsoft.com/office/powerpoint/2013/main/command" cId="0" sldId="256"/>
       <ac:spMk id="10" creationId="{025B411F-C30D-3458-EC06-AD109C00A7A3}"/>
       <ac:txMk cp="75" len="39">
-        <ac:context len="1583" hash="3103544310"/>
+        <ac:context len="115" hash="3813382397"/>
       </ac:txMk>
     </ac:txMkLst>
     <p188:pos x="6895310" y="896434"/>
@@ -525,7 +525,7 @@
             <a:fld id="{311E81F8-90E2-2945-9ED7-A6A90A37CF21}" type="datetimeFigureOut">
               <a:rPr lang="en-US" smtClean="0"/>
               <a:pPr/>
-              <a:t>12/3/2024</a:t>
+              <a:t>12/3/24</a:t>
             </a:fld>
             <a:endParaRPr lang="en-US"/>
           </a:p>
@@ -1094,7 +1094,7 @@
             <a:fld id="{84FD1F27-616A-3542-91BB-C34E14AE38CD}" type="datetimeFigureOut">
               <a:rPr lang="en-US" smtClean="0"/>
               <a:pPr/>
-              <a:t>12/3/2024</a:t>
+              <a:t>12/3/24</a:t>
             </a:fld>
             <a:endParaRPr lang="en-US"/>
           </a:p>
@@ -1266,7 +1266,7 @@
             <a:fld id="{84FD1F27-616A-3542-91BB-C34E14AE38CD}" type="datetimeFigureOut">
               <a:rPr lang="en-US" smtClean="0"/>
               <a:pPr/>
-              <a:t>12/3/2024</a:t>
+              <a:t>12/3/24</a:t>
             </a:fld>
             <a:endParaRPr lang="en-US"/>
           </a:p>
@@ -2132,7 +2132,7 @@
             <a:fld id="{84FD1F27-616A-3542-91BB-C34E14AE38CD}" type="datetimeFigureOut">
               <a:rPr lang="en-US" smtClean="0"/>
               <a:pPr/>
-              <a:t>12/3/2024</a:t>
+              <a:t>12/3/24</a:t>
             </a:fld>
             <a:endParaRPr lang="en-US"/>
           </a:p>
@@ -2556,7 +2556,7 @@
             <a:fld id="{84FD1F27-616A-3542-91BB-C34E14AE38CD}" type="datetimeFigureOut">
               <a:rPr lang="en-US" smtClean="0"/>
               <a:pPr/>
-              <a:t>12/3/2024</a:t>
+              <a:t>12/3/24</a:t>
             </a:fld>
             <a:endParaRPr lang="en-US"/>
           </a:p>
@@ -2676,7 +2676,7 @@
             <a:fld id="{84FD1F27-616A-3542-91BB-C34E14AE38CD}" type="datetimeFigureOut">
               <a:rPr lang="en-US" smtClean="0"/>
               <a:pPr/>
-              <a:t>12/3/2024</a:t>
+              <a:t>12/3/24</a:t>
             </a:fld>
             <a:endParaRPr lang="en-US"/>
           </a:p>
@@ -2773,7 +2773,7 @@
             <a:fld id="{84FD1F27-616A-3542-91BB-C34E14AE38CD}" type="datetimeFigureOut">
               <a:rPr lang="en-US" smtClean="0"/>
               <a:pPr/>
-              <a:t>12/3/2024</a:t>
+              <a:t>12/3/24</a:t>
             </a:fld>
             <a:endParaRPr lang="en-US"/>
           </a:p>
@@ -3052,7 +3052,7 @@
             <a:fld id="{84FD1F27-616A-3542-91BB-C34E14AE38CD}" type="datetimeFigureOut">
               <a:rPr lang="en-US" smtClean="0"/>
               <a:pPr/>
-              <a:t>12/3/2024</a:t>
+              <a:t>12/3/24</a:t>
             </a:fld>
             <a:endParaRPr lang="en-US"/>
           </a:p>
@@ -3311,7 +3311,7 @@
             <a:fld id="{84FD1F27-616A-3542-91BB-C34E14AE38CD}" type="datetimeFigureOut">
               <a:rPr lang="en-US" smtClean="0"/>
               <a:pPr/>
-              <a:t>12/3/2024</a:t>
+              <a:t>12/3/24</a:t>
             </a:fld>
             <a:endParaRPr lang="en-US"/>
           </a:p>
@@ -3522,7 +3522,7 @@
             <a:fld id="{84FD1F27-616A-3542-91BB-C34E14AE38CD}" type="datetimeFigureOut">
               <a:rPr lang="en-US" smtClean="0"/>
               <a:pPr/>
-              <a:t>12/3/2024</a:t>
+              <a:t>12/3/24</a:t>
             </a:fld>
             <a:endParaRPr lang="en-US"/>
           </a:p>
@@ -4052,7 +4052,7 @@
             <a:fld id="{84FD1F27-616A-3542-91BB-C34E14AE38CD}" type="datetimeFigureOut">
               <a:rPr lang="en-US" smtClean="0"/>
               <a:pPr/>
-              <a:t>12/3/2024</a:t>
+              <a:t>12/3/24</a:t>
             </a:fld>
             <a:endParaRPr lang="en-US"/>
           </a:p>
@@ -6603,8 +6603,8 @@
         </p:nvSpPr>
         <p:spPr>
           <a:xfrm>
-            <a:off x="2236815" y="13199576"/>
-            <a:ext cx="14838218" cy="8824700"/>
+            <a:off x="2236815" y="13199577"/>
+            <a:ext cx="14838218" cy="1108750"/>
           </a:xfrm>
           <a:prstGeom prst="rect">
             <a:avLst/>
@@ -6774,430 +6774,10 @@
               </a:rPr>
               <a:t>Data structure (individual case level):</a:t>
             </a:r>
-          </a:p>
-          <a:p>
-            <a:pPr marL="475794"/>
-            <a:r>
-              <a:rPr lang="en-US" sz="1400" b="0" dirty="0">
-                <a:latin typeface="Courier New" panose="02070309020205020404" pitchFamily="49" charset="0"/>
-                <a:cs typeface="Courier New" panose="02070309020205020404" pitchFamily="49" charset="0"/>
-              </a:rPr>
-              <a:t>'</a:t>
-            </a:r>
-            <a:r>
-              <a:rPr lang="en-US" sz="1400" b="0" dirty="0" err="1">
-                <a:latin typeface="Courier New" panose="02070309020205020404" pitchFamily="49" charset="0"/>
-                <a:cs typeface="Courier New" panose="02070309020205020404" pitchFamily="49" charset="0"/>
-              </a:rPr>
-              <a:t>data.frame</a:t>
-            </a:r>
-            <a:r>
-              <a:rPr lang="en-US" sz="1400" b="0" dirty="0">
-                <a:latin typeface="Courier New" panose="02070309020205020404" pitchFamily="49" charset="0"/>
-                <a:cs typeface="Courier New" panose="02070309020205020404" pitchFamily="49" charset="0"/>
-              </a:rPr>
-              <a:t>':	100000 obs. of  19 variables:</a:t>
-            </a:r>
-          </a:p>
-          <a:p>
-            <a:pPr marL="475794"/>
-            <a:r>
-              <a:rPr lang="en-US" sz="1400" b="0" dirty="0">
-                <a:latin typeface="Courier New" panose="02070309020205020404" pitchFamily="49" charset="0"/>
-                <a:cs typeface="Courier New" panose="02070309020205020404" pitchFamily="49" charset="0"/>
-              </a:rPr>
-              <a:t> $ </a:t>
-            </a:r>
-            <a:r>
-              <a:rPr lang="en-US" sz="1400" b="0" dirty="0" err="1">
-                <a:latin typeface="Courier New" panose="02070309020205020404" pitchFamily="49" charset="0"/>
-                <a:cs typeface="Courier New" panose="02070309020205020404" pitchFamily="49" charset="0"/>
-              </a:rPr>
-              <a:t>case_month</a:t>
-            </a:r>
-            <a:r>
-              <a:rPr lang="en-US" sz="1400" b="0" dirty="0">
-                <a:latin typeface="Courier New" panose="02070309020205020404" pitchFamily="49" charset="0"/>
-                <a:cs typeface="Courier New" panose="02070309020205020404" pitchFamily="49" charset="0"/>
-              </a:rPr>
-              <a:t>              : chr  "2021-10" "2022-02" "2020-09" "2021-10" ...</a:t>
-            </a:r>
-          </a:p>
-          <a:p>
-            <a:pPr marL="475794"/>
-            <a:r>
-              <a:rPr lang="en-US" sz="1400" b="0" dirty="0">
-                <a:latin typeface="Courier New" panose="02070309020205020404" pitchFamily="49" charset="0"/>
-                <a:cs typeface="Courier New" panose="02070309020205020404" pitchFamily="49" charset="0"/>
-              </a:rPr>
-              <a:t> $ </a:t>
-            </a:r>
-            <a:r>
-              <a:rPr lang="en-US" sz="1400" b="0" dirty="0" err="1">
-                <a:latin typeface="Courier New" panose="02070309020205020404" pitchFamily="49" charset="0"/>
-                <a:cs typeface="Courier New" panose="02070309020205020404" pitchFamily="49" charset="0"/>
-              </a:rPr>
-              <a:t>res_state</a:t>
-            </a:r>
-            <a:r>
-              <a:rPr lang="en-US" sz="1400" b="0" dirty="0">
-                <a:latin typeface="Courier New" panose="02070309020205020404" pitchFamily="49" charset="0"/>
-                <a:cs typeface="Courier New" panose="02070309020205020404" pitchFamily="49" charset="0"/>
-              </a:rPr>
-              <a:t>               : chr  "NC" "GA" "MO" "MI" ...</a:t>
-            </a:r>
-          </a:p>
-          <a:p>
-            <a:pPr marL="475794"/>
-            <a:r>
-              <a:rPr lang="en-US" sz="1400" b="0" dirty="0">
-                <a:latin typeface="Courier New" panose="02070309020205020404" pitchFamily="49" charset="0"/>
-                <a:cs typeface="Courier New" panose="02070309020205020404" pitchFamily="49" charset="0"/>
-              </a:rPr>
-              <a:t> $ </a:t>
-            </a:r>
-            <a:r>
-              <a:rPr lang="en-US" sz="1400" b="0" dirty="0" err="1">
-                <a:latin typeface="Courier New" panose="02070309020205020404" pitchFamily="49" charset="0"/>
-                <a:cs typeface="Courier New" panose="02070309020205020404" pitchFamily="49" charset="0"/>
-              </a:rPr>
-              <a:t>state_fips_code</a:t>
-            </a:r>
-            <a:r>
-              <a:rPr lang="en-US" sz="1400" b="0" dirty="0">
-                <a:latin typeface="Courier New" panose="02070309020205020404" pitchFamily="49" charset="0"/>
-                <a:cs typeface="Courier New" panose="02070309020205020404" pitchFamily="49" charset="0"/>
-              </a:rPr>
-              <a:t>         : chr  "37" "13" "29" "26" ...</a:t>
-            </a:r>
-          </a:p>
-          <a:p>
-            <a:pPr marL="475794"/>
-            <a:r>
-              <a:rPr lang="en-US" sz="1400" b="0" dirty="0">
-                <a:latin typeface="Courier New" panose="02070309020205020404" pitchFamily="49" charset="0"/>
-                <a:cs typeface="Courier New" panose="02070309020205020404" pitchFamily="49" charset="0"/>
-              </a:rPr>
-              <a:t> $ </a:t>
-            </a:r>
-            <a:r>
-              <a:rPr lang="en-US" sz="1400" b="0" dirty="0" err="1">
-                <a:latin typeface="Courier New" panose="02070309020205020404" pitchFamily="49" charset="0"/>
-                <a:cs typeface="Courier New" panose="02070309020205020404" pitchFamily="49" charset="0"/>
-              </a:rPr>
-              <a:t>res_county</a:t>
-            </a:r>
-            <a:r>
-              <a:rPr lang="en-US" sz="1400" b="0" dirty="0">
-                <a:latin typeface="Courier New" panose="02070309020205020404" pitchFamily="49" charset="0"/>
-                <a:cs typeface="Courier New" panose="02070309020205020404" pitchFamily="49" charset="0"/>
-              </a:rPr>
-              <a:t>              : chr  "DAVIE" "BULLOCH" "POLK" "SANILAC" ...</a:t>
-            </a:r>
-          </a:p>
-          <a:p>
-            <a:pPr marL="475794"/>
-            <a:r>
-              <a:rPr lang="en-US" sz="1400" b="0" dirty="0">
-                <a:latin typeface="Courier New" panose="02070309020205020404" pitchFamily="49" charset="0"/>
-                <a:cs typeface="Courier New" panose="02070309020205020404" pitchFamily="49" charset="0"/>
-              </a:rPr>
-              <a:t> $ </a:t>
-            </a:r>
-            <a:r>
-              <a:rPr lang="en-US" sz="1400" b="0" dirty="0" err="1">
-                <a:latin typeface="Courier New" panose="02070309020205020404" pitchFamily="49" charset="0"/>
-                <a:cs typeface="Courier New" panose="02070309020205020404" pitchFamily="49" charset="0"/>
-              </a:rPr>
-              <a:t>county_fips_code</a:t>
-            </a:r>
-            <a:r>
-              <a:rPr lang="en-US" sz="1400" b="0" dirty="0">
-                <a:latin typeface="Courier New" panose="02070309020205020404" pitchFamily="49" charset="0"/>
-                <a:cs typeface="Courier New" panose="02070309020205020404" pitchFamily="49" charset="0"/>
-              </a:rPr>
-              <a:t>        : chr  "37059" "13031" "29167" "26151" ...</a:t>
-            </a:r>
-          </a:p>
-          <a:p>
-            <a:pPr marL="475794"/>
-            <a:r>
-              <a:rPr lang="en-US" sz="1400" b="0" dirty="0">
-                <a:latin typeface="Courier New" panose="02070309020205020404" pitchFamily="49" charset="0"/>
-                <a:cs typeface="Courier New" panose="02070309020205020404" pitchFamily="49" charset="0"/>
-              </a:rPr>
-              <a:t> $ </a:t>
-            </a:r>
-            <a:r>
-              <a:rPr lang="en-US" sz="1400" b="0" dirty="0" err="1">
-                <a:latin typeface="Courier New" panose="02070309020205020404" pitchFamily="49" charset="0"/>
-                <a:cs typeface="Courier New" panose="02070309020205020404" pitchFamily="49" charset="0"/>
-              </a:rPr>
-              <a:t>age_group</a:t>
-            </a:r>
-            <a:r>
-              <a:rPr lang="en-US" sz="1400" b="0" dirty="0">
-                <a:latin typeface="Courier New" panose="02070309020205020404" pitchFamily="49" charset="0"/>
-                <a:cs typeface="Courier New" panose="02070309020205020404" pitchFamily="49" charset="0"/>
-              </a:rPr>
-              <a:t>               : chr  "0 - 17 years" "18 to 49 years" "18 to 49 years" "18 to 49 years" ...</a:t>
-            </a:r>
-          </a:p>
-          <a:p>
-            <a:pPr marL="475794"/>
-            <a:r>
-              <a:rPr lang="en-US" sz="1400" b="0" dirty="0">
-                <a:latin typeface="Courier New" panose="02070309020205020404" pitchFamily="49" charset="0"/>
-                <a:cs typeface="Courier New" panose="02070309020205020404" pitchFamily="49" charset="0"/>
-              </a:rPr>
-              <a:t> $ sex                     : chr  "Female" "Female" "Female" "Female" Missing" ...</a:t>
-            </a:r>
-          </a:p>
-          <a:p>
-            <a:pPr marL="475794"/>
-            <a:r>
-              <a:rPr lang="en-US" sz="1400" b="0" dirty="0">
-                <a:latin typeface="Courier New" panose="02070309020205020404" pitchFamily="49" charset="0"/>
-                <a:cs typeface="Courier New" panose="02070309020205020404" pitchFamily="49" charset="0"/>
-              </a:rPr>
-              <a:t> $ </a:t>
-            </a:r>
-            <a:r>
-              <a:rPr lang="en-US" sz="1400" b="0" dirty="0" err="1">
-                <a:latin typeface="Courier New" panose="02070309020205020404" pitchFamily="49" charset="0"/>
-                <a:cs typeface="Courier New" panose="02070309020205020404" pitchFamily="49" charset="0"/>
-              </a:rPr>
-              <a:t>hosp_yn</a:t>
-            </a:r>
-            <a:r>
-              <a:rPr lang="en-US" sz="1400" b="0" dirty="0">
-                <a:latin typeface="Courier New" panose="02070309020205020404" pitchFamily="49" charset="0"/>
-                <a:cs typeface="Courier New" panose="02070309020205020404" pitchFamily="49" charset="0"/>
-              </a:rPr>
-              <a:t>                 : chr  "Unknown" "Missing" "Unknown" "Missing"...</a:t>
-            </a:r>
-          </a:p>
-          <a:p>
-            <a:pPr marL="475794"/>
-            <a:r>
-              <a:rPr lang="en-US" sz="1400" b="0" dirty="0">
-                <a:latin typeface="Courier New" panose="02070309020205020404" pitchFamily="49" charset="0"/>
-                <a:cs typeface="Courier New" panose="02070309020205020404" pitchFamily="49" charset="0"/>
-              </a:rPr>
-              <a:t> $ race                    : chr  "NA" "Unknown" "NA" "NA" ...</a:t>
-            </a:r>
-          </a:p>
-          <a:p>
-            <a:pPr marL="475794"/>
-            <a:r>
-              <a:rPr lang="en-US" sz="1400" b="0" dirty="0">
-                <a:latin typeface="Courier New" panose="02070309020205020404" pitchFamily="49" charset="0"/>
-                <a:cs typeface="Courier New" panose="02070309020205020404" pitchFamily="49" charset="0"/>
-              </a:rPr>
-              <a:t> $ ethnicity               : chr  "NA" "Missing" "NA" "NA" ...</a:t>
-            </a:r>
-          </a:p>
-          <a:p>
-            <a:pPr marL="475794"/>
-            <a:r>
-              <a:rPr lang="en-US" sz="1400" b="0" dirty="0">
-                <a:latin typeface="Courier New" panose="02070309020205020404" pitchFamily="49" charset="0"/>
-                <a:cs typeface="Courier New" panose="02070309020205020404" pitchFamily="49" charset="0"/>
-              </a:rPr>
-              <a:t> $ </a:t>
-            </a:r>
-            <a:r>
-              <a:rPr lang="en-US" sz="1400" b="0" dirty="0" err="1">
-                <a:latin typeface="Courier New" panose="02070309020205020404" pitchFamily="49" charset="0"/>
-                <a:cs typeface="Courier New" panose="02070309020205020404" pitchFamily="49" charset="0"/>
-              </a:rPr>
-              <a:t>case_positive_specimen</a:t>
-            </a:r>
-            <a:r>
-              <a:rPr lang="en-US" sz="1400" b="0" dirty="0">
-                <a:latin typeface="Courier New" panose="02070309020205020404" pitchFamily="49" charset="0"/>
-                <a:cs typeface="Courier New" panose="02070309020205020404" pitchFamily="49" charset="0"/>
-              </a:rPr>
-              <a:t>  : chr  "0.0" NA "0.0" NA ...</a:t>
-            </a:r>
-          </a:p>
-          <a:p>
-            <a:pPr marL="475794"/>
-            <a:r>
-              <a:rPr lang="en-US" sz="1400" b="0" dirty="0">
-                <a:latin typeface="Courier New" panose="02070309020205020404" pitchFamily="49" charset="0"/>
-                <a:cs typeface="Courier New" panose="02070309020205020404" pitchFamily="49" charset="0"/>
-              </a:rPr>
-              <a:t> $ process                 : chr  "Missing" "Missing" "Missing" "Missing" ...</a:t>
-            </a:r>
-          </a:p>
-          <a:p>
-            <a:pPr marL="475794"/>
-            <a:r>
-              <a:rPr lang="en-US" sz="1400" b="0" dirty="0">
-                <a:latin typeface="Courier New" panose="02070309020205020404" pitchFamily="49" charset="0"/>
-                <a:cs typeface="Courier New" panose="02070309020205020404" pitchFamily="49" charset="0"/>
-              </a:rPr>
-              <a:t> $ </a:t>
-            </a:r>
-            <a:r>
-              <a:rPr lang="en-US" sz="1400" b="0" dirty="0" err="1">
-                <a:latin typeface="Courier New" panose="02070309020205020404" pitchFamily="49" charset="0"/>
-                <a:cs typeface="Courier New" panose="02070309020205020404" pitchFamily="49" charset="0"/>
-              </a:rPr>
-              <a:t>exposure_yn</a:t>
-            </a:r>
-            <a:r>
-              <a:rPr lang="en-US" sz="1400" b="0" dirty="0">
-                <a:latin typeface="Courier New" panose="02070309020205020404" pitchFamily="49" charset="0"/>
-                <a:cs typeface="Courier New" panose="02070309020205020404" pitchFamily="49" charset="0"/>
-              </a:rPr>
-              <a:t>             : chr  "Missing" "Missing" "Missing" "Missing" ...</a:t>
-            </a:r>
-          </a:p>
-          <a:p>
-            <a:pPr marL="475794"/>
-            <a:r>
-              <a:rPr lang="en-US" sz="1400" b="0" dirty="0">
-                <a:latin typeface="Courier New" panose="02070309020205020404" pitchFamily="49" charset="0"/>
-                <a:cs typeface="Courier New" panose="02070309020205020404" pitchFamily="49" charset="0"/>
-              </a:rPr>
-              <a:t> $ </a:t>
-            </a:r>
-            <a:r>
-              <a:rPr lang="en-US" sz="1400" b="0" dirty="0" err="1">
-                <a:latin typeface="Courier New" panose="02070309020205020404" pitchFamily="49" charset="0"/>
-                <a:cs typeface="Courier New" panose="02070309020205020404" pitchFamily="49" charset="0"/>
-              </a:rPr>
-              <a:t>current_status</a:t>
-            </a:r>
-            <a:r>
-              <a:rPr lang="en-US" sz="1400" b="0" dirty="0">
-                <a:latin typeface="Courier New" panose="02070309020205020404" pitchFamily="49" charset="0"/>
-                <a:cs typeface="Courier New" panose="02070309020205020404" pitchFamily="49" charset="0"/>
-              </a:rPr>
-              <a:t>          : chr  "Laboratory-confirmed case" "Laboratory-confirmed case" "Laboratory-confirmed case" "Laboratory-confirmed case" ...</a:t>
-            </a:r>
-          </a:p>
-          <a:p>
-            <a:pPr marL="475794"/>
-            <a:r>
-              <a:rPr lang="en-US" sz="1400" b="0" dirty="0">
-                <a:latin typeface="Courier New" panose="02070309020205020404" pitchFamily="49" charset="0"/>
-                <a:cs typeface="Courier New" panose="02070309020205020404" pitchFamily="49" charset="0"/>
-              </a:rPr>
-              <a:t> $ </a:t>
-            </a:r>
-            <a:r>
-              <a:rPr lang="en-US" sz="1400" b="0" dirty="0" err="1">
-                <a:latin typeface="Courier New" panose="02070309020205020404" pitchFamily="49" charset="0"/>
-                <a:cs typeface="Courier New" panose="02070309020205020404" pitchFamily="49" charset="0"/>
-              </a:rPr>
-              <a:t>symptom_status</a:t>
-            </a:r>
-            <a:r>
-              <a:rPr lang="en-US" sz="1400" b="0" dirty="0">
-                <a:latin typeface="Courier New" panose="02070309020205020404" pitchFamily="49" charset="0"/>
-                <a:cs typeface="Courier New" panose="02070309020205020404" pitchFamily="49" charset="0"/>
-              </a:rPr>
-              <a:t>          : chr  "Unknown" "Symptomatic" "Symptomatic" " ...</a:t>
-            </a:r>
-          </a:p>
-          <a:p>
-            <a:pPr marL="475794"/>
-            <a:r>
-              <a:rPr lang="en-US" sz="1400" b="0" dirty="0">
-                <a:latin typeface="Courier New" panose="02070309020205020404" pitchFamily="49" charset="0"/>
-                <a:cs typeface="Courier New" panose="02070309020205020404" pitchFamily="49" charset="0"/>
-              </a:rPr>
-              <a:t> $ </a:t>
-            </a:r>
-            <a:r>
-              <a:rPr lang="en-US" sz="1400" b="0" dirty="0" err="1">
-                <a:latin typeface="Courier New" panose="02070309020205020404" pitchFamily="49" charset="0"/>
-                <a:cs typeface="Courier New" panose="02070309020205020404" pitchFamily="49" charset="0"/>
-              </a:rPr>
-              <a:t>icu_yn</a:t>
-            </a:r>
-            <a:r>
-              <a:rPr lang="en-US" sz="1400" b="0" dirty="0">
-                <a:latin typeface="Courier New" panose="02070309020205020404" pitchFamily="49" charset="0"/>
-                <a:cs typeface="Courier New" panose="02070309020205020404" pitchFamily="49" charset="0"/>
-              </a:rPr>
-              <a:t>                  : chr  "Unknown" "Missing" "Missing" "Missing" ...</a:t>
-            </a:r>
-          </a:p>
-          <a:p>
-            <a:pPr marL="475794"/>
-            <a:r>
-              <a:rPr lang="en-US" sz="1400" b="0" dirty="0">
-                <a:latin typeface="Courier New" panose="02070309020205020404" pitchFamily="49" charset="0"/>
-                <a:cs typeface="Courier New" panose="02070309020205020404" pitchFamily="49" charset="0"/>
-              </a:rPr>
-              <a:t> $ </a:t>
-            </a:r>
-            <a:r>
-              <a:rPr lang="en-US" sz="1400" b="0" dirty="0" err="1">
-                <a:latin typeface="Courier New" panose="02070309020205020404" pitchFamily="49" charset="0"/>
-                <a:cs typeface="Courier New" panose="02070309020205020404" pitchFamily="49" charset="0"/>
-              </a:rPr>
-              <a:t>death_yn</a:t>
-            </a:r>
-            <a:r>
-              <a:rPr lang="en-US" sz="1400" b="0" dirty="0">
-                <a:latin typeface="Courier New" panose="02070309020205020404" pitchFamily="49" charset="0"/>
-                <a:cs typeface="Courier New" panose="02070309020205020404" pitchFamily="49" charset="0"/>
-              </a:rPr>
-              <a:t>                : chr  "No" "Missing" "Unknown" "Unknown" ...</a:t>
-            </a:r>
-          </a:p>
-          <a:p>
-            <a:pPr marL="475794"/>
-            <a:r>
-              <a:rPr lang="en-US" sz="1400" b="0" dirty="0">
-                <a:latin typeface="Courier New" panose="02070309020205020404" pitchFamily="49" charset="0"/>
-                <a:cs typeface="Courier New" panose="02070309020205020404" pitchFamily="49" charset="0"/>
-              </a:rPr>
-              <a:t> $ </a:t>
-            </a:r>
-            <a:r>
-              <a:rPr lang="en-US" sz="1400" b="0" dirty="0" err="1">
-                <a:latin typeface="Courier New" panose="02070309020205020404" pitchFamily="49" charset="0"/>
-                <a:cs typeface="Courier New" panose="02070309020205020404" pitchFamily="49" charset="0"/>
-              </a:rPr>
-              <a:t>case_onset_interval</a:t>
-            </a:r>
-            <a:r>
-              <a:rPr lang="en-US" sz="1400" b="0" dirty="0">
-                <a:latin typeface="Courier New" panose="02070309020205020404" pitchFamily="49" charset="0"/>
-                <a:cs typeface="Courier New" panose="02070309020205020404" pitchFamily="49" charset="0"/>
-              </a:rPr>
-              <a:t>     : chr  NA "0.0" "0.0" NA ...</a:t>
-            </a:r>
-          </a:p>
-          <a:p>
-            <a:pPr marL="475794"/>
-            <a:r>
-              <a:rPr lang="en-US" sz="1400" b="0" dirty="0">
-                <a:latin typeface="Courier New" panose="02070309020205020404" pitchFamily="49" charset="0"/>
-                <a:cs typeface="Courier New" panose="02070309020205020404" pitchFamily="49" charset="0"/>
-              </a:rPr>
-              <a:t> $ </a:t>
-            </a:r>
-            <a:r>
-              <a:rPr lang="en-US" sz="1400" b="0" dirty="0" err="1">
-                <a:latin typeface="Courier New" panose="02070309020205020404" pitchFamily="49" charset="0"/>
-                <a:cs typeface="Courier New" panose="02070309020205020404" pitchFamily="49" charset="0"/>
-              </a:rPr>
-              <a:t>underlying_conditions_yn</a:t>
-            </a:r>
-            <a:r>
-              <a:rPr lang="en-US" sz="1400" b="0" dirty="0">
-                <a:latin typeface="Courier New" panose="02070309020205020404" pitchFamily="49" charset="0"/>
-                <a:cs typeface="Courier New" panose="02070309020205020404" pitchFamily="49" charset="0"/>
-              </a:rPr>
-              <a:t>: chr  NA NA NA NA ...</a:t>
-            </a:r>
+            <a:endParaRPr lang="en-US" sz="1400" b="0" dirty="0">
+              <a:latin typeface="Courier New" panose="02070309020205020404" pitchFamily="49" charset="0"/>
+              <a:cs typeface="Courier New" panose="02070309020205020404" pitchFamily="49" charset="0"/>
+            </a:endParaRPr>
           </a:p>
         </p:txBody>
       </p:sp>
@@ -9272,6 +8852,23 @@
 </file>
 
 <file path=customXml/item1.xml><?xml version="1.0" encoding="utf-8"?>
+<p:properties xmlns:p="http://schemas.microsoft.com/office/2006/metadata/properties" xmlns:xsi="http://www.w3.org/2001/XMLSchema-instance" xmlns:pc="http://schemas.microsoft.com/office/infopath/2007/PartnerControls">
+  <documentManagement>
+    <_activity xmlns="4f41ae97-5a6c-4458-bb1f-235b5f3b5d68" xsi:nil="true"/>
+  </documentManagement>
+</p:properties>
+</file>
+
+<file path=customXml/item2.xml><?xml version="1.0" encoding="utf-8"?>
+<?mso-contentType ?>
+<FormTemplates xmlns="http://schemas.microsoft.com/sharepoint/v3/contenttype/forms">
+  <Display>DocumentLibraryForm</Display>
+  <Edit>DocumentLibraryForm</Edit>
+  <New>DocumentLibraryForm</New>
+</FormTemplates>
+</file>
+
+<file path=customXml/item3.xml><?xml version="1.0" encoding="utf-8"?>
 <ct:contentTypeSchema xmlns:ct="http://schemas.microsoft.com/office/2006/metadata/contentType" xmlns:ma="http://schemas.microsoft.com/office/2006/metadata/properties/metaAttributes" ct:_="" ma:_="" ma:contentTypeName="Document" ma:contentTypeID="0x0101009751B041C886E142A4CB6BC50AABCCA6" ma:contentTypeVersion="13" ma:contentTypeDescription="Create a new document." ma:contentTypeScope="" ma:versionID="ae8447eb39958e733236cd72149919b1">
   <xsd:schema xmlns:xsd="http://www.w3.org/2001/XMLSchema" xmlns:xs="http://www.w3.org/2001/XMLSchema" xmlns:p="http://schemas.microsoft.com/office/2006/metadata/properties" xmlns:ns3="4f41ae97-5a6c-4458-bb1f-235b5f3b5d68" xmlns:ns4="8802567b-aa87-48e0-ac05-b6cac22ca2ed" targetNamespace="http://schemas.microsoft.com/office/2006/metadata/properties" ma:root="true" ma:fieldsID="aac98df62b6e875c010c3475f39038b6" ns3:_="" ns4:_="">
     <xsd:import namespace="4f41ae97-5a6c-4458-bb1f-235b5f3b5d68"/>
@@ -9492,24 +9089,32 @@
 </ct:contentTypeSchema>
 </file>
 
-<file path=customXml/item2.xml><?xml version="1.0" encoding="utf-8"?>
-<?mso-contentType ?>
-<FormTemplates xmlns="http://schemas.microsoft.com/sharepoint/v3/contenttype/forms">
-  <Display>DocumentLibraryForm</Display>
-  <Edit>DocumentLibraryForm</Edit>
-  <New>DocumentLibraryForm</New>
-</FormTemplates>
+<file path=customXml/itemProps1.xml><?xml version="1.0" encoding="utf-8"?>
+<ds:datastoreItem xmlns:ds="http://schemas.openxmlformats.org/officeDocument/2006/customXml" ds:itemID="{C3D6C4CD-CFA3-41A1-A9D1-BFAF122A51A5}">
+  <ds:schemaRefs>
+    <ds:schemaRef ds:uri="http://purl.org/dc/elements/1.1/"/>
+    <ds:schemaRef ds:uri="http://purl.org/dc/terms/"/>
+    <ds:schemaRef ds:uri="4f41ae97-5a6c-4458-bb1f-235b5f3b5d68"/>
+    <ds:schemaRef ds:uri="http://purl.org/dc/dcmitype/"/>
+    <ds:schemaRef ds:uri="http://schemas.openxmlformats.org/package/2006/metadata/core-properties"/>
+    <ds:schemaRef ds:uri="http://www.w3.org/XML/1998/namespace"/>
+    <ds:schemaRef ds:uri="http://schemas.microsoft.com/office/2006/documentManagement/types"/>
+    <ds:schemaRef ds:uri="http://schemas.microsoft.com/office/infopath/2007/PartnerControls"/>
+    <ds:schemaRef ds:uri="8802567b-aa87-48e0-ac05-b6cac22ca2ed"/>
+    <ds:schemaRef ds:uri="http://schemas.microsoft.com/office/2006/metadata/properties"/>
+  </ds:schemaRefs>
+</ds:datastoreItem>
 </file>
 
-<file path=customXml/item3.xml><?xml version="1.0" encoding="utf-8"?>
-<p:properties xmlns:p="http://schemas.microsoft.com/office/2006/metadata/properties" xmlns:xsi="http://www.w3.org/2001/XMLSchema-instance" xmlns:pc="http://schemas.microsoft.com/office/infopath/2007/PartnerControls">
-  <documentManagement>
-    <_activity xmlns="4f41ae97-5a6c-4458-bb1f-235b5f3b5d68" xsi:nil="true"/>
-  </documentManagement>
-</p:properties>
+<file path=customXml/itemProps2.xml><?xml version="1.0" encoding="utf-8"?>
+<ds:datastoreItem xmlns:ds="http://schemas.openxmlformats.org/officeDocument/2006/customXml" ds:itemID="{6D1ED908-36CA-47DE-9D02-6709ABA06A3B}">
+  <ds:schemaRefs>
+    <ds:schemaRef ds:uri="http://schemas.microsoft.com/sharepoint/v3/contenttype/forms"/>
+  </ds:schemaRefs>
+</ds:datastoreItem>
 </file>
 
-<file path=customXml/itemProps1.xml><?xml version="1.0" encoding="utf-8"?>
+<file path=customXml/itemProps3.xml><?xml version="1.0" encoding="utf-8"?>
 <ds:datastoreItem xmlns:ds="http://schemas.openxmlformats.org/officeDocument/2006/customXml" ds:itemID="{8774136C-BD9E-4C16-A065-F64F959C2ED0}">
   <ds:schemaRefs>
     <ds:schemaRef ds:uri="http://schemas.microsoft.com/office/2006/metadata/contentType"/>
@@ -9526,29 +9131,4 @@
     <ds:schemaRef ds:uri="http://schemas.microsoft.com/internal/obd"/>
   </ds:schemaRefs>
 </ds:datastoreItem>
-</file>
-
-<file path=customXml/itemProps2.xml><?xml version="1.0" encoding="utf-8"?>
-<ds:datastoreItem xmlns:ds="http://schemas.openxmlformats.org/officeDocument/2006/customXml" ds:itemID="{6D1ED908-36CA-47DE-9D02-6709ABA06A3B}">
-  <ds:schemaRefs>
-    <ds:schemaRef ds:uri="http://schemas.microsoft.com/sharepoint/v3/contenttype/forms"/>
-  </ds:schemaRefs>
-</ds:datastoreItem>
-</file>
-
-<file path=customXml/itemProps3.xml><?xml version="1.0" encoding="utf-8"?>
-<ds:datastoreItem xmlns:ds="http://schemas.openxmlformats.org/officeDocument/2006/customXml" ds:itemID="{C3D6C4CD-CFA3-41A1-A9D1-BFAF122A51A5}">
-  <ds:schemaRefs>
-    <ds:schemaRef ds:uri="http://purl.org/dc/elements/1.1/"/>
-    <ds:schemaRef ds:uri="http://purl.org/dc/terms/"/>
-    <ds:schemaRef ds:uri="4f41ae97-5a6c-4458-bb1f-235b5f3b5d68"/>
-    <ds:schemaRef ds:uri="http://purl.org/dc/dcmitype/"/>
-    <ds:schemaRef ds:uri="http://schemas.openxmlformats.org/package/2006/metadata/core-properties"/>
-    <ds:schemaRef ds:uri="http://www.w3.org/XML/1998/namespace"/>
-    <ds:schemaRef ds:uri="http://schemas.microsoft.com/office/2006/documentManagement/types"/>
-    <ds:schemaRef ds:uri="http://schemas.microsoft.com/office/infopath/2007/PartnerControls"/>
-    <ds:schemaRef ds:uri="8802567b-aa87-48e0-ac05-b6cac22ca2ed"/>
-    <ds:schemaRef ds:uri="http://schemas.microsoft.com/office/2006/metadata/properties"/>
-  </ds:schemaRefs>
-</ds:datastoreItem>
 </file>
--- a/Bayesian COVID Hospitalizations.pptx
+++ b/Bayesian COVID Hospitalizations.pptx
@@ -376,7 +376,7 @@
       <pc:sldMk xmlns:pc="http://schemas.microsoft.com/office/powerpoint/2013/main/command" cId="0" sldId="256"/>
       <ac:spMk id="10" creationId="{025B411F-C30D-3458-EC06-AD109C00A7A3}"/>
       <ac:txMk cp="75" len="39">
-        <ac:context len="115" hash="3813382397"/>
+        <ac:context len="1583" hash="3103544310"/>
       </ac:txMk>
     </ac:txMkLst>
     <p188:pos x="6895310" y="896434"/>
@@ -525,7 +525,7 @@
             <a:fld id="{311E81F8-90E2-2945-9ED7-A6A90A37CF21}" type="datetimeFigureOut">
               <a:rPr lang="en-US" smtClean="0"/>
               <a:pPr/>
-              <a:t>12/3/24</a:t>
+              <a:t>12/3/2024</a:t>
             </a:fld>
             <a:endParaRPr lang="en-US"/>
           </a:p>
@@ -1094,7 +1094,7 @@
             <a:fld id="{84FD1F27-616A-3542-91BB-C34E14AE38CD}" type="datetimeFigureOut">
               <a:rPr lang="en-US" smtClean="0"/>
               <a:pPr/>
-              <a:t>12/3/24</a:t>
+              <a:t>12/3/2024</a:t>
             </a:fld>
             <a:endParaRPr lang="en-US"/>
           </a:p>
@@ -1266,7 +1266,7 @@
             <a:fld id="{84FD1F27-616A-3542-91BB-C34E14AE38CD}" type="datetimeFigureOut">
               <a:rPr lang="en-US" smtClean="0"/>
               <a:pPr/>
-              <a:t>12/3/24</a:t>
+              <a:t>12/3/2024</a:t>
             </a:fld>
             <a:endParaRPr lang="en-US"/>
           </a:p>
@@ -2132,7 +2132,7 @@
             <a:fld id="{84FD1F27-616A-3542-91BB-C34E14AE38CD}" type="datetimeFigureOut">
               <a:rPr lang="en-US" smtClean="0"/>
               <a:pPr/>
-              <a:t>12/3/24</a:t>
+              <a:t>12/3/2024</a:t>
             </a:fld>
             <a:endParaRPr lang="en-US"/>
           </a:p>
@@ -2556,7 +2556,7 @@
             <a:fld id="{84FD1F27-616A-3542-91BB-C34E14AE38CD}" type="datetimeFigureOut">
               <a:rPr lang="en-US" smtClean="0"/>
               <a:pPr/>
-              <a:t>12/3/24</a:t>
+              <a:t>12/3/2024</a:t>
             </a:fld>
             <a:endParaRPr lang="en-US"/>
           </a:p>
@@ -2676,7 +2676,7 @@
             <a:fld id="{84FD1F27-616A-3542-91BB-C34E14AE38CD}" type="datetimeFigureOut">
               <a:rPr lang="en-US" smtClean="0"/>
               <a:pPr/>
-              <a:t>12/3/24</a:t>
+              <a:t>12/3/2024</a:t>
             </a:fld>
             <a:endParaRPr lang="en-US"/>
           </a:p>
@@ -2773,7 +2773,7 @@
             <a:fld id="{84FD1F27-616A-3542-91BB-C34E14AE38CD}" type="datetimeFigureOut">
               <a:rPr lang="en-US" smtClean="0"/>
               <a:pPr/>
-              <a:t>12/3/24</a:t>
+              <a:t>12/3/2024</a:t>
             </a:fld>
             <a:endParaRPr lang="en-US"/>
           </a:p>
@@ -3052,7 +3052,7 @@
             <a:fld id="{84FD1F27-616A-3542-91BB-C34E14AE38CD}" type="datetimeFigureOut">
               <a:rPr lang="en-US" smtClean="0"/>
               <a:pPr/>
-              <a:t>12/3/24</a:t>
+              <a:t>12/3/2024</a:t>
             </a:fld>
             <a:endParaRPr lang="en-US"/>
           </a:p>
@@ -3311,7 +3311,7 @@
             <a:fld id="{84FD1F27-616A-3542-91BB-C34E14AE38CD}" type="datetimeFigureOut">
               <a:rPr lang="en-US" smtClean="0"/>
               <a:pPr/>
-              <a:t>12/3/24</a:t>
+              <a:t>12/3/2024</a:t>
             </a:fld>
             <a:endParaRPr lang="en-US"/>
           </a:p>
@@ -3522,7 +3522,7 @@
             <a:fld id="{84FD1F27-616A-3542-91BB-C34E14AE38CD}" type="datetimeFigureOut">
               <a:rPr lang="en-US" smtClean="0"/>
               <a:pPr/>
-              <a:t>12/3/24</a:t>
+              <a:t>12/3/2024</a:t>
             </a:fld>
             <a:endParaRPr lang="en-US"/>
           </a:p>
@@ -4052,7 +4052,7 @@
             <a:fld id="{84FD1F27-616A-3542-91BB-C34E14AE38CD}" type="datetimeFigureOut">
               <a:rPr lang="en-US" smtClean="0"/>
               <a:pPr/>
-              <a:t>12/3/24</a:t>
+              <a:t>12/3/2024</a:t>
             </a:fld>
             <a:endParaRPr lang="en-US"/>
           </a:p>
@@ -4457,7 +4457,7 @@
         </p:blipFill>
         <p:spPr>
           <a:xfrm>
-            <a:off x="0" y="0"/>
+            <a:off x="-54552" y="348752"/>
             <a:ext cx="51206400" cy="10610234"/>
           </a:xfrm>
           <a:prstGeom prst="rect">
@@ -4483,7 +4483,7 @@
         </p:nvSpPr>
         <p:spPr>
           <a:xfrm>
-            <a:off x="18325645" y="26934991"/>
+            <a:off x="18473346" y="25212865"/>
             <a:ext cx="14720346" cy="2439129"/>
           </a:xfrm>
           <a:prstGeom prst="rect">
@@ -5075,7 +5075,7 @@
         </p:nvSpPr>
         <p:spPr>
           <a:xfrm>
-            <a:off x="19605958" y="14938197"/>
+            <a:off x="19347745" y="13196316"/>
             <a:ext cx="12928911" cy="562333"/>
           </a:xfrm>
           <a:prstGeom prst="rect">
@@ -5472,618 +5472,6 @@
               </a:rPr>
               <a:t>Missing Data and Multiple Imputation Approach</a:t>
             </a:r>
-          </a:p>
-        </p:txBody>
-      </p:sp>
-      <p:sp>
-        <p:nvSpPr>
-          <p:cNvPr id="11" name="Rectangle 10"/>
-          <p:cNvSpPr/>
-          <p:nvPr/>
-        </p:nvSpPr>
-        <p:spPr>
-          <a:xfrm>
-            <a:off x="18325645" y="7907000"/>
-            <a:ext cx="8893704" cy="6695423"/>
-          </a:xfrm>
-          <a:prstGeom prst="rect">
-            <a:avLst/>
-          </a:prstGeom>
-        </p:spPr>
-        <p:txBody>
-          <a:bodyPr wrap="square">
-            <a:spAutoFit/>
-          </a:bodyPr>
-          <a:lstStyle/>
-          <a:p>
-            <a:pPr marL="923903" lvl="1" indent="-457200">
-              <a:buFont typeface="Arial" panose="020B0604020202020204" pitchFamily="34" charset="0"/>
-              <a:buChar char="•"/>
-            </a:pPr>
-            <a:r>
-              <a:rPr lang="en-US" sz="3054" dirty="0">
-                <a:latin typeface="+mj-lt"/>
-                <a:cs typeface="Times New Roman" panose="02020603050405020304" pitchFamily="18" charset="0"/>
-              </a:rPr>
-              <a:t>Using </a:t>
-            </a:r>
-            <a:r>
-              <a:rPr lang="en-US" sz="3054" dirty="0" err="1">
-                <a:latin typeface="Courier New" panose="02070309020205020404" pitchFamily="49" charset="0"/>
-                <a:cs typeface="Courier New" panose="02070309020205020404" pitchFamily="49" charset="0"/>
-              </a:rPr>
-              <a:t>skimr</a:t>
-            </a:r>
-            <a:r>
-              <a:rPr lang="en-US" sz="3054" dirty="0">
-                <a:latin typeface="+mj-lt"/>
-                <a:cs typeface="Times New Roman" panose="02020603050405020304" pitchFamily="18" charset="0"/>
-              </a:rPr>
-              <a:t> we described missing data:</a:t>
-            </a:r>
-          </a:p>
-          <a:p>
-            <a:pPr marL="923903" lvl="1" indent="-457200">
-              <a:buFont typeface="Arial" panose="020B0604020202020204" pitchFamily="34" charset="0"/>
-              <a:buChar char="•"/>
-            </a:pPr>
-            <a:endParaRPr lang="en-US" sz="3054" dirty="0">
-              <a:latin typeface="+mj-lt"/>
-              <a:cs typeface="Times New Roman" panose="02020603050405020304" pitchFamily="18" charset="0"/>
-            </a:endParaRPr>
-          </a:p>
-          <a:p>
-            <a:pPr marL="466703" lvl="1"/>
-            <a:r>
-              <a:rPr lang="en-US" sz="1600" dirty="0">
-                <a:latin typeface="Courier New" panose="02070309020205020404" pitchFamily="49" charset="0"/>
-                <a:cs typeface="Courier New" panose="02070309020205020404" pitchFamily="49" charset="0"/>
-              </a:rPr>
-              <a:t>  ── Variable type: character</a:t>
-            </a:r>
-          </a:p>
-          <a:p>
-            <a:pPr marL="466703" lvl="1"/>
-            <a:r>
-              <a:rPr lang="en-US" sz="1600" dirty="0">
-                <a:latin typeface="Courier New" panose="02070309020205020404" pitchFamily="49" charset="0"/>
-                <a:cs typeface="Courier New" panose="02070309020205020404" pitchFamily="49" charset="0"/>
-              </a:rPr>
-              <a:t>   </a:t>
-            </a:r>
-            <a:r>
-              <a:rPr lang="en-US" sz="1600" dirty="0" err="1">
-                <a:latin typeface="Courier New" panose="02070309020205020404" pitchFamily="49" charset="0"/>
-                <a:cs typeface="Courier New" panose="02070309020205020404" pitchFamily="49" charset="0"/>
-              </a:rPr>
-              <a:t>skim_variable</a:t>
-            </a:r>
-            <a:r>
-              <a:rPr lang="en-US" sz="1600" dirty="0">
-                <a:latin typeface="Courier New" panose="02070309020205020404" pitchFamily="49" charset="0"/>
-                <a:cs typeface="Courier New" panose="02070309020205020404" pitchFamily="49" charset="0"/>
-              </a:rPr>
-              <a:t>            </a:t>
-            </a:r>
-            <a:r>
-              <a:rPr lang="en-US" sz="1600" dirty="0" err="1">
-                <a:latin typeface="Courier New" panose="02070309020205020404" pitchFamily="49" charset="0"/>
-                <a:cs typeface="Courier New" panose="02070309020205020404" pitchFamily="49" charset="0"/>
-              </a:rPr>
-              <a:t>n_missing</a:t>
-            </a:r>
-            <a:r>
-              <a:rPr lang="en-US" sz="1600" dirty="0">
-                <a:latin typeface="Courier New" panose="02070309020205020404" pitchFamily="49" charset="0"/>
-                <a:cs typeface="Courier New" panose="02070309020205020404" pitchFamily="49" charset="0"/>
-              </a:rPr>
-              <a:t> </a:t>
-            </a:r>
-            <a:r>
-              <a:rPr lang="en-US" sz="1600" dirty="0" err="1">
-                <a:latin typeface="Courier New" panose="02070309020205020404" pitchFamily="49" charset="0"/>
-                <a:cs typeface="Courier New" panose="02070309020205020404" pitchFamily="49" charset="0"/>
-              </a:rPr>
-              <a:t>complete_rate</a:t>
-            </a:r>
-            <a:endParaRPr lang="en-US" sz="1600" dirty="0">
-              <a:latin typeface="Courier New" panose="02070309020205020404" pitchFamily="49" charset="0"/>
-              <a:cs typeface="Courier New" panose="02070309020205020404" pitchFamily="49" charset="0"/>
-            </a:endParaRPr>
-          </a:p>
-          <a:p>
-            <a:pPr marL="466703" lvl="1"/>
-            <a:r>
-              <a:rPr lang="en-US" sz="1600" dirty="0">
-                <a:latin typeface="Courier New" panose="02070309020205020404" pitchFamily="49" charset="0"/>
-                <a:cs typeface="Courier New" panose="02070309020205020404" pitchFamily="49" charset="0"/>
-              </a:rPr>
-              <a:t> 1 </a:t>
-            </a:r>
-            <a:r>
-              <a:rPr lang="en-US" sz="1600" dirty="0" err="1">
-                <a:latin typeface="Courier New" panose="02070309020205020404" pitchFamily="49" charset="0"/>
-                <a:cs typeface="Courier New" panose="02070309020205020404" pitchFamily="49" charset="0"/>
-              </a:rPr>
-              <a:t>case_month</a:t>
-            </a:r>
-            <a:r>
-              <a:rPr lang="en-US" sz="1600" dirty="0">
-                <a:latin typeface="Courier New" panose="02070309020205020404" pitchFamily="49" charset="0"/>
-                <a:cs typeface="Courier New" panose="02070309020205020404" pitchFamily="49" charset="0"/>
-              </a:rPr>
-              <a:t>                       0        1        </a:t>
-            </a:r>
-          </a:p>
-          <a:p>
-            <a:pPr marL="466703" lvl="1"/>
-            <a:r>
-              <a:rPr lang="en-US" sz="1600" dirty="0">
-                <a:latin typeface="Courier New" panose="02070309020205020404" pitchFamily="49" charset="0"/>
-                <a:cs typeface="Courier New" panose="02070309020205020404" pitchFamily="49" charset="0"/>
-              </a:rPr>
-              <a:t> 2 </a:t>
-            </a:r>
-            <a:r>
-              <a:rPr lang="en-US" sz="1600" dirty="0" err="1">
-                <a:latin typeface="Courier New" panose="02070309020205020404" pitchFamily="49" charset="0"/>
-                <a:cs typeface="Courier New" panose="02070309020205020404" pitchFamily="49" charset="0"/>
-              </a:rPr>
-              <a:t>res_state</a:t>
-            </a:r>
-            <a:r>
-              <a:rPr lang="en-US" sz="1600" dirty="0">
-                <a:latin typeface="Courier New" panose="02070309020205020404" pitchFamily="49" charset="0"/>
-                <a:cs typeface="Courier New" panose="02070309020205020404" pitchFamily="49" charset="0"/>
-              </a:rPr>
-              <a:t>                        0        1 </a:t>
-            </a:r>
-          </a:p>
-          <a:p>
-            <a:pPr marL="466703" lvl="1"/>
-            <a:r>
-              <a:rPr lang="en-US" sz="1600" dirty="0">
-                <a:latin typeface="Courier New" panose="02070309020205020404" pitchFamily="49" charset="0"/>
-                <a:cs typeface="Courier New" panose="02070309020205020404" pitchFamily="49" charset="0"/>
-              </a:rPr>
-              <a:t> 3 </a:t>
-            </a:r>
-            <a:r>
-              <a:rPr lang="en-US" sz="1600" dirty="0" err="1">
-                <a:latin typeface="Courier New" panose="02070309020205020404" pitchFamily="49" charset="0"/>
-                <a:cs typeface="Courier New" panose="02070309020205020404" pitchFamily="49" charset="0"/>
-              </a:rPr>
-              <a:t>state_fips_code</a:t>
-            </a:r>
-            <a:r>
-              <a:rPr lang="en-US" sz="1600" dirty="0">
-                <a:latin typeface="Courier New" panose="02070309020205020404" pitchFamily="49" charset="0"/>
-                <a:cs typeface="Courier New" panose="02070309020205020404" pitchFamily="49" charset="0"/>
-              </a:rPr>
-              <a:t>                  0        1 </a:t>
-            </a:r>
-          </a:p>
-          <a:p>
-            <a:pPr marL="466703" lvl="1"/>
-            <a:r>
-              <a:rPr lang="en-US" sz="1600" dirty="0">
-                <a:latin typeface="Courier New" panose="02070309020205020404" pitchFamily="49" charset="0"/>
-                <a:cs typeface="Courier New" panose="02070309020205020404" pitchFamily="49" charset="0"/>
-              </a:rPr>
-              <a:t> 4 </a:t>
-            </a:r>
-            <a:r>
-              <a:rPr lang="en-US" sz="1600" dirty="0" err="1">
-                <a:latin typeface="Courier New" panose="02070309020205020404" pitchFamily="49" charset="0"/>
-                <a:cs typeface="Courier New" panose="02070309020205020404" pitchFamily="49" charset="0"/>
-              </a:rPr>
-              <a:t>res_county</a:t>
-            </a:r>
-            <a:r>
-              <a:rPr lang="en-US" sz="1600" dirty="0">
-                <a:latin typeface="Courier New" panose="02070309020205020404" pitchFamily="49" charset="0"/>
-                <a:cs typeface="Courier New" panose="02070309020205020404" pitchFamily="49" charset="0"/>
-              </a:rPr>
-              <a:t>                     280        0.997 </a:t>
-            </a:r>
-          </a:p>
-          <a:p>
-            <a:pPr marL="466703" lvl="1"/>
-            <a:r>
-              <a:rPr lang="en-US" sz="1600" dirty="0">
-                <a:latin typeface="Courier New" panose="02070309020205020404" pitchFamily="49" charset="0"/>
-                <a:cs typeface="Courier New" panose="02070309020205020404" pitchFamily="49" charset="0"/>
-              </a:rPr>
-              <a:t> 5 </a:t>
-            </a:r>
-            <a:r>
-              <a:rPr lang="en-US" sz="1600" dirty="0" err="1">
-                <a:latin typeface="Courier New" panose="02070309020205020404" pitchFamily="49" charset="0"/>
-                <a:cs typeface="Courier New" panose="02070309020205020404" pitchFamily="49" charset="0"/>
-              </a:rPr>
-              <a:t>county_fips_code</a:t>
-            </a:r>
-            <a:r>
-              <a:rPr lang="en-US" sz="1600" dirty="0">
-                <a:latin typeface="Courier New" panose="02070309020205020404" pitchFamily="49" charset="0"/>
-                <a:cs typeface="Courier New" panose="02070309020205020404" pitchFamily="49" charset="0"/>
-              </a:rPr>
-              <a:t>               280        0.997 </a:t>
-            </a:r>
-          </a:p>
-          <a:p>
-            <a:pPr marL="466703" lvl="1"/>
-            <a:r>
-              <a:rPr lang="en-US" sz="1600" dirty="0">
-                <a:latin typeface="Courier New" panose="02070309020205020404" pitchFamily="49" charset="0"/>
-                <a:cs typeface="Courier New" panose="02070309020205020404" pitchFamily="49" charset="0"/>
-              </a:rPr>
-              <a:t> 6 </a:t>
-            </a:r>
-            <a:r>
-              <a:rPr lang="en-US" sz="1600" dirty="0" err="1">
-                <a:latin typeface="Courier New" panose="02070309020205020404" pitchFamily="49" charset="0"/>
-                <a:cs typeface="Courier New" panose="02070309020205020404" pitchFamily="49" charset="0"/>
-              </a:rPr>
-              <a:t>age_group</a:t>
-            </a:r>
-            <a:r>
-              <a:rPr lang="en-US" sz="1600" dirty="0">
-                <a:latin typeface="Courier New" panose="02070309020205020404" pitchFamily="49" charset="0"/>
-                <a:cs typeface="Courier New" panose="02070309020205020404" pitchFamily="49" charset="0"/>
-              </a:rPr>
-              <a:t>                     3901        0.961 </a:t>
-            </a:r>
-          </a:p>
-          <a:p>
-            <a:pPr marL="466703" lvl="1"/>
-            <a:r>
-              <a:rPr lang="en-US" sz="1600" dirty="0">
-                <a:latin typeface="Courier New" panose="02070309020205020404" pitchFamily="49" charset="0"/>
-                <a:cs typeface="Courier New" panose="02070309020205020404" pitchFamily="49" charset="0"/>
-              </a:rPr>
-              <a:t> 7 sex                          14970        0.850 </a:t>
-            </a:r>
-          </a:p>
-          <a:p>
-            <a:pPr marL="466703" lvl="1"/>
-            <a:r>
-              <a:rPr lang="en-US" sz="1600" dirty="0">
-                <a:latin typeface="Courier New" panose="02070309020205020404" pitchFamily="49" charset="0"/>
-                <a:cs typeface="Courier New" panose="02070309020205020404" pitchFamily="49" charset="0"/>
-              </a:rPr>
-              <a:t> 8 race                         66662        0.333 </a:t>
-            </a:r>
-          </a:p>
-          <a:p>
-            <a:pPr marL="466703" lvl="1"/>
-            <a:r>
-              <a:rPr lang="en-US" sz="1600" dirty="0">
-                <a:latin typeface="Courier New" panose="02070309020205020404" pitchFamily="49" charset="0"/>
-                <a:cs typeface="Courier New" panose="02070309020205020404" pitchFamily="49" charset="0"/>
-              </a:rPr>
-              <a:t> 9 ethnicity                    68598        0.314   </a:t>
-            </a:r>
-          </a:p>
-          <a:p>
-            <a:pPr marL="466703" lvl="1"/>
-            <a:r>
-              <a:rPr lang="en-US" sz="1600" dirty="0">
-                <a:latin typeface="Courier New" panose="02070309020205020404" pitchFamily="49" charset="0"/>
-                <a:cs typeface="Courier New" panose="02070309020205020404" pitchFamily="49" charset="0"/>
-              </a:rPr>
-              <a:t>10 </a:t>
-            </a:r>
-            <a:r>
-              <a:rPr lang="en-US" sz="1600" dirty="0" err="1">
-                <a:latin typeface="Courier New" panose="02070309020205020404" pitchFamily="49" charset="0"/>
-                <a:cs typeface="Courier New" panose="02070309020205020404" pitchFamily="49" charset="0"/>
-              </a:rPr>
-              <a:t>case_positive_specimen</a:t>
-            </a:r>
-            <a:r>
-              <a:rPr lang="en-US" sz="1600" dirty="0">
-                <a:latin typeface="Courier New" panose="02070309020205020404" pitchFamily="49" charset="0"/>
-                <a:cs typeface="Courier New" panose="02070309020205020404" pitchFamily="49" charset="0"/>
-              </a:rPr>
-              <a:t>       55286        0.447    </a:t>
-            </a:r>
-          </a:p>
-          <a:p>
-            <a:pPr marL="466703" lvl="1"/>
-            <a:r>
-              <a:rPr lang="en-US" sz="1600" dirty="0">
-                <a:latin typeface="Courier New" panose="02070309020205020404" pitchFamily="49" charset="0"/>
-                <a:cs typeface="Courier New" panose="02070309020205020404" pitchFamily="49" charset="0"/>
-              </a:rPr>
-              <a:t>11 process                      91614        0.0839   </a:t>
-            </a:r>
-          </a:p>
-          <a:p>
-            <a:pPr marL="466703" lvl="1"/>
-            <a:r>
-              <a:rPr lang="en-US" sz="1600" dirty="0">
-                <a:latin typeface="Courier New" panose="02070309020205020404" pitchFamily="49" charset="0"/>
-                <a:cs typeface="Courier New" panose="02070309020205020404" pitchFamily="49" charset="0"/>
-              </a:rPr>
-              <a:t>12 </a:t>
-            </a:r>
-            <a:r>
-              <a:rPr lang="en-US" sz="1600" dirty="0" err="1">
-                <a:latin typeface="Courier New" panose="02070309020205020404" pitchFamily="49" charset="0"/>
-                <a:cs typeface="Courier New" panose="02070309020205020404" pitchFamily="49" charset="0"/>
-              </a:rPr>
-              <a:t>exposure_yn</a:t>
-            </a:r>
-            <a:r>
-              <a:rPr lang="en-US" sz="1600" dirty="0">
-                <a:latin typeface="Courier New" panose="02070309020205020404" pitchFamily="49" charset="0"/>
-                <a:cs typeface="Courier New" panose="02070309020205020404" pitchFamily="49" charset="0"/>
-              </a:rPr>
-              <a:t>                  91756        0.0824   </a:t>
-            </a:r>
-          </a:p>
-          <a:p>
-            <a:pPr marL="466703" lvl="1"/>
-            <a:r>
-              <a:rPr lang="en-US" sz="1600" dirty="0">
-                <a:latin typeface="Courier New" panose="02070309020205020404" pitchFamily="49" charset="0"/>
-                <a:cs typeface="Courier New" panose="02070309020205020404" pitchFamily="49" charset="0"/>
-              </a:rPr>
-              <a:t>13 </a:t>
-            </a:r>
-            <a:r>
-              <a:rPr lang="en-US" sz="1600" dirty="0" err="1">
-                <a:latin typeface="Courier New" panose="02070309020205020404" pitchFamily="49" charset="0"/>
-                <a:cs typeface="Courier New" panose="02070309020205020404" pitchFamily="49" charset="0"/>
-              </a:rPr>
-              <a:t>current_status</a:t>
-            </a:r>
-            <a:r>
-              <a:rPr lang="en-US" sz="1600" dirty="0">
-                <a:latin typeface="Courier New" panose="02070309020205020404" pitchFamily="49" charset="0"/>
-                <a:cs typeface="Courier New" panose="02070309020205020404" pitchFamily="49" charset="0"/>
-              </a:rPr>
-              <a:t>                   0        1       </a:t>
-            </a:r>
-          </a:p>
-          <a:p>
-            <a:pPr marL="466703" lvl="1"/>
-            <a:r>
-              <a:rPr lang="en-US" sz="1600" dirty="0">
-                <a:latin typeface="Courier New" panose="02070309020205020404" pitchFamily="49" charset="0"/>
-                <a:cs typeface="Courier New" panose="02070309020205020404" pitchFamily="49" charset="0"/>
-              </a:rPr>
-              <a:t>14 </a:t>
-            </a:r>
-            <a:r>
-              <a:rPr lang="en-US" sz="1600" dirty="0" err="1">
-                <a:latin typeface="Courier New" panose="02070309020205020404" pitchFamily="49" charset="0"/>
-                <a:cs typeface="Courier New" panose="02070309020205020404" pitchFamily="49" charset="0"/>
-              </a:rPr>
-              <a:t>symptom_status</a:t>
-            </a:r>
-            <a:r>
-              <a:rPr lang="en-US" sz="1600" dirty="0">
-                <a:latin typeface="Courier New" panose="02070309020205020404" pitchFamily="49" charset="0"/>
-                <a:cs typeface="Courier New" panose="02070309020205020404" pitchFamily="49" charset="0"/>
-              </a:rPr>
-              <a:t>               57654        0.423   </a:t>
-            </a:r>
-          </a:p>
-          <a:p>
-            <a:pPr marL="466703" lvl="1"/>
-            <a:r>
-              <a:rPr lang="en-US" sz="1600" dirty="0">
-                <a:latin typeface="Courier New" panose="02070309020205020404" pitchFamily="49" charset="0"/>
-                <a:cs typeface="Courier New" panose="02070309020205020404" pitchFamily="49" charset="0"/>
-              </a:rPr>
-              <a:t>15 </a:t>
-            </a:r>
-            <a:r>
-              <a:rPr lang="en-US" sz="1600" dirty="0" err="1">
-                <a:latin typeface="Courier New" panose="02070309020205020404" pitchFamily="49" charset="0"/>
-                <a:cs typeface="Courier New" panose="02070309020205020404" pitchFamily="49" charset="0"/>
-              </a:rPr>
-              <a:t>icu_yn</a:t>
-            </a:r>
-            <a:r>
-              <a:rPr lang="en-US" sz="1600" dirty="0">
-                <a:latin typeface="Courier New" panose="02070309020205020404" pitchFamily="49" charset="0"/>
-                <a:cs typeface="Courier New" panose="02070309020205020404" pitchFamily="49" charset="0"/>
-              </a:rPr>
-              <a:t>                       96361        0.0364  </a:t>
-            </a:r>
-          </a:p>
-          <a:p>
-            <a:pPr marL="466703" lvl="1"/>
-            <a:r>
-              <a:rPr lang="en-US" sz="1600" dirty="0">
-                <a:latin typeface="Courier New" panose="02070309020205020404" pitchFamily="49" charset="0"/>
-                <a:cs typeface="Courier New" panose="02070309020205020404" pitchFamily="49" charset="0"/>
-              </a:rPr>
-              <a:t>16 </a:t>
-            </a:r>
-            <a:r>
-              <a:rPr lang="en-US" sz="1600" dirty="0" err="1">
-                <a:latin typeface="Courier New" panose="02070309020205020404" pitchFamily="49" charset="0"/>
-                <a:cs typeface="Courier New" panose="02070309020205020404" pitchFamily="49" charset="0"/>
-              </a:rPr>
-              <a:t>death_yn</a:t>
-            </a:r>
-            <a:r>
-              <a:rPr lang="en-US" sz="1600" dirty="0">
-                <a:latin typeface="Courier New" panose="02070309020205020404" pitchFamily="49" charset="0"/>
-                <a:cs typeface="Courier New" panose="02070309020205020404" pitchFamily="49" charset="0"/>
-              </a:rPr>
-              <a:t>                     70683        0.293    </a:t>
-            </a:r>
-          </a:p>
-          <a:p>
-            <a:pPr marL="466703" lvl="1"/>
-            <a:r>
-              <a:rPr lang="en-US" sz="1600" dirty="0">
-                <a:latin typeface="Courier New" panose="02070309020205020404" pitchFamily="49" charset="0"/>
-                <a:cs typeface="Courier New" panose="02070309020205020404" pitchFamily="49" charset="0"/>
-              </a:rPr>
-              <a:t>17 </a:t>
-            </a:r>
-            <a:r>
-              <a:rPr lang="en-US" sz="1600" dirty="0" err="1">
-                <a:latin typeface="Courier New" panose="02070309020205020404" pitchFamily="49" charset="0"/>
-                <a:cs typeface="Courier New" panose="02070309020205020404" pitchFamily="49" charset="0"/>
-              </a:rPr>
-              <a:t>case_onset_interval</a:t>
-            </a:r>
-            <a:r>
-              <a:rPr lang="en-US" sz="1600" dirty="0">
-                <a:latin typeface="Courier New" panose="02070309020205020404" pitchFamily="49" charset="0"/>
-                <a:cs typeface="Courier New" panose="02070309020205020404" pitchFamily="49" charset="0"/>
-              </a:rPr>
-              <a:t>          59604        0.404    </a:t>
-            </a:r>
-          </a:p>
-          <a:p>
-            <a:pPr marL="466703" lvl="1"/>
-            <a:r>
-              <a:rPr lang="en-US" sz="1600" dirty="0">
-                <a:latin typeface="Courier New" panose="02070309020205020404" pitchFamily="49" charset="0"/>
-                <a:cs typeface="Courier New" panose="02070309020205020404" pitchFamily="49" charset="0"/>
-              </a:rPr>
-              <a:t>18 </a:t>
-            </a:r>
-            <a:r>
-              <a:rPr lang="en-US" sz="1600" dirty="0" err="1">
-                <a:latin typeface="Courier New" panose="02070309020205020404" pitchFamily="49" charset="0"/>
-                <a:cs typeface="Courier New" panose="02070309020205020404" pitchFamily="49" charset="0"/>
-              </a:rPr>
-              <a:t>underlying_conditions_yn</a:t>
-            </a:r>
-            <a:r>
-              <a:rPr lang="en-US" sz="1600" dirty="0">
-                <a:latin typeface="Courier New" panose="02070309020205020404" pitchFamily="49" charset="0"/>
-                <a:cs typeface="Courier New" panose="02070309020205020404" pitchFamily="49" charset="0"/>
-              </a:rPr>
-              <a:t>     95397        0.0460</a:t>
-            </a:r>
-          </a:p>
-          <a:p>
-            <a:pPr marL="466703" lvl="1"/>
-            <a:r>
-              <a:rPr lang="en-US" sz="1600" dirty="0">
-                <a:latin typeface="Courier New" panose="02070309020205020404" pitchFamily="49" charset="0"/>
-                <a:cs typeface="Courier New" panose="02070309020205020404" pitchFamily="49" charset="0"/>
-              </a:rPr>
-              <a:t>── Variable type: factor</a:t>
-            </a:r>
-          </a:p>
-          <a:p>
-            <a:pPr marL="466703" lvl="1"/>
-            <a:r>
-              <a:rPr lang="en-US" sz="1600" dirty="0">
-                <a:latin typeface="Courier New" panose="02070309020205020404" pitchFamily="49" charset="0"/>
-                <a:cs typeface="Courier New" panose="02070309020205020404" pitchFamily="49" charset="0"/>
-              </a:rPr>
-              <a:t>  </a:t>
-            </a:r>
-            <a:r>
-              <a:rPr lang="en-US" sz="1600" dirty="0" err="1">
-                <a:latin typeface="Courier New" panose="02070309020205020404" pitchFamily="49" charset="0"/>
-                <a:cs typeface="Courier New" panose="02070309020205020404" pitchFamily="49" charset="0"/>
-              </a:rPr>
-              <a:t>skim_variable</a:t>
-            </a:r>
-            <a:r>
-              <a:rPr lang="en-US" sz="1600" dirty="0">
-                <a:latin typeface="Courier New" panose="02070309020205020404" pitchFamily="49" charset="0"/>
-                <a:cs typeface="Courier New" panose="02070309020205020404" pitchFamily="49" charset="0"/>
-              </a:rPr>
-              <a:t> </a:t>
-            </a:r>
-            <a:r>
-              <a:rPr lang="en-US" sz="1600" dirty="0" err="1">
-                <a:latin typeface="Courier New" panose="02070309020205020404" pitchFamily="49" charset="0"/>
-                <a:cs typeface="Courier New" panose="02070309020205020404" pitchFamily="49" charset="0"/>
-              </a:rPr>
-              <a:t>n_missing</a:t>
-            </a:r>
-            <a:r>
-              <a:rPr lang="en-US" sz="1600" dirty="0">
-                <a:latin typeface="Courier New" panose="02070309020205020404" pitchFamily="49" charset="0"/>
-                <a:cs typeface="Courier New" panose="02070309020205020404" pitchFamily="49" charset="0"/>
-              </a:rPr>
-              <a:t> </a:t>
-            </a:r>
-            <a:r>
-              <a:rPr lang="en-US" sz="1600" dirty="0" err="1">
-                <a:latin typeface="Courier New" panose="02070309020205020404" pitchFamily="49" charset="0"/>
-                <a:cs typeface="Courier New" panose="02070309020205020404" pitchFamily="49" charset="0"/>
-              </a:rPr>
-              <a:t>complete_rate</a:t>
-            </a:r>
-            <a:r>
-              <a:rPr lang="en-US" sz="1600" dirty="0">
-                <a:latin typeface="Courier New" panose="02070309020205020404" pitchFamily="49" charset="0"/>
-                <a:cs typeface="Courier New" panose="02070309020205020404" pitchFamily="49" charset="0"/>
-              </a:rPr>
-              <a:t> ordered </a:t>
-            </a:r>
-            <a:r>
-              <a:rPr lang="en-US" sz="1600" dirty="0" err="1">
-                <a:latin typeface="Courier New" panose="02070309020205020404" pitchFamily="49" charset="0"/>
-                <a:cs typeface="Courier New" panose="02070309020205020404" pitchFamily="49" charset="0"/>
-              </a:rPr>
-              <a:t>n_unique</a:t>
-            </a:r>
-            <a:r>
-              <a:rPr lang="en-US" sz="1600" dirty="0">
-                <a:latin typeface="Courier New" panose="02070309020205020404" pitchFamily="49" charset="0"/>
-                <a:cs typeface="Courier New" panose="02070309020205020404" pitchFamily="49" charset="0"/>
-              </a:rPr>
-              <a:t> </a:t>
-            </a:r>
-            <a:r>
-              <a:rPr lang="en-US" sz="1600" dirty="0" err="1">
-                <a:latin typeface="Courier New" panose="02070309020205020404" pitchFamily="49" charset="0"/>
-                <a:cs typeface="Courier New" panose="02070309020205020404" pitchFamily="49" charset="0"/>
-              </a:rPr>
-              <a:t>top_counts</a:t>
-            </a:r>
-            <a:r>
-              <a:rPr lang="en-US" sz="1600" dirty="0">
-                <a:latin typeface="Courier New" panose="02070309020205020404" pitchFamily="49" charset="0"/>
-                <a:cs typeface="Courier New" panose="02070309020205020404" pitchFamily="49" charset="0"/>
-              </a:rPr>
-              <a:t>          </a:t>
-            </a:r>
-          </a:p>
-          <a:p>
-            <a:pPr marL="466703" lvl="1"/>
-            <a:r>
-              <a:rPr lang="en-US" sz="1600" dirty="0">
-                <a:latin typeface="Courier New" panose="02070309020205020404" pitchFamily="49" charset="0"/>
-                <a:cs typeface="Courier New" panose="02070309020205020404" pitchFamily="49" charset="0"/>
-              </a:rPr>
-              <a:t>1 </a:t>
-            </a:r>
-            <a:r>
-              <a:rPr lang="en-US" sz="1600" dirty="0" err="1">
-                <a:latin typeface="Courier New" panose="02070309020205020404" pitchFamily="49" charset="0"/>
-                <a:cs typeface="Courier New" panose="02070309020205020404" pitchFamily="49" charset="0"/>
-              </a:rPr>
-              <a:t>hosp_yn</a:t>
-            </a:r>
-            <a:r>
-              <a:rPr lang="en-US" sz="1600" dirty="0">
-                <a:latin typeface="Courier New" panose="02070309020205020404" pitchFamily="49" charset="0"/>
-                <a:cs typeface="Courier New" panose="02070309020205020404" pitchFamily="49" charset="0"/>
-              </a:rPr>
-              <a:t>           66055         0.339</a:t>
-            </a:r>
-            <a:endParaRPr lang="en-US" sz="1600" b="1" dirty="0">
-              <a:latin typeface="Courier New" panose="02070309020205020404" pitchFamily="49" charset="0"/>
-              <a:cs typeface="Courier New" panose="02070309020205020404" pitchFamily="49" charset="0"/>
-            </a:endParaRPr>
           </a:p>
         </p:txBody>
       </p:sp>
@@ -6603,8 +5991,8 @@
         </p:nvSpPr>
         <p:spPr>
           <a:xfrm>
-            <a:off x="2236815" y="13199577"/>
-            <a:ext cx="14838218" cy="1108750"/>
+            <a:off x="2236815" y="13199576"/>
+            <a:ext cx="14838218" cy="8824700"/>
           </a:xfrm>
           <a:prstGeom prst="rect">
             <a:avLst/>
@@ -6774,10 +6162,430 @@
               </a:rPr>
               <a:t>Data structure (individual case level):</a:t>
             </a:r>
-            <a:endParaRPr lang="en-US" sz="1400" b="0" dirty="0">
-              <a:latin typeface="Courier New" panose="02070309020205020404" pitchFamily="49" charset="0"/>
-              <a:cs typeface="Courier New" panose="02070309020205020404" pitchFamily="49" charset="0"/>
-            </a:endParaRPr>
+          </a:p>
+          <a:p>
+            <a:pPr marL="475794"/>
+            <a:r>
+              <a:rPr lang="en-US" sz="1400" b="0" dirty="0">
+                <a:latin typeface="Courier New" panose="02070309020205020404" pitchFamily="49" charset="0"/>
+                <a:cs typeface="Courier New" panose="02070309020205020404" pitchFamily="49" charset="0"/>
+              </a:rPr>
+              <a:t>'</a:t>
+            </a:r>
+            <a:r>
+              <a:rPr lang="en-US" sz="1400" b="0" dirty="0" err="1">
+                <a:latin typeface="Courier New" panose="02070309020205020404" pitchFamily="49" charset="0"/>
+                <a:cs typeface="Courier New" panose="02070309020205020404" pitchFamily="49" charset="0"/>
+              </a:rPr>
+              <a:t>data.frame</a:t>
+            </a:r>
+            <a:r>
+              <a:rPr lang="en-US" sz="1400" b="0" dirty="0">
+                <a:latin typeface="Courier New" panose="02070309020205020404" pitchFamily="49" charset="0"/>
+                <a:cs typeface="Courier New" panose="02070309020205020404" pitchFamily="49" charset="0"/>
+              </a:rPr>
+              <a:t>':	100000 obs. of  19 variables:</a:t>
+            </a:r>
+          </a:p>
+          <a:p>
+            <a:pPr marL="475794"/>
+            <a:r>
+              <a:rPr lang="en-US" sz="1400" b="0" dirty="0">
+                <a:latin typeface="Courier New" panose="02070309020205020404" pitchFamily="49" charset="0"/>
+                <a:cs typeface="Courier New" panose="02070309020205020404" pitchFamily="49" charset="0"/>
+              </a:rPr>
+              <a:t> $ </a:t>
+            </a:r>
+            <a:r>
+              <a:rPr lang="en-US" sz="1400" b="0" dirty="0" err="1">
+                <a:latin typeface="Courier New" panose="02070309020205020404" pitchFamily="49" charset="0"/>
+                <a:cs typeface="Courier New" panose="02070309020205020404" pitchFamily="49" charset="0"/>
+              </a:rPr>
+              <a:t>case_month</a:t>
+            </a:r>
+            <a:r>
+              <a:rPr lang="en-US" sz="1400" b="0" dirty="0">
+                <a:latin typeface="Courier New" panose="02070309020205020404" pitchFamily="49" charset="0"/>
+                <a:cs typeface="Courier New" panose="02070309020205020404" pitchFamily="49" charset="0"/>
+              </a:rPr>
+              <a:t>              : chr  "2021-10" "2022-02" "2020-09" "2021-10" ...</a:t>
+            </a:r>
+          </a:p>
+          <a:p>
+            <a:pPr marL="475794"/>
+            <a:r>
+              <a:rPr lang="en-US" sz="1400" b="0" dirty="0">
+                <a:latin typeface="Courier New" panose="02070309020205020404" pitchFamily="49" charset="0"/>
+                <a:cs typeface="Courier New" panose="02070309020205020404" pitchFamily="49" charset="0"/>
+              </a:rPr>
+              <a:t> $ </a:t>
+            </a:r>
+            <a:r>
+              <a:rPr lang="en-US" sz="1400" b="0" dirty="0" err="1">
+                <a:latin typeface="Courier New" panose="02070309020205020404" pitchFamily="49" charset="0"/>
+                <a:cs typeface="Courier New" panose="02070309020205020404" pitchFamily="49" charset="0"/>
+              </a:rPr>
+              <a:t>res_state</a:t>
+            </a:r>
+            <a:r>
+              <a:rPr lang="en-US" sz="1400" b="0" dirty="0">
+                <a:latin typeface="Courier New" panose="02070309020205020404" pitchFamily="49" charset="0"/>
+                <a:cs typeface="Courier New" panose="02070309020205020404" pitchFamily="49" charset="0"/>
+              </a:rPr>
+              <a:t>               : chr  "NC" "GA" "MO" "MI" ...</a:t>
+            </a:r>
+          </a:p>
+          <a:p>
+            <a:pPr marL="475794"/>
+            <a:r>
+              <a:rPr lang="en-US" sz="1400" b="0" dirty="0">
+                <a:latin typeface="Courier New" panose="02070309020205020404" pitchFamily="49" charset="0"/>
+                <a:cs typeface="Courier New" panose="02070309020205020404" pitchFamily="49" charset="0"/>
+              </a:rPr>
+              <a:t> $ </a:t>
+            </a:r>
+            <a:r>
+              <a:rPr lang="en-US" sz="1400" b="0" dirty="0" err="1">
+                <a:latin typeface="Courier New" panose="02070309020205020404" pitchFamily="49" charset="0"/>
+                <a:cs typeface="Courier New" panose="02070309020205020404" pitchFamily="49" charset="0"/>
+              </a:rPr>
+              <a:t>state_fips_code</a:t>
+            </a:r>
+            <a:r>
+              <a:rPr lang="en-US" sz="1400" b="0" dirty="0">
+                <a:latin typeface="Courier New" panose="02070309020205020404" pitchFamily="49" charset="0"/>
+                <a:cs typeface="Courier New" panose="02070309020205020404" pitchFamily="49" charset="0"/>
+              </a:rPr>
+              <a:t>         : chr  "37" "13" "29" "26" ...</a:t>
+            </a:r>
+          </a:p>
+          <a:p>
+            <a:pPr marL="475794"/>
+            <a:r>
+              <a:rPr lang="en-US" sz="1400" b="0" dirty="0">
+                <a:latin typeface="Courier New" panose="02070309020205020404" pitchFamily="49" charset="0"/>
+                <a:cs typeface="Courier New" panose="02070309020205020404" pitchFamily="49" charset="0"/>
+              </a:rPr>
+              <a:t> $ </a:t>
+            </a:r>
+            <a:r>
+              <a:rPr lang="en-US" sz="1400" b="0" dirty="0" err="1">
+                <a:latin typeface="Courier New" panose="02070309020205020404" pitchFamily="49" charset="0"/>
+                <a:cs typeface="Courier New" panose="02070309020205020404" pitchFamily="49" charset="0"/>
+              </a:rPr>
+              <a:t>res_county</a:t>
+            </a:r>
+            <a:r>
+              <a:rPr lang="en-US" sz="1400" b="0" dirty="0">
+                <a:latin typeface="Courier New" panose="02070309020205020404" pitchFamily="49" charset="0"/>
+                <a:cs typeface="Courier New" panose="02070309020205020404" pitchFamily="49" charset="0"/>
+              </a:rPr>
+              <a:t>              : chr  "DAVIE" "BULLOCH" "POLK" "SANILAC" ...</a:t>
+            </a:r>
+          </a:p>
+          <a:p>
+            <a:pPr marL="475794"/>
+            <a:r>
+              <a:rPr lang="en-US" sz="1400" b="0" dirty="0">
+                <a:latin typeface="Courier New" panose="02070309020205020404" pitchFamily="49" charset="0"/>
+                <a:cs typeface="Courier New" panose="02070309020205020404" pitchFamily="49" charset="0"/>
+              </a:rPr>
+              <a:t> $ </a:t>
+            </a:r>
+            <a:r>
+              <a:rPr lang="en-US" sz="1400" b="0" dirty="0" err="1">
+                <a:latin typeface="Courier New" panose="02070309020205020404" pitchFamily="49" charset="0"/>
+                <a:cs typeface="Courier New" panose="02070309020205020404" pitchFamily="49" charset="0"/>
+              </a:rPr>
+              <a:t>county_fips_code</a:t>
+            </a:r>
+            <a:r>
+              <a:rPr lang="en-US" sz="1400" b="0" dirty="0">
+                <a:latin typeface="Courier New" panose="02070309020205020404" pitchFamily="49" charset="0"/>
+                <a:cs typeface="Courier New" panose="02070309020205020404" pitchFamily="49" charset="0"/>
+              </a:rPr>
+              <a:t>        : chr  "37059" "13031" "29167" "26151" ...</a:t>
+            </a:r>
+          </a:p>
+          <a:p>
+            <a:pPr marL="475794"/>
+            <a:r>
+              <a:rPr lang="en-US" sz="1400" b="0" dirty="0">
+                <a:latin typeface="Courier New" panose="02070309020205020404" pitchFamily="49" charset="0"/>
+                <a:cs typeface="Courier New" panose="02070309020205020404" pitchFamily="49" charset="0"/>
+              </a:rPr>
+              <a:t> $ </a:t>
+            </a:r>
+            <a:r>
+              <a:rPr lang="en-US" sz="1400" b="0" dirty="0" err="1">
+                <a:latin typeface="Courier New" panose="02070309020205020404" pitchFamily="49" charset="0"/>
+                <a:cs typeface="Courier New" panose="02070309020205020404" pitchFamily="49" charset="0"/>
+              </a:rPr>
+              <a:t>age_group</a:t>
+            </a:r>
+            <a:r>
+              <a:rPr lang="en-US" sz="1400" b="0" dirty="0">
+                <a:latin typeface="Courier New" panose="02070309020205020404" pitchFamily="49" charset="0"/>
+                <a:cs typeface="Courier New" panose="02070309020205020404" pitchFamily="49" charset="0"/>
+              </a:rPr>
+              <a:t>               : chr  "0 - 17 years" "18 to 49 years" "18 to 49 years" "18 to 49 years" ...</a:t>
+            </a:r>
+          </a:p>
+          <a:p>
+            <a:pPr marL="475794"/>
+            <a:r>
+              <a:rPr lang="en-US" sz="1400" b="0" dirty="0">
+                <a:latin typeface="Courier New" panose="02070309020205020404" pitchFamily="49" charset="0"/>
+                <a:cs typeface="Courier New" panose="02070309020205020404" pitchFamily="49" charset="0"/>
+              </a:rPr>
+              <a:t> $ sex                     : chr  "Female" "Female" "Female" "Female" Missing" ...</a:t>
+            </a:r>
+          </a:p>
+          <a:p>
+            <a:pPr marL="475794"/>
+            <a:r>
+              <a:rPr lang="en-US" sz="1400" b="0" dirty="0">
+                <a:latin typeface="Courier New" panose="02070309020205020404" pitchFamily="49" charset="0"/>
+                <a:cs typeface="Courier New" panose="02070309020205020404" pitchFamily="49" charset="0"/>
+              </a:rPr>
+              <a:t> $ </a:t>
+            </a:r>
+            <a:r>
+              <a:rPr lang="en-US" sz="1400" b="0" dirty="0" err="1">
+                <a:latin typeface="Courier New" panose="02070309020205020404" pitchFamily="49" charset="0"/>
+                <a:cs typeface="Courier New" panose="02070309020205020404" pitchFamily="49" charset="0"/>
+              </a:rPr>
+              <a:t>hosp_yn</a:t>
+            </a:r>
+            <a:r>
+              <a:rPr lang="en-US" sz="1400" b="0" dirty="0">
+                <a:latin typeface="Courier New" panose="02070309020205020404" pitchFamily="49" charset="0"/>
+                <a:cs typeface="Courier New" panose="02070309020205020404" pitchFamily="49" charset="0"/>
+              </a:rPr>
+              <a:t>                 : chr  "Unknown" "Missing" "Unknown" "Missing"...</a:t>
+            </a:r>
+          </a:p>
+          <a:p>
+            <a:pPr marL="475794"/>
+            <a:r>
+              <a:rPr lang="en-US" sz="1400" b="0" dirty="0">
+                <a:latin typeface="Courier New" panose="02070309020205020404" pitchFamily="49" charset="0"/>
+                <a:cs typeface="Courier New" panose="02070309020205020404" pitchFamily="49" charset="0"/>
+              </a:rPr>
+              <a:t> $ race                    : chr  "NA" "Unknown" "NA" "NA" ...</a:t>
+            </a:r>
+          </a:p>
+          <a:p>
+            <a:pPr marL="475794"/>
+            <a:r>
+              <a:rPr lang="en-US" sz="1400" b="0" dirty="0">
+                <a:latin typeface="Courier New" panose="02070309020205020404" pitchFamily="49" charset="0"/>
+                <a:cs typeface="Courier New" panose="02070309020205020404" pitchFamily="49" charset="0"/>
+              </a:rPr>
+              <a:t> $ ethnicity               : chr  "NA" "Missing" "NA" "NA" ...</a:t>
+            </a:r>
+          </a:p>
+          <a:p>
+            <a:pPr marL="475794"/>
+            <a:r>
+              <a:rPr lang="en-US" sz="1400" b="0" dirty="0">
+                <a:latin typeface="Courier New" panose="02070309020205020404" pitchFamily="49" charset="0"/>
+                <a:cs typeface="Courier New" panose="02070309020205020404" pitchFamily="49" charset="0"/>
+              </a:rPr>
+              <a:t> $ </a:t>
+            </a:r>
+            <a:r>
+              <a:rPr lang="en-US" sz="1400" b="0" dirty="0" err="1">
+                <a:latin typeface="Courier New" panose="02070309020205020404" pitchFamily="49" charset="0"/>
+                <a:cs typeface="Courier New" panose="02070309020205020404" pitchFamily="49" charset="0"/>
+              </a:rPr>
+              <a:t>case_positive_specimen</a:t>
+            </a:r>
+            <a:r>
+              <a:rPr lang="en-US" sz="1400" b="0" dirty="0">
+                <a:latin typeface="Courier New" panose="02070309020205020404" pitchFamily="49" charset="0"/>
+                <a:cs typeface="Courier New" panose="02070309020205020404" pitchFamily="49" charset="0"/>
+              </a:rPr>
+              <a:t>  : chr  "0.0" NA "0.0" NA ...</a:t>
+            </a:r>
+          </a:p>
+          <a:p>
+            <a:pPr marL="475794"/>
+            <a:r>
+              <a:rPr lang="en-US" sz="1400" b="0" dirty="0">
+                <a:latin typeface="Courier New" panose="02070309020205020404" pitchFamily="49" charset="0"/>
+                <a:cs typeface="Courier New" panose="02070309020205020404" pitchFamily="49" charset="0"/>
+              </a:rPr>
+              <a:t> $ process                 : chr  "Missing" "Missing" "Missing" "Missing" ...</a:t>
+            </a:r>
+          </a:p>
+          <a:p>
+            <a:pPr marL="475794"/>
+            <a:r>
+              <a:rPr lang="en-US" sz="1400" b="0" dirty="0">
+                <a:latin typeface="Courier New" panose="02070309020205020404" pitchFamily="49" charset="0"/>
+                <a:cs typeface="Courier New" panose="02070309020205020404" pitchFamily="49" charset="0"/>
+              </a:rPr>
+              <a:t> $ </a:t>
+            </a:r>
+            <a:r>
+              <a:rPr lang="en-US" sz="1400" b="0" dirty="0" err="1">
+                <a:latin typeface="Courier New" panose="02070309020205020404" pitchFamily="49" charset="0"/>
+                <a:cs typeface="Courier New" panose="02070309020205020404" pitchFamily="49" charset="0"/>
+              </a:rPr>
+              <a:t>exposure_yn</a:t>
+            </a:r>
+            <a:r>
+              <a:rPr lang="en-US" sz="1400" b="0" dirty="0">
+                <a:latin typeface="Courier New" panose="02070309020205020404" pitchFamily="49" charset="0"/>
+                <a:cs typeface="Courier New" panose="02070309020205020404" pitchFamily="49" charset="0"/>
+              </a:rPr>
+              <a:t>             : chr  "Missing" "Missing" "Missing" "Missing" ...</a:t>
+            </a:r>
+          </a:p>
+          <a:p>
+            <a:pPr marL="475794"/>
+            <a:r>
+              <a:rPr lang="en-US" sz="1400" b="0" dirty="0">
+                <a:latin typeface="Courier New" panose="02070309020205020404" pitchFamily="49" charset="0"/>
+                <a:cs typeface="Courier New" panose="02070309020205020404" pitchFamily="49" charset="0"/>
+              </a:rPr>
+              <a:t> $ </a:t>
+            </a:r>
+            <a:r>
+              <a:rPr lang="en-US" sz="1400" b="0" dirty="0" err="1">
+                <a:latin typeface="Courier New" panose="02070309020205020404" pitchFamily="49" charset="0"/>
+                <a:cs typeface="Courier New" panose="02070309020205020404" pitchFamily="49" charset="0"/>
+              </a:rPr>
+              <a:t>current_status</a:t>
+            </a:r>
+            <a:r>
+              <a:rPr lang="en-US" sz="1400" b="0" dirty="0">
+                <a:latin typeface="Courier New" panose="02070309020205020404" pitchFamily="49" charset="0"/>
+                <a:cs typeface="Courier New" panose="02070309020205020404" pitchFamily="49" charset="0"/>
+              </a:rPr>
+              <a:t>          : chr  "Laboratory-confirmed case" "Laboratory-confirmed case" "Laboratory-confirmed case" "Laboratory-confirmed case" ...</a:t>
+            </a:r>
+          </a:p>
+          <a:p>
+            <a:pPr marL="475794"/>
+            <a:r>
+              <a:rPr lang="en-US" sz="1400" b="0" dirty="0">
+                <a:latin typeface="Courier New" panose="02070309020205020404" pitchFamily="49" charset="0"/>
+                <a:cs typeface="Courier New" panose="02070309020205020404" pitchFamily="49" charset="0"/>
+              </a:rPr>
+              <a:t> $ </a:t>
+            </a:r>
+            <a:r>
+              <a:rPr lang="en-US" sz="1400" b="0" dirty="0" err="1">
+                <a:latin typeface="Courier New" panose="02070309020205020404" pitchFamily="49" charset="0"/>
+                <a:cs typeface="Courier New" panose="02070309020205020404" pitchFamily="49" charset="0"/>
+              </a:rPr>
+              <a:t>symptom_status</a:t>
+            </a:r>
+            <a:r>
+              <a:rPr lang="en-US" sz="1400" b="0" dirty="0">
+                <a:latin typeface="Courier New" panose="02070309020205020404" pitchFamily="49" charset="0"/>
+                <a:cs typeface="Courier New" panose="02070309020205020404" pitchFamily="49" charset="0"/>
+              </a:rPr>
+              <a:t>          : chr  "Unknown" "Symptomatic" "Symptomatic" " ...</a:t>
+            </a:r>
+          </a:p>
+          <a:p>
+            <a:pPr marL="475794"/>
+            <a:r>
+              <a:rPr lang="en-US" sz="1400" b="0" dirty="0">
+                <a:latin typeface="Courier New" panose="02070309020205020404" pitchFamily="49" charset="0"/>
+                <a:cs typeface="Courier New" panose="02070309020205020404" pitchFamily="49" charset="0"/>
+              </a:rPr>
+              <a:t> $ </a:t>
+            </a:r>
+            <a:r>
+              <a:rPr lang="en-US" sz="1400" b="0" dirty="0" err="1">
+                <a:latin typeface="Courier New" panose="02070309020205020404" pitchFamily="49" charset="0"/>
+                <a:cs typeface="Courier New" panose="02070309020205020404" pitchFamily="49" charset="0"/>
+              </a:rPr>
+              <a:t>icu_yn</a:t>
+            </a:r>
+            <a:r>
+              <a:rPr lang="en-US" sz="1400" b="0" dirty="0">
+                <a:latin typeface="Courier New" panose="02070309020205020404" pitchFamily="49" charset="0"/>
+                <a:cs typeface="Courier New" panose="02070309020205020404" pitchFamily="49" charset="0"/>
+              </a:rPr>
+              <a:t>                  : chr  "Unknown" "Missing" "Missing" "Missing" ...</a:t>
+            </a:r>
+          </a:p>
+          <a:p>
+            <a:pPr marL="475794"/>
+            <a:r>
+              <a:rPr lang="en-US" sz="1400" b="0" dirty="0">
+                <a:latin typeface="Courier New" panose="02070309020205020404" pitchFamily="49" charset="0"/>
+                <a:cs typeface="Courier New" panose="02070309020205020404" pitchFamily="49" charset="0"/>
+              </a:rPr>
+              <a:t> $ </a:t>
+            </a:r>
+            <a:r>
+              <a:rPr lang="en-US" sz="1400" b="0" dirty="0" err="1">
+                <a:latin typeface="Courier New" panose="02070309020205020404" pitchFamily="49" charset="0"/>
+                <a:cs typeface="Courier New" panose="02070309020205020404" pitchFamily="49" charset="0"/>
+              </a:rPr>
+              <a:t>death_yn</a:t>
+            </a:r>
+            <a:r>
+              <a:rPr lang="en-US" sz="1400" b="0" dirty="0">
+                <a:latin typeface="Courier New" panose="02070309020205020404" pitchFamily="49" charset="0"/>
+                <a:cs typeface="Courier New" panose="02070309020205020404" pitchFamily="49" charset="0"/>
+              </a:rPr>
+              <a:t>                : chr  "No" "Missing" "Unknown" "Unknown" ...</a:t>
+            </a:r>
+          </a:p>
+          <a:p>
+            <a:pPr marL="475794"/>
+            <a:r>
+              <a:rPr lang="en-US" sz="1400" b="0" dirty="0">
+                <a:latin typeface="Courier New" panose="02070309020205020404" pitchFamily="49" charset="0"/>
+                <a:cs typeface="Courier New" panose="02070309020205020404" pitchFamily="49" charset="0"/>
+              </a:rPr>
+              <a:t> $ </a:t>
+            </a:r>
+            <a:r>
+              <a:rPr lang="en-US" sz="1400" b="0" dirty="0" err="1">
+                <a:latin typeface="Courier New" panose="02070309020205020404" pitchFamily="49" charset="0"/>
+                <a:cs typeface="Courier New" panose="02070309020205020404" pitchFamily="49" charset="0"/>
+              </a:rPr>
+              <a:t>case_onset_interval</a:t>
+            </a:r>
+            <a:r>
+              <a:rPr lang="en-US" sz="1400" b="0" dirty="0">
+                <a:latin typeface="Courier New" panose="02070309020205020404" pitchFamily="49" charset="0"/>
+                <a:cs typeface="Courier New" panose="02070309020205020404" pitchFamily="49" charset="0"/>
+              </a:rPr>
+              <a:t>     : chr  NA "0.0" "0.0" NA ...</a:t>
+            </a:r>
+          </a:p>
+          <a:p>
+            <a:pPr marL="475794"/>
+            <a:r>
+              <a:rPr lang="en-US" sz="1400" b="0" dirty="0">
+                <a:latin typeface="Courier New" panose="02070309020205020404" pitchFamily="49" charset="0"/>
+                <a:cs typeface="Courier New" panose="02070309020205020404" pitchFamily="49" charset="0"/>
+              </a:rPr>
+              <a:t> $ </a:t>
+            </a:r>
+            <a:r>
+              <a:rPr lang="en-US" sz="1400" b="0" dirty="0" err="1">
+                <a:latin typeface="Courier New" panose="02070309020205020404" pitchFamily="49" charset="0"/>
+                <a:cs typeface="Courier New" panose="02070309020205020404" pitchFamily="49" charset="0"/>
+              </a:rPr>
+              <a:t>underlying_conditions_yn</a:t>
+            </a:r>
+            <a:r>
+              <a:rPr lang="en-US" sz="1400" b="0" dirty="0">
+                <a:latin typeface="Courier New" panose="02070309020205020404" pitchFamily="49" charset="0"/>
+                <a:cs typeface="Courier New" panose="02070309020205020404" pitchFamily="49" charset="0"/>
+              </a:rPr>
+              <a:t>: chr  NA NA NA NA ...</a:t>
+            </a:r>
           </a:p>
         </p:txBody>
       </p:sp>
@@ -6796,7 +6604,7 @@
         <p:spPr>
           <a:xfrm>
             <a:off x="26070414" y="7907000"/>
-            <a:ext cx="6975577" cy="6202339"/>
+            <a:ext cx="6975577" cy="4792338"/>
           </a:xfrm>
           <a:prstGeom prst="rect">
             <a:avLst/>
@@ -6808,27 +6616,14 @@
           </a:bodyPr>
           <a:lstStyle/>
           <a:p>
-            <a:pPr marL="923903" lvl="1" indent="-457200">
-              <a:buFont typeface="Arial" panose="020B0604020202020204" pitchFamily="34" charset="0"/>
-              <a:buChar char="•"/>
-            </a:pPr>
+            <a:pPr marL="466703" lvl="1"/>
             <a:r>
               <a:rPr lang="en-US" sz="3054" dirty="0">
                 <a:latin typeface="+mj-lt"/>
                 <a:cs typeface="Times New Roman" panose="02020603050405020304" pitchFamily="18" charset="0"/>
               </a:rPr>
-              <a:t>We considered two approaches (and tried the first!):</a:t>
-            </a:r>
-          </a:p>
-          <a:p>
-            <a:pPr marL="923903" lvl="1" indent="-457200">
-              <a:buFont typeface="Arial" panose="020B0604020202020204" pitchFamily="34" charset="0"/>
-              <a:buChar char="•"/>
-            </a:pPr>
-            <a:endParaRPr lang="en-US" sz="3054" dirty="0">
-              <a:latin typeface="+mj-lt"/>
-              <a:cs typeface="Times New Roman" panose="02020603050405020304" pitchFamily="18" charset="0"/>
-            </a:endParaRPr>
+              <a:t>We considered two approaches:</a:t>
+            </a:r>
           </a:p>
           <a:p>
             <a:pPr marL="466703" lvl="1"/>
@@ -6909,16 +6704,6 @@
               </a:rPr>
               <a:t>).</a:t>
             </a:r>
-          </a:p>
-          <a:p>
-            <a:pPr marL="923903" lvl="1" indent="-457200">
-              <a:buFont typeface="Arial" panose="020B0604020202020204" pitchFamily="34" charset="0"/>
-              <a:buChar char="•"/>
-            </a:pPr>
-            <a:endParaRPr lang="en-US" sz="3054" dirty="0">
-              <a:latin typeface="+mj-lt"/>
-              <a:cs typeface="Times New Roman" panose="02020603050405020304" pitchFamily="18" charset="0"/>
-            </a:endParaRPr>
           </a:p>
           <a:p>
             <a:pPr marL="466703" lvl="1"/>
@@ -6985,7 +6770,7 @@
         </p:nvSpPr>
         <p:spPr>
           <a:xfrm>
-            <a:off x="19369063" y="26149749"/>
+            <a:off x="19347744" y="24409786"/>
             <a:ext cx="12928911" cy="562333"/>
           </a:xfrm>
           <a:prstGeom prst="rect">
@@ -7160,7 +6945,7 @@
         </p:blipFill>
         <p:spPr>
           <a:xfrm>
-            <a:off x="18864938" y="15726555"/>
+            <a:off x="19157764" y="13851692"/>
             <a:ext cx="6019805" cy="9753578"/>
           </a:xfrm>
           <a:prstGeom prst="rect">
@@ -7182,7 +6967,7 @@
         </p:nvSpPr>
         <p:spPr>
           <a:xfrm>
-            <a:off x="18864938" y="16484532"/>
+            <a:off x="19145429" y="14543219"/>
             <a:ext cx="6019805" cy="1963897"/>
           </a:xfrm>
           <a:prstGeom prst="rect">
@@ -7238,7 +7023,7 @@
         </p:nvSpPr>
         <p:spPr>
           <a:xfrm>
-            <a:off x="18864938" y="19927083"/>
+            <a:off x="19170099" y="18074610"/>
             <a:ext cx="6019805" cy="2394853"/>
           </a:xfrm>
           <a:prstGeom prst="rect">
@@ -7294,7 +7079,7 @@
         </p:nvSpPr>
         <p:spPr>
           <a:xfrm>
-            <a:off x="25833518" y="15992691"/>
+            <a:off x="26177380" y="14017584"/>
             <a:ext cx="6975577" cy="5732338"/>
           </a:xfrm>
           <a:prstGeom prst="rect">
@@ -7422,7 +7207,7 @@
         </p:blipFill>
         <p:spPr>
           <a:xfrm>
-            <a:off x="26471692" y="21761696"/>
+            <a:off x="26230987" y="19718512"/>
             <a:ext cx="5910700" cy="3273618"/>
           </a:xfrm>
           <a:prstGeom prst="rect">
@@ -7444,7 +7229,7 @@
         </p:nvSpPr>
         <p:spPr>
           <a:xfrm>
-            <a:off x="26365956" y="25051306"/>
+            <a:off x="26602852" y="22853569"/>
             <a:ext cx="5910700" cy="1031051"/>
           </a:xfrm>
           <a:prstGeom prst="rect">
@@ -7630,7 +7415,7 @@
         </p:blipFill>
         <p:spPr>
           <a:xfrm>
-            <a:off x="22088009" y="26779206"/>
+            <a:off x="22388997" y="25319142"/>
             <a:ext cx="4213855" cy="1546369"/>
           </a:xfrm>
           <a:prstGeom prst="rect">
@@ -7660,7 +7445,7 @@
         </p:blipFill>
         <p:spPr>
           <a:xfrm>
-            <a:off x="21311525" y="28280356"/>
+            <a:off x="21433156" y="26671507"/>
             <a:ext cx="12074928" cy="1454348"/>
           </a:xfrm>
           <a:prstGeom prst="rect">
@@ -7820,7 +7605,7 @@
         </p:blipFill>
         <p:spPr>
           <a:xfrm>
-            <a:off x="18833569" y="30111669"/>
+            <a:off x="19136392" y="28738008"/>
             <a:ext cx="12363065" cy="1167486"/>
           </a:xfrm>
           <a:prstGeom prst="rect">
@@ -7842,7 +7627,7 @@
         </p:nvSpPr>
         <p:spPr>
           <a:xfrm>
-            <a:off x="18630613" y="29343153"/>
+            <a:off x="19157764" y="27996400"/>
             <a:ext cx="3223071" cy="561692"/>
           </a:xfrm>
           <a:prstGeom prst="rect">
@@ -7885,7 +7670,7 @@
         </p:blipFill>
         <p:spPr>
           <a:xfrm>
-            <a:off x="19723504" y="31372198"/>
+            <a:off x="19595041" y="30111925"/>
             <a:ext cx="10259739" cy="5036409"/>
           </a:xfrm>
           <a:prstGeom prst="rect">
@@ -8116,7 +7901,7 @@
         </p:blipFill>
         <p:spPr>
           <a:xfrm>
-            <a:off x="27500480" y="27125607"/>
+            <a:off x="27372381" y="25229343"/>
             <a:ext cx="2765554" cy="853566"/>
           </a:xfrm>
           <a:prstGeom prst="rect">
@@ -8227,6 +8012,36 @@
           </a:p>
         </p:txBody>
       </p:sp>
+      <p:pic>
+        <p:nvPicPr>
+          <p:cNvPr id="45" name="Picture 44">
+            <a:extLst>
+              <a:ext uri="{FF2B5EF4-FFF2-40B4-BE49-F238E27FC236}">
+                <a16:creationId xmlns:a16="http://schemas.microsoft.com/office/drawing/2014/main" id="{DBD25D92-0C0A-7573-C149-C698EDCC6786}"/>
+              </a:ext>
+            </a:extLst>
+          </p:cNvPr>
+          <p:cNvPicPr>
+            <a:picLocks noChangeAspect="1"/>
+          </p:cNvPicPr>
+          <p:nvPr/>
+        </p:nvPicPr>
+        <p:blipFill>
+          <a:blip r:embed="rId26"/>
+          <a:stretch>
+            <a:fillRect/>
+          </a:stretch>
+        </p:blipFill>
+        <p:spPr>
+          <a:xfrm>
+            <a:off x="19094837" y="8033036"/>
+            <a:ext cx="6975576" cy="4304927"/>
+          </a:xfrm>
+          <a:prstGeom prst="rect">
+            <a:avLst/>
+          </a:prstGeom>
+        </p:spPr>
+      </p:pic>
     </p:spTree>
   </p:cSld>
   <p:clrMapOvr>
@@ -8852,23 +8667,6 @@
 </file>
 
 <file path=customXml/item1.xml><?xml version="1.0" encoding="utf-8"?>
-<p:properties xmlns:p="http://schemas.microsoft.com/office/2006/metadata/properties" xmlns:xsi="http://www.w3.org/2001/XMLSchema-instance" xmlns:pc="http://schemas.microsoft.com/office/infopath/2007/PartnerControls">
-  <documentManagement>
-    <_activity xmlns="4f41ae97-5a6c-4458-bb1f-235b5f3b5d68" xsi:nil="true"/>
-  </documentManagement>
-</p:properties>
-</file>
-
-<file path=customXml/item2.xml><?xml version="1.0" encoding="utf-8"?>
-<?mso-contentType ?>
-<FormTemplates xmlns="http://schemas.microsoft.com/sharepoint/v3/contenttype/forms">
-  <Display>DocumentLibraryForm</Display>
-  <Edit>DocumentLibraryForm</Edit>
-  <New>DocumentLibraryForm</New>
-</FormTemplates>
-</file>
-
-<file path=customXml/item3.xml><?xml version="1.0" encoding="utf-8"?>
 <ct:contentTypeSchema xmlns:ct="http://schemas.microsoft.com/office/2006/metadata/contentType" xmlns:ma="http://schemas.microsoft.com/office/2006/metadata/properties/metaAttributes" ct:_="" ma:_="" ma:contentTypeName="Document" ma:contentTypeID="0x0101009751B041C886E142A4CB6BC50AABCCA6" ma:contentTypeVersion="13" ma:contentTypeDescription="Create a new document." ma:contentTypeScope="" ma:versionID="ae8447eb39958e733236cd72149919b1">
   <xsd:schema xmlns:xsd="http://www.w3.org/2001/XMLSchema" xmlns:xs="http://www.w3.org/2001/XMLSchema" xmlns:p="http://schemas.microsoft.com/office/2006/metadata/properties" xmlns:ns3="4f41ae97-5a6c-4458-bb1f-235b5f3b5d68" xmlns:ns4="8802567b-aa87-48e0-ac05-b6cac22ca2ed" targetNamespace="http://schemas.microsoft.com/office/2006/metadata/properties" ma:root="true" ma:fieldsID="aac98df62b6e875c010c3475f39038b6" ns3:_="" ns4:_="">
     <xsd:import namespace="4f41ae97-5a6c-4458-bb1f-235b5f3b5d68"/>
@@ -9089,7 +8887,43 @@
 </ct:contentTypeSchema>
 </file>
 
+<file path=customXml/item2.xml><?xml version="1.0" encoding="utf-8"?>
+<p:properties xmlns:p="http://schemas.microsoft.com/office/2006/metadata/properties" xmlns:xsi="http://www.w3.org/2001/XMLSchema-instance" xmlns:pc="http://schemas.microsoft.com/office/infopath/2007/PartnerControls">
+  <documentManagement>
+    <_activity xmlns="4f41ae97-5a6c-4458-bb1f-235b5f3b5d68" xsi:nil="true"/>
+  </documentManagement>
+</p:properties>
+</file>
+
+<file path=customXml/item3.xml><?xml version="1.0" encoding="utf-8"?>
+<?mso-contentType ?>
+<FormTemplates xmlns="http://schemas.microsoft.com/sharepoint/v3/contenttype/forms">
+  <Display>DocumentLibraryForm</Display>
+  <Edit>DocumentLibraryForm</Edit>
+  <New>DocumentLibraryForm</New>
+</FormTemplates>
+</file>
+
 <file path=customXml/itemProps1.xml><?xml version="1.0" encoding="utf-8"?>
+<ds:datastoreItem xmlns:ds="http://schemas.openxmlformats.org/officeDocument/2006/customXml" ds:itemID="{8774136C-BD9E-4C16-A065-F64F959C2ED0}">
+  <ds:schemaRefs>
+    <ds:schemaRef ds:uri="http://schemas.microsoft.com/office/2006/metadata/contentType"/>
+    <ds:schemaRef ds:uri="http://schemas.microsoft.com/office/2006/metadata/properties/metaAttributes"/>
+    <ds:schemaRef ds:uri="http://www.w3.org/2001/XMLSchema"/>
+    <ds:schemaRef ds:uri="http://schemas.microsoft.com/office/2006/metadata/properties"/>
+    <ds:schemaRef ds:uri="4f41ae97-5a6c-4458-bb1f-235b5f3b5d68"/>
+    <ds:schemaRef ds:uri="8802567b-aa87-48e0-ac05-b6cac22ca2ed"/>
+    <ds:schemaRef ds:uri="http://schemas.microsoft.com/office/2006/documentManagement/types"/>
+    <ds:schemaRef ds:uri="http://schemas.microsoft.com/office/infopath/2007/PartnerControls"/>
+    <ds:schemaRef ds:uri="http://schemas.openxmlformats.org/package/2006/metadata/core-properties"/>
+    <ds:schemaRef ds:uri="http://purl.org/dc/elements/1.1/"/>
+    <ds:schemaRef ds:uri="http://purl.org/dc/terms/"/>
+    <ds:schemaRef ds:uri="http://schemas.microsoft.com/internal/obd"/>
+  </ds:schemaRefs>
+</ds:datastoreItem>
+</file>
+
+<file path=customXml/itemProps2.xml><?xml version="1.0" encoding="utf-8"?>
 <ds:datastoreItem xmlns:ds="http://schemas.openxmlformats.org/officeDocument/2006/customXml" ds:itemID="{C3D6C4CD-CFA3-41A1-A9D1-BFAF122A51A5}">
   <ds:schemaRefs>
     <ds:schemaRef ds:uri="http://purl.org/dc/elements/1.1/"/>
@@ -9106,29 +8940,10 @@
 </ds:datastoreItem>
 </file>
 
-<file path=customXml/itemProps2.xml><?xml version="1.0" encoding="utf-8"?>
+<file path=customXml/itemProps3.xml><?xml version="1.0" encoding="utf-8"?>
 <ds:datastoreItem xmlns:ds="http://schemas.openxmlformats.org/officeDocument/2006/customXml" ds:itemID="{6D1ED908-36CA-47DE-9D02-6709ABA06A3B}">
   <ds:schemaRefs>
     <ds:schemaRef ds:uri="http://schemas.microsoft.com/sharepoint/v3/contenttype/forms"/>
   </ds:schemaRefs>
 </ds:datastoreItem>
-</file>
-
-<file path=customXml/itemProps3.xml><?xml version="1.0" encoding="utf-8"?>
-<ds:datastoreItem xmlns:ds="http://schemas.openxmlformats.org/officeDocument/2006/customXml" ds:itemID="{8774136C-BD9E-4C16-A065-F64F959C2ED0}">
-  <ds:schemaRefs>
-    <ds:schemaRef ds:uri="http://schemas.microsoft.com/office/2006/metadata/contentType"/>
-    <ds:schemaRef ds:uri="http://schemas.microsoft.com/office/2006/metadata/properties/metaAttributes"/>
-    <ds:schemaRef ds:uri="http://www.w3.org/2001/XMLSchema"/>
-    <ds:schemaRef ds:uri="http://schemas.microsoft.com/office/2006/metadata/properties"/>
-    <ds:schemaRef ds:uri="4f41ae97-5a6c-4458-bb1f-235b5f3b5d68"/>
-    <ds:schemaRef ds:uri="8802567b-aa87-48e0-ac05-b6cac22ca2ed"/>
-    <ds:schemaRef ds:uri="http://schemas.microsoft.com/office/2006/documentManagement/types"/>
-    <ds:schemaRef ds:uri="http://schemas.microsoft.com/office/infopath/2007/PartnerControls"/>
-    <ds:schemaRef ds:uri="http://schemas.openxmlformats.org/package/2006/metadata/core-properties"/>
-    <ds:schemaRef ds:uri="http://purl.org/dc/elements/1.1/"/>
-    <ds:schemaRef ds:uri="http://purl.org/dc/terms/"/>
-    <ds:schemaRef ds:uri="http://schemas.microsoft.com/internal/obd"/>
-  </ds:schemaRefs>
-</ds:datastoreItem>
 </file>
--- a/Bayesian COVID Hospitalizations.pptx
+++ b/Bayesian COVID Hospitalizations.pptx
@@ -7416,7 +7416,7 @@
         <p:spPr>
           <a:xfrm>
             <a:off x="22388997" y="25319142"/>
-            <a:ext cx="4213855" cy="1546369"/>
+            <a:ext cx="4213855" cy="1517319"/>
           </a:xfrm>
           <a:prstGeom prst="rect">
             <a:avLst/>
@@ -8014,10 +8014,10 @@
       </p:sp>
       <p:pic>
         <p:nvPicPr>
-          <p:cNvPr id="45" name="Picture 44">
+          <p:cNvPr id="70" name="Picture 69">
             <a:extLst>
               <a:ext uri="{FF2B5EF4-FFF2-40B4-BE49-F238E27FC236}">
-                <a16:creationId xmlns:a16="http://schemas.microsoft.com/office/drawing/2014/main" id="{DBD25D92-0C0A-7573-C149-C698EDCC6786}"/>
+                <a16:creationId xmlns:a16="http://schemas.microsoft.com/office/drawing/2014/main" id="{9C9A5C35-3C1C-E298-B9B0-5065EBE01F8A}"/>
               </a:ext>
             </a:extLst>
           </p:cNvPr>
@@ -8034,8 +8034,8 @@
         </p:blipFill>
         <p:spPr>
           <a:xfrm>
-            <a:off x="19094837" y="8033036"/>
-            <a:ext cx="6975576" cy="4304927"/>
+            <a:off x="19188149" y="8060370"/>
+            <a:ext cx="6989231" cy="4313354"/>
           </a:xfrm>
           <a:prstGeom prst="rect">
             <a:avLst/>

--- a/Bayesian COVID Hospitalizations.pptx
+++ b/Bayesian COVID Hospitalizations.pptx
@@ -376,7 +376,7 @@
       <pc:sldMk xmlns:pc="http://schemas.microsoft.com/office/powerpoint/2013/main/command" cId="0" sldId="256"/>
       <ac:spMk id="10" creationId="{025B411F-C30D-3458-EC06-AD109C00A7A3}"/>
       <ac:txMk cp="75" len="39">
-        <ac:context len="1583" hash="3103544310"/>
+        <ac:context len="115" hash="3813382397"/>
       </ac:txMk>
     </ac:txMkLst>
     <p188:pos x="6895310" y="896434"/>
@@ -525,7 +525,7 @@
             <a:fld id="{311E81F8-90E2-2945-9ED7-A6A90A37CF21}" type="datetimeFigureOut">
               <a:rPr lang="en-US" smtClean="0"/>
               <a:pPr/>
-              <a:t>12/3/2024</a:t>
+              <a:t>12/5/24</a:t>
             </a:fld>
             <a:endParaRPr lang="en-US"/>
           </a:p>
@@ -1094,7 +1094,7 @@
             <a:fld id="{84FD1F27-616A-3542-91BB-C34E14AE38CD}" type="datetimeFigureOut">
               <a:rPr lang="en-US" smtClean="0"/>
               <a:pPr/>
-              <a:t>12/3/2024</a:t>
+              <a:t>12/5/24</a:t>
             </a:fld>
             <a:endParaRPr lang="en-US"/>
           </a:p>
@@ -1266,7 +1266,7 @@
             <a:fld id="{84FD1F27-616A-3542-91BB-C34E14AE38CD}" type="datetimeFigureOut">
               <a:rPr lang="en-US" smtClean="0"/>
               <a:pPr/>
-              <a:t>12/3/2024</a:t>
+              <a:t>12/5/24</a:t>
             </a:fld>
             <a:endParaRPr lang="en-US"/>
           </a:p>
@@ -2132,7 +2132,7 @@
             <a:fld id="{84FD1F27-616A-3542-91BB-C34E14AE38CD}" type="datetimeFigureOut">
               <a:rPr lang="en-US" smtClean="0"/>
               <a:pPr/>
-              <a:t>12/3/2024</a:t>
+              <a:t>12/5/24</a:t>
             </a:fld>
             <a:endParaRPr lang="en-US"/>
           </a:p>
@@ -2556,7 +2556,7 @@
             <a:fld id="{84FD1F27-616A-3542-91BB-C34E14AE38CD}" type="datetimeFigureOut">
               <a:rPr lang="en-US" smtClean="0"/>
               <a:pPr/>
-              <a:t>12/3/2024</a:t>
+              <a:t>12/5/24</a:t>
             </a:fld>
             <a:endParaRPr lang="en-US"/>
           </a:p>
@@ -2676,7 +2676,7 @@
             <a:fld id="{84FD1F27-616A-3542-91BB-C34E14AE38CD}" type="datetimeFigureOut">
               <a:rPr lang="en-US" smtClean="0"/>
               <a:pPr/>
-              <a:t>12/3/2024</a:t>
+              <a:t>12/5/24</a:t>
             </a:fld>
             <a:endParaRPr lang="en-US"/>
           </a:p>
@@ -2773,7 +2773,7 @@
             <a:fld id="{84FD1F27-616A-3542-91BB-C34E14AE38CD}" type="datetimeFigureOut">
               <a:rPr lang="en-US" smtClean="0"/>
               <a:pPr/>
-              <a:t>12/3/2024</a:t>
+              <a:t>12/5/24</a:t>
             </a:fld>
             <a:endParaRPr lang="en-US"/>
           </a:p>
@@ -3052,7 +3052,7 @@
             <a:fld id="{84FD1F27-616A-3542-91BB-C34E14AE38CD}" type="datetimeFigureOut">
               <a:rPr lang="en-US" smtClean="0"/>
               <a:pPr/>
-              <a:t>12/3/2024</a:t>
+              <a:t>12/5/24</a:t>
             </a:fld>
             <a:endParaRPr lang="en-US"/>
           </a:p>
@@ -3311,7 +3311,7 @@
             <a:fld id="{84FD1F27-616A-3542-91BB-C34E14AE38CD}" type="datetimeFigureOut">
               <a:rPr lang="en-US" smtClean="0"/>
               <a:pPr/>
-              <a:t>12/3/2024</a:t>
+              <a:t>12/5/24</a:t>
             </a:fld>
             <a:endParaRPr lang="en-US"/>
           </a:p>
@@ -3522,7 +3522,7 @@
             <a:fld id="{84FD1F27-616A-3542-91BB-C34E14AE38CD}" type="datetimeFigureOut">
               <a:rPr lang="en-US" smtClean="0"/>
               <a:pPr/>
-              <a:t>12/3/2024</a:t>
+              <a:t>12/5/24</a:t>
             </a:fld>
             <a:endParaRPr lang="en-US"/>
           </a:p>
@@ -4052,7 +4052,7 @@
             <a:fld id="{84FD1F27-616A-3542-91BB-C34E14AE38CD}" type="datetimeFigureOut">
               <a:rPr lang="en-US" smtClean="0"/>
               <a:pPr/>
-              <a:t>12/3/2024</a:t>
+              <a:t>12/5/24</a:t>
             </a:fld>
             <a:endParaRPr lang="en-US"/>
           </a:p>
@@ -5748,7 +5748,7 @@
         </p:nvSpPr>
         <p:spPr>
           <a:xfrm>
-            <a:off x="34414477" y="33608496"/>
+            <a:off x="34414477" y="33007401"/>
             <a:ext cx="14838218" cy="3382336"/>
           </a:xfrm>
           <a:prstGeom prst="rect">
@@ -6161,430 +6161,6 @@
                 <a:latin typeface="+mn-lt"/>
               </a:rPr>
               <a:t>Data structure (individual case level):</a:t>
-            </a:r>
-          </a:p>
-          <a:p>
-            <a:pPr marL="475794"/>
-            <a:r>
-              <a:rPr lang="en-US" sz="1400" b="0" dirty="0">
-                <a:latin typeface="Courier New" panose="02070309020205020404" pitchFamily="49" charset="0"/>
-                <a:cs typeface="Courier New" panose="02070309020205020404" pitchFamily="49" charset="0"/>
-              </a:rPr>
-              <a:t>'</a:t>
-            </a:r>
-            <a:r>
-              <a:rPr lang="en-US" sz="1400" b="0" dirty="0" err="1">
-                <a:latin typeface="Courier New" panose="02070309020205020404" pitchFamily="49" charset="0"/>
-                <a:cs typeface="Courier New" panose="02070309020205020404" pitchFamily="49" charset="0"/>
-              </a:rPr>
-              <a:t>data.frame</a:t>
-            </a:r>
-            <a:r>
-              <a:rPr lang="en-US" sz="1400" b="0" dirty="0">
-                <a:latin typeface="Courier New" panose="02070309020205020404" pitchFamily="49" charset="0"/>
-                <a:cs typeface="Courier New" panose="02070309020205020404" pitchFamily="49" charset="0"/>
-              </a:rPr>
-              <a:t>':	100000 obs. of  19 variables:</a:t>
-            </a:r>
-          </a:p>
-          <a:p>
-            <a:pPr marL="475794"/>
-            <a:r>
-              <a:rPr lang="en-US" sz="1400" b="0" dirty="0">
-                <a:latin typeface="Courier New" panose="02070309020205020404" pitchFamily="49" charset="0"/>
-                <a:cs typeface="Courier New" panose="02070309020205020404" pitchFamily="49" charset="0"/>
-              </a:rPr>
-              <a:t> $ </a:t>
-            </a:r>
-            <a:r>
-              <a:rPr lang="en-US" sz="1400" b="0" dirty="0" err="1">
-                <a:latin typeface="Courier New" panose="02070309020205020404" pitchFamily="49" charset="0"/>
-                <a:cs typeface="Courier New" panose="02070309020205020404" pitchFamily="49" charset="0"/>
-              </a:rPr>
-              <a:t>case_month</a:t>
-            </a:r>
-            <a:r>
-              <a:rPr lang="en-US" sz="1400" b="0" dirty="0">
-                <a:latin typeface="Courier New" panose="02070309020205020404" pitchFamily="49" charset="0"/>
-                <a:cs typeface="Courier New" panose="02070309020205020404" pitchFamily="49" charset="0"/>
-              </a:rPr>
-              <a:t>              : chr  "2021-10" "2022-02" "2020-09" "2021-10" ...</a:t>
-            </a:r>
-          </a:p>
-          <a:p>
-            <a:pPr marL="475794"/>
-            <a:r>
-              <a:rPr lang="en-US" sz="1400" b="0" dirty="0">
-                <a:latin typeface="Courier New" panose="02070309020205020404" pitchFamily="49" charset="0"/>
-                <a:cs typeface="Courier New" panose="02070309020205020404" pitchFamily="49" charset="0"/>
-              </a:rPr>
-              <a:t> $ </a:t>
-            </a:r>
-            <a:r>
-              <a:rPr lang="en-US" sz="1400" b="0" dirty="0" err="1">
-                <a:latin typeface="Courier New" panose="02070309020205020404" pitchFamily="49" charset="0"/>
-                <a:cs typeface="Courier New" panose="02070309020205020404" pitchFamily="49" charset="0"/>
-              </a:rPr>
-              <a:t>res_state</a:t>
-            </a:r>
-            <a:r>
-              <a:rPr lang="en-US" sz="1400" b="0" dirty="0">
-                <a:latin typeface="Courier New" panose="02070309020205020404" pitchFamily="49" charset="0"/>
-                <a:cs typeface="Courier New" panose="02070309020205020404" pitchFamily="49" charset="0"/>
-              </a:rPr>
-              <a:t>               : chr  "NC" "GA" "MO" "MI" ...</a:t>
-            </a:r>
-          </a:p>
-          <a:p>
-            <a:pPr marL="475794"/>
-            <a:r>
-              <a:rPr lang="en-US" sz="1400" b="0" dirty="0">
-                <a:latin typeface="Courier New" panose="02070309020205020404" pitchFamily="49" charset="0"/>
-                <a:cs typeface="Courier New" panose="02070309020205020404" pitchFamily="49" charset="0"/>
-              </a:rPr>
-              <a:t> $ </a:t>
-            </a:r>
-            <a:r>
-              <a:rPr lang="en-US" sz="1400" b="0" dirty="0" err="1">
-                <a:latin typeface="Courier New" panose="02070309020205020404" pitchFamily="49" charset="0"/>
-                <a:cs typeface="Courier New" panose="02070309020205020404" pitchFamily="49" charset="0"/>
-              </a:rPr>
-              <a:t>state_fips_code</a:t>
-            </a:r>
-            <a:r>
-              <a:rPr lang="en-US" sz="1400" b="0" dirty="0">
-                <a:latin typeface="Courier New" panose="02070309020205020404" pitchFamily="49" charset="0"/>
-                <a:cs typeface="Courier New" panose="02070309020205020404" pitchFamily="49" charset="0"/>
-              </a:rPr>
-              <a:t>         : chr  "37" "13" "29" "26" ...</a:t>
-            </a:r>
-          </a:p>
-          <a:p>
-            <a:pPr marL="475794"/>
-            <a:r>
-              <a:rPr lang="en-US" sz="1400" b="0" dirty="0">
-                <a:latin typeface="Courier New" panose="02070309020205020404" pitchFamily="49" charset="0"/>
-                <a:cs typeface="Courier New" panose="02070309020205020404" pitchFamily="49" charset="0"/>
-              </a:rPr>
-              <a:t> $ </a:t>
-            </a:r>
-            <a:r>
-              <a:rPr lang="en-US" sz="1400" b="0" dirty="0" err="1">
-                <a:latin typeface="Courier New" panose="02070309020205020404" pitchFamily="49" charset="0"/>
-                <a:cs typeface="Courier New" panose="02070309020205020404" pitchFamily="49" charset="0"/>
-              </a:rPr>
-              <a:t>res_county</a:t>
-            </a:r>
-            <a:r>
-              <a:rPr lang="en-US" sz="1400" b="0" dirty="0">
-                <a:latin typeface="Courier New" panose="02070309020205020404" pitchFamily="49" charset="0"/>
-                <a:cs typeface="Courier New" panose="02070309020205020404" pitchFamily="49" charset="0"/>
-              </a:rPr>
-              <a:t>              : chr  "DAVIE" "BULLOCH" "POLK" "SANILAC" ...</a:t>
-            </a:r>
-          </a:p>
-          <a:p>
-            <a:pPr marL="475794"/>
-            <a:r>
-              <a:rPr lang="en-US" sz="1400" b="0" dirty="0">
-                <a:latin typeface="Courier New" panose="02070309020205020404" pitchFamily="49" charset="0"/>
-                <a:cs typeface="Courier New" panose="02070309020205020404" pitchFamily="49" charset="0"/>
-              </a:rPr>
-              <a:t> $ </a:t>
-            </a:r>
-            <a:r>
-              <a:rPr lang="en-US" sz="1400" b="0" dirty="0" err="1">
-                <a:latin typeface="Courier New" panose="02070309020205020404" pitchFamily="49" charset="0"/>
-                <a:cs typeface="Courier New" panose="02070309020205020404" pitchFamily="49" charset="0"/>
-              </a:rPr>
-              <a:t>county_fips_code</a:t>
-            </a:r>
-            <a:r>
-              <a:rPr lang="en-US" sz="1400" b="0" dirty="0">
-                <a:latin typeface="Courier New" panose="02070309020205020404" pitchFamily="49" charset="0"/>
-                <a:cs typeface="Courier New" panose="02070309020205020404" pitchFamily="49" charset="0"/>
-              </a:rPr>
-              <a:t>        : chr  "37059" "13031" "29167" "26151" ...</a:t>
-            </a:r>
-          </a:p>
-          <a:p>
-            <a:pPr marL="475794"/>
-            <a:r>
-              <a:rPr lang="en-US" sz="1400" b="0" dirty="0">
-                <a:latin typeface="Courier New" panose="02070309020205020404" pitchFamily="49" charset="0"/>
-                <a:cs typeface="Courier New" panose="02070309020205020404" pitchFamily="49" charset="0"/>
-              </a:rPr>
-              <a:t> $ </a:t>
-            </a:r>
-            <a:r>
-              <a:rPr lang="en-US" sz="1400" b="0" dirty="0" err="1">
-                <a:latin typeface="Courier New" panose="02070309020205020404" pitchFamily="49" charset="0"/>
-                <a:cs typeface="Courier New" panose="02070309020205020404" pitchFamily="49" charset="0"/>
-              </a:rPr>
-              <a:t>age_group</a:t>
-            </a:r>
-            <a:r>
-              <a:rPr lang="en-US" sz="1400" b="0" dirty="0">
-                <a:latin typeface="Courier New" panose="02070309020205020404" pitchFamily="49" charset="0"/>
-                <a:cs typeface="Courier New" panose="02070309020205020404" pitchFamily="49" charset="0"/>
-              </a:rPr>
-              <a:t>               : chr  "0 - 17 years" "18 to 49 years" "18 to 49 years" "18 to 49 years" ...</a:t>
-            </a:r>
-          </a:p>
-          <a:p>
-            <a:pPr marL="475794"/>
-            <a:r>
-              <a:rPr lang="en-US" sz="1400" b="0" dirty="0">
-                <a:latin typeface="Courier New" panose="02070309020205020404" pitchFamily="49" charset="0"/>
-                <a:cs typeface="Courier New" panose="02070309020205020404" pitchFamily="49" charset="0"/>
-              </a:rPr>
-              <a:t> $ sex                     : chr  "Female" "Female" "Female" "Female" Missing" ...</a:t>
-            </a:r>
-          </a:p>
-          <a:p>
-            <a:pPr marL="475794"/>
-            <a:r>
-              <a:rPr lang="en-US" sz="1400" b="0" dirty="0">
-                <a:latin typeface="Courier New" panose="02070309020205020404" pitchFamily="49" charset="0"/>
-                <a:cs typeface="Courier New" panose="02070309020205020404" pitchFamily="49" charset="0"/>
-              </a:rPr>
-              <a:t> $ </a:t>
-            </a:r>
-            <a:r>
-              <a:rPr lang="en-US" sz="1400" b="0" dirty="0" err="1">
-                <a:latin typeface="Courier New" panose="02070309020205020404" pitchFamily="49" charset="0"/>
-                <a:cs typeface="Courier New" panose="02070309020205020404" pitchFamily="49" charset="0"/>
-              </a:rPr>
-              <a:t>hosp_yn</a:t>
-            </a:r>
-            <a:r>
-              <a:rPr lang="en-US" sz="1400" b="0" dirty="0">
-                <a:latin typeface="Courier New" panose="02070309020205020404" pitchFamily="49" charset="0"/>
-                <a:cs typeface="Courier New" panose="02070309020205020404" pitchFamily="49" charset="0"/>
-              </a:rPr>
-              <a:t>                 : chr  "Unknown" "Missing" "Unknown" "Missing"...</a:t>
-            </a:r>
-          </a:p>
-          <a:p>
-            <a:pPr marL="475794"/>
-            <a:r>
-              <a:rPr lang="en-US" sz="1400" b="0" dirty="0">
-                <a:latin typeface="Courier New" panose="02070309020205020404" pitchFamily="49" charset="0"/>
-                <a:cs typeface="Courier New" panose="02070309020205020404" pitchFamily="49" charset="0"/>
-              </a:rPr>
-              <a:t> $ race                    : chr  "NA" "Unknown" "NA" "NA" ...</a:t>
-            </a:r>
-          </a:p>
-          <a:p>
-            <a:pPr marL="475794"/>
-            <a:r>
-              <a:rPr lang="en-US" sz="1400" b="0" dirty="0">
-                <a:latin typeface="Courier New" panose="02070309020205020404" pitchFamily="49" charset="0"/>
-                <a:cs typeface="Courier New" panose="02070309020205020404" pitchFamily="49" charset="0"/>
-              </a:rPr>
-              <a:t> $ ethnicity               : chr  "NA" "Missing" "NA" "NA" ...</a:t>
-            </a:r>
-          </a:p>
-          <a:p>
-            <a:pPr marL="475794"/>
-            <a:r>
-              <a:rPr lang="en-US" sz="1400" b="0" dirty="0">
-                <a:latin typeface="Courier New" panose="02070309020205020404" pitchFamily="49" charset="0"/>
-                <a:cs typeface="Courier New" panose="02070309020205020404" pitchFamily="49" charset="0"/>
-              </a:rPr>
-              <a:t> $ </a:t>
-            </a:r>
-            <a:r>
-              <a:rPr lang="en-US" sz="1400" b="0" dirty="0" err="1">
-                <a:latin typeface="Courier New" panose="02070309020205020404" pitchFamily="49" charset="0"/>
-                <a:cs typeface="Courier New" panose="02070309020205020404" pitchFamily="49" charset="0"/>
-              </a:rPr>
-              <a:t>case_positive_specimen</a:t>
-            </a:r>
-            <a:r>
-              <a:rPr lang="en-US" sz="1400" b="0" dirty="0">
-                <a:latin typeface="Courier New" panose="02070309020205020404" pitchFamily="49" charset="0"/>
-                <a:cs typeface="Courier New" panose="02070309020205020404" pitchFamily="49" charset="0"/>
-              </a:rPr>
-              <a:t>  : chr  "0.0" NA "0.0" NA ...</a:t>
-            </a:r>
-          </a:p>
-          <a:p>
-            <a:pPr marL="475794"/>
-            <a:r>
-              <a:rPr lang="en-US" sz="1400" b="0" dirty="0">
-                <a:latin typeface="Courier New" panose="02070309020205020404" pitchFamily="49" charset="0"/>
-                <a:cs typeface="Courier New" panose="02070309020205020404" pitchFamily="49" charset="0"/>
-              </a:rPr>
-              <a:t> $ process                 : chr  "Missing" "Missing" "Missing" "Missing" ...</a:t>
-            </a:r>
-          </a:p>
-          <a:p>
-            <a:pPr marL="475794"/>
-            <a:r>
-              <a:rPr lang="en-US" sz="1400" b="0" dirty="0">
-                <a:latin typeface="Courier New" panose="02070309020205020404" pitchFamily="49" charset="0"/>
-                <a:cs typeface="Courier New" panose="02070309020205020404" pitchFamily="49" charset="0"/>
-              </a:rPr>
-              <a:t> $ </a:t>
-            </a:r>
-            <a:r>
-              <a:rPr lang="en-US" sz="1400" b="0" dirty="0" err="1">
-                <a:latin typeface="Courier New" panose="02070309020205020404" pitchFamily="49" charset="0"/>
-                <a:cs typeface="Courier New" panose="02070309020205020404" pitchFamily="49" charset="0"/>
-              </a:rPr>
-              <a:t>exposure_yn</a:t>
-            </a:r>
-            <a:r>
-              <a:rPr lang="en-US" sz="1400" b="0" dirty="0">
-                <a:latin typeface="Courier New" panose="02070309020205020404" pitchFamily="49" charset="0"/>
-                <a:cs typeface="Courier New" panose="02070309020205020404" pitchFamily="49" charset="0"/>
-              </a:rPr>
-              <a:t>             : chr  "Missing" "Missing" "Missing" "Missing" ...</a:t>
-            </a:r>
-          </a:p>
-          <a:p>
-            <a:pPr marL="475794"/>
-            <a:r>
-              <a:rPr lang="en-US" sz="1400" b="0" dirty="0">
-                <a:latin typeface="Courier New" panose="02070309020205020404" pitchFamily="49" charset="0"/>
-                <a:cs typeface="Courier New" panose="02070309020205020404" pitchFamily="49" charset="0"/>
-              </a:rPr>
-              <a:t> $ </a:t>
-            </a:r>
-            <a:r>
-              <a:rPr lang="en-US" sz="1400" b="0" dirty="0" err="1">
-                <a:latin typeface="Courier New" panose="02070309020205020404" pitchFamily="49" charset="0"/>
-                <a:cs typeface="Courier New" panose="02070309020205020404" pitchFamily="49" charset="0"/>
-              </a:rPr>
-              <a:t>current_status</a:t>
-            </a:r>
-            <a:r>
-              <a:rPr lang="en-US" sz="1400" b="0" dirty="0">
-                <a:latin typeface="Courier New" panose="02070309020205020404" pitchFamily="49" charset="0"/>
-                <a:cs typeface="Courier New" panose="02070309020205020404" pitchFamily="49" charset="0"/>
-              </a:rPr>
-              <a:t>          : chr  "Laboratory-confirmed case" "Laboratory-confirmed case" "Laboratory-confirmed case" "Laboratory-confirmed case" ...</a:t>
-            </a:r>
-          </a:p>
-          <a:p>
-            <a:pPr marL="475794"/>
-            <a:r>
-              <a:rPr lang="en-US" sz="1400" b="0" dirty="0">
-                <a:latin typeface="Courier New" panose="02070309020205020404" pitchFamily="49" charset="0"/>
-                <a:cs typeface="Courier New" panose="02070309020205020404" pitchFamily="49" charset="0"/>
-              </a:rPr>
-              <a:t> $ </a:t>
-            </a:r>
-            <a:r>
-              <a:rPr lang="en-US" sz="1400" b="0" dirty="0" err="1">
-                <a:latin typeface="Courier New" panose="02070309020205020404" pitchFamily="49" charset="0"/>
-                <a:cs typeface="Courier New" panose="02070309020205020404" pitchFamily="49" charset="0"/>
-              </a:rPr>
-              <a:t>symptom_status</a:t>
-            </a:r>
-            <a:r>
-              <a:rPr lang="en-US" sz="1400" b="0" dirty="0">
-                <a:latin typeface="Courier New" panose="02070309020205020404" pitchFamily="49" charset="0"/>
-                <a:cs typeface="Courier New" panose="02070309020205020404" pitchFamily="49" charset="0"/>
-              </a:rPr>
-              <a:t>          : chr  "Unknown" "Symptomatic" "Symptomatic" " ...</a:t>
-            </a:r>
-          </a:p>
-          <a:p>
-            <a:pPr marL="475794"/>
-            <a:r>
-              <a:rPr lang="en-US" sz="1400" b="0" dirty="0">
-                <a:latin typeface="Courier New" panose="02070309020205020404" pitchFamily="49" charset="0"/>
-                <a:cs typeface="Courier New" panose="02070309020205020404" pitchFamily="49" charset="0"/>
-              </a:rPr>
-              <a:t> $ </a:t>
-            </a:r>
-            <a:r>
-              <a:rPr lang="en-US" sz="1400" b="0" dirty="0" err="1">
-                <a:latin typeface="Courier New" panose="02070309020205020404" pitchFamily="49" charset="0"/>
-                <a:cs typeface="Courier New" panose="02070309020205020404" pitchFamily="49" charset="0"/>
-              </a:rPr>
-              <a:t>icu_yn</a:t>
-            </a:r>
-            <a:r>
-              <a:rPr lang="en-US" sz="1400" b="0" dirty="0">
-                <a:latin typeface="Courier New" panose="02070309020205020404" pitchFamily="49" charset="0"/>
-                <a:cs typeface="Courier New" panose="02070309020205020404" pitchFamily="49" charset="0"/>
-              </a:rPr>
-              <a:t>                  : chr  "Unknown" "Missing" "Missing" "Missing" ...</a:t>
-            </a:r>
-          </a:p>
-          <a:p>
-            <a:pPr marL="475794"/>
-            <a:r>
-              <a:rPr lang="en-US" sz="1400" b="0" dirty="0">
-                <a:latin typeface="Courier New" panose="02070309020205020404" pitchFamily="49" charset="0"/>
-                <a:cs typeface="Courier New" panose="02070309020205020404" pitchFamily="49" charset="0"/>
-              </a:rPr>
-              <a:t> $ </a:t>
-            </a:r>
-            <a:r>
-              <a:rPr lang="en-US" sz="1400" b="0" dirty="0" err="1">
-                <a:latin typeface="Courier New" panose="02070309020205020404" pitchFamily="49" charset="0"/>
-                <a:cs typeface="Courier New" panose="02070309020205020404" pitchFamily="49" charset="0"/>
-              </a:rPr>
-              <a:t>death_yn</a:t>
-            </a:r>
-            <a:r>
-              <a:rPr lang="en-US" sz="1400" b="0" dirty="0">
-                <a:latin typeface="Courier New" panose="02070309020205020404" pitchFamily="49" charset="0"/>
-                <a:cs typeface="Courier New" panose="02070309020205020404" pitchFamily="49" charset="0"/>
-              </a:rPr>
-              <a:t>                : chr  "No" "Missing" "Unknown" "Unknown" ...</a:t>
-            </a:r>
-          </a:p>
-          <a:p>
-            <a:pPr marL="475794"/>
-            <a:r>
-              <a:rPr lang="en-US" sz="1400" b="0" dirty="0">
-                <a:latin typeface="Courier New" panose="02070309020205020404" pitchFamily="49" charset="0"/>
-                <a:cs typeface="Courier New" panose="02070309020205020404" pitchFamily="49" charset="0"/>
-              </a:rPr>
-              <a:t> $ </a:t>
-            </a:r>
-            <a:r>
-              <a:rPr lang="en-US" sz="1400" b="0" dirty="0" err="1">
-                <a:latin typeface="Courier New" panose="02070309020205020404" pitchFamily="49" charset="0"/>
-                <a:cs typeface="Courier New" panose="02070309020205020404" pitchFamily="49" charset="0"/>
-              </a:rPr>
-              <a:t>case_onset_interval</a:t>
-            </a:r>
-            <a:r>
-              <a:rPr lang="en-US" sz="1400" b="0" dirty="0">
-                <a:latin typeface="Courier New" panose="02070309020205020404" pitchFamily="49" charset="0"/>
-                <a:cs typeface="Courier New" panose="02070309020205020404" pitchFamily="49" charset="0"/>
-              </a:rPr>
-              <a:t>     : chr  NA "0.0" "0.0" NA ...</a:t>
-            </a:r>
-          </a:p>
-          <a:p>
-            <a:pPr marL="475794"/>
-            <a:r>
-              <a:rPr lang="en-US" sz="1400" b="0" dirty="0">
-                <a:latin typeface="Courier New" panose="02070309020205020404" pitchFamily="49" charset="0"/>
-                <a:cs typeface="Courier New" panose="02070309020205020404" pitchFamily="49" charset="0"/>
-              </a:rPr>
-              <a:t> $ </a:t>
-            </a:r>
-            <a:r>
-              <a:rPr lang="en-US" sz="1400" b="0" dirty="0" err="1">
-                <a:latin typeface="Courier New" panose="02070309020205020404" pitchFamily="49" charset="0"/>
-                <a:cs typeface="Courier New" panose="02070309020205020404" pitchFamily="49" charset="0"/>
-              </a:rPr>
-              <a:t>underlying_conditions_yn</a:t>
-            </a:r>
-            <a:r>
-              <a:rPr lang="en-US" sz="1400" b="0" dirty="0">
-                <a:latin typeface="Courier New" panose="02070309020205020404" pitchFamily="49" charset="0"/>
-                <a:cs typeface="Courier New" panose="02070309020205020404" pitchFamily="49" charset="0"/>
-              </a:rPr>
-              <a:t>: chr  NA NA NA NA ...</a:t>
             </a:r>
           </a:p>
         </p:txBody>
@@ -8667,6 +8243,23 @@
 </file>
 
 <file path=customXml/item1.xml><?xml version="1.0" encoding="utf-8"?>
+<?mso-contentType ?>
+<FormTemplates xmlns="http://schemas.microsoft.com/sharepoint/v3/contenttype/forms">
+  <Display>DocumentLibraryForm</Display>
+  <Edit>DocumentLibraryForm</Edit>
+  <New>DocumentLibraryForm</New>
+</FormTemplates>
+</file>
+
+<file path=customXml/item2.xml><?xml version="1.0" encoding="utf-8"?>
+<p:properties xmlns:p="http://schemas.microsoft.com/office/2006/metadata/properties" xmlns:xsi="http://www.w3.org/2001/XMLSchema-instance" xmlns:pc="http://schemas.microsoft.com/office/infopath/2007/PartnerControls">
+  <documentManagement>
+    <_activity xmlns="4f41ae97-5a6c-4458-bb1f-235b5f3b5d68" xsi:nil="true"/>
+  </documentManagement>
+</p:properties>
+</file>
+
+<file path=customXml/item3.xml><?xml version="1.0" encoding="utf-8"?>
 <ct:contentTypeSchema xmlns:ct="http://schemas.microsoft.com/office/2006/metadata/contentType" xmlns:ma="http://schemas.microsoft.com/office/2006/metadata/properties/metaAttributes" ct:_="" ma:_="" ma:contentTypeName="Document" ma:contentTypeID="0x0101009751B041C886E142A4CB6BC50AABCCA6" ma:contentTypeVersion="13" ma:contentTypeDescription="Create a new document." ma:contentTypeScope="" ma:versionID="ae8447eb39958e733236cd72149919b1">
   <xsd:schema xmlns:xsd="http://www.w3.org/2001/XMLSchema" xmlns:xs="http://www.w3.org/2001/XMLSchema" xmlns:p="http://schemas.microsoft.com/office/2006/metadata/properties" xmlns:ns3="4f41ae97-5a6c-4458-bb1f-235b5f3b5d68" xmlns:ns4="8802567b-aa87-48e0-ac05-b6cac22ca2ed" targetNamespace="http://schemas.microsoft.com/office/2006/metadata/properties" ma:root="true" ma:fieldsID="aac98df62b6e875c010c3475f39038b6" ns3:_="" ns4:_="">
     <xsd:import namespace="4f41ae97-5a6c-4458-bb1f-235b5f3b5d68"/>
@@ -8887,38 +8480,10 @@
 </ct:contentTypeSchema>
 </file>
 
-<file path=customXml/item2.xml><?xml version="1.0" encoding="utf-8"?>
-<p:properties xmlns:p="http://schemas.microsoft.com/office/2006/metadata/properties" xmlns:xsi="http://www.w3.org/2001/XMLSchema-instance" xmlns:pc="http://schemas.microsoft.com/office/infopath/2007/PartnerControls">
-  <documentManagement>
-    <_activity xmlns="4f41ae97-5a6c-4458-bb1f-235b5f3b5d68" xsi:nil="true"/>
-  </documentManagement>
-</p:properties>
-</file>
-
-<file path=customXml/item3.xml><?xml version="1.0" encoding="utf-8"?>
-<?mso-contentType ?>
-<FormTemplates xmlns="http://schemas.microsoft.com/sharepoint/v3/contenttype/forms">
-  <Display>DocumentLibraryForm</Display>
-  <Edit>DocumentLibraryForm</Edit>
-  <New>DocumentLibraryForm</New>
-</FormTemplates>
-</file>
-
 <file path=customXml/itemProps1.xml><?xml version="1.0" encoding="utf-8"?>
-<ds:datastoreItem xmlns:ds="http://schemas.openxmlformats.org/officeDocument/2006/customXml" ds:itemID="{8774136C-BD9E-4C16-A065-F64F959C2ED0}">
+<ds:datastoreItem xmlns:ds="http://schemas.openxmlformats.org/officeDocument/2006/customXml" ds:itemID="{6D1ED908-36CA-47DE-9D02-6709ABA06A3B}">
   <ds:schemaRefs>
-    <ds:schemaRef ds:uri="http://schemas.microsoft.com/office/2006/metadata/contentType"/>
-    <ds:schemaRef ds:uri="http://schemas.microsoft.com/office/2006/metadata/properties/metaAttributes"/>
-    <ds:schemaRef ds:uri="http://www.w3.org/2001/XMLSchema"/>
-    <ds:schemaRef ds:uri="http://schemas.microsoft.com/office/2006/metadata/properties"/>
-    <ds:schemaRef ds:uri="4f41ae97-5a6c-4458-bb1f-235b5f3b5d68"/>
-    <ds:schemaRef ds:uri="8802567b-aa87-48e0-ac05-b6cac22ca2ed"/>
-    <ds:schemaRef ds:uri="http://schemas.microsoft.com/office/2006/documentManagement/types"/>
-    <ds:schemaRef ds:uri="http://schemas.microsoft.com/office/infopath/2007/PartnerControls"/>
-    <ds:schemaRef ds:uri="http://schemas.openxmlformats.org/package/2006/metadata/core-properties"/>
-    <ds:schemaRef ds:uri="http://purl.org/dc/elements/1.1/"/>
-    <ds:schemaRef ds:uri="http://purl.org/dc/terms/"/>
-    <ds:schemaRef ds:uri="http://schemas.microsoft.com/internal/obd"/>
+    <ds:schemaRef ds:uri="http://schemas.microsoft.com/sharepoint/v3/contenttype/forms"/>
   </ds:schemaRefs>
 </ds:datastoreItem>
 </file>
@@ -8941,9 +8506,20 @@
 </file>
 
 <file path=customXml/itemProps3.xml><?xml version="1.0" encoding="utf-8"?>
-<ds:datastoreItem xmlns:ds="http://schemas.openxmlformats.org/officeDocument/2006/customXml" ds:itemID="{6D1ED908-36CA-47DE-9D02-6709ABA06A3B}">
+<ds:datastoreItem xmlns:ds="http://schemas.openxmlformats.org/officeDocument/2006/customXml" ds:itemID="{8774136C-BD9E-4C16-A065-F64F959C2ED0}">
   <ds:schemaRefs>
-    <ds:schemaRef ds:uri="http://schemas.microsoft.com/sharepoint/v3/contenttype/forms"/>
+    <ds:schemaRef ds:uri="http://schemas.microsoft.com/office/2006/metadata/contentType"/>
+    <ds:schemaRef ds:uri="http://schemas.microsoft.com/office/2006/metadata/properties/metaAttributes"/>
+    <ds:schemaRef ds:uri="http://www.w3.org/2001/XMLSchema"/>
+    <ds:schemaRef ds:uri="http://schemas.microsoft.com/office/2006/metadata/properties"/>
+    <ds:schemaRef ds:uri="4f41ae97-5a6c-4458-bb1f-235b5f3b5d68"/>
+    <ds:schemaRef ds:uri="8802567b-aa87-48e0-ac05-b6cac22ca2ed"/>
+    <ds:schemaRef ds:uri="http://schemas.microsoft.com/office/2006/documentManagement/types"/>
+    <ds:schemaRef ds:uri="http://schemas.microsoft.com/office/infopath/2007/PartnerControls"/>
+    <ds:schemaRef ds:uri="http://schemas.openxmlformats.org/package/2006/metadata/core-properties"/>
+    <ds:schemaRef ds:uri="http://purl.org/dc/elements/1.1/"/>
+    <ds:schemaRef ds:uri="http://purl.org/dc/terms/"/>
+    <ds:schemaRef ds:uri="http://schemas.microsoft.com/internal/obd"/>
   </ds:schemaRefs>
 </ds:datastoreItem>
 </file>
--- a/Bayesian COVID Hospitalizations.pptx
+++ b/Bayesian COVID Hospitalizations.pptx
@@ -376,7 +376,7 @@
       <pc:sldMk xmlns:pc="http://schemas.microsoft.com/office/powerpoint/2013/main/command" cId="0" sldId="256"/>
       <ac:spMk id="10" creationId="{025B411F-C30D-3458-EC06-AD109C00A7A3}"/>
       <ac:txMk cp="75" len="39">
-        <ac:context len="115" hash="3813382397"/>
+        <ac:context len="1583" hash="3103544310"/>
       </ac:txMk>
     </ac:txMkLst>
     <p188:pos x="6895310" y="896434"/>
@@ -525,7 +525,7 @@
             <a:fld id="{311E81F8-90E2-2945-9ED7-A6A90A37CF21}" type="datetimeFigureOut">
               <a:rPr lang="en-US" smtClean="0"/>
               <a:pPr/>
-              <a:t>12/5/24</a:t>
+              <a:t>12/3/2024</a:t>
             </a:fld>
             <a:endParaRPr lang="en-US"/>
           </a:p>
@@ -1094,7 +1094,7 @@
             <a:fld id="{84FD1F27-616A-3542-91BB-C34E14AE38CD}" type="datetimeFigureOut">
               <a:rPr lang="en-US" smtClean="0"/>
               <a:pPr/>
-              <a:t>12/5/24</a:t>
+              <a:t>12/3/2024</a:t>
             </a:fld>
             <a:endParaRPr lang="en-US"/>
           </a:p>
@@ -1266,7 +1266,7 @@
             <a:fld id="{84FD1F27-616A-3542-91BB-C34E14AE38CD}" type="datetimeFigureOut">
               <a:rPr lang="en-US" smtClean="0"/>
               <a:pPr/>
-              <a:t>12/5/24</a:t>
+              <a:t>12/3/2024</a:t>
             </a:fld>
             <a:endParaRPr lang="en-US"/>
           </a:p>
@@ -2132,7 +2132,7 @@
             <a:fld id="{84FD1F27-616A-3542-91BB-C34E14AE38CD}" type="datetimeFigureOut">
               <a:rPr lang="en-US" smtClean="0"/>
               <a:pPr/>
-              <a:t>12/5/24</a:t>
+              <a:t>12/3/2024</a:t>
             </a:fld>
             <a:endParaRPr lang="en-US"/>
           </a:p>
@@ -2556,7 +2556,7 @@
             <a:fld id="{84FD1F27-616A-3542-91BB-C34E14AE38CD}" type="datetimeFigureOut">
               <a:rPr lang="en-US" smtClean="0"/>
               <a:pPr/>
-              <a:t>12/5/24</a:t>
+              <a:t>12/3/2024</a:t>
             </a:fld>
             <a:endParaRPr lang="en-US"/>
           </a:p>
@@ -2676,7 +2676,7 @@
             <a:fld id="{84FD1F27-616A-3542-91BB-C34E14AE38CD}" type="datetimeFigureOut">
               <a:rPr lang="en-US" smtClean="0"/>
               <a:pPr/>
-              <a:t>12/5/24</a:t>
+              <a:t>12/3/2024</a:t>
             </a:fld>
             <a:endParaRPr lang="en-US"/>
           </a:p>
@@ -2773,7 +2773,7 @@
             <a:fld id="{84FD1F27-616A-3542-91BB-C34E14AE38CD}" type="datetimeFigureOut">
               <a:rPr lang="en-US" smtClean="0"/>
               <a:pPr/>
-              <a:t>12/5/24</a:t>
+              <a:t>12/3/2024</a:t>
             </a:fld>
             <a:endParaRPr lang="en-US"/>
           </a:p>
@@ -3052,7 +3052,7 @@
             <a:fld id="{84FD1F27-616A-3542-91BB-C34E14AE38CD}" type="datetimeFigureOut">
               <a:rPr lang="en-US" smtClean="0"/>
               <a:pPr/>
-              <a:t>12/5/24</a:t>
+              <a:t>12/3/2024</a:t>
             </a:fld>
             <a:endParaRPr lang="en-US"/>
           </a:p>
@@ -3311,7 +3311,7 @@
             <a:fld id="{84FD1F27-616A-3542-91BB-C34E14AE38CD}" type="datetimeFigureOut">
               <a:rPr lang="en-US" smtClean="0"/>
               <a:pPr/>
-              <a:t>12/5/24</a:t>
+              <a:t>12/3/2024</a:t>
             </a:fld>
             <a:endParaRPr lang="en-US"/>
           </a:p>
@@ -3522,7 +3522,7 @@
             <a:fld id="{84FD1F27-616A-3542-91BB-C34E14AE38CD}" type="datetimeFigureOut">
               <a:rPr lang="en-US" smtClean="0"/>
               <a:pPr/>
-              <a:t>12/5/24</a:t>
+              <a:t>12/3/2024</a:t>
             </a:fld>
             <a:endParaRPr lang="en-US"/>
           </a:p>
@@ -4052,7 +4052,7 @@
             <a:fld id="{84FD1F27-616A-3542-91BB-C34E14AE38CD}" type="datetimeFigureOut">
               <a:rPr lang="en-US" smtClean="0"/>
               <a:pPr/>
-              <a:t>12/5/24</a:t>
+              <a:t>12/3/2024</a:t>
             </a:fld>
             <a:endParaRPr lang="en-US"/>
           </a:p>
@@ -5748,8 +5748,8 @@
         </p:nvSpPr>
         <p:spPr>
           <a:xfrm>
-            <a:off x="34414477" y="33007401"/>
-            <a:ext cx="14838218" cy="3382336"/>
+            <a:off x="34795989" y="32988414"/>
+            <a:ext cx="14838218" cy="5228996"/>
           </a:xfrm>
           <a:prstGeom prst="rect">
             <a:avLst/>
@@ -5783,6 +5783,26 @@
               </a:rPr>
               <a:t>Missing data is a substantial limitation</a:t>
             </a:r>
+          </a:p>
+          <a:p>
+            <a:pPr marL="893597" lvl="1" indent="-457200">
+              <a:buFont typeface="Arial" panose="020B0604020202020204" pitchFamily="34" charset="0"/>
+              <a:buChar char="•"/>
+            </a:pPr>
+            <a:r>
+              <a:rPr lang="en-US" sz="3000" b="0" i="0" u="none" strike="noStrike" dirty="0">
+                <a:solidFill>
+                  <a:srgbClr val="000000"/>
+                </a:solidFill>
+                <a:effectLst/>
+                <a:latin typeface="+mj-lt"/>
+              </a:rPr>
+              <a:t>When we combined the models trained on multiple imputed datasets, they performed poorly, indicating that our model could be overly sensitive to the specific data patterns introduced during imputation. Consequently, the imputed models fail to generalize well to the underlying data structure.</a:t>
+            </a:r>
+            <a:endParaRPr lang="en-US" sz="3000" dirty="0">
+              <a:latin typeface="+mj-lt"/>
+              <a:cs typeface="Times New Roman" panose="02020603050405020304" pitchFamily="18" charset="0"/>
+            </a:endParaRPr>
           </a:p>
           <a:p>
             <a:pPr marL="893597" lvl="1" indent="-457200">
@@ -6161,6 +6181,430 @@
                 <a:latin typeface="+mn-lt"/>
               </a:rPr>
               <a:t>Data structure (individual case level):</a:t>
+            </a:r>
+          </a:p>
+          <a:p>
+            <a:pPr marL="475794"/>
+            <a:r>
+              <a:rPr lang="en-US" sz="1400" b="0" dirty="0">
+                <a:latin typeface="Courier New" panose="02070309020205020404" pitchFamily="49" charset="0"/>
+                <a:cs typeface="Courier New" panose="02070309020205020404" pitchFamily="49" charset="0"/>
+              </a:rPr>
+              <a:t>'</a:t>
+            </a:r>
+            <a:r>
+              <a:rPr lang="en-US" sz="1400" b="0" dirty="0" err="1">
+                <a:latin typeface="Courier New" panose="02070309020205020404" pitchFamily="49" charset="0"/>
+                <a:cs typeface="Courier New" panose="02070309020205020404" pitchFamily="49" charset="0"/>
+              </a:rPr>
+              <a:t>data.frame</a:t>
+            </a:r>
+            <a:r>
+              <a:rPr lang="en-US" sz="1400" b="0" dirty="0">
+                <a:latin typeface="Courier New" panose="02070309020205020404" pitchFamily="49" charset="0"/>
+                <a:cs typeface="Courier New" panose="02070309020205020404" pitchFamily="49" charset="0"/>
+              </a:rPr>
+              <a:t>':	100000 obs. of  19 variables:</a:t>
+            </a:r>
+          </a:p>
+          <a:p>
+            <a:pPr marL="475794"/>
+            <a:r>
+              <a:rPr lang="en-US" sz="1400" b="0" dirty="0">
+                <a:latin typeface="Courier New" panose="02070309020205020404" pitchFamily="49" charset="0"/>
+                <a:cs typeface="Courier New" panose="02070309020205020404" pitchFamily="49" charset="0"/>
+              </a:rPr>
+              <a:t> $ </a:t>
+            </a:r>
+            <a:r>
+              <a:rPr lang="en-US" sz="1400" b="0" dirty="0" err="1">
+                <a:latin typeface="Courier New" panose="02070309020205020404" pitchFamily="49" charset="0"/>
+                <a:cs typeface="Courier New" panose="02070309020205020404" pitchFamily="49" charset="0"/>
+              </a:rPr>
+              <a:t>case_month</a:t>
+            </a:r>
+            <a:r>
+              <a:rPr lang="en-US" sz="1400" b="0" dirty="0">
+                <a:latin typeface="Courier New" panose="02070309020205020404" pitchFamily="49" charset="0"/>
+                <a:cs typeface="Courier New" panose="02070309020205020404" pitchFamily="49" charset="0"/>
+              </a:rPr>
+              <a:t>              : chr  "2021-10" "2022-02" "2020-09" "2021-10" ...</a:t>
+            </a:r>
+          </a:p>
+          <a:p>
+            <a:pPr marL="475794"/>
+            <a:r>
+              <a:rPr lang="en-US" sz="1400" b="0" dirty="0">
+                <a:latin typeface="Courier New" panose="02070309020205020404" pitchFamily="49" charset="0"/>
+                <a:cs typeface="Courier New" panose="02070309020205020404" pitchFamily="49" charset="0"/>
+              </a:rPr>
+              <a:t> $ </a:t>
+            </a:r>
+            <a:r>
+              <a:rPr lang="en-US" sz="1400" b="0" dirty="0" err="1">
+                <a:latin typeface="Courier New" panose="02070309020205020404" pitchFamily="49" charset="0"/>
+                <a:cs typeface="Courier New" panose="02070309020205020404" pitchFamily="49" charset="0"/>
+              </a:rPr>
+              <a:t>res_state</a:t>
+            </a:r>
+            <a:r>
+              <a:rPr lang="en-US" sz="1400" b="0" dirty="0">
+                <a:latin typeface="Courier New" panose="02070309020205020404" pitchFamily="49" charset="0"/>
+                <a:cs typeface="Courier New" panose="02070309020205020404" pitchFamily="49" charset="0"/>
+              </a:rPr>
+              <a:t>               : chr  "NC" "GA" "MO" "MI" ...</a:t>
+            </a:r>
+          </a:p>
+          <a:p>
+            <a:pPr marL="475794"/>
+            <a:r>
+              <a:rPr lang="en-US" sz="1400" b="0" dirty="0">
+                <a:latin typeface="Courier New" panose="02070309020205020404" pitchFamily="49" charset="0"/>
+                <a:cs typeface="Courier New" panose="02070309020205020404" pitchFamily="49" charset="0"/>
+              </a:rPr>
+              <a:t> $ </a:t>
+            </a:r>
+            <a:r>
+              <a:rPr lang="en-US" sz="1400" b="0" dirty="0" err="1">
+                <a:latin typeface="Courier New" panose="02070309020205020404" pitchFamily="49" charset="0"/>
+                <a:cs typeface="Courier New" panose="02070309020205020404" pitchFamily="49" charset="0"/>
+              </a:rPr>
+              <a:t>state_fips_code</a:t>
+            </a:r>
+            <a:r>
+              <a:rPr lang="en-US" sz="1400" b="0" dirty="0">
+                <a:latin typeface="Courier New" panose="02070309020205020404" pitchFamily="49" charset="0"/>
+                <a:cs typeface="Courier New" panose="02070309020205020404" pitchFamily="49" charset="0"/>
+              </a:rPr>
+              <a:t>         : chr  "37" "13" "29" "26" ...</a:t>
+            </a:r>
+          </a:p>
+          <a:p>
+            <a:pPr marL="475794"/>
+            <a:r>
+              <a:rPr lang="en-US" sz="1400" b="0" dirty="0">
+                <a:latin typeface="Courier New" panose="02070309020205020404" pitchFamily="49" charset="0"/>
+                <a:cs typeface="Courier New" panose="02070309020205020404" pitchFamily="49" charset="0"/>
+              </a:rPr>
+              <a:t> $ </a:t>
+            </a:r>
+            <a:r>
+              <a:rPr lang="en-US" sz="1400" b="0" dirty="0" err="1">
+                <a:latin typeface="Courier New" panose="02070309020205020404" pitchFamily="49" charset="0"/>
+                <a:cs typeface="Courier New" panose="02070309020205020404" pitchFamily="49" charset="0"/>
+              </a:rPr>
+              <a:t>res_county</a:t>
+            </a:r>
+            <a:r>
+              <a:rPr lang="en-US" sz="1400" b="0" dirty="0">
+                <a:latin typeface="Courier New" panose="02070309020205020404" pitchFamily="49" charset="0"/>
+                <a:cs typeface="Courier New" panose="02070309020205020404" pitchFamily="49" charset="0"/>
+              </a:rPr>
+              <a:t>              : chr  "DAVIE" "BULLOCH" "POLK" "SANILAC" ...</a:t>
+            </a:r>
+          </a:p>
+          <a:p>
+            <a:pPr marL="475794"/>
+            <a:r>
+              <a:rPr lang="en-US" sz="1400" b="0" dirty="0">
+                <a:latin typeface="Courier New" panose="02070309020205020404" pitchFamily="49" charset="0"/>
+                <a:cs typeface="Courier New" panose="02070309020205020404" pitchFamily="49" charset="0"/>
+              </a:rPr>
+              <a:t> $ </a:t>
+            </a:r>
+            <a:r>
+              <a:rPr lang="en-US" sz="1400" b="0" dirty="0" err="1">
+                <a:latin typeface="Courier New" panose="02070309020205020404" pitchFamily="49" charset="0"/>
+                <a:cs typeface="Courier New" panose="02070309020205020404" pitchFamily="49" charset="0"/>
+              </a:rPr>
+              <a:t>county_fips_code</a:t>
+            </a:r>
+            <a:r>
+              <a:rPr lang="en-US" sz="1400" b="0" dirty="0">
+                <a:latin typeface="Courier New" panose="02070309020205020404" pitchFamily="49" charset="0"/>
+                <a:cs typeface="Courier New" panose="02070309020205020404" pitchFamily="49" charset="0"/>
+              </a:rPr>
+              <a:t>        : chr  "37059" "13031" "29167" "26151" ...</a:t>
+            </a:r>
+          </a:p>
+          <a:p>
+            <a:pPr marL="475794"/>
+            <a:r>
+              <a:rPr lang="en-US" sz="1400" b="0" dirty="0">
+                <a:latin typeface="Courier New" panose="02070309020205020404" pitchFamily="49" charset="0"/>
+                <a:cs typeface="Courier New" panose="02070309020205020404" pitchFamily="49" charset="0"/>
+              </a:rPr>
+              <a:t> $ </a:t>
+            </a:r>
+            <a:r>
+              <a:rPr lang="en-US" sz="1400" b="0" dirty="0" err="1">
+                <a:latin typeface="Courier New" panose="02070309020205020404" pitchFamily="49" charset="0"/>
+                <a:cs typeface="Courier New" panose="02070309020205020404" pitchFamily="49" charset="0"/>
+              </a:rPr>
+              <a:t>age_group</a:t>
+            </a:r>
+            <a:r>
+              <a:rPr lang="en-US" sz="1400" b="0" dirty="0">
+                <a:latin typeface="Courier New" panose="02070309020205020404" pitchFamily="49" charset="0"/>
+                <a:cs typeface="Courier New" panose="02070309020205020404" pitchFamily="49" charset="0"/>
+              </a:rPr>
+              <a:t>               : chr  "0 - 17 years" "18 to 49 years" "18 to 49 years" "18 to 49 years" ...</a:t>
+            </a:r>
+          </a:p>
+          <a:p>
+            <a:pPr marL="475794"/>
+            <a:r>
+              <a:rPr lang="en-US" sz="1400" b="0" dirty="0">
+                <a:latin typeface="Courier New" panose="02070309020205020404" pitchFamily="49" charset="0"/>
+                <a:cs typeface="Courier New" panose="02070309020205020404" pitchFamily="49" charset="0"/>
+              </a:rPr>
+              <a:t> $ sex                     : chr  "Female" "Female" "Female" "Female" Missing" ...</a:t>
+            </a:r>
+          </a:p>
+          <a:p>
+            <a:pPr marL="475794"/>
+            <a:r>
+              <a:rPr lang="en-US" sz="1400" b="0" dirty="0">
+                <a:latin typeface="Courier New" panose="02070309020205020404" pitchFamily="49" charset="0"/>
+                <a:cs typeface="Courier New" panose="02070309020205020404" pitchFamily="49" charset="0"/>
+              </a:rPr>
+              <a:t> $ </a:t>
+            </a:r>
+            <a:r>
+              <a:rPr lang="en-US" sz="1400" b="0" dirty="0" err="1">
+                <a:latin typeface="Courier New" panose="02070309020205020404" pitchFamily="49" charset="0"/>
+                <a:cs typeface="Courier New" panose="02070309020205020404" pitchFamily="49" charset="0"/>
+              </a:rPr>
+              <a:t>hosp_yn</a:t>
+            </a:r>
+            <a:r>
+              <a:rPr lang="en-US" sz="1400" b="0" dirty="0">
+                <a:latin typeface="Courier New" panose="02070309020205020404" pitchFamily="49" charset="0"/>
+                <a:cs typeface="Courier New" panose="02070309020205020404" pitchFamily="49" charset="0"/>
+              </a:rPr>
+              <a:t>                 : chr  "Unknown" "Missing" "Unknown" "Missing"...</a:t>
+            </a:r>
+          </a:p>
+          <a:p>
+            <a:pPr marL="475794"/>
+            <a:r>
+              <a:rPr lang="en-US" sz="1400" b="0" dirty="0">
+                <a:latin typeface="Courier New" panose="02070309020205020404" pitchFamily="49" charset="0"/>
+                <a:cs typeface="Courier New" panose="02070309020205020404" pitchFamily="49" charset="0"/>
+              </a:rPr>
+              <a:t> $ race                    : chr  "NA" "Unknown" "NA" "NA" ...</a:t>
+            </a:r>
+          </a:p>
+          <a:p>
+            <a:pPr marL="475794"/>
+            <a:r>
+              <a:rPr lang="en-US" sz="1400" b="0" dirty="0">
+                <a:latin typeface="Courier New" panose="02070309020205020404" pitchFamily="49" charset="0"/>
+                <a:cs typeface="Courier New" panose="02070309020205020404" pitchFamily="49" charset="0"/>
+              </a:rPr>
+              <a:t> $ ethnicity               : chr  "NA" "Missing" "NA" "NA" ...</a:t>
+            </a:r>
+          </a:p>
+          <a:p>
+            <a:pPr marL="475794"/>
+            <a:r>
+              <a:rPr lang="en-US" sz="1400" b="0" dirty="0">
+                <a:latin typeface="Courier New" panose="02070309020205020404" pitchFamily="49" charset="0"/>
+                <a:cs typeface="Courier New" panose="02070309020205020404" pitchFamily="49" charset="0"/>
+              </a:rPr>
+              <a:t> $ </a:t>
+            </a:r>
+            <a:r>
+              <a:rPr lang="en-US" sz="1400" b="0" dirty="0" err="1">
+                <a:latin typeface="Courier New" panose="02070309020205020404" pitchFamily="49" charset="0"/>
+                <a:cs typeface="Courier New" panose="02070309020205020404" pitchFamily="49" charset="0"/>
+              </a:rPr>
+              <a:t>case_positive_specimen</a:t>
+            </a:r>
+            <a:r>
+              <a:rPr lang="en-US" sz="1400" b="0" dirty="0">
+                <a:latin typeface="Courier New" panose="02070309020205020404" pitchFamily="49" charset="0"/>
+                <a:cs typeface="Courier New" panose="02070309020205020404" pitchFamily="49" charset="0"/>
+              </a:rPr>
+              <a:t>  : chr  "0.0" NA "0.0" NA ...</a:t>
+            </a:r>
+          </a:p>
+          <a:p>
+            <a:pPr marL="475794"/>
+            <a:r>
+              <a:rPr lang="en-US" sz="1400" b="0" dirty="0">
+                <a:latin typeface="Courier New" panose="02070309020205020404" pitchFamily="49" charset="0"/>
+                <a:cs typeface="Courier New" panose="02070309020205020404" pitchFamily="49" charset="0"/>
+              </a:rPr>
+              <a:t> $ process                 : chr  "Missing" "Missing" "Missing" "Missing" ...</a:t>
+            </a:r>
+          </a:p>
+          <a:p>
+            <a:pPr marL="475794"/>
+            <a:r>
+              <a:rPr lang="en-US" sz="1400" b="0" dirty="0">
+                <a:latin typeface="Courier New" panose="02070309020205020404" pitchFamily="49" charset="0"/>
+                <a:cs typeface="Courier New" panose="02070309020205020404" pitchFamily="49" charset="0"/>
+              </a:rPr>
+              <a:t> $ </a:t>
+            </a:r>
+            <a:r>
+              <a:rPr lang="en-US" sz="1400" b="0" dirty="0" err="1">
+                <a:latin typeface="Courier New" panose="02070309020205020404" pitchFamily="49" charset="0"/>
+                <a:cs typeface="Courier New" panose="02070309020205020404" pitchFamily="49" charset="0"/>
+              </a:rPr>
+              <a:t>exposure_yn</a:t>
+            </a:r>
+            <a:r>
+              <a:rPr lang="en-US" sz="1400" b="0" dirty="0">
+                <a:latin typeface="Courier New" panose="02070309020205020404" pitchFamily="49" charset="0"/>
+                <a:cs typeface="Courier New" panose="02070309020205020404" pitchFamily="49" charset="0"/>
+              </a:rPr>
+              <a:t>             : chr  "Missing" "Missing" "Missing" "Missing" ...</a:t>
+            </a:r>
+          </a:p>
+          <a:p>
+            <a:pPr marL="475794"/>
+            <a:r>
+              <a:rPr lang="en-US" sz="1400" b="0" dirty="0">
+                <a:latin typeface="Courier New" panose="02070309020205020404" pitchFamily="49" charset="0"/>
+                <a:cs typeface="Courier New" panose="02070309020205020404" pitchFamily="49" charset="0"/>
+              </a:rPr>
+              <a:t> $ </a:t>
+            </a:r>
+            <a:r>
+              <a:rPr lang="en-US" sz="1400" b="0" dirty="0" err="1">
+                <a:latin typeface="Courier New" panose="02070309020205020404" pitchFamily="49" charset="0"/>
+                <a:cs typeface="Courier New" panose="02070309020205020404" pitchFamily="49" charset="0"/>
+              </a:rPr>
+              <a:t>current_status</a:t>
+            </a:r>
+            <a:r>
+              <a:rPr lang="en-US" sz="1400" b="0" dirty="0">
+                <a:latin typeface="Courier New" panose="02070309020205020404" pitchFamily="49" charset="0"/>
+                <a:cs typeface="Courier New" panose="02070309020205020404" pitchFamily="49" charset="0"/>
+              </a:rPr>
+              <a:t>          : chr  "Laboratory-confirmed case" "Laboratory-confirmed case" "Laboratory-confirmed case" "Laboratory-confirmed case" ...</a:t>
+            </a:r>
+          </a:p>
+          <a:p>
+            <a:pPr marL="475794"/>
+            <a:r>
+              <a:rPr lang="en-US" sz="1400" b="0" dirty="0">
+                <a:latin typeface="Courier New" panose="02070309020205020404" pitchFamily="49" charset="0"/>
+                <a:cs typeface="Courier New" panose="02070309020205020404" pitchFamily="49" charset="0"/>
+              </a:rPr>
+              <a:t> $ </a:t>
+            </a:r>
+            <a:r>
+              <a:rPr lang="en-US" sz="1400" b="0" dirty="0" err="1">
+                <a:latin typeface="Courier New" panose="02070309020205020404" pitchFamily="49" charset="0"/>
+                <a:cs typeface="Courier New" panose="02070309020205020404" pitchFamily="49" charset="0"/>
+              </a:rPr>
+              <a:t>symptom_status</a:t>
+            </a:r>
+            <a:r>
+              <a:rPr lang="en-US" sz="1400" b="0" dirty="0">
+                <a:latin typeface="Courier New" panose="02070309020205020404" pitchFamily="49" charset="0"/>
+                <a:cs typeface="Courier New" panose="02070309020205020404" pitchFamily="49" charset="0"/>
+              </a:rPr>
+              <a:t>          : chr  "Unknown" "Symptomatic" "Symptomatic" " ...</a:t>
+            </a:r>
+          </a:p>
+          <a:p>
+            <a:pPr marL="475794"/>
+            <a:r>
+              <a:rPr lang="en-US" sz="1400" b="0" dirty="0">
+                <a:latin typeface="Courier New" panose="02070309020205020404" pitchFamily="49" charset="0"/>
+                <a:cs typeface="Courier New" panose="02070309020205020404" pitchFamily="49" charset="0"/>
+              </a:rPr>
+              <a:t> $ </a:t>
+            </a:r>
+            <a:r>
+              <a:rPr lang="en-US" sz="1400" b="0" dirty="0" err="1">
+                <a:latin typeface="Courier New" panose="02070309020205020404" pitchFamily="49" charset="0"/>
+                <a:cs typeface="Courier New" panose="02070309020205020404" pitchFamily="49" charset="0"/>
+              </a:rPr>
+              <a:t>icu_yn</a:t>
+            </a:r>
+            <a:r>
+              <a:rPr lang="en-US" sz="1400" b="0" dirty="0">
+                <a:latin typeface="Courier New" panose="02070309020205020404" pitchFamily="49" charset="0"/>
+                <a:cs typeface="Courier New" panose="02070309020205020404" pitchFamily="49" charset="0"/>
+              </a:rPr>
+              <a:t>                  : chr  "Unknown" "Missing" "Missing" "Missing" ...</a:t>
+            </a:r>
+          </a:p>
+          <a:p>
+            <a:pPr marL="475794"/>
+            <a:r>
+              <a:rPr lang="en-US" sz="1400" b="0" dirty="0">
+                <a:latin typeface="Courier New" panose="02070309020205020404" pitchFamily="49" charset="0"/>
+                <a:cs typeface="Courier New" panose="02070309020205020404" pitchFamily="49" charset="0"/>
+              </a:rPr>
+              <a:t> $ </a:t>
+            </a:r>
+            <a:r>
+              <a:rPr lang="en-US" sz="1400" b="0" dirty="0" err="1">
+                <a:latin typeface="Courier New" panose="02070309020205020404" pitchFamily="49" charset="0"/>
+                <a:cs typeface="Courier New" panose="02070309020205020404" pitchFamily="49" charset="0"/>
+              </a:rPr>
+              <a:t>death_yn</a:t>
+            </a:r>
+            <a:r>
+              <a:rPr lang="en-US" sz="1400" b="0" dirty="0">
+                <a:latin typeface="Courier New" panose="02070309020205020404" pitchFamily="49" charset="0"/>
+                <a:cs typeface="Courier New" panose="02070309020205020404" pitchFamily="49" charset="0"/>
+              </a:rPr>
+              <a:t>                : chr  "No" "Missing" "Unknown" "Unknown" ...</a:t>
+            </a:r>
+          </a:p>
+          <a:p>
+            <a:pPr marL="475794"/>
+            <a:r>
+              <a:rPr lang="en-US" sz="1400" b="0" dirty="0">
+                <a:latin typeface="Courier New" panose="02070309020205020404" pitchFamily="49" charset="0"/>
+                <a:cs typeface="Courier New" panose="02070309020205020404" pitchFamily="49" charset="0"/>
+              </a:rPr>
+              <a:t> $ </a:t>
+            </a:r>
+            <a:r>
+              <a:rPr lang="en-US" sz="1400" b="0" dirty="0" err="1">
+                <a:latin typeface="Courier New" panose="02070309020205020404" pitchFamily="49" charset="0"/>
+                <a:cs typeface="Courier New" panose="02070309020205020404" pitchFamily="49" charset="0"/>
+              </a:rPr>
+              <a:t>case_onset_interval</a:t>
+            </a:r>
+            <a:r>
+              <a:rPr lang="en-US" sz="1400" b="0" dirty="0">
+                <a:latin typeface="Courier New" panose="02070309020205020404" pitchFamily="49" charset="0"/>
+                <a:cs typeface="Courier New" panose="02070309020205020404" pitchFamily="49" charset="0"/>
+              </a:rPr>
+              <a:t>     : chr  NA "0.0" "0.0" NA ...</a:t>
+            </a:r>
+          </a:p>
+          <a:p>
+            <a:pPr marL="475794"/>
+            <a:r>
+              <a:rPr lang="en-US" sz="1400" b="0" dirty="0">
+                <a:latin typeface="Courier New" panose="02070309020205020404" pitchFamily="49" charset="0"/>
+                <a:cs typeface="Courier New" panose="02070309020205020404" pitchFamily="49" charset="0"/>
+              </a:rPr>
+              <a:t> $ </a:t>
+            </a:r>
+            <a:r>
+              <a:rPr lang="en-US" sz="1400" b="0" dirty="0" err="1">
+                <a:latin typeface="Courier New" panose="02070309020205020404" pitchFamily="49" charset="0"/>
+                <a:cs typeface="Courier New" panose="02070309020205020404" pitchFamily="49" charset="0"/>
+              </a:rPr>
+              <a:t>underlying_conditions_yn</a:t>
+            </a:r>
+            <a:r>
+              <a:rPr lang="en-US" sz="1400" b="0" dirty="0">
+                <a:latin typeface="Courier New" panose="02070309020205020404" pitchFamily="49" charset="0"/>
+                <a:cs typeface="Courier New" panose="02070309020205020404" pitchFamily="49" charset="0"/>
+              </a:rPr>
+              <a:t>: chr  NA NA NA NA ...</a:t>
             </a:r>
           </a:p>
         </p:txBody>
@@ -8243,23 +8687,6 @@
 </file>
 
 <file path=customXml/item1.xml><?xml version="1.0" encoding="utf-8"?>
-<?mso-contentType ?>
-<FormTemplates xmlns="http://schemas.microsoft.com/sharepoint/v3/contenttype/forms">
-  <Display>DocumentLibraryForm</Display>
-  <Edit>DocumentLibraryForm</Edit>
-  <New>DocumentLibraryForm</New>
-</FormTemplates>
-</file>
-
-<file path=customXml/item2.xml><?xml version="1.0" encoding="utf-8"?>
-<p:properties xmlns:p="http://schemas.microsoft.com/office/2006/metadata/properties" xmlns:xsi="http://www.w3.org/2001/XMLSchema-instance" xmlns:pc="http://schemas.microsoft.com/office/infopath/2007/PartnerControls">
-  <documentManagement>
-    <_activity xmlns="4f41ae97-5a6c-4458-bb1f-235b5f3b5d68" xsi:nil="true"/>
-  </documentManagement>
-</p:properties>
-</file>
-
-<file path=customXml/item3.xml><?xml version="1.0" encoding="utf-8"?>
 <ct:contentTypeSchema xmlns:ct="http://schemas.microsoft.com/office/2006/metadata/contentType" xmlns:ma="http://schemas.microsoft.com/office/2006/metadata/properties/metaAttributes" ct:_="" ma:_="" ma:contentTypeName="Document" ma:contentTypeID="0x0101009751B041C886E142A4CB6BC50AABCCA6" ma:contentTypeVersion="13" ma:contentTypeDescription="Create a new document." ma:contentTypeScope="" ma:versionID="ae8447eb39958e733236cd72149919b1">
   <xsd:schema xmlns:xsd="http://www.w3.org/2001/XMLSchema" xmlns:xs="http://www.w3.org/2001/XMLSchema" xmlns:p="http://schemas.microsoft.com/office/2006/metadata/properties" xmlns:ns3="4f41ae97-5a6c-4458-bb1f-235b5f3b5d68" xmlns:ns4="8802567b-aa87-48e0-ac05-b6cac22ca2ed" targetNamespace="http://schemas.microsoft.com/office/2006/metadata/properties" ma:root="true" ma:fieldsID="aac98df62b6e875c010c3475f39038b6" ns3:_="" ns4:_="">
     <xsd:import namespace="4f41ae97-5a6c-4458-bb1f-235b5f3b5d68"/>
@@ -8480,10 +8907,38 @@
 </ct:contentTypeSchema>
 </file>
 
+<file path=customXml/item2.xml><?xml version="1.0" encoding="utf-8"?>
+<p:properties xmlns:p="http://schemas.microsoft.com/office/2006/metadata/properties" xmlns:xsi="http://www.w3.org/2001/XMLSchema-instance" xmlns:pc="http://schemas.microsoft.com/office/infopath/2007/PartnerControls">
+  <documentManagement>
+    <_activity xmlns="4f41ae97-5a6c-4458-bb1f-235b5f3b5d68" xsi:nil="true"/>
+  </documentManagement>
+</p:properties>
+</file>
+
+<file path=customXml/item3.xml><?xml version="1.0" encoding="utf-8"?>
+<?mso-contentType ?>
+<FormTemplates xmlns="http://schemas.microsoft.com/sharepoint/v3/contenttype/forms">
+  <Display>DocumentLibraryForm</Display>
+  <Edit>DocumentLibraryForm</Edit>
+  <New>DocumentLibraryForm</New>
+</FormTemplates>
+</file>
+
 <file path=customXml/itemProps1.xml><?xml version="1.0" encoding="utf-8"?>
-<ds:datastoreItem xmlns:ds="http://schemas.openxmlformats.org/officeDocument/2006/customXml" ds:itemID="{6D1ED908-36CA-47DE-9D02-6709ABA06A3B}">
+<ds:datastoreItem xmlns:ds="http://schemas.openxmlformats.org/officeDocument/2006/customXml" ds:itemID="{8774136C-BD9E-4C16-A065-F64F959C2ED0}">
   <ds:schemaRefs>
-    <ds:schemaRef ds:uri="http://schemas.microsoft.com/sharepoint/v3/contenttype/forms"/>
+    <ds:schemaRef ds:uri="http://schemas.microsoft.com/office/2006/metadata/contentType"/>
+    <ds:schemaRef ds:uri="http://schemas.microsoft.com/office/2006/metadata/properties/metaAttributes"/>
+    <ds:schemaRef ds:uri="http://www.w3.org/2001/XMLSchema"/>
+    <ds:schemaRef ds:uri="http://schemas.microsoft.com/office/2006/metadata/properties"/>
+    <ds:schemaRef ds:uri="4f41ae97-5a6c-4458-bb1f-235b5f3b5d68"/>
+    <ds:schemaRef ds:uri="8802567b-aa87-48e0-ac05-b6cac22ca2ed"/>
+    <ds:schemaRef ds:uri="http://schemas.microsoft.com/office/2006/documentManagement/types"/>
+    <ds:schemaRef ds:uri="http://schemas.microsoft.com/office/infopath/2007/PartnerControls"/>
+    <ds:schemaRef ds:uri="http://schemas.openxmlformats.org/package/2006/metadata/core-properties"/>
+    <ds:schemaRef ds:uri="http://purl.org/dc/elements/1.1/"/>
+    <ds:schemaRef ds:uri="http://purl.org/dc/terms/"/>
+    <ds:schemaRef ds:uri="http://schemas.microsoft.com/internal/obd"/>
   </ds:schemaRefs>
 </ds:datastoreItem>
 </file>
@@ -8506,20 +8961,9 @@
 </file>
 
 <file path=customXml/itemProps3.xml><?xml version="1.0" encoding="utf-8"?>
-<ds:datastoreItem xmlns:ds="http://schemas.openxmlformats.org/officeDocument/2006/customXml" ds:itemID="{8774136C-BD9E-4C16-A065-F64F959C2ED0}">
+<ds:datastoreItem xmlns:ds="http://schemas.openxmlformats.org/officeDocument/2006/customXml" ds:itemID="{6D1ED908-36CA-47DE-9D02-6709ABA06A3B}">
   <ds:schemaRefs>
-    <ds:schemaRef ds:uri="http://schemas.microsoft.com/office/2006/metadata/contentType"/>
-    <ds:schemaRef ds:uri="http://schemas.microsoft.com/office/2006/metadata/properties/metaAttributes"/>
-    <ds:schemaRef ds:uri="http://www.w3.org/2001/XMLSchema"/>
-    <ds:schemaRef ds:uri="http://schemas.microsoft.com/office/2006/metadata/properties"/>
-    <ds:schemaRef ds:uri="4f41ae97-5a6c-4458-bb1f-235b5f3b5d68"/>
-    <ds:schemaRef ds:uri="8802567b-aa87-48e0-ac05-b6cac22ca2ed"/>
-    <ds:schemaRef ds:uri="http://schemas.microsoft.com/office/2006/documentManagement/types"/>
-    <ds:schemaRef ds:uri="http://schemas.microsoft.com/office/infopath/2007/PartnerControls"/>
-    <ds:schemaRef ds:uri="http://schemas.openxmlformats.org/package/2006/metadata/core-properties"/>
-    <ds:schemaRef ds:uri="http://purl.org/dc/elements/1.1/"/>
-    <ds:schemaRef ds:uri="http://purl.org/dc/terms/"/>
-    <ds:schemaRef ds:uri="http://schemas.microsoft.com/internal/obd"/>
+    <ds:schemaRef ds:uri="http://schemas.microsoft.com/sharepoint/v3/contenttype/forms"/>
   </ds:schemaRefs>
 </ds:datastoreItem>
 </file>
--- a/Bayesian COVID Hospitalizations.pptx
+++ b/Bayesian COVID Hospitalizations.pptx
@@ -376,7 +376,7 @@
       <pc:sldMk xmlns:pc="http://schemas.microsoft.com/office/powerpoint/2013/main/command" cId="0" sldId="256"/>
       <ac:spMk id="10" creationId="{025B411F-C30D-3458-EC06-AD109C00A7A3}"/>
       <ac:txMk cp="75" len="39">
-        <ac:context len="1583" hash="3103544310"/>
+        <ac:context len="115" hash="3813382397"/>
       </ac:txMk>
     </ac:txMkLst>
     <p188:pos x="6895310" y="896434"/>
@@ -525,7 +525,7 @@
             <a:fld id="{311E81F8-90E2-2945-9ED7-A6A90A37CF21}" type="datetimeFigureOut">
               <a:rPr lang="en-US" smtClean="0"/>
               <a:pPr/>
-              <a:t>12/3/2024</a:t>
+              <a:t>12/5/24</a:t>
             </a:fld>
             <a:endParaRPr lang="en-US"/>
           </a:p>
@@ -1094,7 +1094,7 @@
             <a:fld id="{84FD1F27-616A-3542-91BB-C34E14AE38CD}" type="datetimeFigureOut">
               <a:rPr lang="en-US" smtClean="0"/>
               <a:pPr/>
-              <a:t>12/3/2024</a:t>
+              <a:t>12/5/24</a:t>
             </a:fld>
             <a:endParaRPr lang="en-US"/>
           </a:p>
@@ -1266,7 +1266,7 @@
             <a:fld id="{84FD1F27-616A-3542-91BB-C34E14AE38CD}" type="datetimeFigureOut">
               <a:rPr lang="en-US" smtClean="0"/>
               <a:pPr/>
-              <a:t>12/3/2024</a:t>
+              <a:t>12/5/24</a:t>
             </a:fld>
             <a:endParaRPr lang="en-US"/>
           </a:p>
@@ -2132,7 +2132,7 @@
             <a:fld id="{84FD1F27-616A-3542-91BB-C34E14AE38CD}" type="datetimeFigureOut">
               <a:rPr lang="en-US" smtClean="0"/>
               <a:pPr/>
-              <a:t>12/3/2024</a:t>
+              <a:t>12/5/24</a:t>
             </a:fld>
             <a:endParaRPr lang="en-US"/>
           </a:p>
@@ -2556,7 +2556,7 @@
             <a:fld id="{84FD1F27-616A-3542-91BB-C34E14AE38CD}" type="datetimeFigureOut">
               <a:rPr lang="en-US" smtClean="0"/>
               <a:pPr/>
-              <a:t>12/3/2024</a:t>
+              <a:t>12/5/24</a:t>
             </a:fld>
             <a:endParaRPr lang="en-US"/>
           </a:p>
@@ -2676,7 +2676,7 @@
             <a:fld id="{84FD1F27-616A-3542-91BB-C34E14AE38CD}" type="datetimeFigureOut">
               <a:rPr lang="en-US" smtClean="0"/>
               <a:pPr/>
-              <a:t>12/3/2024</a:t>
+              <a:t>12/5/24</a:t>
             </a:fld>
             <a:endParaRPr lang="en-US"/>
           </a:p>
@@ -2773,7 +2773,7 @@
             <a:fld id="{84FD1F27-616A-3542-91BB-C34E14AE38CD}" type="datetimeFigureOut">
               <a:rPr lang="en-US" smtClean="0"/>
               <a:pPr/>
-              <a:t>12/3/2024</a:t>
+              <a:t>12/5/24</a:t>
             </a:fld>
             <a:endParaRPr lang="en-US"/>
           </a:p>
@@ -3052,7 +3052,7 @@
             <a:fld id="{84FD1F27-616A-3542-91BB-C34E14AE38CD}" type="datetimeFigureOut">
               <a:rPr lang="en-US" smtClean="0"/>
               <a:pPr/>
-              <a:t>12/3/2024</a:t>
+              <a:t>12/5/24</a:t>
             </a:fld>
             <a:endParaRPr lang="en-US"/>
           </a:p>
@@ -3311,7 +3311,7 @@
             <a:fld id="{84FD1F27-616A-3542-91BB-C34E14AE38CD}" type="datetimeFigureOut">
               <a:rPr lang="en-US" smtClean="0"/>
               <a:pPr/>
-              <a:t>12/3/2024</a:t>
+              <a:t>12/5/24</a:t>
             </a:fld>
             <a:endParaRPr lang="en-US"/>
           </a:p>
@@ -3522,7 +3522,7 @@
             <a:fld id="{84FD1F27-616A-3542-91BB-C34E14AE38CD}" type="datetimeFigureOut">
               <a:rPr lang="en-US" smtClean="0"/>
               <a:pPr/>
-              <a:t>12/3/2024</a:t>
+              <a:t>12/5/24</a:t>
             </a:fld>
             <a:endParaRPr lang="en-US"/>
           </a:p>
@@ -4052,7 +4052,7 @@
             <a:fld id="{84FD1F27-616A-3542-91BB-C34E14AE38CD}" type="datetimeFigureOut">
               <a:rPr lang="en-US" smtClean="0"/>
               <a:pPr/>
-              <a:t>12/3/2024</a:t>
+              <a:t>12/5/24</a:t>
             </a:fld>
             <a:endParaRPr lang="en-US"/>
           </a:p>
@@ -5797,7 +5797,7 @@
                 <a:effectLst/>
                 <a:latin typeface="+mj-lt"/>
               </a:rPr>
-              <a:t>When we combined the models trained on multiple imputed datasets, they performed poorly, indicating that our model could be overly sensitive to the specific data patterns introduced during imputation. Consequently, the imputed models fail to generalize well to the underlying data structure.</a:t>
+              <a:t>When we combined the imputation models, they performed poorly, indicating that our model could be overly sensitive to the specific data patterns introduced during imputation. Consequently, the imputed models fail to generalize well to the underlying data structure.</a:t>
             </a:r>
             <a:endParaRPr lang="en-US" sz="3000" dirty="0">
               <a:latin typeface="+mj-lt"/>
@@ -6183,430 +6183,6 @@
               <a:t>Data structure (individual case level):</a:t>
             </a:r>
           </a:p>
-          <a:p>
-            <a:pPr marL="475794"/>
-            <a:r>
-              <a:rPr lang="en-US" sz="1400" b="0" dirty="0">
-                <a:latin typeface="Courier New" panose="02070309020205020404" pitchFamily="49" charset="0"/>
-                <a:cs typeface="Courier New" panose="02070309020205020404" pitchFamily="49" charset="0"/>
-              </a:rPr>
-              <a:t>'</a:t>
-            </a:r>
-            <a:r>
-              <a:rPr lang="en-US" sz="1400" b="0" dirty="0" err="1">
-                <a:latin typeface="Courier New" panose="02070309020205020404" pitchFamily="49" charset="0"/>
-                <a:cs typeface="Courier New" panose="02070309020205020404" pitchFamily="49" charset="0"/>
-              </a:rPr>
-              <a:t>data.frame</a:t>
-            </a:r>
-            <a:r>
-              <a:rPr lang="en-US" sz="1400" b="0" dirty="0">
-                <a:latin typeface="Courier New" panose="02070309020205020404" pitchFamily="49" charset="0"/>
-                <a:cs typeface="Courier New" panose="02070309020205020404" pitchFamily="49" charset="0"/>
-              </a:rPr>
-              <a:t>':	100000 obs. of  19 variables:</a:t>
-            </a:r>
-          </a:p>
-          <a:p>
-            <a:pPr marL="475794"/>
-            <a:r>
-              <a:rPr lang="en-US" sz="1400" b="0" dirty="0">
-                <a:latin typeface="Courier New" panose="02070309020205020404" pitchFamily="49" charset="0"/>
-                <a:cs typeface="Courier New" panose="02070309020205020404" pitchFamily="49" charset="0"/>
-              </a:rPr>
-              <a:t> $ </a:t>
-            </a:r>
-            <a:r>
-              <a:rPr lang="en-US" sz="1400" b="0" dirty="0" err="1">
-                <a:latin typeface="Courier New" panose="02070309020205020404" pitchFamily="49" charset="0"/>
-                <a:cs typeface="Courier New" panose="02070309020205020404" pitchFamily="49" charset="0"/>
-              </a:rPr>
-              <a:t>case_month</a:t>
-            </a:r>
-            <a:r>
-              <a:rPr lang="en-US" sz="1400" b="0" dirty="0">
-                <a:latin typeface="Courier New" panose="02070309020205020404" pitchFamily="49" charset="0"/>
-                <a:cs typeface="Courier New" panose="02070309020205020404" pitchFamily="49" charset="0"/>
-              </a:rPr>
-              <a:t>              : chr  "2021-10" "2022-02" "2020-09" "2021-10" ...</a:t>
-            </a:r>
-          </a:p>
-          <a:p>
-            <a:pPr marL="475794"/>
-            <a:r>
-              <a:rPr lang="en-US" sz="1400" b="0" dirty="0">
-                <a:latin typeface="Courier New" panose="02070309020205020404" pitchFamily="49" charset="0"/>
-                <a:cs typeface="Courier New" panose="02070309020205020404" pitchFamily="49" charset="0"/>
-              </a:rPr>
-              <a:t> $ </a:t>
-            </a:r>
-            <a:r>
-              <a:rPr lang="en-US" sz="1400" b="0" dirty="0" err="1">
-                <a:latin typeface="Courier New" panose="02070309020205020404" pitchFamily="49" charset="0"/>
-                <a:cs typeface="Courier New" panose="02070309020205020404" pitchFamily="49" charset="0"/>
-              </a:rPr>
-              <a:t>res_state</a:t>
-            </a:r>
-            <a:r>
-              <a:rPr lang="en-US" sz="1400" b="0" dirty="0">
-                <a:latin typeface="Courier New" panose="02070309020205020404" pitchFamily="49" charset="0"/>
-                <a:cs typeface="Courier New" panose="02070309020205020404" pitchFamily="49" charset="0"/>
-              </a:rPr>
-              <a:t>               : chr  "NC" "GA" "MO" "MI" ...</a:t>
-            </a:r>
-          </a:p>
-          <a:p>
-            <a:pPr marL="475794"/>
-            <a:r>
-              <a:rPr lang="en-US" sz="1400" b="0" dirty="0">
-                <a:latin typeface="Courier New" panose="02070309020205020404" pitchFamily="49" charset="0"/>
-                <a:cs typeface="Courier New" panose="02070309020205020404" pitchFamily="49" charset="0"/>
-              </a:rPr>
-              <a:t> $ </a:t>
-            </a:r>
-            <a:r>
-              <a:rPr lang="en-US" sz="1400" b="0" dirty="0" err="1">
-                <a:latin typeface="Courier New" panose="02070309020205020404" pitchFamily="49" charset="0"/>
-                <a:cs typeface="Courier New" panose="02070309020205020404" pitchFamily="49" charset="0"/>
-              </a:rPr>
-              <a:t>state_fips_code</a:t>
-            </a:r>
-            <a:r>
-              <a:rPr lang="en-US" sz="1400" b="0" dirty="0">
-                <a:latin typeface="Courier New" panose="02070309020205020404" pitchFamily="49" charset="0"/>
-                <a:cs typeface="Courier New" panose="02070309020205020404" pitchFamily="49" charset="0"/>
-              </a:rPr>
-              <a:t>         : chr  "37" "13" "29" "26" ...</a:t>
-            </a:r>
-          </a:p>
-          <a:p>
-            <a:pPr marL="475794"/>
-            <a:r>
-              <a:rPr lang="en-US" sz="1400" b="0" dirty="0">
-                <a:latin typeface="Courier New" panose="02070309020205020404" pitchFamily="49" charset="0"/>
-                <a:cs typeface="Courier New" panose="02070309020205020404" pitchFamily="49" charset="0"/>
-              </a:rPr>
-              <a:t> $ </a:t>
-            </a:r>
-            <a:r>
-              <a:rPr lang="en-US" sz="1400" b="0" dirty="0" err="1">
-                <a:latin typeface="Courier New" panose="02070309020205020404" pitchFamily="49" charset="0"/>
-                <a:cs typeface="Courier New" panose="02070309020205020404" pitchFamily="49" charset="0"/>
-              </a:rPr>
-              <a:t>res_county</a:t>
-            </a:r>
-            <a:r>
-              <a:rPr lang="en-US" sz="1400" b="0" dirty="0">
-                <a:latin typeface="Courier New" panose="02070309020205020404" pitchFamily="49" charset="0"/>
-                <a:cs typeface="Courier New" panose="02070309020205020404" pitchFamily="49" charset="0"/>
-              </a:rPr>
-              <a:t>              : chr  "DAVIE" "BULLOCH" "POLK" "SANILAC" ...</a:t>
-            </a:r>
-          </a:p>
-          <a:p>
-            <a:pPr marL="475794"/>
-            <a:r>
-              <a:rPr lang="en-US" sz="1400" b="0" dirty="0">
-                <a:latin typeface="Courier New" panose="02070309020205020404" pitchFamily="49" charset="0"/>
-                <a:cs typeface="Courier New" panose="02070309020205020404" pitchFamily="49" charset="0"/>
-              </a:rPr>
-              <a:t> $ </a:t>
-            </a:r>
-            <a:r>
-              <a:rPr lang="en-US" sz="1400" b="0" dirty="0" err="1">
-                <a:latin typeface="Courier New" panose="02070309020205020404" pitchFamily="49" charset="0"/>
-                <a:cs typeface="Courier New" panose="02070309020205020404" pitchFamily="49" charset="0"/>
-              </a:rPr>
-              <a:t>county_fips_code</a:t>
-            </a:r>
-            <a:r>
-              <a:rPr lang="en-US" sz="1400" b="0" dirty="0">
-                <a:latin typeface="Courier New" panose="02070309020205020404" pitchFamily="49" charset="0"/>
-                <a:cs typeface="Courier New" panose="02070309020205020404" pitchFamily="49" charset="0"/>
-              </a:rPr>
-              <a:t>        : chr  "37059" "13031" "29167" "26151" ...</a:t>
-            </a:r>
-          </a:p>
-          <a:p>
-            <a:pPr marL="475794"/>
-            <a:r>
-              <a:rPr lang="en-US" sz="1400" b="0" dirty="0">
-                <a:latin typeface="Courier New" panose="02070309020205020404" pitchFamily="49" charset="0"/>
-                <a:cs typeface="Courier New" panose="02070309020205020404" pitchFamily="49" charset="0"/>
-              </a:rPr>
-              <a:t> $ </a:t>
-            </a:r>
-            <a:r>
-              <a:rPr lang="en-US" sz="1400" b="0" dirty="0" err="1">
-                <a:latin typeface="Courier New" panose="02070309020205020404" pitchFamily="49" charset="0"/>
-                <a:cs typeface="Courier New" panose="02070309020205020404" pitchFamily="49" charset="0"/>
-              </a:rPr>
-              <a:t>age_group</a:t>
-            </a:r>
-            <a:r>
-              <a:rPr lang="en-US" sz="1400" b="0" dirty="0">
-                <a:latin typeface="Courier New" panose="02070309020205020404" pitchFamily="49" charset="0"/>
-                <a:cs typeface="Courier New" panose="02070309020205020404" pitchFamily="49" charset="0"/>
-              </a:rPr>
-              <a:t>               : chr  "0 - 17 years" "18 to 49 years" "18 to 49 years" "18 to 49 years" ...</a:t>
-            </a:r>
-          </a:p>
-          <a:p>
-            <a:pPr marL="475794"/>
-            <a:r>
-              <a:rPr lang="en-US" sz="1400" b="0" dirty="0">
-                <a:latin typeface="Courier New" panose="02070309020205020404" pitchFamily="49" charset="0"/>
-                <a:cs typeface="Courier New" panose="02070309020205020404" pitchFamily="49" charset="0"/>
-              </a:rPr>
-              <a:t> $ sex                     : chr  "Female" "Female" "Female" "Female" Missing" ...</a:t>
-            </a:r>
-          </a:p>
-          <a:p>
-            <a:pPr marL="475794"/>
-            <a:r>
-              <a:rPr lang="en-US" sz="1400" b="0" dirty="0">
-                <a:latin typeface="Courier New" panose="02070309020205020404" pitchFamily="49" charset="0"/>
-                <a:cs typeface="Courier New" panose="02070309020205020404" pitchFamily="49" charset="0"/>
-              </a:rPr>
-              <a:t> $ </a:t>
-            </a:r>
-            <a:r>
-              <a:rPr lang="en-US" sz="1400" b="0" dirty="0" err="1">
-                <a:latin typeface="Courier New" panose="02070309020205020404" pitchFamily="49" charset="0"/>
-                <a:cs typeface="Courier New" panose="02070309020205020404" pitchFamily="49" charset="0"/>
-              </a:rPr>
-              <a:t>hosp_yn</a:t>
-            </a:r>
-            <a:r>
-              <a:rPr lang="en-US" sz="1400" b="0" dirty="0">
-                <a:latin typeface="Courier New" panose="02070309020205020404" pitchFamily="49" charset="0"/>
-                <a:cs typeface="Courier New" panose="02070309020205020404" pitchFamily="49" charset="0"/>
-              </a:rPr>
-              <a:t>                 : chr  "Unknown" "Missing" "Unknown" "Missing"...</a:t>
-            </a:r>
-          </a:p>
-          <a:p>
-            <a:pPr marL="475794"/>
-            <a:r>
-              <a:rPr lang="en-US" sz="1400" b="0" dirty="0">
-                <a:latin typeface="Courier New" panose="02070309020205020404" pitchFamily="49" charset="0"/>
-                <a:cs typeface="Courier New" panose="02070309020205020404" pitchFamily="49" charset="0"/>
-              </a:rPr>
-              <a:t> $ race                    : chr  "NA" "Unknown" "NA" "NA" ...</a:t>
-            </a:r>
-          </a:p>
-          <a:p>
-            <a:pPr marL="475794"/>
-            <a:r>
-              <a:rPr lang="en-US" sz="1400" b="0" dirty="0">
-                <a:latin typeface="Courier New" panose="02070309020205020404" pitchFamily="49" charset="0"/>
-                <a:cs typeface="Courier New" panose="02070309020205020404" pitchFamily="49" charset="0"/>
-              </a:rPr>
-              <a:t> $ ethnicity               : chr  "NA" "Missing" "NA" "NA" ...</a:t>
-            </a:r>
-          </a:p>
-          <a:p>
-            <a:pPr marL="475794"/>
-            <a:r>
-              <a:rPr lang="en-US" sz="1400" b="0" dirty="0">
-                <a:latin typeface="Courier New" panose="02070309020205020404" pitchFamily="49" charset="0"/>
-                <a:cs typeface="Courier New" panose="02070309020205020404" pitchFamily="49" charset="0"/>
-              </a:rPr>
-              <a:t> $ </a:t>
-            </a:r>
-            <a:r>
-              <a:rPr lang="en-US" sz="1400" b="0" dirty="0" err="1">
-                <a:latin typeface="Courier New" panose="02070309020205020404" pitchFamily="49" charset="0"/>
-                <a:cs typeface="Courier New" panose="02070309020205020404" pitchFamily="49" charset="0"/>
-              </a:rPr>
-              <a:t>case_positive_specimen</a:t>
-            </a:r>
-            <a:r>
-              <a:rPr lang="en-US" sz="1400" b="0" dirty="0">
-                <a:latin typeface="Courier New" panose="02070309020205020404" pitchFamily="49" charset="0"/>
-                <a:cs typeface="Courier New" panose="02070309020205020404" pitchFamily="49" charset="0"/>
-              </a:rPr>
-              <a:t>  : chr  "0.0" NA "0.0" NA ...</a:t>
-            </a:r>
-          </a:p>
-          <a:p>
-            <a:pPr marL="475794"/>
-            <a:r>
-              <a:rPr lang="en-US" sz="1400" b="0" dirty="0">
-                <a:latin typeface="Courier New" panose="02070309020205020404" pitchFamily="49" charset="0"/>
-                <a:cs typeface="Courier New" panose="02070309020205020404" pitchFamily="49" charset="0"/>
-              </a:rPr>
-              <a:t> $ process                 : chr  "Missing" "Missing" "Missing" "Missing" ...</a:t>
-            </a:r>
-          </a:p>
-          <a:p>
-            <a:pPr marL="475794"/>
-            <a:r>
-              <a:rPr lang="en-US" sz="1400" b="0" dirty="0">
-                <a:latin typeface="Courier New" panose="02070309020205020404" pitchFamily="49" charset="0"/>
-                <a:cs typeface="Courier New" panose="02070309020205020404" pitchFamily="49" charset="0"/>
-              </a:rPr>
-              <a:t> $ </a:t>
-            </a:r>
-            <a:r>
-              <a:rPr lang="en-US" sz="1400" b="0" dirty="0" err="1">
-                <a:latin typeface="Courier New" panose="02070309020205020404" pitchFamily="49" charset="0"/>
-                <a:cs typeface="Courier New" panose="02070309020205020404" pitchFamily="49" charset="0"/>
-              </a:rPr>
-              <a:t>exposure_yn</a:t>
-            </a:r>
-            <a:r>
-              <a:rPr lang="en-US" sz="1400" b="0" dirty="0">
-                <a:latin typeface="Courier New" panose="02070309020205020404" pitchFamily="49" charset="0"/>
-                <a:cs typeface="Courier New" panose="02070309020205020404" pitchFamily="49" charset="0"/>
-              </a:rPr>
-              <a:t>             : chr  "Missing" "Missing" "Missing" "Missing" ...</a:t>
-            </a:r>
-          </a:p>
-          <a:p>
-            <a:pPr marL="475794"/>
-            <a:r>
-              <a:rPr lang="en-US" sz="1400" b="0" dirty="0">
-                <a:latin typeface="Courier New" panose="02070309020205020404" pitchFamily="49" charset="0"/>
-                <a:cs typeface="Courier New" panose="02070309020205020404" pitchFamily="49" charset="0"/>
-              </a:rPr>
-              <a:t> $ </a:t>
-            </a:r>
-            <a:r>
-              <a:rPr lang="en-US" sz="1400" b="0" dirty="0" err="1">
-                <a:latin typeface="Courier New" panose="02070309020205020404" pitchFamily="49" charset="0"/>
-                <a:cs typeface="Courier New" panose="02070309020205020404" pitchFamily="49" charset="0"/>
-              </a:rPr>
-              <a:t>current_status</a:t>
-            </a:r>
-            <a:r>
-              <a:rPr lang="en-US" sz="1400" b="0" dirty="0">
-                <a:latin typeface="Courier New" panose="02070309020205020404" pitchFamily="49" charset="0"/>
-                <a:cs typeface="Courier New" panose="02070309020205020404" pitchFamily="49" charset="0"/>
-              </a:rPr>
-              <a:t>          : chr  "Laboratory-confirmed case" "Laboratory-confirmed case" "Laboratory-confirmed case" "Laboratory-confirmed case" ...</a:t>
-            </a:r>
-          </a:p>
-          <a:p>
-            <a:pPr marL="475794"/>
-            <a:r>
-              <a:rPr lang="en-US" sz="1400" b="0" dirty="0">
-                <a:latin typeface="Courier New" panose="02070309020205020404" pitchFamily="49" charset="0"/>
-                <a:cs typeface="Courier New" panose="02070309020205020404" pitchFamily="49" charset="0"/>
-              </a:rPr>
-              <a:t> $ </a:t>
-            </a:r>
-            <a:r>
-              <a:rPr lang="en-US" sz="1400" b="0" dirty="0" err="1">
-                <a:latin typeface="Courier New" panose="02070309020205020404" pitchFamily="49" charset="0"/>
-                <a:cs typeface="Courier New" panose="02070309020205020404" pitchFamily="49" charset="0"/>
-              </a:rPr>
-              <a:t>symptom_status</a:t>
-            </a:r>
-            <a:r>
-              <a:rPr lang="en-US" sz="1400" b="0" dirty="0">
-                <a:latin typeface="Courier New" panose="02070309020205020404" pitchFamily="49" charset="0"/>
-                <a:cs typeface="Courier New" panose="02070309020205020404" pitchFamily="49" charset="0"/>
-              </a:rPr>
-              <a:t>          : chr  "Unknown" "Symptomatic" "Symptomatic" " ...</a:t>
-            </a:r>
-          </a:p>
-          <a:p>
-            <a:pPr marL="475794"/>
-            <a:r>
-              <a:rPr lang="en-US" sz="1400" b="0" dirty="0">
-                <a:latin typeface="Courier New" panose="02070309020205020404" pitchFamily="49" charset="0"/>
-                <a:cs typeface="Courier New" panose="02070309020205020404" pitchFamily="49" charset="0"/>
-              </a:rPr>
-              <a:t> $ </a:t>
-            </a:r>
-            <a:r>
-              <a:rPr lang="en-US" sz="1400" b="0" dirty="0" err="1">
-                <a:latin typeface="Courier New" panose="02070309020205020404" pitchFamily="49" charset="0"/>
-                <a:cs typeface="Courier New" panose="02070309020205020404" pitchFamily="49" charset="0"/>
-              </a:rPr>
-              <a:t>icu_yn</a:t>
-            </a:r>
-            <a:r>
-              <a:rPr lang="en-US" sz="1400" b="0" dirty="0">
-                <a:latin typeface="Courier New" panose="02070309020205020404" pitchFamily="49" charset="0"/>
-                <a:cs typeface="Courier New" panose="02070309020205020404" pitchFamily="49" charset="0"/>
-              </a:rPr>
-              <a:t>                  : chr  "Unknown" "Missing" "Missing" "Missing" ...</a:t>
-            </a:r>
-          </a:p>
-          <a:p>
-            <a:pPr marL="475794"/>
-            <a:r>
-              <a:rPr lang="en-US" sz="1400" b="0" dirty="0">
-                <a:latin typeface="Courier New" panose="02070309020205020404" pitchFamily="49" charset="0"/>
-                <a:cs typeface="Courier New" panose="02070309020205020404" pitchFamily="49" charset="0"/>
-              </a:rPr>
-              <a:t> $ </a:t>
-            </a:r>
-            <a:r>
-              <a:rPr lang="en-US" sz="1400" b="0" dirty="0" err="1">
-                <a:latin typeface="Courier New" panose="02070309020205020404" pitchFamily="49" charset="0"/>
-                <a:cs typeface="Courier New" panose="02070309020205020404" pitchFamily="49" charset="0"/>
-              </a:rPr>
-              <a:t>death_yn</a:t>
-            </a:r>
-            <a:r>
-              <a:rPr lang="en-US" sz="1400" b="0" dirty="0">
-                <a:latin typeface="Courier New" panose="02070309020205020404" pitchFamily="49" charset="0"/>
-                <a:cs typeface="Courier New" panose="02070309020205020404" pitchFamily="49" charset="0"/>
-              </a:rPr>
-              <a:t>                : chr  "No" "Missing" "Unknown" "Unknown" ...</a:t>
-            </a:r>
-          </a:p>
-          <a:p>
-            <a:pPr marL="475794"/>
-            <a:r>
-              <a:rPr lang="en-US" sz="1400" b="0" dirty="0">
-                <a:latin typeface="Courier New" panose="02070309020205020404" pitchFamily="49" charset="0"/>
-                <a:cs typeface="Courier New" panose="02070309020205020404" pitchFamily="49" charset="0"/>
-              </a:rPr>
-              <a:t> $ </a:t>
-            </a:r>
-            <a:r>
-              <a:rPr lang="en-US" sz="1400" b="0" dirty="0" err="1">
-                <a:latin typeface="Courier New" panose="02070309020205020404" pitchFamily="49" charset="0"/>
-                <a:cs typeface="Courier New" panose="02070309020205020404" pitchFamily="49" charset="0"/>
-              </a:rPr>
-              <a:t>case_onset_interval</a:t>
-            </a:r>
-            <a:r>
-              <a:rPr lang="en-US" sz="1400" b="0" dirty="0">
-                <a:latin typeface="Courier New" panose="02070309020205020404" pitchFamily="49" charset="0"/>
-                <a:cs typeface="Courier New" panose="02070309020205020404" pitchFamily="49" charset="0"/>
-              </a:rPr>
-              <a:t>     : chr  NA "0.0" "0.0" NA ...</a:t>
-            </a:r>
-          </a:p>
-          <a:p>
-            <a:pPr marL="475794"/>
-            <a:r>
-              <a:rPr lang="en-US" sz="1400" b="0" dirty="0">
-                <a:latin typeface="Courier New" panose="02070309020205020404" pitchFamily="49" charset="0"/>
-                <a:cs typeface="Courier New" panose="02070309020205020404" pitchFamily="49" charset="0"/>
-              </a:rPr>
-              <a:t> $ </a:t>
-            </a:r>
-            <a:r>
-              <a:rPr lang="en-US" sz="1400" b="0" dirty="0" err="1">
-                <a:latin typeface="Courier New" panose="02070309020205020404" pitchFamily="49" charset="0"/>
-                <a:cs typeface="Courier New" panose="02070309020205020404" pitchFamily="49" charset="0"/>
-              </a:rPr>
-              <a:t>underlying_conditions_yn</a:t>
-            </a:r>
-            <a:r>
-              <a:rPr lang="en-US" sz="1400" b="0" dirty="0">
-                <a:latin typeface="Courier New" panose="02070309020205020404" pitchFamily="49" charset="0"/>
-                <a:cs typeface="Courier New" panose="02070309020205020404" pitchFamily="49" charset="0"/>
-              </a:rPr>
-              <a:t>: chr  NA NA NA NA ...</a:t>
-            </a:r>
-          </a:p>
         </p:txBody>
       </p:sp>
       <p:sp>
@@ -8056,6 +7632,36 @@
           <a:xfrm>
             <a:off x="19188149" y="8060370"/>
             <a:ext cx="6989231" cy="4313354"/>
+          </a:xfrm>
+          <a:prstGeom prst="rect">
+            <a:avLst/>
+          </a:prstGeom>
+        </p:spPr>
+      </p:pic>
+      <p:pic>
+        <p:nvPicPr>
+          <p:cNvPr id="11" name="Picture 10" descr="A screenshot of a cell phone&#10;&#10;Description automatically generated">
+            <a:extLst>
+              <a:ext uri="{FF2B5EF4-FFF2-40B4-BE49-F238E27FC236}">
+                <a16:creationId xmlns:a16="http://schemas.microsoft.com/office/drawing/2014/main" id="{9A767080-2D0C-2C60-D8D2-9DD7EFD1513A}"/>
+              </a:ext>
+            </a:extLst>
+          </p:cNvPr>
+          <p:cNvPicPr>
+            <a:picLocks noChangeAspect="1"/>
+          </p:cNvPicPr>
+          <p:nvPr/>
+        </p:nvPicPr>
+        <p:blipFill>
+          <a:blip r:embed="rId27"/>
+          <a:stretch>
+            <a:fillRect/>
+          </a:stretch>
+        </p:blipFill>
+        <p:spPr>
+          <a:xfrm>
+            <a:off x="19528806" y="23604555"/>
+            <a:ext cx="5266872" cy="690142"/>
           </a:xfrm>
           <a:prstGeom prst="rect">
             <a:avLst/>
@@ -8687,6 +8293,23 @@
 </file>
 
 <file path=customXml/item1.xml><?xml version="1.0" encoding="utf-8"?>
+<?mso-contentType ?>
+<FormTemplates xmlns="http://schemas.microsoft.com/sharepoint/v3/contenttype/forms">
+  <Display>DocumentLibraryForm</Display>
+  <Edit>DocumentLibraryForm</Edit>
+  <New>DocumentLibraryForm</New>
+</FormTemplates>
+</file>
+
+<file path=customXml/item2.xml><?xml version="1.0" encoding="utf-8"?>
+<p:properties xmlns:p="http://schemas.microsoft.com/office/2006/metadata/properties" xmlns:xsi="http://www.w3.org/2001/XMLSchema-instance" xmlns:pc="http://schemas.microsoft.com/office/infopath/2007/PartnerControls">
+  <documentManagement>
+    <_activity xmlns="4f41ae97-5a6c-4458-bb1f-235b5f3b5d68" xsi:nil="true"/>
+  </documentManagement>
+</p:properties>
+</file>
+
+<file path=customXml/item3.xml><?xml version="1.0" encoding="utf-8"?>
 <ct:contentTypeSchema xmlns:ct="http://schemas.microsoft.com/office/2006/metadata/contentType" xmlns:ma="http://schemas.microsoft.com/office/2006/metadata/properties/metaAttributes" ct:_="" ma:_="" ma:contentTypeName="Document" ma:contentTypeID="0x0101009751B041C886E142A4CB6BC50AABCCA6" ma:contentTypeVersion="13" ma:contentTypeDescription="Create a new document." ma:contentTypeScope="" ma:versionID="ae8447eb39958e733236cd72149919b1">
   <xsd:schema xmlns:xsd="http://www.w3.org/2001/XMLSchema" xmlns:xs="http://www.w3.org/2001/XMLSchema" xmlns:p="http://schemas.microsoft.com/office/2006/metadata/properties" xmlns:ns3="4f41ae97-5a6c-4458-bb1f-235b5f3b5d68" xmlns:ns4="8802567b-aa87-48e0-ac05-b6cac22ca2ed" targetNamespace="http://schemas.microsoft.com/office/2006/metadata/properties" ma:root="true" ma:fieldsID="aac98df62b6e875c010c3475f39038b6" ns3:_="" ns4:_="">
     <xsd:import namespace="4f41ae97-5a6c-4458-bb1f-235b5f3b5d68"/>
@@ -8907,38 +8530,10 @@
 </ct:contentTypeSchema>
 </file>
 
-<file path=customXml/item2.xml><?xml version="1.0" encoding="utf-8"?>
-<p:properties xmlns:p="http://schemas.microsoft.com/office/2006/metadata/properties" xmlns:xsi="http://www.w3.org/2001/XMLSchema-instance" xmlns:pc="http://schemas.microsoft.com/office/infopath/2007/PartnerControls">
-  <documentManagement>
-    <_activity xmlns="4f41ae97-5a6c-4458-bb1f-235b5f3b5d68" xsi:nil="true"/>
-  </documentManagement>
-</p:properties>
-</file>
-
-<file path=customXml/item3.xml><?xml version="1.0" encoding="utf-8"?>
-<?mso-contentType ?>
-<FormTemplates xmlns="http://schemas.microsoft.com/sharepoint/v3/contenttype/forms">
-  <Display>DocumentLibraryForm</Display>
-  <Edit>DocumentLibraryForm</Edit>
-  <New>DocumentLibraryForm</New>
-</FormTemplates>
-</file>
-
 <file path=customXml/itemProps1.xml><?xml version="1.0" encoding="utf-8"?>
-<ds:datastoreItem xmlns:ds="http://schemas.openxmlformats.org/officeDocument/2006/customXml" ds:itemID="{8774136C-BD9E-4C16-A065-F64F959C2ED0}">
+<ds:datastoreItem xmlns:ds="http://schemas.openxmlformats.org/officeDocument/2006/customXml" ds:itemID="{6D1ED908-36CA-47DE-9D02-6709ABA06A3B}">
   <ds:schemaRefs>
-    <ds:schemaRef ds:uri="http://schemas.microsoft.com/office/2006/metadata/contentType"/>
-    <ds:schemaRef ds:uri="http://schemas.microsoft.com/office/2006/metadata/properties/metaAttributes"/>
-    <ds:schemaRef ds:uri="http://www.w3.org/2001/XMLSchema"/>
-    <ds:schemaRef ds:uri="http://schemas.microsoft.com/office/2006/metadata/properties"/>
-    <ds:schemaRef ds:uri="4f41ae97-5a6c-4458-bb1f-235b5f3b5d68"/>
-    <ds:schemaRef ds:uri="8802567b-aa87-48e0-ac05-b6cac22ca2ed"/>
-    <ds:schemaRef ds:uri="http://schemas.microsoft.com/office/2006/documentManagement/types"/>
-    <ds:schemaRef ds:uri="http://schemas.microsoft.com/office/infopath/2007/PartnerControls"/>
-    <ds:schemaRef ds:uri="http://schemas.openxmlformats.org/package/2006/metadata/core-properties"/>
-    <ds:schemaRef ds:uri="http://purl.org/dc/elements/1.1/"/>
-    <ds:schemaRef ds:uri="http://purl.org/dc/terms/"/>
-    <ds:schemaRef ds:uri="http://schemas.microsoft.com/internal/obd"/>
+    <ds:schemaRef ds:uri="http://schemas.microsoft.com/sharepoint/v3/contenttype/forms"/>
   </ds:schemaRefs>
 </ds:datastoreItem>
 </file>
@@ -8961,9 +8556,20 @@
 </file>
 
 <file path=customXml/itemProps3.xml><?xml version="1.0" encoding="utf-8"?>
-<ds:datastoreItem xmlns:ds="http://schemas.openxmlformats.org/officeDocument/2006/customXml" ds:itemID="{6D1ED908-36CA-47DE-9D02-6709ABA06A3B}">
+<ds:datastoreItem xmlns:ds="http://schemas.openxmlformats.org/officeDocument/2006/customXml" ds:itemID="{8774136C-BD9E-4C16-A065-F64F959C2ED0}">
   <ds:schemaRefs>
-    <ds:schemaRef ds:uri="http://schemas.microsoft.com/sharepoint/v3/contenttype/forms"/>
+    <ds:schemaRef ds:uri="http://schemas.microsoft.com/office/2006/metadata/contentType"/>
+    <ds:schemaRef ds:uri="http://schemas.microsoft.com/office/2006/metadata/properties/metaAttributes"/>
+    <ds:schemaRef ds:uri="http://www.w3.org/2001/XMLSchema"/>
+    <ds:schemaRef ds:uri="http://schemas.microsoft.com/office/2006/metadata/properties"/>
+    <ds:schemaRef ds:uri="4f41ae97-5a6c-4458-bb1f-235b5f3b5d68"/>
+    <ds:schemaRef ds:uri="8802567b-aa87-48e0-ac05-b6cac22ca2ed"/>
+    <ds:schemaRef ds:uri="http://schemas.microsoft.com/office/2006/documentManagement/types"/>
+    <ds:schemaRef ds:uri="http://schemas.microsoft.com/office/infopath/2007/PartnerControls"/>
+    <ds:schemaRef ds:uri="http://schemas.openxmlformats.org/package/2006/metadata/core-properties"/>
+    <ds:schemaRef ds:uri="http://purl.org/dc/elements/1.1/"/>
+    <ds:schemaRef ds:uri="http://purl.org/dc/terms/"/>
+    <ds:schemaRef ds:uri="http://schemas.microsoft.com/internal/obd"/>
   </ds:schemaRefs>
 </ds:datastoreItem>
 </file>
--- a/Bayesian COVID Hospitalizations.pptx
+++ b/Bayesian COVID Hospitalizations.pptx
@@ -170,8 +170,8 @@
       <pc:docMk xmlns:pc="http://schemas.microsoft.com/office/powerpoint/2013/main/command"/>
       <pc:sldMk xmlns:pc="http://schemas.microsoft.com/office/powerpoint/2013/main/command" cId="0" sldId="256"/>
       <ac:spMk id="50" creationId="{00000000-0000-0000-0000-000000000000}"/>
-      <ac:txMk cp="58" len="322">
-        <ac:context len="485" hash="4221436145"/>
+      <ac:txMk cp="90" len="322">
+        <ac:context len="517" hash="3313128920"/>
       </ac:txMk>
     </ac:txMkLst>
     <p188:pos x="15025949" y="5293895"/>
@@ -4483,8 +4483,8 @@
         </p:nvSpPr>
         <p:spPr>
           <a:xfrm>
-            <a:off x="18473346" y="25212865"/>
-            <a:ext cx="14720346" cy="2439129"/>
+            <a:off x="18463924" y="24930163"/>
+            <a:ext cx="14720346" cy="2908489"/>
           </a:xfrm>
           <a:prstGeom prst="rect">
             <a:avLst/>
@@ -4507,6 +4507,15 @@
               </a:rPr>
               <a:t>Final predictors: </a:t>
             </a:r>
+          </a:p>
+          <a:p>
+            <a:pPr marL="932994" indent="-457200">
+              <a:buFont typeface="Arial" panose="020B0604020202020204" pitchFamily="34" charset="0"/>
+              <a:buChar char="•"/>
+            </a:pPr>
+            <a:endParaRPr lang="en-US" sz="3050" b="0" dirty="0">
+              <a:latin typeface="+mn-lt"/>
+            </a:endParaRPr>
           </a:p>
           <a:p>
             <a:pPr marL="932994" indent="-457200">
@@ -5226,7 +5235,7 @@
         </p:nvSpPr>
         <p:spPr>
           <a:xfrm>
-            <a:off x="2236815" y="20780360"/>
+            <a:off x="2236815" y="17215855"/>
             <a:ext cx="14838218" cy="9077565"/>
           </a:xfrm>
         </p:spPr>
@@ -5244,7 +5253,7 @@
               <a:rPr lang="en-US" sz="3000" dirty="0">
                 <a:latin typeface="+mn-lt"/>
               </a:rPr>
-              <a:t>Outcome variable:</a:t>
+              <a:t>Outcome variable:		                        where:</a:t>
             </a:r>
           </a:p>
           <a:p>
@@ -5949,7 +5958,7 @@
         </p:nvSpPr>
         <p:spPr>
           <a:xfrm>
-            <a:off x="3207327" y="19699762"/>
+            <a:off x="3191469" y="16146899"/>
             <a:ext cx="12928910" cy="528816"/>
           </a:xfrm>
           <a:prstGeom prst="rect">
@@ -6921,7 +6930,7 @@
         </p:blipFill>
         <p:spPr>
           <a:xfrm>
-            <a:off x="6236431" y="20248514"/>
+            <a:off x="6133938" y="16735816"/>
             <a:ext cx="7307816" cy="1429790"/>
           </a:xfrm>
           <a:prstGeom prst="rect">
@@ -6951,98 +6960,8 @@
         </p:blipFill>
         <p:spPr>
           <a:xfrm>
-            <a:off x="6236431" y="21762545"/>
+            <a:off x="6211652" y="18183394"/>
             <a:ext cx="4871975" cy="1963897"/>
-          </a:xfrm>
-          <a:prstGeom prst="rect">
-            <a:avLst/>
-          </a:prstGeom>
-        </p:spPr>
-      </p:pic>
-      <p:pic>
-        <p:nvPicPr>
-          <p:cNvPr id="40" name="Picture 39">
-            <a:extLst>
-              <a:ext uri="{FF2B5EF4-FFF2-40B4-BE49-F238E27FC236}">
-                <a16:creationId xmlns:a16="http://schemas.microsoft.com/office/drawing/2014/main" id="{561C5FE4-9249-2A41-BA37-044223A59553}"/>
-              </a:ext>
-            </a:extLst>
-          </p:cNvPr>
-          <p:cNvPicPr>
-            <a:picLocks noChangeAspect="1"/>
-          </p:cNvPicPr>
-          <p:nvPr/>
-        </p:nvPicPr>
-        <p:blipFill>
-          <a:blip r:embed="rId12"/>
-          <a:stretch>
-            <a:fillRect/>
-          </a:stretch>
-        </p:blipFill>
-        <p:spPr>
-          <a:xfrm>
-            <a:off x="5729836" y="23687905"/>
-            <a:ext cx="12240150" cy="1224015"/>
-          </a:xfrm>
-          <a:prstGeom prst="rect">
-            <a:avLst/>
-          </a:prstGeom>
-        </p:spPr>
-      </p:pic>
-      <p:pic>
-        <p:nvPicPr>
-          <p:cNvPr id="46" name="Picture 45" descr="A close-up of a sign&#10;&#10;Description automatically generated">
-            <a:extLst>
-              <a:ext uri="{FF2B5EF4-FFF2-40B4-BE49-F238E27FC236}">
-                <a16:creationId xmlns:a16="http://schemas.microsoft.com/office/drawing/2014/main" id="{347A5C05-6D0D-4C91-4004-8A9B47776A65}"/>
-              </a:ext>
-            </a:extLst>
-          </p:cNvPr>
-          <p:cNvPicPr>
-            <a:picLocks noChangeAspect="1"/>
-          </p:cNvPicPr>
-          <p:nvPr/>
-        </p:nvPicPr>
-        <p:blipFill>
-          <a:blip r:embed="rId13"/>
-          <a:stretch>
-            <a:fillRect/>
-          </a:stretch>
-        </p:blipFill>
-        <p:spPr>
-          <a:xfrm>
-            <a:off x="22388997" y="25319142"/>
-            <a:ext cx="4213855" cy="1517319"/>
-          </a:xfrm>
-          <a:prstGeom prst="rect">
-            <a:avLst/>
-          </a:prstGeom>
-        </p:spPr>
-      </p:pic>
-      <p:pic>
-        <p:nvPicPr>
-          <p:cNvPr id="55" name="Picture 54">
-            <a:extLst>
-              <a:ext uri="{FF2B5EF4-FFF2-40B4-BE49-F238E27FC236}">
-                <a16:creationId xmlns:a16="http://schemas.microsoft.com/office/drawing/2014/main" id="{6B5E7224-EDDA-1134-23DC-69FF0ED4CC0D}"/>
-              </a:ext>
-            </a:extLst>
-          </p:cNvPr>
-          <p:cNvPicPr>
-            <a:picLocks noChangeAspect="1"/>
-          </p:cNvPicPr>
-          <p:nvPr/>
-        </p:nvPicPr>
-        <p:blipFill>
-          <a:blip r:embed="rId14"/>
-          <a:stretch>
-            <a:fillRect/>
-          </a:stretch>
-        </p:blipFill>
-        <p:spPr>
-          <a:xfrm>
-            <a:off x="21433156" y="26671507"/>
-            <a:ext cx="12074928" cy="1454348"/>
           </a:xfrm>
           <a:prstGeom prst="rect">
             <a:avLst/>
@@ -7063,7 +6982,7 @@
         </p:nvSpPr>
         <p:spPr>
           <a:xfrm>
-            <a:off x="11482860" y="21207799"/>
+            <a:off x="11493627" y="13670793"/>
             <a:ext cx="7179122" cy="2908489"/>
           </a:xfrm>
           <a:prstGeom prst="rect">
@@ -7134,14 +7053,14 @@
           <p:nvPr/>
         </p:nvPicPr>
         <p:blipFill>
-          <a:blip r:embed="rId15"/>
+          <a:blip r:embed="rId12"/>
           <a:stretch>
             <a:fillRect/>
           </a:stretch>
         </p:blipFill>
         <p:spPr>
           <a:xfrm>
-            <a:off x="2701124" y="29732376"/>
+            <a:off x="2961647" y="25859771"/>
             <a:ext cx="6368364" cy="3918993"/>
           </a:xfrm>
           <a:prstGeom prst="rect">
@@ -7164,14 +7083,14 @@
           <p:nvPr/>
         </p:nvPicPr>
         <p:blipFill>
-          <a:blip r:embed="rId16"/>
+          <a:blip r:embed="rId13"/>
           <a:stretch>
             <a:fillRect/>
           </a:stretch>
         </p:blipFill>
         <p:spPr>
           <a:xfrm>
-            <a:off x="9450317" y="29723308"/>
+            <a:off x="9710840" y="25850703"/>
             <a:ext cx="6368365" cy="3908165"/>
           </a:xfrm>
           <a:prstGeom prst="rect">
@@ -7194,7 +7113,7 @@
           <p:nvPr/>
         </p:nvPicPr>
         <p:blipFill>
-          <a:blip r:embed="rId17"/>
+          <a:blip r:embed="rId14"/>
           <a:stretch>
             <a:fillRect/>
           </a:stretch>
@@ -7259,7 +7178,7 @@
           <p:nvPr/>
         </p:nvPicPr>
         <p:blipFill>
-          <a:blip r:embed="rId18"/>
+          <a:blip r:embed="rId15"/>
           <a:stretch>
             <a:fillRect/>
           </a:stretch>
@@ -7340,7 +7259,7 @@
           <p:nvPr/>
         </p:nvPicPr>
         <p:blipFill>
-          <a:blip r:embed="rId19"/>
+          <a:blip r:embed="rId16"/>
           <a:stretch>
             <a:fillRect/>
           </a:stretch>
@@ -7370,7 +7289,7 @@
           <p:nvPr/>
         </p:nvPicPr>
         <p:blipFill>
-          <a:blip r:embed="rId20"/>
+          <a:blip r:embed="rId17"/>
           <a:stretch>
             <a:fillRect/>
           </a:stretch>
@@ -7400,7 +7319,7 @@
           <p:nvPr/>
         </p:nvPicPr>
         <p:blipFill>
-          <a:blip r:embed="rId21"/>
+          <a:blip r:embed="rId18"/>
           <a:stretch>
             <a:fillRect/>
           </a:stretch>
@@ -7430,7 +7349,7 @@
           <p:nvPr/>
         </p:nvPicPr>
         <p:blipFill>
-          <a:blip r:embed="rId22"/>
+          <a:blip r:embed="rId19"/>
           <a:stretch>
             <a:fillRect/>
           </a:stretch>
@@ -7460,44 +7379,14 @@
           <p:nvPr/>
         </p:nvPicPr>
         <p:blipFill>
-          <a:blip r:embed="rId23"/>
+          <a:blip r:embed="rId20"/>
           <a:stretch>
             <a:fillRect/>
           </a:stretch>
         </p:blipFill>
         <p:spPr>
           <a:xfrm>
-            <a:off x="13401090" y="20379958"/>
-            <a:ext cx="2765554" cy="853566"/>
-          </a:xfrm>
-          <a:prstGeom prst="rect">
-            <a:avLst/>
-          </a:prstGeom>
-        </p:spPr>
-      </p:pic>
-      <p:pic>
-        <p:nvPicPr>
-          <p:cNvPr id="58" name="Picture 57">
-            <a:extLst>
-              <a:ext uri="{FF2B5EF4-FFF2-40B4-BE49-F238E27FC236}">
-                <a16:creationId xmlns:a16="http://schemas.microsoft.com/office/drawing/2014/main" id="{5B0F9A5A-602F-0862-F00F-F1E573F0618F}"/>
-              </a:ext>
-            </a:extLst>
-          </p:cNvPr>
-          <p:cNvPicPr>
-            <a:picLocks noChangeAspect="1"/>
-          </p:cNvPicPr>
-          <p:nvPr/>
-        </p:nvPicPr>
-        <p:blipFill>
-          <a:blip r:embed="rId23"/>
-          <a:stretch>
-            <a:fillRect/>
-          </a:stretch>
-        </p:blipFill>
-        <p:spPr>
-          <a:xfrm>
-            <a:off x="27372381" y="25229343"/>
+            <a:off x="14573323" y="17091883"/>
             <a:ext cx="2765554" cy="853566"/>
           </a:xfrm>
           <a:prstGeom prst="rect">
@@ -7520,7 +7409,7 @@
           <p:nvPr/>
         </p:nvPicPr>
         <p:blipFill>
-          <a:blip r:embed="rId24"/>
+          <a:blip r:embed="rId21"/>
           <a:stretch>
             <a:fillRect/>
           </a:stretch>
@@ -7550,7 +7439,7 @@
           <p:nvPr/>
         </p:nvPicPr>
         <p:blipFill>
-          <a:blip r:embed="rId25"/>
+          <a:blip r:embed="rId22"/>
           <a:stretch>
             <a:fillRect/>
           </a:stretch>
@@ -7623,7 +7512,7 @@
           <p:nvPr/>
         </p:nvPicPr>
         <p:blipFill>
-          <a:blip r:embed="rId26"/>
+          <a:blip r:embed="rId23"/>
           <a:stretch>
             <a:fillRect/>
           </a:stretch>
@@ -7653,6 +7542,96 @@
           <p:nvPr/>
         </p:nvPicPr>
         <p:blipFill>
+          <a:blip r:embed="rId24"/>
+          <a:stretch>
+            <a:fillRect/>
+          </a:stretch>
+        </p:blipFill>
+        <p:spPr>
+          <a:xfrm>
+            <a:off x="19528806" y="23604555"/>
+            <a:ext cx="5266872" cy="690142"/>
+          </a:xfrm>
+          <a:prstGeom prst="rect">
+            <a:avLst/>
+          </a:prstGeom>
+        </p:spPr>
+      </p:pic>
+      <p:pic>
+        <p:nvPicPr>
+          <p:cNvPr id="29" name="Picture 28">
+            <a:extLst>
+              <a:ext uri="{FF2B5EF4-FFF2-40B4-BE49-F238E27FC236}">
+                <a16:creationId xmlns:a16="http://schemas.microsoft.com/office/drawing/2014/main" id="{7554192E-4DFC-B235-ECC3-5F4FAABCCFFE}"/>
+              </a:ext>
+            </a:extLst>
+          </p:cNvPr>
+          <p:cNvPicPr>
+            <a:picLocks noChangeAspect="1"/>
+          </p:cNvPicPr>
+          <p:nvPr/>
+        </p:nvPicPr>
+        <p:blipFill>
+          <a:blip r:embed="rId25"/>
+          <a:stretch>
+            <a:fillRect/>
+          </a:stretch>
+        </p:blipFill>
+        <p:spPr>
+          <a:xfrm>
+            <a:off x="5305156" y="20105603"/>
+            <a:ext cx="13367593" cy="1253211"/>
+          </a:xfrm>
+          <a:prstGeom prst="rect">
+            <a:avLst/>
+          </a:prstGeom>
+        </p:spPr>
+      </p:pic>
+      <p:pic>
+        <p:nvPicPr>
+          <p:cNvPr id="66" name="Picture 65" descr="A group of black text&#10;&#10;Description automatically generated">
+            <a:extLst>
+              <a:ext uri="{FF2B5EF4-FFF2-40B4-BE49-F238E27FC236}">
+                <a16:creationId xmlns:a16="http://schemas.microsoft.com/office/drawing/2014/main" id="{998B9B53-8D2F-6D5C-CBDD-1EA9BDF46830}"/>
+              </a:ext>
+            </a:extLst>
+          </p:cNvPr>
+          <p:cNvPicPr>
+            <a:picLocks noChangeAspect="1"/>
+          </p:cNvPicPr>
+          <p:nvPr/>
+        </p:nvPicPr>
+        <p:blipFill>
+          <a:blip r:embed="rId26"/>
+          <a:stretch>
+            <a:fillRect/>
+          </a:stretch>
+        </p:blipFill>
+        <p:spPr>
+          <a:xfrm>
+            <a:off x="22180001" y="25038744"/>
+            <a:ext cx="5312563" cy="1878998"/>
+          </a:xfrm>
+          <a:prstGeom prst="rect">
+            <a:avLst/>
+          </a:prstGeom>
+        </p:spPr>
+      </p:pic>
+      <p:pic>
+        <p:nvPicPr>
+          <p:cNvPr id="71" name="Picture 70">
+            <a:extLst>
+              <a:ext uri="{FF2B5EF4-FFF2-40B4-BE49-F238E27FC236}">
+                <a16:creationId xmlns:a16="http://schemas.microsoft.com/office/drawing/2014/main" id="{3D75F8CE-704D-BCB2-1CD1-940C7B4B5B69}"/>
+              </a:ext>
+            </a:extLst>
+          </p:cNvPr>
+          <p:cNvPicPr>
+            <a:picLocks noChangeAspect="1"/>
+          </p:cNvPicPr>
+          <p:nvPr/>
+        </p:nvPicPr>
+        <p:blipFill>
           <a:blip r:embed="rId27"/>
           <a:stretch>
             <a:fillRect/>
@@ -7660,8 +7639,8 @@
         </p:blipFill>
         <p:spPr>
           <a:xfrm>
-            <a:off x="19528806" y="23604555"/>
-            <a:ext cx="5266872" cy="690142"/>
+            <a:off x="21593602" y="27019712"/>
+            <a:ext cx="11701904" cy="1001047"/>
           </a:xfrm>
           <a:prstGeom prst="rect">
             <a:avLst/>

--- a/Bayesian COVID Hospitalizations.pptx
+++ b/Bayesian COVID Hospitalizations.pptx
@@ -149,8 +149,8 @@
       <pc:docMk xmlns:pc="http://schemas.microsoft.com/office/powerpoint/2013/main/command"/>
       <pc:sldMk xmlns:pc="http://schemas.microsoft.com/office/powerpoint/2013/main/command" cId="0" sldId="256"/>
       <ac:spMk id="60" creationId="{613C2190-55DE-4ECE-ACBA-8B99338B994D}"/>
-      <ac:txMk cp="60" len="113">
-        <ac:context len="190" hash="3832306614"/>
+      <ac:txMk cp="79" len="113">
+        <ac:context len="288" hash="1038424143"/>
       </ac:txMk>
     </ac:txMkLst>
     <p188:pos x="6726763" y="1905518"/>
@@ -5236,7 +5236,7 @@
         <p:spPr>
           <a:xfrm>
             <a:off x="2236815" y="17215855"/>
-            <a:ext cx="14838218" cy="9077565"/>
+            <a:ext cx="14838218" cy="10240664"/>
           </a:xfrm>
         </p:spPr>
         <p:txBody>
@@ -5326,7 +5326,11 @@
             </a:endParaRPr>
           </a:p>
           <a:p>
-            <a:pPr marL="475794"/>
+            <a:pPr marL="475794">
+              <a:lnSpc>
+                <a:spcPct val="150000"/>
+              </a:lnSpc>
+            </a:pPr>
             <a:r>
               <a:rPr lang="en-US" sz="3000" dirty="0">
                 <a:latin typeface="+mn-lt"/>
@@ -5336,6 +5340,9 @@
           </a:p>
           <a:p>
             <a:pPr marL="932994" indent="-457200">
+              <a:lnSpc>
+                <a:spcPct val="150000"/>
+              </a:lnSpc>
               <a:buFont typeface="Arial" panose="020B0604020202020204" pitchFamily="34" charset="0"/>
               <a:buChar char="•"/>
             </a:pPr>
@@ -5346,6 +5353,9 @@
           </a:p>
           <a:p>
             <a:pPr marL="932994" indent="-457200">
+              <a:lnSpc>
+                <a:spcPct val="150000"/>
+              </a:lnSpc>
               <a:buFont typeface="Arial" panose="020B0604020202020204" pitchFamily="34" charset="0"/>
               <a:buChar char="•"/>
             </a:pPr>
@@ -5356,6 +5366,9 @@
           </a:p>
           <a:p>
             <a:pPr marL="932994" indent="-457200">
+              <a:lnSpc>
+                <a:spcPct val="150000"/>
+              </a:lnSpc>
               <a:buFont typeface="Arial" panose="020B0604020202020204" pitchFamily="34" charset="0"/>
               <a:buChar char="•"/>
             </a:pPr>
@@ -5365,7 +5378,11 @@
             </a:r>
           </a:p>
           <a:p>
-            <a:pPr marL="475794"/>
+            <a:pPr marL="475794">
+              <a:lnSpc>
+                <a:spcPct val="150000"/>
+              </a:lnSpc>
+            </a:pPr>
             <a:r>
               <a:rPr lang="en-US" sz="3000" dirty="0">
                 <a:latin typeface="+mn-lt"/>
@@ -5375,6 +5392,9 @@
           </a:p>
           <a:p>
             <a:pPr marL="932994" indent="-457200">
+              <a:lnSpc>
+                <a:spcPct val="150000"/>
+              </a:lnSpc>
               <a:buFont typeface="Arial" panose="020B0604020202020204" pitchFamily="34" charset="0"/>
               <a:buChar char="•"/>
             </a:pPr>
@@ -6982,8 +7002,8 @@
         </p:nvSpPr>
         <p:spPr>
           <a:xfrm>
-            <a:off x="11493627" y="13670793"/>
-            <a:ext cx="7179122" cy="2908489"/>
+            <a:off x="2766566" y="31577745"/>
+            <a:ext cx="13367988" cy="2439129"/>
           </a:xfrm>
           <a:prstGeom prst="rect">
             <a:avLst/>
@@ -6996,6 +7016,12 @@
           </a:bodyPr>
           <a:lstStyle/>
           <a:p>
+            <a:r>
+              <a:rPr lang="en-US" sz="3050" b="1" dirty="0"/>
+              <a:t>Variable Selection</a:t>
+            </a:r>
+          </a:p>
+          <a:p>
             <a:pPr marL="457200" indent="-457200">
               <a:buFont typeface="Arial" panose="020B0604020202020204" pitchFamily="34" charset="0"/>
               <a:buChar char="•"/>
@@ -7034,7 +7060,16 @@
               <a:rPr lang="en-US" sz="3050" b="1" dirty="0"/>
               <a:t>(need citation)</a:t>
             </a:r>
-            <a:endParaRPr lang="en-US" sz="3050" dirty="0"/>
+          </a:p>
+          <a:p>
+            <a:pPr marL="457200" indent="-457200">
+              <a:buFont typeface="Arial" panose="020B0604020202020204" pitchFamily="34" charset="0"/>
+              <a:buChar char="•"/>
+            </a:pPr>
+            <a:r>
+              <a:rPr lang="en-US" sz="3050" dirty="0"/>
+              <a:t>Added a state level effect predictor, to account for between state variability</a:t>
+            </a:r>
           </a:p>
         </p:txBody>
       </p:sp>
@@ -7060,7 +7095,7 @@
         </p:blipFill>
         <p:spPr>
           <a:xfrm>
-            <a:off x="2961647" y="25859771"/>
+            <a:off x="3016996" y="27532022"/>
             <a:ext cx="6368364" cy="3918993"/>
           </a:xfrm>
           <a:prstGeom prst="rect">
@@ -7090,7 +7125,7 @@
         </p:blipFill>
         <p:spPr>
           <a:xfrm>
-            <a:off x="9710840" y="25850703"/>
+            <a:off x="9766189" y="27522954"/>
             <a:ext cx="6368365" cy="3908165"/>
           </a:xfrm>
           <a:prstGeom prst="rect">

--- a/Bayesian COVID Hospitalizations.pptx
+++ b/Bayesian COVID Hospitalizations.pptx
@@ -191,7 +191,7 @@
       </a:p>
     </p188:txBody>
   </p188:cm>
-  <p188:cm id="{4AC287C7-097F-C34A-888F-3FA81F10F5FB}" authorId="{74906A6B-110F-D067-7BFC-521FF3E147DB}" created="2024-12-03T16:52:12.878">
+  <p188:cm id="{4AC287C7-097F-C34A-888F-3FA81F10F5FB}" authorId="{74906A6B-110F-D067-7BFC-521FF3E147DB}" status="resolved" created="2024-12-03T16:52:12.878" complete="100000">
     <ac:deMkLst xmlns:ac="http://schemas.microsoft.com/office/drawing/2013/main/command">
       <pc:docMk xmlns:pc="http://schemas.microsoft.com/office/powerpoint/2013/main/command"/>
       <pc:sldMk xmlns:pc="http://schemas.microsoft.com/office/powerpoint/2013/main/command" cId="0" sldId="256"/>
@@ -233,7 +233,7 @@
       </a:p>
     </p188:txBody>
   </p188:cm>
-  <p188:cm id="{3374288E-4A2B-6842-BCFF-01516A549761}" authorId="{74906A6B-110F-D067-7BFC-521FF3E147DB}" created="2024-12-03T17:10:29.511">
+  <p188:cm id="{3374288E-4A2B-6842-BCFF-01516A549761}" authorId="{74906A6B-110F-D067-7BFC-521FF3E147DB}" status="resolved" created="2024-12-03T17:10:29.511" complete="100000">
     <ac:deMkLst xmlns:ac="http://schemas.microsoft.com/office/drawing/2013/main/command">
       <pc:docMk xmlns:pc="http://schemas.microsoft.com/office/powerpoint/2013/main/command"/>
       <pc:sldMk xmlns:pc="http://schemas.microsoft.com/office/powerpoint/2013/main/command" cId="0" sldId="256"/>
@@ -250,7 +250,7 @@
       </a:p>
     </p188:txBody>
   </p188:cm>
-  <p188:cm id="{D76E18BE-3337-C446-BE97-ED0BBBD484DE}" authorId="{74906A6B-110F-D067-7BFC-521FF3E147DB}" created="2024-12-03T17:10:44.078">
+  <p188:cm id="{D76E18BE-3337-C446-BE97-ED0BBBD484DE}" authorId="{74906A6B-110F-D067-7BFC-521FF3E147DB}" status="resolved" created="2024-12-03T17:10:44.078" complete="100000">
     <ac:deMkLst xmlns:ac="http://schemas.microsoft.com/office/drawing/2013/main/command">
       <pc:docMk xmlns:pc="http://schemas.microsoft.com/office/powerpoint/2013/main/command"/>
       <pc:sldMk xmlns:pc="http://schemas.microsoft.com/office/powerpoint/2013/main/command" cId="0" sldId="256"/>
@@ -267,7 +267,7 @@
       </a:p>
     </p188:txBody>
   </p188:cm>
-  <p188:cm id="{BC131E90-891A-7843-A1F5-8D78F40473A0}" authorId="{74906A6B-110F-D067-7BFC-521FF3E147DB}" created="2024-12-03T17:12:07.513">
+  <p188:cm id="{BC131E90-891A-7843-A1F5-8D78F40473A0}" authorId="{74906A6B-110F-D067-7BFC-521FF3E147DB}" status="resolved" created="2024-12-03T17:12:07.513" complete="100000">
     <ac:deMkLst xmlns:ac="http://schemas.microsoft.com/office/drawing/2013/main/command">
       <pc:docMk xmlns:pc="http://schemas.microsoft.com/office/powerpoint/2013/main/command"/>
       <pc:sldMk xmlns:pc="http://schemas.microsoft.com/office/powerpoint/2013/main/command" cId="0" sldId="256"/>
@@ -284,7 +284,7 @@
       </a:p>
     </p188:txBody>
   </p188:cm>
-  <p188:cm id="{3B8925F3-09E5-B54D-BDE9-B3E822DF1C91}" authorId="{74906A6B-110F-D067-7BFC-521FF3E147DB}" created="2024-12-03T17:12:58.962">
+  <p188:cm id="{3B8925F3-09E5-B54D-BDE9-B3E822DF1C91}" authorId="{74906A6B-110F-D067-7BFC-521FF3E147DB}" status="resolved" created="2024-12-03T17:12:58.962" complete="100000">
     <ac:deMkLst xmlns:ac="http://schemas.microsoft.com/office/drawing/2013/main/command">
       <pc:docMk xmlns:pc="http://schemas.microsoft.com/office/powerpoint/2013/main/command"/>
       <pc:sldMk xmlns:pc="http://schemas.microsoft.com/office/powerpoint/2013/main/command" cId="0" sldId="256"/>
@@ -315,7 +315,7 @@
       </a:p>
     </p188:txBody>
   </p188:cm>
-  <p188:cm id="{46F6AFB6-5C0F-CD4A-854B-DB7DB899A10A}" authorId="{74906A6B-110F-D067-7BFC-521FF3E147DB}" created="2024-12-03T17:18:42.135">
+  <p188:cm id="{46F6AFB6-5C0F-CD4A-854B-DB7DB899A10A}" authorId="{74906A6B-110F-D067-7BFC-521FF3E147DB}" status="resolved" created="2024-12-03T17:18:42.135" complete="100000">
     <ac:txMkLst xmlns:ac="http://schemas.microsoft.com/office/drawing/2013/main/command">
       <pc:docMk xmlns:pc="http://schemas.microsoft.com/office/powerpoint/2013/main/command"/>
       <pc:sldMk xmlns:pc="http://schemas.microsoft.com/office/powerpoint/2013/main/command" cId="0" sldId="256"/>
@@ -7361,7 +7361,7 @@
         </p:blipFill>
         <p:spPr>
           <a:xfrm>
-            <a:off x="33822475" y="26552800"/>
+            <a:off x="33822475" y="26691862"/>
             <a:ext cx="10647966" cy="4743888"/>
           </a:xfrm>
           <a:prstGeom prst="rect">

--- a/Bayesian COVID Hospitalizations.pptx
+++ b/Bayesian COVID Hospitalizations.pptx
@@ -149,8 +149,8 @@
       <pc:docMk xmlns:pc="http://schemas.microsoft.com/office/powerpoint/2013/main/command"/>
       <pc:sldMk xmlns:pc="http://schemas.microsoft.com/office/powerpoint/2013/main/command" cId="0" sldId="256"/>
       <ac:spMk id="60" creationId="{613C2190-55DE-4ECE-ACBA-8B99338B994D}"/>
-      <ac:txMk cp="79" len="113">
-        <ac:context len="288" hash="1038424143"/>
+      <ac:txMk cp="60" len="113">
+        <ac:context len="190" hash="3832306614"/>
       </ac:txMk>
     </ac:txMkLst>
     <p188:pos x="6726763" y="1905518"/>
@@ -170,8 +170,8 @@
       <pc:docMk xmlns:pc="http://schemas.microsoft.com/office/powerpoint/2013/main/command"/>
       <pc:sldMk xmlns:pc="http://schemas.microsoft.com/office/powerpoint/2013/main/command" cId="0" sldId="256"/>
       <ac:spMk id="50" creationId="{00000000-0000-0000-0000-000000000000}"/>
-      <ac:txMk cp="90" len="322">
-        <ac:context len="517" hash="3313128920"/>
+      <ac:txMk cp="58" len="322">
+        <ac:context len="485" hash="4221436145"/>
       </ac:txMk>
     </ac:txMkLst>
     <p188:pos x="15025949" y="5293895"/>
@@ -191,7 +191,7 @@
       </a:p>
     </p188:txBody>
   </p188:cm>
-  <p188:cm id="{4AC287C7-097F-C34A-888F-3FA81F10F5FB}" authorId="{74906A6B-110F-D067-7BFC-521FF3E147DB}" status="resolved" created="2024-12-03T16:52:12.878" complete="100000">
+  <p188:cm id="{4AC287C7-097F-C34A-888F-3FA81F10F5FB}" authorId="{74906A6B-110F-D067-7BFC-521FF3E147DB}" created="2024-12-03T16:52:12.878">
     <ac:deMkLst xmlns:ac="http://schemas.microsoft.com/office/drawing/2013/main/command">
       <pc:docMk xmlns:pc="http://schemas.microsoft.com/office/powerpoint/2013/main/command"/>
       <pc:sldMk xmlns:pc="http://schemas.microsoft.com/office/powerpoint/2013/main/command" cId="0" sldId="256"/>
@@ -233,7 +233,7 @@
       </a:p>
     </p188:txBody>
   </p188:cm>
-  <p188:cm id="{3374288E-4A2B-6842-BCFF-01516A549761}" authorId="{74906A6B-110F-D067-7BFC-521FF3E147DB}" status="resolved" created="2024-12-03T17:10:29.511" complete="100000">
+  <p188:cm id="{3374288E-4A2B-6842-BCFF-01516A549761}" authorId="{74906A6B-110F-D067-7BFC-521FF3E147DB}" created="2024-12-03T17:10:29.511">
     <ac:deMkLst xmlns:ac="http://schemas.microsoft.com/office/drawing/2013/main/command">
       <pc:docMk xmlns:pc="http://schemas.microsoft.com/office/powerpoint/2013/main/command"/>
       <pc:sldMk xmlns:pc="http://schemas.microsoft.com/office/powerpoint/2013/main/command" cId="0" sldId="256"/>
@@ -250,7 +250,7 @@
       </a:p>
     </p188:txBody>
   </p188:cm>
-  <p188:cm id="{D76E18BE-3337-C446-BE97-ED0BBBD484DE}" authorId="{74906A6B-110F-D067-7BFC-521FF3E147DB}" status="resolved" created="2024-12-03T17:10:44.078" complete="100000">
+  <p188:cm id="{D76E18BE-3337-C446-BE97-ED0BBBD484DE}" authorId="{74906A6B-110F-D067-7BFC-521FF3E147DB}" created="2024-12-03T17:10:44.078">
     <ac:deMkLst xmlns:ac="http://schemas.microsoft.com/office/drawing/2013/main/command">
       <pc:docMk xmlns:pc="http://schemas.microsoft.com/office/powerpoint/2013/main/command"/>
       <pc:sldMk xmlns:pc="http://schemas.microsoft.com/office/powerpoint/2013/main/command" cId="0" sldId="256"/>
@@ -267,7 +267,7 @@
       </a:p>
     </p188:txBody>
   </p188:cm>
-  <p188:cm id="{BC131E90-891A-7843-A1F5-8D78F40473A0}" authorId="{74906A6B-110F-D067-7BFC-521FF3E147DB}" status="resolved" created="2024-12-03T17:12:07.513" complete="100000">
+  <p188:cm id="{BC131E90-891A-7843-A1F5-8D78F40473A0}" authorId="{74906A6B-110F-D067-7BFC-521FF3E147DB}" created="2024-12-03T17:12:07.513">
     <ac:deMkLst xmlns:ac="http://schemas.microsoft.com/office/drawing/2013/main/command">
       <pc:docMk xmlns:pc="http://schemas.microsoft.com/office/powerpoint/2013/main/command"/>
       <pc:sldMk xmlns:pc="http://schemas.microsoft.com/office/powerpoint/2013/main/command" cId="0" sldId="256"/>
@@ -284,7 +284,7 @@
       </a:p>
     </p188:txBody>
   </p188:cm>
-  <p188:cm id="{3B8925F3-09E5-B54D-BDE9-B3E822DF1C91}" authorId="{74906A6B-110F-D067-7BFC-521FF3E147DB}" status="resolved" created="2024-12-03T17:12:58.962" complete="100000">
+  <p188:cm id="{3B8925F3-09E5-B54D-BDE9-B3E822DF1C91}" authorId="{74906A6B-110F-D067-7BFC-521FF3E147DB}" created="2024-12-03T17:12:58.962">
     <ac:deMkLst xmlns:ac="http://schemas.microsoft.com/office/drawing/2013/main/command">
       <pc:docMk xmlns:pc="http://schemas.microsoft.com/office/powerpoint/2013/main/command"/>
       <pc:sldMk xmlns:pc="http://schemas.microsoft.com/office/powerpoint/2013/main/command" cId="0" sldId="256"/>
@@ -315,7 +315,7 @@
       </a:p>
     </p188:txBody>
   </p188:cm>
-  <p188:cm id="{46F6AFB6-5C0F-CD4A-854B-DB7DB899A10A}" authorId="{74906A6B-110F-D067-7BFC-521FF3E147DB}" status="resolved" created="2024-12-03T17:18:42.135" complete="100000">
+  <p188:cm id="{46F6AFB6-5C0F-CD4A-854B-DB7DB899A10A}" authorId="{74906A6B-110F-D067-7BFC-521FF3E147DB}" created="2024-12-03T17:18:42.135">
     <ac:txMkLst xmlns:ac="http://schemas.microsoft.com/office/drawing/2013/main/command">
       <pc:docMk xmlns:pc="http://schemas.microsoft.com/office/powerpoint/2013/main/command"/>
       <pc:sldMk xmlns:pc="http://schemas.microsoft.com/office/powerpoint/2013/main/command" cId="0" sldId="256"/>
@@ -376,7 +376,7 @@
       <pc:sldMk xmlns:pc="http://schemas.microsoft.com/office/powerpoint/2013/main/command" cId="0" sldId="256"/>
       <ac:spMk id="10" creationId="{025B411F-C30D-3458-EC06-AD109C00A7A3}"/>
       <ac:txMk cp="75" len="39">
-        <ac:context len="115" hash="3813382397"/>
+        <ac:context len="1583" hash="3103544310"/>
       </ac:txMk>
     </ac:txMkLst>
     <p188:pos x="6895310" y="896434"/>
@@ -525,7 +525,7 @@
             <a:fld id="{311E81F8-90E2-2945-9ED7-A6A90A37CF21}" type="datetimeFigureOut">
               <a:rPr lang="en-US" smtClean="0"/>
               <a:pPr/>
-              <a:t>12/5/24</a:t>
+              <a:t>12/3/2024</a:t>
             </a:fld>
             <a:endParaRPr lang="en-US"/>
           </a:p>
@@ -1094,7 +1094,7 @@
             <a:fld id="{84FD1F27-616A-3542-91BB-C34E14AE38CD}" type="datetimeFigureOut">
               <a:rPr lang="en-US" smtClean="0"/>
               <a:pPr/>
-              <a:t>12/5/24</a:t>
+              <a:t>12/3/2024</a:t>
             </a:fld>
             <a:endParaRPr lang="en-US"/>
           </a:p>
@@ -1266,7 +1266,7 @@
             <a:fld id="{84FD1F27-616A-3542-91BB-C34E14AE38CD}" type="datetimeFigureOut">
               <a:rPr lang="en-US" smtClean="0"/>
               <a:pPr/>
-              <a:t>12/5/24</a:t>
+              <a:t>12/3/2024</a:t>
             </a:fld>
             <a:endParaRPr lang="en-US"/>
           </a:p>
@@ -2132,7 +2132,7 @@
             <a:fld id="{84FD1F27-616A-3542-91BB-C34E14AE38CD}" type="datetimeFigureOut">
               <a:rPr lang="en-US" smtClean="0"/>
               <a:pPr/>
-              <a:t>12/5/24</a:t>
+              <a:t>12/3/2024</a:t>
             </a:fld>
             <a:endParaRPr lang="en-US"/>
           </a:p>
@@ -2556,7 +2556,7 @@
             <a:fld id="{84FD1F27-616A-3542-91BB-C34E14AE38CD}" type="datetimeFigureOut">
               <a:rPr lang="en-US" smtClean="0"/>
               <a:pPr/>
-              <a:t>12/5/24</a:t>
+              <a:t>12/3/2024</a:t>
             </a:fld>
             <a:endParaRPr lang="en-US"/>
           </a:p>
@@ -2676,7 +2676,7 @@
             <a:fld id="{84FD1F27-616A-3542-91BB-C34E14AE38CD}" type="datetimeFigureOut">
               <a:rPr lang="en-US" smtClean="0"/>
               <a:pPr/>
-              <a:t>12/5/24</a:t>
+              <a:t>12/3/2024</a:t>
             </a:fld>
             <a:endParaRPr lang="en-US"/>
           </a:p>
@@ -2773,7 +2773,7 @@
             <a:fld id="{84FD1F27-616A-3542-91BB-C34E14AE38CD}" type="datetimeFigureOut">
               <a:rPr lang="en-US" smtClean="0"/>
               <a:pPr/>
-              <a:t>12/5/24</a:t>
+              <a:t>12/3/2024</a:t>
             </a:fld>
             <a:endParaRPr lang="en-US"/>
           </a:p>
@@ -3052,7 +3052,7 @@
             <a:fld id="{84FD1F27-616A-3542-91BB-C34E14AE38CD}" type="datetimeFigureOut">
               <a:rPr lang="en-US" smtClean="0"/>
               <a:pPr/>
-              <a:t>12/5/24</a:t>
+              <a:t>12/3/2024</a:t>
             </a:fld>
             <a:endParaRPr lang="en-US"/>
           </a:p>
@@ -3311,7 +3311,7 @@
             <a:fld id="{84FD1F27-616A-3542-91BB-C34E14AE38CD}" type="datetimeFigureOut">
               <a:rPr lang="en-US" smtClean="0"/>
               <a:pPr/>
-              <a:t>12/5/24</a:t>
+              <a:t>12/3/2024</a:t>
             </a:fld>
             <a:endParaRPr lang="en-US"/>
           </a:p>
@@ -3522,7 +3522,7 @@
             <a:fld id="{84FD1F27-616A-3542-91BB-C34E14AE38CD}" type="datetimeFigureOut">
               <a:rPr lang="en-US" smtClean="0"/>
               <a:pPr/>
-              <a:t>12/5/24</a:t>
+              <a:t>12/3/2024</a:t>
             </a:fld>
             <a:endParaRPr lang="en-US"/>
           </a:p>
@@ -4052,7 +4052,7 @@
             <a:fld id="{84FD1F27-616A-3542-91BB-C34E14AE38CD}" type="datetimeFigureOut">
               <a:rPr lang="en-US" smtClean="0"/>
               <a:pPr/>
-              <a:t>12/5/24</a:t>
+              <a:t>12/3/2024</a:t>
             </a:fld>
             <a:endParaRPr lang="en-US"/>
           </a:p>
@@ -4483,8 +4483,8 @@
         </p:nvSpPr>
         <p:spPr>
           <a:xfrm>
-            <a:off x="18463924" y="24930163"/>
-            <a:ext cx="14720346" cy="2908489"/>
+            <a:off x="18473346" y="25212865"/>
+            <a:ext cx="14720346" cy="2439129"/>
           </a:xfrm>
           <a:prstGeom prst="rect">
             <a:avLst/>
@@ -4507,15 +4507,6 @@
               </a:rPr>
               <a:t>Final predictors: </a:t>
             </a:r>
-          </a:p>
-          <a:p>
-            <a:pPr marL="932994" indent="-457200">
-              <a:buFont typeface="Arial" panose="020B0604020202020204" pitchFamily="34" charset="0"/>
-              <a:buChar char="•"/>
-            </a:pPr>
-            <a:endParaRPr lang="en-US" sz="3050" b="0" dirty="0">
-              <a:latin typeface="+mn-lt"/>
-            </a:endParaRPr>
           </a:p>
           <a:p>
             <a:pPr marL="932994" indent="-457200">
@@ -5235,8 +5226,8 @@
         </p:nvSpPr>
         <p:spPr>
           <a:xfrm>
-            <a:off x="2236815" y="17215855"/>
-            <a:ext cx="14838218" cy="10240664"/>
+            <a:off x="2236815" y="20780360"/>
+            <a:ext cx="14838218" cy="9077565"/>
           </a:xfrm>
         </p:spPr>
         <p:txBody>
@@ -5253,7 +5244,7 @@
               <a:rPr lang="en-US" sz="3000" dirty="0">
                 <a:latin typeface="+mn-lt"/>
               </a:rPr>
-              <a:t>Outcome variable:		                        where:</a:t>
+              <a:t>Outcome variable:</a:t>
             </a:r>
           </a:p>
           <a:p>
@@ -5326,11 +5317,7 @@
             </a:endParaRPr>
           </a:p>
           <a:p>
-            <a:pPr marL="475794">
-              <a:lnSpc>
-                <a:spcPct val="150000"/>
-              </a:lnSpc>
-            </a:pPr>
+            <a:pPr marL="475794"/>
             <a:r>
               <a:rPr lang="en-US" sz="3000" dirty="0">
                 <a:latin typeface="+mn-lt"/>
@@ -5340,9 +5327,6 @@
           </a:p>
           <a:p>
             <a:pPr marL="932994" indent="-457200">
-              <a:lnSpc>
-                <a:spcPct val="150000"/>
-              </a:lnSpc>
               <a:buFont typeface="Arial" panose="020B0604020202020204" pitchFamily="34" charset="0"/>
               <a:buChar char="•"/>
             </a:pPr>
@@ -5353,9 +5337,6 @@
           </a:p>
           <a:p>
             <a:pPr marL="932994" indent="-457200">
-              <a:lnSpc>
-                <a:spcPct val="150000"/>
-              </a:lnSpc>
               <a:buFont typeface="Arial" panose="020B0604020202020204" pitchFamily="34" charset="0"/>
               <a:buChar char="•"/>
             </a:pPr>
@@ -5366,9 +5347,6 @@
           </a:p>
           <a:p>
             <a:pPr marL="932994" indent="-457200">
-              <a:lnSpc>
-                <a:spcPct val="150000"/>
-              </a:lnSpc>
               <a:buFont typeface="Arial" panose="020B0604020202020204" pitchFamily="34" charset="0"/>
               <a:buChar char="•"/>
             </a:pPr>
@@ -5378,11 +5356,7 @@
             </a:r>
           </a:p>
           <a:p>
-            <a:pPr marL="475794">
-              <a:lnSpc>
-                <a:spcPct val="150000"/>
-              </a:lnSpc>
-            </a:pPr>
+            <a:pPr marL="475794"/>
             <a:r>
               <a:rPr lang="en-US" sz="3000" dirty="0">
                 <a:latin typeface="+mn-lt"/>
@@ -5392,9 +5366,6 @@
           </a:p>
           <a:p>
             <a:pPr marL="932994" indent="-457200">
-              <a:lnSpc>
-                <a:spcPct val="150000"/>
-              </a:lnSpc>
               <a:buFont typeface="Arial" panose="020B0604020202020204" pitchFamily="34" charset="0"/>
               <a:buChar char="•"/>
             </a:pPr>
@@ -5826,7 +5797,7 @@
                 <a:effectLst/>
                 <a:latin typeface="+mj-lt"/>
               </a:rPr>
-              <a:t>When we combined the imputation models, they performed poorly, indicating that our model could be overly sensitive to the specific data patterns introduced during imputation. Consequently, the imputed models fail to generalize well to the underlying data structure.</a:t>
+              <a:t>When we combined the models trained on multiple imputed datasets, they performed poorly, indicating that our model could be overly sensitive to the specific data patterns introduced during imputation. Consequently, the imputed models fail to generalize well to the underlying data structure.</a:t>
             </a:r>
             <a:endParaRPr lang="en-US" sz="3000" dirty="0">
               <a:latin typeface="+mj-lt"/>
@@ -5978,7 +5949,7 @@
         </p:nvSpPr>
         <p:spPr>
           <a:xfrm>
-            <a:off x="3191469" y="16146899"/>
+            <a:off x="3207327" y="19699762"/>
             <a:ext cx="12928910" cy="528816"/>
           </a:xfrm>
           <a:prstGeom prst="rect">
@@ -6210,6 +6181,430 @@
                 <a:latin typeface="+mn-lt"/>
               </a:rPr>
               <a:t>Data structure (individual case level):</a:t>
+            </a:r>
+          </a:p>
+          <a:p>
+            <a:pPr marL="475794"/>
+            <a:r>
+              <a:rPr lang="en-US" sz="1400" b="0" dirty="0">
+                <a:latin typeface="Courier New" panose="02070309020205020404" pitchFamily="49" charset="0"/>
+                <a:cs typeface="Courier New" panose="02070309020205020404" pitchFamily="49" charset="0"/>
+              </a:rPr>
+              <a:t>'</a:t>
+            </a:r>
+            <a:r>
+              <a:rPr lang="en-US" sz="1400" b="0" dirty="0" err="1">
+                <a:latin typeface="Courier New" panose="02070309020205020404" pitchFamily="49" charset="0"/>
+                <a:cs typeface="Courier New" panose="02070309020205020404" pitchFamily="49" charset="0"/>
+              </a:rPr>
+              <a:t>data.frame</a:t>
+            </a:r>
+            <a:r>
+              <a:rPr lang="en-US" sz="1400" b="0" dirty="0">
+                <a:latin typeface="Courier New" panose="02070309020205020404" pitchFamily="49" charset="0"/>
+                <a:cs typeface="Courier New" panose="02070309020205020404" pitchFamily="49" charset="0"/>
+              </a:rPr>
+              <a:t>':	100000 obs. of  19 variables:</a:t>
+            </a:r>
+          </a:p>
+          <a:p>
+            <a:pPr marL="475794"/>
+            <a:r>
+              <a:rPr lang="en-US" sz="1400" b="0" dirty="0">
+                <a:latin typeface="Courier New" panose="02070309020205020404" pitchFamily="49" charset="0"/>
+                <a:cs typeface="Courier New" panose="02070309020205020404" pitchFamily="49" charset="0"/>
+              </a:rPr>
+              <a:t> $ </a:t>
+            </a:r>
+            <a:r>
+              <a:rPr lang="en-US" sz="1400" b="0" dirty="0" err="1">
+                <a:latin typeface="Courier New" panose="02070309020205020404" pitchFamily="49" charset="0"/>
+                <a:cs typeface="Courier New" panose="02070309020205020404" pitchFamily="49" charset="0"/>
+              </a:rPr>
+              <a:t>case_month</a:t>
+            </a:r>
+            <a:r>
+              <a:rPr lang="en-US" sz="1400" b="0" dirty="0">
+                <a:latin typeface="Courier New" panose="02070309020205020404" pitchFamily="49" charset="0"/>
+                <a:cs typeface="Courier New" panose="02070309020205020404" pitchFamily="49" charset="0"/>
+              </a:rPr>
+              <a:t>              : chr  "2021-10" "2022-02" "2020-09" "2021-10" ...</a:t>
+            </a:r>
+          </a:p>
+          <a:p>
+            <a:pPr marL="475794"/>
+            <a:r>
+              <a:rPr lang="en-US" sz="1400" b="0" dirty="0">
+                <a:latin typeface="Courier New" panose="02070309020205020404" pitchFamily="49" charset="0"/>
+                <a:cs typeface="Courier New" panose="02070309020205020404" pitchFamily="49" charset="0"/>
+              </a:rPr>
+              <a:t> $ </a:t>
+            </a:r>
+            <a:r>
+              <a:rPr lang="en-US" sz="1400" b="0" dirty="0" err="1">
+                <a:latin typeface="Courier New" panose="02070309020205020404" pitchFamily="49" charset="0"/>
+                <a:cs typeface="Courier New" panose="02070309020205020404" pitchFamily="49" charset="0"/>
+              </a:rPr>
+              <a:t>res_state</a:t>
+            </a:r>
+            <a:r>
+              <a:rPr lang="en-US" sz="1400" b="0" dirty="0">
+                <a:latin typeface="Courier New" panose="02070309020205020404" pitchFamily="49" charset="0"/>
+                <a:cs typeface="Courier New" panose="02070309020205020404" pitchFamily="49" charset="0"/>
+              </a:rPr>
+              <a:t>               : chr  "NC" "GA" "MO" "MI" ...</a:t>
+            </a:r>
+          </a:p>
+          <a:p>
+            <a:pPr marL="475794"/>
+            <a:r>
+              <a:rPr lang="en-US" sz="1400" b="0" dirty="0">
+                <a:latin typeface="Courier New" panose="02070309020205020404" pitchFamily="49" charset="0"/>
+                <a:cs typeface="Courier New" panose="02070309020205020404" pitchFamily="49" charset="0"/>
+              </a:rPr>
+              <a:t> $ </a:t>
+            </a:r>
+            <a:r>
+              <a:rPr lang="en-US" sz="1400" b="0" dirty="0" err="1">
+                <a:latin typeface="Courier New" panose="02070309020205020404" pitchFamily="49" charset="0"/>
+                <a:cs typeface="Courier New" panose="02070309020205020404" pitchFamily="49" charset="0"/>
+              </a:rPr>
+              <a:t>state_fips_code</a:t>
+            </a:r>
+            <a:r>
+              <a:rPr lang="en-US" sz="1400" b="0" dirty="0">
+                <a:latin typeface="Courier New" panose="02070309020205020404" pitchFamily="49" charset="0"/>
+                <a:cs typeface="Courier New" panose="02070309020205020404" pitchFamily="49" charset="0"/>
+              </a:rPr>
+              <a:t>         : chr  "37" "13" "29" "26" ...</a:t>
+            </a:r>
+          </a:p>
+          <a:p>
+            <a:pPr marL="475794"/>
+            <a:r>
+              <a:rPr lang="en-US" sz="1400" b="0" dirty="0">
+                <a:latin typeface="Courier New" panose="02070309020205020404" pitchFamily="49" charset="0"/>
+                <a:cs typeface="Courier New" panose="02070309020205020404" pitchFamily="49" charset="0"/>
+              </a:rPr>
+              <a:t> $ </a:t>
+            </a:r>
+            <a:r>
+              <a:rPr lang="en-US" sz="1400" b="0" dirty="0" err="1">
+                <a:latin typeface="Courier New" panose="02070309020205020404" pitchFamily="49" charset="0"/>
+                <a:cs typeface="Courier New" panose="02070309020205020404" pitchFamily="49" charset="0"/>
+              </a:rPr>
+              <a:t>res_county</a:t>
+            </a:r>
+            <a:r>
+              <a:rPr lang="en-US" sz="1400" b="0" dirty="0">
+                <a:latin typeface="Courier New" panose="02070309020205020404" pitchFamily="49" charset="0"/>
+                <a:cs typeface="Courier New" panose="02070309020205020404" pitchFamily="49" charset="0"/>
+              </a:rPr>
+              <a:t>              : chr  "DAVIE" "BULLOCH" "POLK" "SANILAC" ...</a:t>
+            </a:r>
+          </a:p>
+          <a:p>
+            <a:pPr marL="475794"/>
+            <a:r>
+              <a:rPr lang="en-US" sz="1400" b="0" dirty="0">
+                <a:latin typeface="Courier New" panose="02070309020205020404" pitchFamily="49" charset="0"/>
+                <a:cs typeface="Courier New" panose="02070309020205020404" pitchFamily="49" charset="0"/>
+              </a:rPr>
+              <a:t> $ </a:t>
+            </a:r>
+            <a:r>
+              <a:rPr lang="en-US" sz="1400" b="0" dirty="0" err="1">
+                <a:latin typeface="Courier New" panose="02070309020205020404" pitchFamily="49" charset="0"/>
+                <a:cs typeface="Courier New" panose="02070309020205020404" pitchFamily="49" charset="0"/>
+              </a:rPr>
+              <a:t>county_fips_code</a:t>
+            </a:r>
+            <a:r>
+              <a:rPr lang="en-US" sz="1400" b="0" dirty="0">
+                <a:latin typeface="Courier New" panose="02070309020205020404" pitchFamily="49" charset="0"/>
+                <a:cs typeface="Courier New" panose="02070309020205020404" pitchFamily="49" charset="0"/>
+              </a:rPr>
+              <a:t>        : chr  "37059" "13031" "29167" "26151" ...</a:t>
+            </a:r>
+          </a:p>
+          <a:p>
+            <a:pPr marL="475794"/>
+            <a:r>
+              <a:rPr lang="en-US" sz="1400" b="0" dirty="0">
+                <a:latin typeface="Courier New" panose="02070309020205020404" pitchFamily="49" charset="0"/>
+                <a:cs typeface="Courier New" panose="02070309020205020404" pitchFamily="49" charset="0"/>
+              </a:rPr>
+              <a:t> $ </a:t>
+            </a:r>
+            <a:r>
+              <a:rPr lang="en-US" sz="1400" b="0" dirty="0" err="1">
+                <a:latin typeface="Courier New" panose="02070309020205020404" pitchFamily="49" charset="0"/>
+                <a:cs typeface="Courier New" panose="02070309020205020404" pitchFamily="49" charset="0"/>
+              </a:rPr>
+              <a:t>age_group</a:t>
+            </a:r>
+            <a:r>
+              <a:rPr lang="en-US" sz="1400" b="0" dirty="0">
+                <a:latin typeface="Courier New" panose="02070309020205020404" pitchFamily="49" charset="0"/>
+                <a:cs typeface="Courier New" panose="02070309020205020404" pitchFamily="49" charset="0"/>
+              </a:rPr>
+              <a:t>               : chr  "0 - 17 years" "18 to 49 years" "18 to 49 years" "18 to 49 years" ...</a:t>
+            </a:r>
+          </a:p>
+          <a:p>
+            <a:pPr marL="475794"/>
+            <a:r>
+              <a:rPr lang="en-US" sz="1400" b="0" dirty="0">
+                <a:latin typeface="Courier New" panose="02070309020205020404" pitchFamily="49" charset="0"/>
+                <a:cs typeface="Courier New" panose="02070309020205020404" pitchFamily="49" charset="0"/>
+              </a:rPr>
+              <a:t> $ sex                     : chr  "Female" "Female" "Female" "Female" Missing" ...</a:t>
+            </a:r>
+          </a:p>
+          <a:p>
+            <a:pPr marL="475794"/>
+            <a:r>
+              <a:rPr lang="en-US" sz="1400" b="0" dirty="0">
+                <a:latin typeface="Courier New" panose="02070309020205020404" pitchFamily="49" charset="0"/>
+                <a:cs typeface="Courier New" panose="02070309020205020404" pitchFamily="49" charset="0"/>
+              </a:rPr>
+              <a:t> $ </a:t>
+            </a:r>
+            <a:r>
+              <a:rPr lang="en-US" sz="1400" b="0" dirty="0" err="1">
+                <a:latin typeface="Courier New" panose="02070309020205020404" pitchFamily="49" charset="0"/>
+                <a:cs typeface="Courier New" panose="02070309020205020404" pitchFamily="49" charset="0"/>
+              </a:rPr>
+              <a:t>hosp_yn</a:t>
+            </a:r>
+            <a:r>
+              <a:rPr lang="en-US" sz="1400" b="0" dirty="0">
+                <a:latin typeface="Courier New" panose="02070309020205020404" pitchFamily="49" charset="0"/>
+                <a:cs typeface="Courier New" panose="02070309020205020404" pitchFamily="49" charset="0"/>
+              </a:rPr>
+              <a:t>                 : chr  "Unknown" "Missing" "Unknown" "Missing"...</a:t>
+            </a:r>
+          </a:p>
+          <a:p>
+            <a:pPr marL="475794"/>
+            <a:r>
+              <a:rPr lang="en-US" sz="1400" b="0" dirty="0">
+                <a:latin typeface="Courier New" panose="02070309020205020404" pitchFamily="49" charset="0"/>
+                <a:cs typeface="Courier New" panose="02070309020205020404" pitchFamily="49" charset="0"/>
+              </a:rPr>
+              <a:t> $ race                    : chr  "NA" "Unknown" "NA" "NA" ...</a:t>
+            </a:r>
+          </a:p>
+          <a:p>
+            <a:pPr marL="475794"/>
+            <a:r>
+              <a:rPr lang="en-US" sz="1400" b="0" dirty="0">
+                <a:latin typeface="Courier New" panose="02070309020205020404" pitchFamily="49" charset="0"/>
+                <a:cs typeface="Courier New" panose="02070309020205020404" pitchFamily="49" charset="0"/>
+              </a:rPr>
+              <a:t> $ ethnicity               : chr  "NA" "Missing" "NA" "NA" ...</a:t>
+            </a:r>
+          </a:p>
+          <a:p>
+            <a:pPr marL="475794"/>
+            <a:r>
+              <a:rPr lang="en-US" sz="1400" b="0" dirty="0">
+                <a:latin typeface="Courier New" panose="02070309020205020404" pitchFamily="49" charset="0"/>
+                <a:cs typeface="Courier New" panose="02070309020205020404" pitchFamily="49" charset="0"/>
+              </a:rPr>
+              <a:t> $ </a:t>
+            </a:r>
+            <a:r>
+              <a:rPr lang="en-US" sz="1400" b="0" dirty="0" err="1">
+                <a:latin typeface="Courier New" panose="02070309020205020404" pitchFamily="49" charset="0"/>
+                <a:cs typeface="Courier New" panose="02070309020205020404" pitchFamily="49" charset="0"/>
+              </a:rPr>
+              <a:t>case_positive_specimen</a:t>
+            </a:r>
+            <a:r>
+              <a:rPr lang="en-US" sz="1400" b="0" dirty="0">
+                <a:latin typeface="Courier New" panose="02070309020205020404" pitchFamily="49" charset="0"/>
+                <a:cs typeface="Courier New" panose="02070309020205020404" pitchFamily="49" charset="0"/>
+              </a:rPr>
+              <a:t>  : chr  "0.0" NA "0.0" NA ...</a:t>
+            </a:r>
+          </a:p>
+          <a:p>
+            <a:pPr marL="475794"/>
+            <a:r>
+              <a:rPr lang="en-US" sz="1400" b="0" dirty="0">
+                <a:latin typeface="Courier New" panose="02070309020205020404" pitchFamily="49" charset="0"/>
+                <a:cs typeface="Courier New" panose="02070309020205020404" pitchFamily="49" charset="0"/>
+              </a:rPr>
+              <a:t> $ process                 : chr  "Missing" "Missing" "Missing" "Missing" ...</a:t>
+            </a:r>
+          </a:p>
+          <a:p>
+            <a:pPr marL="475794"/>
+            <a:r>
+              <a:rPr lang="en-US" sz="1400" b="0" dirty="0">
+                <a:latin typeface="Courier New" panose="02070309020205020404" pitchFamily="49" charset="0"/>
+                <a:cs typeface="Courier New" panose="02070309020205020404" pitchFamily="49" charset="0"/>
+              </a:rPr>
+              <a:t> $ </a:t>
+            </a:r>
+            <a:r>
+              <a:rPr lang="en-US" sz="1400" b="0" dirty="0" err="1">
+                <a:latin typeface="Courier New" panose="02070309020205020404" pitchFamily="49" charset="0"/>
+                <a:cs typeface="Courier New" panose="02070309020205020404" pitchFamily="49" charset="0"/>
+              </a:rPr>
+              <a:t>exposure_yn</a:t>
+            </a:r>
+            <a:r>
+              <a:rPr lang="en-US" sz="1400" b="0" dirty="0">
+                <a:latin typeface="Courier New" panose="02070309020205020404" pitchFamily="49" charset="0"/>
+                <a:cs typeface="Courier New" panose="02070309020205020404" pitchFamily="49" charset="0"/>
+              </a:rPr>
+              <a:t>             : chr  "Missing" "Missing" "Missing" "Missing" ...</a:t>
+            </a:r>
+          </a:p>
+          <a:p>
+            <a:pPr marL="475794"/>
+            <a:r>
+              <a:rPr lang="en-US" sz="1400" b="0" dirty="0">
+                <a:latin typeface="Courier New" panose="02070309020205020404" pitchFamily="49" charset="0"/>
+                <a:cs typeface="Courier New" panose="02070309020205020404" pitchFamily="49" charset="0"/>
+              </a:rPr>
+              <a:t> $ </a:t>
+            </a:r>
+            <a:r>
+              <a:rPr lang="en-US" sz="1400" b="0" dirty="0" err="1">
+                <a:latin typeface="Courier New" panose="02070309020205020404" pitchFamily="49" charset="0"/>
+                <a:cs typeface="Courier New" panose="02070309020205020404" pitchFamily="49" charset="0"/>
+              </a:rPr>
+              <a:t>current_status</a:t>
+            </a:r>
+            <a:r>
+              <a:rPr lang="en-US" sz="1400" b="0" dirty="0">
+                <a:latin typeface="Courier New" panose="02070309020205020404" pitchFamily="49" charset="0"/>
+                <a:cs typeface="Courier New" panose="02070309020205020404" pitchFamily="49" charset="0"/>
+              </a:rPr>
+              <a:t>          : chr  "Laboratory-confirmed case" "Laboratory-confirmed case" "Laboratory-confirmed case" "Laboratory-confirmed case" ...</a:t>
+            </a:r>
+          </a:p>
+          <a:p>
+            <a:pPr marL="475794"/>
+            <a:r>
+              <a:rPr lang="en-US" sz="1400" b="0" dirty="0">
+                <a:latin typeface="Courier New" panose="02070309020205020404" pitchFamily="49" charset="0"/>
+                <a:cs typeface="Courier New" panose="02070309020205020404" pitchFamily="49" charset="0"/>
+              </a:rPr>
+              <a:t> $ </a:t>
+            </a:r>
+            <a:r>
+              <a:rPr lang="en-US" sz="1400" b="0" dirty="0" err="1">
+                <a:latin typeface="Courier New" panose="02070309020205020404" pitchFamily="49" charset="0"/>
+                <a:cs typeface="Courier New" panose="02070309020205020404" pitchFamily="49" charset="0"/>
+              </a:rPr>
+              <a:t>symptom_status</a:t>
+            </a:r>
+            <a:r>
+              <a:rPr lang="en-US" sz="1400" b="0" dirty="0">
+                <a:latin typeface="Courier New" panose="02070309020205020404" pitchFamily="49" charset="0"/>
+                <a:cs typeface="Courier New" panose="02070309020205020404" pitchFamily="49" charset="0"/>
+              </a:rPr>
+              <a:t>          : chr  "Unknown" "Symptomatic" "Symptomatic" " ...</a:t>
+            </a:r>
+          </a:p>
+          <a:p>
+            <a:pPr marL="475794"/>
+            <a:r>
+              <a:rPr lang="en-US" sz="1400" b="0" dirty="0">
+                <a:latin typeface="Courier New" panose="02070309020205020404" pitchFamily="49" charset="0"/>
+                <a:cs typeface="Courier New" panose="02070309020205020404" pitchFamily="49" charset="0"/>
+              </a:rPr>
+              <a:t> $ </a:t>
+            </a:r>
+            <a:r>
+              <a:rPr lang="en-US" sz="1400" b="0" dirty="0" err="1">
+                <a:latin typeface="Courier New" panose="02070309020205020404" pitchFamily="49" charset="0"/>
+                <a:cs typeface="Courier New" panose="02070309020205020404" pitchFamily="49" charset="0"/>
+              </a:rPr>
+              <a:t>icu_yn</a:t>
+            </a:r>
+            <a:r>
+              <a:rPr lang="en-US" sz="1400" b="0" dirty="0">
+                <a:latin typeface="Courier New" panose="02070309020205020404" pitchFamily="49" charset="0"/>
+                <a:cs typeface="Courier New" panose="02070309020205020404" pitchFamily="49" charset="0"/>
+              </a:rPr>
+              <a:t>                  : chr  "Unknown" "Missing" "Missing" "Missing" ...</a:t>
+            </a:r>
+          </a:p>
+          <a:p>
+            <a:pPr marL="475794"/>
+            <a:r>
+              <a:rPr lang="en-US" sz="1400" b="0" dirty="0">
+                <a:latin typeface="Courier New" panose="02070309020205020404" pitchFamily="49" charset="0"/>
+                <a:cs typeface="Courier New" panose="02070309020205020404" pitchFamily="49" charset="0"/>
+              </a:rPr>
+              <a:t> $ </a:t>
+            </a:r>
+            <a:r>
+              <a:rPr lang="en-US" sz="1400" b="0" dirty="0" err="1">
+                <a:latin typeface="Courier New" panose="02070309020205020404" pitchFamily="49" charset="0"/>
+                <a:cs typeface="Courier New" panose="02070309020205020404" pitchFamily="49" charset="0"/>
+              </a:rPr>
+              <a:t>death_yn</a:t>
+            </a:r>
+            <a:r>
+              <a:rPr lang="en-US" sz="1400" b="0" dirty="0">
+                <a:latin typeface="Courier New" panose="02070309020205020404" pitchFamily="49" charset="0"/>
+                <a:cs typeface="Courier New" panose="02070309020205020404" pitchFamily="49" charset="0"/>
+              </a:rPr>
+              <a:t>                : chr  "No" "Missing" "Unknown" "Unknown" ...</a:t>
+            </a:r>
+          </a:p>
+          <a:p>
+            <a:pPr marL="475794"/>
+            <a:r>
+              <a:rPr lang="en-US" sz="1400" b="0" dirty="0">
+                <a:latin typeface="Courier New" panose="02070309020205020404" pitchFamily="49" charset="0"/>
+                <a:cs typeface="Courier New" panose="02070309020205020404" pitchFamily="49" charset="0"/>
+              </a:rPr>
+              <a:t> $ </a:t>
+            </a:r>
+            <a:r>
+              <a:rPr lang="en-US" sz="1400" b="0" dirty="0" err="1">
+                <a:latin typeface="Courier New" panose="02070309020205020404" pitchFamily="49" charset="0"/>
+                <a:cs typeface="Courier New" panose="02070309020205020404" pitchFamily="49" charset="0"/>
+              </a:rPr>
+              <a:t>case_onset_interval</a:t>
+            </a:r>
+            <a:r>
+              <a:rPr lang="en-US" sz="1400" b="0" dirty="0">
+                <a:latin typeface="Courier New" panose="02070309020205020404" pitchFamily="49" charset="0"/>
+                <a:cs typeface="Courier New" panose="02070309020205020404" pitchFamily="49" charset="0"/>
+              </a:rPr>
+              <a:t>     : chr  NA "0.0" "0.0" NA ...</a:t>
+            </a:r>
+          </a:p>
+          <a:p>
+            <a:pPr marL="475794"/>
+            <a:r>
+              <a:rPr lang="en-US" sz="1400" b="0" dirty="0">
+                <a:latin typeface="Courier New" panose="02070309020205020404" pitchFamily="49" charset="0"/>
+                <a:cs typeface="Courier New" panose="02070309020205020404" pitchFamily="49" charset="0"/>
+              </a:rPr>
+              <a:t> $ </a:t>
+            </a:r>
+            <a:r>
+              <a:rPr lang="en-US" sz="1400" b="0" dirty="0" err="1">
+                <a:latin typeface="Courier New" panose="02070309020205020404" pitchFamily="49" charset="0"/>
+                <a:cs typeface="Courier New" panose="02070309020205020404" pitchFamily="49" charset="0"/>
+              </a:rPr>
+              <a:t>underlying_conditions_yn</a:t>
+            </a:r>
+            <a:r>
+              <a:rPr lang="en-US" sz="1400" b="0" dirty="0">
+                <a:latin typeface="Courier New" panose="02070309020205020404" pitchFamily="49" charset="0"/>
+                <a:cs typeface="Courier New" panose="02070309020205020404" pitchFamily="49" charset="0"/>
+              </a:rPr>
+              <a:t>: chr  NA NA NA NA ...</a:t>
             </a:r>
           </a:p>
         </p:txBody>
@@ -6950,7 +7345,7 @@
         </p:blipFill>
         <p:spPr>
           <a:xfrm>
-            <a:off x="6133938" y="16735816"/>
+            <a:off x="6236431" y="20248514"/>
             <a:ext cx="7307816" cy="1429790"/>
           </a:xfrm>
           <a:prstGeom prst="rect">
@@ -6980,8 +7375,98 @@
         </p:blipFill>
         <p:spPr>
           <a:xfrm>
-            <a:off x="6211652" y="18183394"/>
+            <a:off x="6236431" y="21762545"/>
             <a:ext cx="4871975" cy="1963897"/>
+          </a:xfrm>
+          <a:prstGeom prst="rect">
+            <a:avLst/>
+          </a:prstGeom>
+        </p:spPr>
+      </p:pic>
+      <p:pic>
+        <p:nvPicPr>
+          <p:cNvPr id="40" name="Picture 39">
+            <a:extLst>
+              <a:ext uri="{FF2B5EF4-FFF2-40B4-BE49-F238E27FC236}">
+                <a16:creationId xmlns:a16="http://schemas.microsoft.com/office/drawing/2014/main" id="{561C5FE4-9249-2A41-BA37-044223A59553}"/>
+              </a:ext>
+            </a:extLst>
+          </p:cNvPr>
+          <p:cNvPicPr>
+            <a:picLocks noChangeAspect="1"/>
+          </p:cNvPicPr>
+          <p:nvPr/>
+        </p:nvPicPr>
+        <p:blipFill>
+          <a:blip r:embed="rId12"/>
+          <a:stretch>
+            <a:fillRect/>
+          </a:stretch>
+        </p:blipFill>
+        <p:spPr>
+          <a:xfrm>
+            <a:off x="5729836" y="23687905"/>
+            <a:ext cx="12240150" cy="1224015"/>
+          </a:xfrm>
+          <a:prstGeom prst="rect">
+            <a:avLst/>
+          </a:prstGeom>
+        </p:spPr>
+      </p:pic>
+      <p:pic>
+        <p:nvPicPr>
+          <p:cNvPr id="46" name="Picture 45" descr="A close-up of a sign&#10;&#10;Description automatically generated">
+            <a:extLst>
+              <a:ext uri="{FF2B5EF4-FFF2-40B4-BE49-F238E27FC236}">
+                <a16:creationId xmlns:a16="http://schemas.microsoft.com/office/drawing/2014/main" id="{347A5C05-6D0D-4C91-4004-8A9B47776A65}"/>
+              </a:ext>
+            </a:extLst>
+          </p:cNvPr>
+          <p:cNvPicPr>
+            <a:picLocks noChangeAspect="1"/>
+          </p:cNvPicPr>
+          <p:nvPr/>
+        </p:nvPicPr>
+        <p:blipFill>
+          <a:blip r:embed="rId13"/>
+          <a:stretch>
+            <a:fillRect/>
+          </a:stretch>
+        </p:blipFill>
+        <p:spPr>
+          <a:xfrm>
+            <a:off x="22388997" y="25319142"/>
+            <a:ext cx="4213855" cy="1517319"/>
+          </a:xfrm>
+          <a:prstGeom prst="rect">
+            <a:avLst/>
+          </a:prstGeom>
+        </p:spPr>
+      </p:pic>
+      <p:pic>
+        <p:nvPicPr>
+          <p:cNvPr id="55" name="Picture 54">
+            <a:extLst>
+              <a:ext uri="{FF2B5EF4-FFF2-40B4-BE49-F238E27FC236}">
+                <a16:creationId xmlns:a16="http://schemas.microsoft.com/office/drawing/2014/main" id="{6B5E7224-EDDA-1134-23DC-69FF0ED4CC0D}"/>
+              </a:ext>
+            </a:extLst>
+          </p:cNvPr>
+          <p:cNvPicPr>
+            <a:picLocks noChangeAspect="1"/>
+          </p:cNvPicPr>
+          <p:nvPr/>
+        </p:nvPicPr>
+        <p:blipFill>
+          <a:blip r:embed="rId14"/>
+          <a:stretch>
+            <a:fillRect/>
+          </a:stretch>
+        </p:blipFill>
+        <p:spPr>
+          <a:xfrm>
+            <a:off x="21433156" y="26671507"/>
+            <a:ext cx="12074928" cy="1454348"/>
           </a:xfrm>
           <a:prstGeom prst="rect">
             <a:avLst/>
@@ -7002,8 +7487,8 @@
         </p:nvSpPr>
         <p:spPr>
           <a:xfrm>
-            <a:off x="2766566" y="31577745"/>
-            <a:ext cx="13367988" cy="2439129"/>
+            <a:off x="11482860" y="21207799"/>
+            <a:ext cx="7179122" cy="2908489"/>
           </a:xfrm>
           <a:prstGeom prst="rect">
             <a:avLst/>
@@ -7016,12 +7501,6 @@
           </a:bodyPr>
           <a:lstStyle/>
           <a:p>
-            <a:r>
-              <a:rPr lang="en-US" sz="3050" b="1" dirty="0"/>
-              <a:t>Variable Selection</a:t>
-            </a:r>
-          </a:p>
-          <a:p>
             <a:pPr marL="457200" indent="-457200">
               <a:buFont typeface="Arial" panose="020B0604020202020204" pitchFamily="34" charset="0"/>
               <a:buChar char="•"/>
@@ -7060,16 +7539,7 @@
               <a:rPr lang="en-US" sz="3050" b="1" dirty="0"/>
               <a:t>(need citation)</a:t>
             </a:r>
-          </a:p>
-          <a:p>
-            <a:pPr marL="457200" indent="-457200">
-              <a:buFont typeface="Arial" panose="020B0604020202020204" pitchFamily="34" charset="0"/>
-              <a:buChar char="•"/>
-            </a:pPr>
-            <a:r>
-              <a:rPr lang="en-US" sz="3050" dirty="0"/>
-              <a:t>Added a state level effect predictor, to account for between state variability</a:t>
-            </a:r>
+            <a:endParaRPr lang="en-US" sz="3050" dirty="0"/>
           </a:p>
         </p:txBody>
       </p:sp>
@@ -7088,14 +7558,14 @@
           <p:nvPr/>
         </p:nvPicPr>
         <p:blipFill>
-          <a:blip r:embed="rId12"/>
+          <a:blip r:embed="rId15"/>
           <a:stretch>
             <a:fillRect/>
           </a:stretch>
         </p:blipFill>
         <p:spPr>
           <a:xfrm>
-            <a:off x="3016996" y="27532022"/>
+            <a:off x="2701124" y="29732376"/>
             <a:ext cx="6368364" cy="3918993"/>
           </a:xfrm>
           <a:prstGeom prst="rect">
@@ -7118,14 +7588,14 @@
           <p:nvPr/>
         </p:nvPicPr>
         <p:blipFill>
-          <a:blip r:embed="rId13"/>
+          <a:blip r:embed="rId16"/>
           <a:stretch>
             <a:fillRect/>
           </a:stretch>
         </p:blipFill>
         <p:spPr>
           <a:xfrm>
-            <a:off x="9766189" y="27522954"/>
+            <a:off x="9450317" y="29723308"/>
             <a:ext cx="6368365" cy="3908165"/>
           </a:xfrm>
           <a:prstGeom prst="rect">
@@ -7148,7 +7618,7 @@
           <p:nvPr/>
         </p:nvPicPr>
         <p:blipFill>
-          <a:blip r:embed="rId14"/>
+          <a:blip r:embed="rId17"/>
           <a:stretch>
             <a:fillRect/>
           </a:stretch>
@@ -7213,7 +7683,7 @@
           <p:nvPr/>
         </p:nvPicPr>
         <p:blipFill>
-          <a:blip r:embed="rId15"/>
+          <a:blip r:embed="rId18"/>
           <a:stretch>
             <a:fillRect/>
           </a:stretch>
@@ -7294,7 +7764,7 @@
           <p:nvPr/>
         </p:nvPicPr>
         <p:blipFill>
-          <a:blip r:embed="rId16"/>
+          <a:blip r:embed="rId19"/>
           <a:stretch>
             <a:fillRect/>
           </a:stretch>
@@ -7324,7 +7794,7 @@
           <p:nvPr/>
         </p:nvPicPr>
         <p:blipFill>
-          <a:blip r:embed="rId17"/>
+          <a:blip r:embed="rId20"/>
           <a:stretch>
             <a:fillRect/>
           </a:stretch>
@@ -7354,14 +7824,14 @@
           <p:nvPr/>
         </p:nvPicPr>
         <p:blipFill>
-          <a:blip r:embed="rId18"/>
+          <a:blip r:embed="rId21"/>
           <a:stretch>
             <a:fillRect/>
           </a:stretch>
         </p:blipFill>
         <p:spPr>
           <a:xfrm>
-            <a:off x="33822475" y="26691862"/>
+            <a:off x="33822475" y="26552800"/>
             <a:ext cx="10647966" cy="4743888"/>
           </a:xfrm>
           <a:prstGeom prst="rect">
@@ -7384,7 +7854,7 @@
           <p:nvPr/>
         </p:nvPicPr>
         <p:blipFill>
-          <a:blip r:embed="rId19"/>
+          <a:blip r:embed="rId22"/>
           <a:stretch>
             <a:fillRect/>
           </a:stretch>
@@ -7414,14 +7884,44 @@
           <p:nvPr/>
         </p:nvPicPr>
         <p:blipFill>
-          <a:blip r:embed="rId20"/>
+          <a:blip r:embed="rId23"/>
           <a:stretch>
             <a:fillRect/>
           </a:stretch>
         </p:blipFill>
         <p:spPr>
           <a:xfrm>
-            <a:off x="14573323" y="17091883"/>
+            <a:off x="13401090" y="20379958"/>
+            <a:ext cx="2765554" cy="853566"/>
+          </a:xfrm>
+          <a:prstGeom prst="rect">
+            <a:avLst/>
+          </a:prstGeom>
+        </p:spPr>
+      </p:pic>
+      <p:pic>
+        <p:nvPicPr>
+          <p:cNvPr id="58" name="Picture 57">
+            <a:extLst>
+              <a:ext uri="{FF2B5EF4-FFF2-40B4-BE49-F238E27FC236}">
+                <a16:creationId xmlns:a16="http://schemas.microsoft.com/office/drawing/2014/main" id="{5B0F9A5A-602F-0862-F00F-F1E573F0618F}"/>
+              </a:ext>
+            </a:extLst>
+          </p:cNvPr>
+          <p:cNvPicPr>
+            <a:picLocks noChangeAspect="1"/>
+          </p:cNvPicPr>
+          <p:nvPr/>
+        </p:nvPicPr>
+        <p:blipFill>
+          <a:blip r:embed="rId23"/>
+          <a:stretch>
+            <a:fillRect/>
+          </a:stretch>
+        </p:blipFill>
+        <p:spPr>
+          <a:xfrm>
+            <a:off x="27372381" y="25229343"/>
             <a:ext cx="2765554" cy="853566"/>
           </a:xfrm>
           <a:prstGeom prst="rect">
@@ -7444,7 +7944,7 @@
           <p:nvPr/>
         </p:nvPicPr>
         <p:blipFill>
-          <a:blip r:embed="rId21"/>
+          <a:blip r:embed="rId24"/>
           <a:stretch>
             <a:fillRect/>
           </a:stretch>
@@ -7474,7 +7974,7 @@
           <p:nvPr/>
         </p:nvPicPr>
         <p:blipFill>
-          <a:blip r:embed="rId22"/>
+          <a:blip r:embed="rId25"/>
           <a:stretch>
             <a:fillRect/>
           </a:stretch>
@@ -7547,96 +8047,6 @@
           <p:nvPr/>
         </p:nvPicPr>
         <p:blipFill>
-          <a:blip r:embed="rId23"/>
-          <a:stretch>
-            <a:fillRect/>
-          </a:stretch>
-        </p:blipFill>
-        <p:spPr>
-          <a:xfrm>
-            <a:off x="19188149" y="8060370"/>
-            <a:ext cx="6989231" cy="4313354"/>
-          </a:xfrm>
-          <a:prstGeom prst="rect">
-            <a:avLst/>
-          </a:prstGeom>
-        </p:spPr>
-      </p:pic>
-      <p:pic>
-        <p:nvPicPr>
-          <p:cNvPr id="11" name="Picture 10" descr="A screenshot of a cell phone&#10;&#10;Description automatically generated">
-            <a:extLst>
-              <a:ext uri="{FF2B5EF4-FFF2-40B4-BE49-F238E27FC236}">
-                <a16:creationId xmlns:a16="http://schemas.microsoft.com/office/drawing/2014/main" id="{9A767080-2D0C-2C60-D8D2-9DD7EFD1513A}"/>
-              </a:ext>
-            </a:extLst>
-          </p:cNvPr>
-          <p:cNvPicPr>
-            <a:picLocks noChangeAspect="1"/>
-          </p:cNvPicPr>
-          <p:nvPr/>
-        </p:nvPicPr>
-        <p:blipFill>
-          <a:blip r:embed="rId24"/>
-          <a:stretch>
-            <a:fillRect/>
-          </a:stretch>
-        </p:blipFill>
-        <p:spPr>
-          <a:xfrm>
-            <a:off x="19528806" y="23604555"/>
-            <a:ext cx="5266872" cy="690142"/>
-          </a:xfrm>
-          <a:prstGeom prst="rect">
-            <a:avLst/>
-          </a:prstGeom>
-        </p:spPr>
-      </p:pic>
-      <p:pic>
-        <p:nvPicPr>
-          <p:cNvPr id="29" name="Picture 28">
-            <a:extLst>
-              <a:ext uri="{FF2B5EF4-FFF2-40B4-BE49-F238E27FC236}">
-                <a16:creationId xmlns:a16="http://schemas.microsoft.com/office/drawing/2014/main" id="{7554192E-4DFC-B235-ECC3-5F4FAABCCFFE}"/>
-              </a:ext>
-            </a:extLst>
-          </p:cNvPr>
-          <p:cNvPicPr>
-            <a:picLocks noChangeAspect="1"/>
-          </p:cNvPicPr>
-          <p:nvPr/>
-        </p:nvPicPr>
-        <p:blipFill>
-          <a:blip r:embed="rId25"/>
-          <a:stretch>
-            <a:fillRect/>
-          </a:stretch>
-        </p:blipFill>
-        <p:spPr>
-          <a:xfrm>
-            <a:off x="5305156" y="20105603"/>
-            <a:ext cx="13367593" cy="1253211"/>
-          </a:xfrm>
-          <a:prstGeom prst="rect">
-            <a:avLst/>
-          </a:prstGeom>
-        </p:spPr>
-      </p:pic>
-      <p:pic>
-        <p:nvPicPr>
-          <p:cNvPr id="66" name="Picture 65" descr="A group of black text&#10;&#10;Description automatically generated">
-            <a:extLst>
-              <a:ext uri="{FF2B5EF4-FFF2-40B4-BE49-F238E27FC236}">
-                <a16:creationId xmlns:a16="http://schemas.microsoft.com/office/drawing/2014/main" id="{998B9B53-8D2F-6D5C-CBDD-1EA9BDF46830}"/>
-              </a:ext>
-            </a:extLst>
-          </p:cNvPr>
-          <p:cNvPicPr>
-            <a:picLocks noChangeAspect="1"/>
-          </p:cNvPicPr>
-          <p:nvPr/>
-        </p:nvPicPr>
-        <p:blipFill>
           <a:blip r:embed="rId26"/>
           <a:stretch>
             <a:fillRect/>
@@ -7644,8 +8054,8 @@
         </p:blipFill>
         <p:spPr>
           <a:xfrm>
-            <a:off x="22180001" y="25038744"/>
-            <a:ext cx="5312563" cy="1878998"/>
+            <a:off x="19188149" y="8060370"/>
+            <a:ext cx="6989231" cy="4313354"/>
           </a:xfrm>
           <a:prstGeom prst="rect">
             <a:avLst/>
@@ -7654,10 +8064,10 @@
       </p:pic>
       <p:pic>
         <p:nvPicPr>
-          <p:cNvPr id="71" name="Picture 70">
+          <p:cNvPr id="72" name="Picture 71">
             <a:extLst>
               <a:ext uri="{FF2B5EF4-FFF2-40B4-BE49-F238E27FC236}">
-                <a16:creationId xmlns:a16="http://schemas.microsoft.com/office/drawing/2014/main" id="{3D75F8CE-704D-BCB2-1CD1-940C7B4B5B69}"/>
+                <a16:creationId xmlns:a16="http://schemas.microsoft.com/office/drawing/2014/main" id="{6637D13A-9834-5049-B5D9-6ED5AB3C557C}"/>
               </a:ext>
             </a:extLst>
           </p:cNvPr>
@@ -7674,14 +8084,49 @@
         </p:blipFill>
         <p:spPr>
           <a:xfrm>
-            <a:off x="21593602" y="27019712"/>
-            <a:ext cx="11701904" cy="1001047"/>
+            <a:off x="41851716" y="31158837"/>
+            <a:ext cx="8548219" cy="1112625"/>
           </a:xfrm>
           <a:prstGeom prst="rect">
             <a:avLst/>
           </a:prstGeom>
         </p:spPr>
       </p:pic>
+      <p:sp>
+        <p:nvSpPr>
+          <p:cNvPr id="73" name="TextBox 72">
+            <a:extLst>
+              <a:ext uri="{FF2B5EF4-FFF2-40B4-BE49-F238E27FC236}">
+                <a16:creationId xmlns:a16="http://schemas.microsoft.com/office/drawing/2014/main" id="{DFD5DACD-D723-BFA9-DB18-7C0D73E43CF7}"/>
+              </a:ext>
+            </a:extLst>
+          </p:cNvPr>
+          <p:cNvSpPr txBox="1"/>
+          <p:nvPr/>
+        </p:nvSpPr>
+        <p:spPr>
+          <a:xfrm>
+            <a:off x="35546659" y="31543480"/>
+            <a:ext cx="7188235" cy="553998"/>
+          </a:xfrm>
+          <a:prstGeom prst="rect">
+            <a:avLst/>
+          </a:prstGeom>
+          <a:noFill/>
+        </p:spPr>
+        <p:txBody>
+          <a:bodyPr wrap="square" rtlCol="0">
+            <a:spAutoFit/>
+          </a:bodyPr>
+          <a:lstStyle/>
+          <a:p>
+            <a:r>
+              <a:rPr lang="en-US" sz="3000" dirty="0"/>
+              <a:t>Predicted hospitalization probabilities:</a:t>
+            </a:r>
+          </a:p>
+        </p:txBody>
+      </p:sp>
     </p:spTree>
   </p:cSld>
   <p:clrMapOvr>
@@ -8307,23 +8752,6 @@
 </file>
 
 <file path=customXml/item1.xml><?xml version="1.0" encoding="utf-8"?>
-<?mso-contentType ?>
-<FormTemplates xmlns="http://schemas.microsoft.com/sharepoint/v3/contenttype/forms">
-  <Display>DocumentLibraryForm</Display>
-  <Edit>DocumentLibraryForm</Edit>
-  <New>DocumentLibraryForm</New>
-</FormTemplates>
-</file>
-
-<file path=customXml/item2.xml><?xml version="1.0" encoding="utf-8"?>
-<p:properties xmlns:p="http://schemas.microsoft.com/office/2006/metadata/properties" xmlns:xsi="http://www.w3.org/2001/XMLSchema-instance" xmlns:pc="http://schemas.microsoft.com/office/infopath/2007/PartnerControls">
-  <documentManagement>
-    <_activity xmlns="4f41ae97-5a6c-4458-bb1f-235b5f3b5d68" xsi:nil="true"/>
-  </documentManagement>
-</p:properties>
-</file>
-
-<file path=customXml/item3.xml><?xml version="1.0" encoding="utf-8"?>
 <ct:contentTypeSchema xmlns:ct="http://schemas.microsoft.com/office/2006/metadata/contentType" xmlns:ma="http://schemas.microsoft.com/office/2006/metadata/properties/metaAttributes" ct:_="" ma:_="" ma:contentTypeName="Document" ma:contentTypeID="0x0101009751B041C886E142A4CB6BC50AABCCA6" ma:contentTypeVersion="13" ma:contentTypeDescription="Create a new document." ma:contentTypeScope="" ma:versionID="ae8447eb39958e733236cd72149919b1">
   <xsd:schema xmlns:xsd="http://www.w3.org/2001/XMLSchema" xmlns:xs="http://www.w3.org/2001/XMLSchema" xmlns:p="http://schemas.microsoft.com/office/2006/metadata/properties" xmlns:ns3="4f41ae97-5a6c-4458-bb1f-235b5f3b5d68" xmlns:ns4="8802567b-aa87-48e0-ac05-b6cac22ca2ed" targetNamespace="http://schemas.microsoft.com/office/2006/metadata/properties" ma:root="true" ma:fieldsID="aac98df62b6e875c010c3475f39038b6" ns3:_="" ns4:_="">
     <xsd:import namespace="4f41ae97-5a6c-4458-bb1f-235b5f3b5d68"/>
@@ -8544,10 +8972,38 @@
 </ct:contentTypeSchema>
 </file>
 
+<file path=customXml/item2.xml><?xml version="1.0" encoding="utf-8"?>
+<p:properties xmlns:p="http://schemas.microsoft.com/office/2006/metadata/properties" xmlns:xsi="http://www.w3.org/2001/XMLSchema-instance" xmlns:pc="http://schemas.microsoft.com/office/infopath/2007/PartnerControls">
+  <documentManagement>
+    <_activity xmlns="4f41ae97-5a6c-4458-bb1f-235b5f3b5d68" xsi:nil="true"/>
+  </documentManagement>
+</p:properties>
+</file>
+
+<file path=customXml/item3.xml><?xml version="1.0" encoding="utf-8"?>
+<?mso-contentType ?>
+<FormTemplates xmlns="http://schemas.microsoft.com/sharepoint/v3/contenttype/forms">
+  <Display>DocumentLibraryForm</Display>
+  <Edit>DocumentLibraryForm</Edit>
+  <New>DocumentLibraryForm</New>
+</FormTemplates>
+</file>
+
 <file path=customXml/itemProps1.xml><?xml version="1.0" encoding="utf-8"?>
-<ds:datastoreItem xmlns:ds="http://schemas.openxmlformats.org/officeDocument/2006/customXml" ds:itemID="{6D1ED908-36CA-47DE-9D02-6709ABA06A3B}">
+<ds:datastoreItem xmlns:ds="http://schemas.openxmlformats.org/officeDocument/2006/customXml" ds:itemID="{8774136C-BD9E-4C16-A065-F64F959C2ED0}">
   <ds:schemaRefs>
-    <ds:schemaRef ds:uri="http://schemas.microsoft.com/sharepoint/v3/contenttype/forms"/>
+    <ds:schemaRef ds:uri="http://schemas.microsoft.com/office/2006/metadata/contentType"/>
+    <ds:schemaRef ds:uri="http://schemas.microsoft.com/office/2006/metadata/properties/metaAttributes"/>
+    <ds:schemaRef ds:uri="http://www.w3.org/2001/XMLSchema"/>
+    <ds:schemaRef ds:uri="http://schemas.microsoft.com/office/2006/metadata/properties"/>
+    <ds:schemaRef ds:uri="4f41ae97-5a6c-4458-bb1f-235b5f3b5d68"/>
+    <ds:schemaRef ds:uri="8802567b-aa87-48e0-ac05-b6cac22ca2ed"/>
+    <ds:schemaRef ds:uri="http://schemas.microsoft.com/office/2006/documentManagement/types"/>
+    <ds:schemaRef ds:uri="http://schemas.microsoft.com/office/infopath/2007/PartnerControls"/>
+    <ds:schemaRef ds:uri="http://schemas.openxmlformats.org/package/2006/metadata/core-properties"/>
+    <ds:schemaRef ds:uri="http://purl.org/dc/elements/1.1/"/>
+    <ds:schemaRef ds:uri="http://purl.org/dc/terms/"/>
+    <ds:schemaRef ds:uri="http://schemas.microsoft.com/internal/obd"/>
   </ds:schemaRefs>
 </ds:datastoreItem>
 </file>
@@ -8570,20 +9026,9 @@
 </file>
 
 <file path=customXml/itemProps3.xml><?xml version="1.0" encoding="utf-8"?>
-<ds:datastoreItem xmlns:ds="http://schemas.openxmlformats.org/officeDocument/2006/customXml" ds:itemID="{8774136C-BD9E-4C16-A065-F64F959C2ED0}">
+<ds:datastoreItem xmlns:ds="http://schemas.openxmlformats.org/officeDocument/2006/customXml" ds:itemID="{6D1ED908-36CA-47DE-9D02-6709ABA06A3B}">
   <ds:schemaRefs>
-    <ds:schemaRef ds:uri="http://schemas.microsoft.com/office/2006/metadata/contentType"/>
-    <ds:schemaRef ds:uri="http://schemas.microsoft.com/office/2006/metadata/properties/metaAttributes"/>
-    <ds:schemaRef ds:uri="http://www.w3.org/2001/XMLSchema"/>
-    <ds:schemaRef ds:uri="http://schemas.microsoft.com/office/2006/metadata/properties"/>
-    <ds:schemaRef ds:uri="4f41ae97-5a6c-4458-bb1f-235b5f3b5d68"/>
-    <ds:schemaRef ds:uri="8802567b-aa87-48e0-ac05-b6cac22ca2ed"/>
-    <ds:schemaRef ds:uri="http://schemas.microsoft.com/office/2006/documentManagement/types"/>
-    <ds:schemaRef ds:uri="http://schemas.microsoft.com/office/infopath/2007/PartnerControls"/>
-    <ds:schemaRef ds:uri="http://schemas.openxmlformats.org/package/2006/metadata/core-properties"/>
-    <ds:schemaRef ds:uri="http://purl.org/dc/elements/1.1/"/>
-    <ds:schemaRef ds:uri="http://purl.org/dc/terms/"/>
-    <ds:schemaRef ds:uri="http://schemas.microsoft.com/internal/obd"/>
+    <ds:schemaRef ds:uri="http://schemas.microsoft.com/sharepoint/v3/contenttype/forms"/>
   </ds:schemaRefs>
 </ds:datastoreItem>
 </file>